--- a/03-writing_a_test_first.pptx
+++ b/03-writing_a_test_first.pptx
@@ -282,10 +282,9 @@
               <a:defRPr/>
             </a:pPr>
             <a:r>
-              <a:rPr lang="en-US" smtClean="0"/>
+              <a:rPr lang="en-US"/>
               <a:t>Chef Intermediate</a:t>
             </a:r>
-            <a:endParaRPr lang="en-US"/>
           </a:p>
         </p:txBody>
       </p:sp>
@@ -334,7 +333,7 @@
               <a:pPr>
                 <a:defRPr/>
               </a:pPr>
-              <a:t>2017-10-25</a:t>
+              <a:t>2018-03-12</a:t>
             </a:fld>
             <a:endParaRPr lang="en-US" dirty="0"/>
           </a:p>
@@ -513,7 +512,7 @@
               <a:defRPr/>
             </a:pPr>
             <a:r>
-              <a:rPr lang="en-CA" dirty="0" smtClean="0"/>
+              <a:rPr lang="en-CA" dirty="0"/>
               <a:t>Chef Software, Inc.</a:t>
             </a:r>
             <a:endParaRPr lang="en-US" dirty="0"/>
@@ -581,38 +580,37 @@
           <a:p>
             <a:pPr lvl="0"/>
             <a:r>
-              <a:rPr lang="en-US" noProof="0" dirty="0" smtClean="0"/>
+              <a:rPr lang="en-US" noProof="0" dirty="0"/>
               <a:t>Click to edit Master text styles</a:t>
             </a:r>
           </a:p>
           <a:p>
             <a:pPr lvl="1"/>
             <a:r>
-              <a:rPr lang="en-US" noProof="0" dirty="0" smtClean="0"/>
+              <a:rPr lang="en-US" noProof="0" dirty="0"/>
               <a:t>Second level</a:t>
             </a:r>
           </a:p>
           <a:p>
             <a:pPr lvl="2"/>
             <a:r>
-              <a:rPr lang="en-US" noProof="0" dirty="0" smtClean="0"/>
+              <a:rPr lang="en-US" noProof="0" dirty="0"/>
               <a:t>Third level</a:t>
             </a:r>
           </a:p>
           <a:p>
             <a:pPr lvl="3"/>
             <a:r>
-              <a:rPr lang="en-US" noProof="0" dirty="0" smtClean="0"/>
+              <a:rPr lang="en-US" noProof="0" dirty="0"/>
               <a:t>Fourth level</a:t>
             </a:r>
           </a:p>
           <a:p>
             <a:pPr lvl="4"/>
             <a:r>
-              <a:rPr lang="en-US" noProof="0" dirty="0" smtClean="0"/>
+              <a:rPr lang="en-US" noProof="0" dirty="0"/>
               <a:t>Fifth level</a:t>
             </a:r>
-            <a:endParaRPr lang="en-US" noProof="0" dirty="0"/>
           </a:p>
         </p:txBody>
       </p:sp>
@@ -657,7 +655,7 @@
               <a:defRPr/>
             </a:pPr>
             <a:r>
-              <a:rPr lang="en-US" smtClean="0"/>
+              <a:rPr lang="en-US"/>
               <a:t>Chef Intermediate</a:t>
             </a:r>
             <a:endParaRPr lang="en-US" dirty="0"/>
@@ -866,7 +864,7 @@
           <a:lstStyle/>
           <a:p>
             <a:r>
-              <a:rPr lang="en-US" baseline="0" dirty="0" smtClean="0"/>
+              <a:rPr lang="en-US" baseline="0" dirty="0"/>
               <a:t>Writing tests are often difficult. Writing tests before you have written the code that you want to test can often feel like a leap of faith. An act that requires a level of clairvoyance reserved for magicians or con-artists. Some have likened it towards starting a story by first writing the conclusion.</a:t>
             </a:r>
           </a:p>
@@ -916,7 +914,7 @@
               <a:defRPr/>
             </a:pPr>
             <a:r>
-              <a:rPr lang="en-CA" smtClean="0"/>
+              <a:rPr lang="en-CA"/>
               <a:t>Chef Software, Inc.</a:t>
             </a:r>
             <a:endParaRPr lang="en-US" dirty="0"/>
@@ -981,10 +979,9 @@
           <a:lstStyle/>
           <a:p>
             <a:r>
-              <a:rPr lang="en-US" dirty="0" smtClean="0"/>
+              <a:rPr lang="en-US" dirty="0"/>
               <a:t>With the scenario defined it is now time for us to develop the cookbook. We are going to move through the following steps together to accomplish this task.</a:t>
             </a:r>
-            <a:endParaRPr lang="en-US" dirty="0"/>
           </a:p>
         </p:txBody>
       </p:sp>
@@ -1007,10 +1004,9 @@
               <a:defRPr/>
             </a:pPr>
             <a:r>
-              <a:rPr lang="en-US" smtClean="0"/>
+              <a:rPr lang="en-US"/>
               <a:t>Chef Intermediate</a:t>
             </a:r>
-            <a:endParaRPr lang="en-US"/>
           </a:p>
         </p:txBody>
       </p:sp>
@@ -1033,7 +1029,7 @@
               <a:defRPr/>
             </a:pPr>
             <a:r>
-              <a:rPr lang="en-CA" smtClean="0"/>
+              <a:rPr lang="en-CA"/>
               <a:t>Chef Software, Inc.</a:t>
             </a:r>
             <a:endParaRPr lang="en-US" dirty="0"/>
@@ -1098,7 +1094,7 @@
           <a:lstStyle/>
           <a:p>
             <a:r>
-              <a:rPr lang="en-US" baseline="0" dirty="0" smtClean="0"/>
+              <a:rPr lang="en-US" baseline="0" dirty="0"/>
               <a:t>Let's start the journey on your workstation. From the home directory we are going to creating this cookbook.</a:t>
             </a:r>
             <a:endParaRPr lang="en-US" dirty="0"/>
@@ -1124,10 +1120,9 @@
               <a:defRPr/>
             </a:pPr>
             <a:r>
-              <a:rPr lang="en-US" smtClean="0"/>
+              <a:rPr lang="en-US"/>
               <a:t>Chef Intermediate</a:t>
             </a:r>
-            <a:endParaRPr lang="en-US"/>
           </a:p>
         </p:txBody>
       </p:sp>
@@ -1150,7 +1145,7 @@
               <a:defRPr/>
             </a:pPr>
             <a:r>
-              <a:rPr lang="en-CA" smtClean="0"/>
+              <a:rPr lang="en-CA"/>
               <a:t>Chef Software, Inc.</a:t>
             </a:r>
             <a:endParaRPr lang="en-US" dirty="0"/>
@@ -1215,11 +1210,11 @@
           <a:lstStyle/>
           <a:p>
             <a:r>
-              <a:rPr lang="en-US" dirty="0" smtClean="0"/>
+              <a:rPr lang="en-US" dirty="0"/>
               <a:t>We can examine the</a:t>
             </a:r>
             <a:r>
-              <a:rPr lang="en-US" baseline="0" dirty="0" smtClean="0"/>
+              <a:rPr lang="en-US" baseline="0" dirty="0"/>
               <a:t> contents of the cookbook that chef generated for us. Here you see that the tool created for us a complete test directory structure.</a:t>
             </a:r>
             <a:endParaRPr lang="en-US" dirty="0"/>
@@ -1245,10 +1240,9 @@
               <a:defRPr/>
             </a:pPr>
             <a:r>
-              <a:rPr lang="en-US" smtClean="0"/>
+              <a:rPr lang="en-US"/>
               <a:t>Chef Intermediate</a:t>
             </a:r>
-            <a:endParaRPr lang="en-US"/>
           </a:p>
         </p:txBody>
       </p:sp>
@@ -1271,7 +1265,7 @@
               <a:defRPr/>
             </a:pPr>
             <a:r>
-              <a:rPr lang="en-CA" smtClean="0"/>
+              <a:rPr lang="en-CA"/>
               <a:t>Chef Software, Inc.</a:t>
             </a:r>
             <a:endParaRPr lang="en-US" dirty="0"/>
@@ -1336,11 +1330,11 @@
           <a:lstStyle/>
           <a:p>
             <a:r>
-              <a:rPr lang="en-US" dirty="0" smtClean="0"/>
+              <a:rPr lang="en-US" dirty="0"/>
               <a:t>With the cookbook</a:t>
             </a:r>
             <a:r>
-              <a:rPr lang="en-US" baseline="0" dirty="0" smtClean="0"/>
+              <a:rPr lang="en-US" baseline="0" dirty="0"/>
               <a:t> created it is now time to write that first test that verifies the cookbook does what we want it to do.</a:t>
             </a:r>
             <a:endParaRPr lang="en-US" dirty="0"/>
@@ -1366,10 +1360,9 @@
               <a:defRPr/>
             </a:pPr>
             <a:r>
-              <a:rPr lang="en-US" smtClean="0"/>
+              <a:rPr lang="en-US"/>
               <a:t>Chef Intermediate</a:t>
             </a:r>
-            <a:endParaRPr lang="en-US"/>
           </a:p>
         </p:txBody>
       </p:sp>
@@ -1392,7 +1385,7 @@
               <a:defRPr/>
             </a:pPr>
             <a:r>
-              <a:rPr lang="en-CA" smtClean="0"/>
+              <a:rPr lang="en-CA"/>
               <a:t>Chef Software, Inc.</a:t>
             </a:r>
             <a:endParaRPr lang="en-US" dirty="0"/>
@@ -1457,36 +1450,36 @@
           <a:lstStyle/>
           <a:p>
             <a:r>
-              <a:rPr lang="en-US" dirty="0" smtClean="0"/>
+              <a:rPr lang="en-US" dirty="0"/>
               <a:t>RSpec is a Behavior Driven Development (BDD) framework that uses a natural language domain-specific language (DSL) to quickly describe scenarios in which systems are being tested. RSpec allows you to setup a scenario, execute the scenario, and then define expectations on the results. These</a:t>
             </a:r>
             <a:r>
-              <a:rPr lang="en-US" baseline="0" dirty="0" smtClean="0"/>
+              <a:rPr lang="en-US" baseline="0" dirty="0"/>
               <a:t> expectations are expressed in examples that are asserted in different example groups.</a:t>
             </a:r>
-            <a:endParaRPr lang="en-US" dirty="0" smtClean="0"/>
-          </a:p>
-          <a:p>
-            <a:endParaRPr lang="en-US" dirty="0" smtClean="0"/>
-          </a:p>
-          <a:p>
-            <a:r>
-              <a:rPr lang="en-US" dirty="0" smtClean="0"/>
+            <a:endParaRPr lang="en-US" dirty="0"/>
+          </a:p>
+          <a:p>
+            <a:endParaRPr lang="en-US" dirty="0"/>
+          </a:p>
+          <a:p>
+            <a:r>
+              <a:rPr lang="en-US" dirty="0"/>
               <a:t>RSpec</a:t>
             </a:r>
             <a:r>
-              <a:rPr lang="en-US" baseline="0" dirty="0" smtClean="0"/>
+              <a:rPr lang="en-US" baseline="0" dirty="0"/>
               <a:t> by itself grants us the framework, language, and tools. </a:t>
             </a:r>
             <a:r>
-              <a:rPr lang="en-US" baseline="0" dirty="0" err="1" smtClean="0"/>
+              <a:rPr lang="en-US" baseline="0" dirty="0" err="1"/>
               <a:t>InSpec</a:t>
             </a:r>
             <a:r>
-              <a:rPr lang="en-US" baseline="0" dirty="0" smtClean="0"/>
+              <a:rPr lang="en-US" baseline="0" dirty="0"/>
               <a:t> provides the knowledge about expressing expectations about the state of infrastructure.</a:t>
             </a:r>
-            <a:endParaRPr lang="en-US" dirty="0" smtClean="0"/>
+            <a:endParaRPr lang="en-US" dirty="0"/>
           </a:p>
         </p:txBody>
       </p:sp>
@@ -1509,10 +1502,9 @@
               <a:defRPr/>
             </a:pPr>
             <a:r>
-              <a:rPr lang="en-US" smtClean="0"/>
+              <a:rPr lang="en-US"/>
               <a:t>Chef Intermediate</a:t>
             </a:r>
-            <a:endParaRPr lang="en-US"/>
           </a:p>
         </p:txBody>
       </p:sp>
@@ -1535,7 +1527,7 @@
               <a:defRPr/>
             </a:pPr>
             <a:r>
-              <a:rPr lang="en-CA" smtClean="0"/>
+              <a:rPr lang="en-CA"/>
               <a:t>Chef Software, Inc.</a:t>
             </a:r>
             <a:endParaRPr lang="en-US" dirty="0"/>
@@ -1600,27 +1592,27 @@
           <a:lstStyle/>
           <a:p>
             <a:r>
-              <a:rPr lang="en-US" dirty="0" smtClean="0"/>
+              <a:rPr lang="en-US" dirty="0"/>
               <a:t>The generator</a:t>
             </a:r>
             <a:r>
-              <a:rPr lang="en-US" baseline="0" dirty="0" smtClean="0"/>
+              <a:rPr lang="en-US" baseline="0" dirty="0"/>
               <a:t> created an example specification (or spec) file. Before we talk about the </a:t>
             </a:r>
             <a:r>
-              <a:rPr lang="en-US" baseline="0" dirty="0" err="1" smtClean="0"/>
+              <a:rPr lang="en-US" baseline="0" dirty="0" err="1"/>
               <a:t>RSpec</a:t>
             </a:r>
             <a:r>
-              <a:rPr lang="en-US" baseline="0" dirty="0" smtClean="0"/>
+              <a:rPr lang="en-US" baseline="0" dirty="0"/>
               <a:t>/</a:t>
             </a:r>
             <a:r>
-              <a:rPr lang="en-US" baseline="0" dirty="0" err="1" smtClean="0"/>
+              <a:rPr lang="en-US" baseline="0" dirty="0" err="1"/>
               <a:t>InSpec</a:t>
             </a:r>
             <a:r>
-              <a:rPr lang="en-US" baseline="0" dirty="0" smtClean="0"/>
+              <a:rPr lang="en-US" baseline="0" dirty="0"/>
               <a:t> language lets explain the long file path and its importance.</a:t>
             </a:r>
             <a:endParaRPr lang="en-US" dirty="0"/>
@@ -1646,10 +1638,9 @@
               <a:defRPr/>
             </a:pPr>
             <a:r>
-              <a:rPr lang="en-US" smtClean="0"/>
+              <a:rPr lang="en-US"/>
               <a:t>Chef Intermediate</a:t>
             </a:r>
-            <a:endParaRPr lang="en-US"/>
           </a:p>
         </p:txBody>
       </p:sp>
@@ -1672,7 +1663,7 @@
               <a:defRPr/>
             </a:pPr>
             <a:r>
-              <a:rPr lang="en-CA" smtClean="0"/>
+              <a:rPr lang="en-CA"/>
               <a:t>Chef Software, Inc.</a:t>
             </a:r>
             <a:endParaRPr lang="en-US" dirty="0"/>
@@ -1754,42 +1745,41 @@
               <a:defRPr/>
             </a:pPr>
             <a:r>
-              <a:rPr lang="en-US" dirty="0" smtClean="0"/>
+              <a:rPr lang="en-US" dirty="0"/>
               <a:t>Let's take a moment to describe the reason behind this directory path. Within our cookbook we define a test directory and within that test directory we define another directory named smoke'. This is the basic file path that</a:t>
             </a:r>
             <a:r>
-              <a:rPr lang="en-US" baseline="0" dirty="0" smtClean="0"/>
+              <a:rPr lang="en-US" baseline="0" dirty="0"/>
               <a:t> </a:t>
             </a:r>
             <a:r>
-              <a:rPr lang="en-US" dirty="0" smtClean="0"/>
+              <a:rPr lang="en-US" dirty="0"/>
               <a:t>Test Kitchen expects to find the specifications defined in </a:t>
             </a:r>
             <a:r>
-              <a:rPr lang="en-US" dirty="0" err="1" smtClean="0"/>
+              <a:rPr lang="en-US" dirty="0" err="1"/>
               <a:t>InSpec</a:t>
             </a:r>
             <a:r>
-              <a:rPr lang="en-US" dirty="0" smtClean="0"/>
+              <a:rPr lang="en-US" dirty="0"/>
               <a:t>.</a:t>
             </a:r>
             <a:r>
-              <a:rPr lang="en-US" baseline="0" dirty="0" smtClean="0"/>
+              <a:rPr lang="en-US" baseline="0" dirty="0"/>
               <a:t> </a:t>
             </a:r>
             <a:r>
-              <a:rPr lang="en-US" dirty="0" smtClean="0"/>
+              <a:rPr lang="en-US" dirty="0"/>
               <a:t>The next part the path, 'smoke', corresponds to the path specified in the .</a:t>
             </a:r>
             <a:r>
-              <a:rPr lang="en-US" dirty="0" err="1" smtClean="0"/>
+              <a:rPr lang="en-US" dirty="0" err="1"/>
               <a:t>kitchen.yml</a:t>
             </a:r>
             <a:r>
-              <a:rPr lang="en-US" dirty="0" smtClean="0"/>
+              <a:rPr lang="en-US" dirty="0"/>
               <a:t> file.</a:t>
             </a:r>
-            <a:endParaRPr lang="en-US" dirty="0"/>
           </a:p>
         </p:txBody>
       </p:sp>
@@ -1812,10 +1802,9 @@
               <a:defRPr/>
             </a:pPr>
             <a:r>
-              <a:rPr lang="en-US" smtClean="0"/>
+              <a:rPr lang="en-US"/>
               <a:t>Chef Intermediate</a:t>
             </a:r>
-            <a:endParaRPr lang="en-US"/>
           </a:p>
         </p:txBody>
       </p:sp>
@@ -1838,7 +1827,7 @@
               <a:defRPr/>
             </a:pPr>
             <a:r>
-              <a:rPr lang="en-CA" smtClean="0"/>
+              <a:rPr lang="en-CA"/>
               <a:t>Chef Software, Inc.</a:t>
             </a:r>
             <a:endParaRPr lang="en-US" dirty="0"/>
@@ -1903,36 +1892,36 @@
           <a:lstStyle/>
           <a:p>
             <a:r>
-              <a:rPr lang="en-US" dirty="0" smtClean="0"/>
+              <a:rPr lang="en-US" dirty="0"/>
               <a:t>The ruby</a:t>
             </a:r>
             <a:r>
-              <a:rPr lang="en-US" baseline="0" dirty="0" smtClean="0"/>
+              <a:rPr lang="en-US" baseline="0" dirty="0"/>
               <a:t> file, </a:t>
             </a:r>
             <a:r>
-              <a:rPr lang="en-US" baseline="0" dirty="0" err="1" smtClean="0"/>
+              <a:rPr lang="en-US" baseline="0" dirty="0" err="1"/>
               <a:t>default_test.rb</a:t>
             </a:r>
             <a:r>
-              <a:rPr lang="en-US" baseline="0" dirty="0" smtClean="0"/>
+              <a:rPr lang="en-US" baseline="0" dirty="0"/>
               <a:t>, contains the tests that we have defined. A test file is a Ruby file that contains domain specific language constructs that we use to express our desired state of the system.</a:t>
             </a:r>
           </a:p>
           <a:p>
-            <a:endParaRPr lang="en-US" baseline="0" dirty="0" smtClean="0"/>
-          </a:p>
-          <a:p>
-            <a:r>
-              <a:rPr lang="en-US" baseline="0" dirty="0" smtClean="0"/>
+            <a:endParaRPr lang="en-US" baseline="0" dirty="0"/>
+          </a:p>
+          <a:p>
+            <a:r>
+              <a:rPr lang="en-US" baseline="0" dirty="0"/>
               <a:t>Let's open this </a:t>
             </a:r>
             <a:r>
-              <a:rPr lang="en-US" baseline="0" dirty="0" err="1" smtClean="0"/>
+              <a:rPr lang="en-US" baseline="0" dirty="0" err="1"/>
               <a:t>default_test.rb</a:t>
             </a:r>
             <a:r>
-              <a:rPr lang="en-US" baseline="0" dirty="0" smtClean="0"/>
+              <a:rPr lang="en-US" baseline="0" dirty="0"/>
               <a:t> file and review the contents of it.</a:t>
             </a:r>
           </a:p>
@@ -1957,10 +1946,9 @@
               <a:defRPr/>
             </a:pPr>
             <a:r>
-              <a:rPr lang="en-US" smtClean="0"/>
+              <a:rPr lang="en-US"/>
               <a:t>Chef Intermediate</a:t>
             </a:r>
-            <a:endParaRPr lang="en-US"/>
           </a:p>
         </p:txBody>
       </p:sp>
@@ -1983,7 +1971,7 @@
               <a:defRPr/>
             </a:pPr>
             <a:r>
-              <a:rPr lang="en-CA" smtClean="0"/>
+              <a:rPr lang="en-CA"/>
               <a:t>Chef Software, Inc.</a:t>
             </a:r>
             <a:endParaRPr lang="en-US" dirty="0"/>
@@ -2048,53 +2036,53 @@
           <a:lstStyle/>
           <a:p>
             <a:r>
-              <a:rPr lang="en-US" dirty="0" smtClean="0"/>
+              <a:rPr lang="en-US" dirty="0"/>
               <a:t>The</a:t>
             </a:r>
             <a:r>
-              <a:rPr lang="en-US" baseline="0" dirty="0" smtClean="0"/>
+              <a:rPr lang="en-US" baseline="0" dirty="0"/>
               <a:t> ou</a:t>
             </a:r>
             <a:r>
-              <a:rPr lang="en-US" dirty="0" smtClean="0"/>
+              <a:rPr lang="en-US" dirty="0"/>
               <a:t>termost statement</a:t>
             </a:r>
             <a:r>
-              <a:rPr lang="en-US" baseline="0" dirty="0" smtClean="0"/>
+              <a:rPr lang="en-US" baseline="0" dirty="0"/>
               <a:t> is a conditional that states that when we want to evaluate the contents in between when we are not on Windows (e.g. </a:t>
             </a:r>
             <a:r>
-              <a:rPr lang="en-US" baseline="0" dirty="0" err="1" smtClean="0"/>
+              <a:rPr lang="en-US" baseline="0" dirty="0" err="1"/>
               <a:t>CentOS</a:t>
             </a:r>
             <a:r>
-              <a:rPr lang="en-US" baseline="0" dirty="0" smtClean="0"/>
+              <a:rPr lang="en-US" baseline="0" dirty="0"/>
               <a:t>, Ubuntu, </a:t>
             </a:r>
             <a:r>
-              <a:rPr lang="en-US" baseline="0" dirty="0" err="1" smtClean="0"/>
+              <a:rPr lang="en-US" baseline="0" dirty="0" err="1"/>
               <a:t>Debian</a:t>
             </a:r>
             <a:r>
-              <a:rPr lang="en-US" baseline="0" dirty="0" smtClean="0"/>
+              <a:rPr lang="en-US" baseline="0" dirty="0"/>
               <a:t>). </a:t>
             </a:r>
           </a:p>
           <a:p>
-            <a:endParaRPr lang="en-US" baseline="0" dirty="0" smtClean="0"/>
-          </a:p>
-          <a:p>
-            <a:r>
-              <a:rPr lang="en-US" baseline="0" dirty="0" smtClean="0"/>
+            <a:endParaRPr lang="en-US" baseline="0" dirty="0"/>
+          </a:p>
+          <a:p>
+            <a:r>
+              <a:rPr lang="en-US" baseline="0" dirty="0"/>
               <a:t>The inner describe has two parameters: The first is the the user resource named 'root' on the test instance. The second is the block which contains the expectations that we want to assert for the given resource.</a:t>
             </a:r>
           </a:p>
           <a:p>
-            <a:endParaRPr lang="en-US" baseline="0" dirty="0" smtClean="0"/>
-          </a:p>
-          <a:p>
-            <a:r>
-              <a:rPr lang="en-US" baseline="0" dirty="0" smtClean="0"/>
+            <a:endParaRPr lang="en-US" baseline="0" dirty="0"/>
+          </a:p>
+          <a:p>
+            <a:r>
+              <a:rPr lang="en-US" baseline="0" dirty="0"/>
               <a:t>Within the block we can define any number of expectations about the particular resource in the description. In this instance we are saying that we expect the user, named 'root', to exist on the instance.  After the expectation that has been defined is a skip. This skip is a reminder that the examples have been defined in this test file were automatically generated and should be updated or removed.</a:t>
             </a:r>
           </a:p>
@@ -2119,10 +2107,9 @@
               <a:defRPr/>
             </a:pPr>
             <a:r>
-              <a:rPr lang="en-US" smtClean="0"/>
+              <a:rPr lang="en-US"/>
               <a:t>Chef Intermediate</a:t>
             </a:r>
-            <a:endParaRPr lang="en-US"/>
           </a:p>
         </p:txBody>
       </p:sp>
@@ -2145,7 +2132,7 @@
               <a:defRPr/>
             </a:pPr>
             <a:r>
-              <a:rPr lang="en-CA" smtClean="0"/>
+              <a:rPr lang="en-CA"/>
               <a:t>Chef Software, Inc.</a:t>
             </a:r>
             <a:endParaRPr lang="en-US" dirty="0"/>
@@ -2210,16 +2197,16 @@
           <a:lstStyle/>
           <a:p>
             <a:r>
-              <a:rPr lang="en-US" baseline="0" dirty="0" smtClean="0"/>
+              <a:rPr lang="en-US" baseline="0" dirty="0"/>
               <a:t>The second example within the test file describes the port 80 on any operating system and states the expectation that it does not expect port 80 to be listening.</a:t>
             </a:r>
           </a:p>
           <a:p>
-            <a:endParaRPr lang="en-US" baseline="0" dirty="0" smtClean="0"/>
-          </a:p>
-          <a:p>
-            <a:r>
-              <a:rPr lang="en-US" baseline="0" dirty="0" smtClean="0"/>
+            <a:endParaRPr lang="en-US" baseline="0" dirty="0"/>
+          </a:p>
+          <a:p>
+            <a:r>
+              <a:rPr lang="en-US" baseline="0" dirty="0"/>
               <a:t>By default all operating systems will be examined. So this example would be evaluated and executed against every operating system.</a:t>
             </a:r>
           </a:p>
@@ -2244,10 +2231,9 @@
               <a:defRPr/>
             </a:pPr>
             <a:r>
-              <a:rPr lang="en-US" smtClean="0"/>
+              <a:rPr lang="en-US"/>
               <a:t>Chef Intermediate</a:t>
             </a:r>
-            <a:endParaRPr lang="en-US"/>
           </a:p>
         </p:txBody>
       </p:sp>
@@ -2270,7 +2256,7 @@
               <a:defRPr/>
             </a:pPr>
             <a:r>
-              <a:rPr lang="en-CA" smtClean="0"/>
+              <a:rPr lang="en-CA"/>
               <a:t>Chef Software, Inc.</a:t>
             </a:r>
             <a:endParaRPr lang="en-US" dirty="0"/>
@@ -2352,7 +2338,7 @@
               <a:defRPr/>
             </a:pPr>
             <a:r>
-              <a:rPr lang="en-US" baseline="0" dirty="0" smtClean="0"/>
+              <a:rPr lang="en-US" baseline="0" dirty="0"/>
               <a:t>Test Driven Development (TDD) is a workflow that asks you to perform that act continually and repeatedly as you satisfy the requirements of the work you have chosen to perform.</a:t>
             </a:r>
           </a:p>
@@ -2374,7 +2360,7 @@
               <a:tabLst/>
               <a:defRPr/>
             </a:pPr>
-            <a:endParaRPr lang="en-US" baseline="0" dirty="0" smtClean="0"/>
+            <a:endParaRPr lang="en-US" baseline="0" dirty="0"/>
           </a:p>
           <a:p>
             <a:pPr marL="0" marR="0" indent="0" algn="l" defTabSz="1217613" rtl="0" eaLnBrk="1" fontAlgn="base" latinLnBrk="0" hangingPunct="1">
@@ -2395,7 +2381,7 @@
               <a:defRPr/>
             </a:pPr>
             <a:r>
-              <a:rPr lang="en-US" baseline="0" dirty="0" smtClean="0"/>
+              <a:rPr lang="en-US" baseline="0" dirty="0"/>
               <a:t>TDD generically focuses on the unit of software any level. It is the process of writing the test first, implementing the unit, and then verifying the implementation with the test that was written.</a:t>
             </a:r>
           </a:p>
@@ -2417,7 +2403,7 @@
               <a:tabLst/>
               <a:defRPr/>
             </a:pPr>
-            <a:endParaRPr lang="en-US" baseline="0" dirty="0" smtClean="0"/>
+            <a:endParaRPr lang="en-US" baseline="0" dirty="0"/>
           </a:p>
           <a:p>
             <a:pPr marL="0" marR="0" indent="0" algn="l" defTabSz="1217613" rtl="0" eaLnBrk="1" fontAlgn="base" latinLnBrk="0" hangingPunct="1">
@@ -2438,7 +2424,7 @@
               <a:defRPr/>
             </a:pPr>
             <a:r>
-              <a:rPr lang="en-US" baseline="0" dirty="0" smtClean="0"/>
+              <a:rPr lang="en-US" baseline="0" dirty="0"/>
               <a:t>A 'unit' of software is purposefully vague. This 'unit' is definable by the individuals developing the software. So the size of a 'unit of software' likely has different meanings to different individuals based on our backgrounds and experiences.</a:t>
             </a:r>
           </a:p>
@@ -2463,10 +2449,9 @@
               <a:defRPr/>
             </a:pPr>
             <a:r>
-              <a:rPr lang="en-US" smtClean="0"/>
+              <a:rPr lang="en-US"/>
               <a:t>Chef Intermediate</a:t>
             </a:r>
-            <a:endParaRPr lang="en-US"/>
           </a:p>
         </p:txBody>
       </p:sp>
@@ -2489,7 +2474,7 @@
               <a:defRPr/>
             </a:pPr>
             <a:r>
-              <a:rPr lang="en-CA" smtClean="0"/>
+              <a:rPr lang="en-CA"/>
               <a:t>Chef Software, Inc.</a:t>
             </a:r>
             <a:endParaRPr lang="en-US" dirty="0"/>
@@ -2554,11 +2539,11 @@
           <a:lstStyle/>
           <a:p>
             <a:r>
-              <a:rPr lang="en-US" dirty="0" smtClean="0"/>
+              <a:rPr lang="en-US" dirty="0"/>
               <a:t>Within</a:t>
             </a:r>
             <a:r>
-              <a:rPr lang="en-US" baseline="0" dirty="0" smtClean="0"/>
+              <a:rPr lang="en-US" baseline="0" dirty="0"/>
               <a:t> the test file found at the following path you will find that it is already populated with that initial code. Remove the first test that asserts that the user named root exists on the system. While it is likely true we are not interested in verifying that with this cookbook.</a:t>
             </a:r>
           </a:p>
@@ -2583,10 +2568,9 @@
               <a:defRPr/>
             </a:pPr>
             <a:r>
-              <a:rPr lang="en-US" smtClean="0"/>
+              <a:rPr lang="en-US"/>
               <a:t>Chef Intermediate</a:t>
             </a:r>
-            <a:endParaRPr lang="en-US"/>
           </a:p>
         </p:txBody>
       </p:sp>
@@ -2609,7 +2593,7 @@
               <a:defRPr/>
             </a:pPr>
             <a:r>
-              <a:rPr lang="en-CA" smtClean="0"/>
+              <a:rPr lang="en-CA"/>
               <a:t>Chef Software, Inc.</a:t>
             </a:r>
             <a:endParaRPr lang="en-US" dirty="0"/>
@@ -2674,16 +2658,16 @@
           <a:lstStyle/>
           <a:p>
             <a:r>
-              <a:rPr lang="en-US" baseline="0" dirty="0" smtClean="0"/>
+              <a:rPr lang="en-US" baseline="0" dirty="0"/>
               <a:t>The other expectation expressed within this file is useful but it is wrong. When we setup a web server we are going to want to have incoming connections on port 80.</a:t>
             </a:r>
           </a:p>
           <a:p>
-            <a:endParaRPr lang="en-US" baseline="0" dirty="0" smtClean="0"/>
-          </a:p>
-          <a:p>
-            <a:r>
-              <a:rPr lang="en-US" baseline="0" dirty="0" smtClean="0"/>
+            <a:endParaRPr lang="en-US" baseline="0" dirty="0"/>
+          </a:p>
+          <a:p>
+            <a:r>
+              <a:rPr lang="en-US" baseline="0" dirty="0"/>
               <a:t>So update the following example to state that port 80 should be listening. Also remove the line with the skip as we have now successfully updated the test and I would consider it one that is ours and correct for the code we will eventually write.</a:t>
             </a:r>
           </a:p>
@@ -2708,10 +2692,9 @@
               <a:defRPr/>
             </a:pPr>
             <a:r>
-              <a:rPr lang="en-US" smtClean="0"/>
+              <a:rPr lang="en-US"/>
               <a:t>Chef Intermediate</a:t>
             </a:r>
-            <a:endParaRPr lang="en-US"/>
           </a:p>
         </p:txBody>
       </p:sp>
@@ -2734,7 +2717,7 @@
               <a:defRPr/>
             </a:pPr>
             <a:r>
-              <a:rPr lang="en-CA" smtClean="0"/>
+              <a:rPr lang="en-CA"/>
               <a:t>Chef Software, Inc.</a:t>
             </a:r>
             <a:endParaRPr lang="en-US" dirty="0"/>
@@ -2799,24 +2782,24 @@
           <a:lstStyle/>
           <a:p>
             <a:r>
-              <a:rPr lang="en-US" dirty="0" smtClean="0"/>
+              <a:rPr lang="en-US" dirty="0"/>
               <a:t>Ensuring</a:t>
             </a:r>
             <a:r>
-              <a:rPr lang="en-US" baseline="0" dirty="0" smtClean="0"/>
+              <a:rPr lang="en-US" baseline="0" dirty="0"/>
               <a:t> that we are listening on port 80 for incoming connections does not verify that we are in fact returning the correct home page with the welcoming message we plan to write. To do that we will need to write a new expectation.</a:t>
             </a:r>
           </a:p>
           <a:p>
-            <a:endParaRPr lang="en-US" baseline="0" dirty="0" smtClean="0"/>
-          </a:p>
-          <a:p>
-            <a:r>
-              <a:rPr lang="en-US" baseline="0" dirty="0" err="1" smtClean="0"/>
+            <a:endParaRPr lang="en-US" baseline="0" dirty="0"/>
+          </a:p>
+          <a:p>
+            <a:r>
+              <a:rPr lang="en-US" baseline="0" dirty="0" err="1"/>
               <a:t>InSpec</a:t>
             </a:r>
             <a:r>
-              <a:rPr lang="en-US" baseline="0" dirty="0" smtClean="0"/>
+              <a:rPr lang="en-US" baseline="0" dirty="0"/>
               <a:t> provides a helper method that allows you to specify a command. That command returns the results from the command through standard out. We are asking the command's standard out if anywhere in the results match the value 'Welcome Home'.</a:t>
             </a:r>
             <a:endParaRPr lang="en-US" dirty="0"/>
@@ -2842,10 +2825,9 @@
               <a:defRPr/>
             </a:pPr>
             <a:r>
-              <a:rPr lang="en-US" smtClean="0"/>
+              <a:rPr lang="en-US"/>
               <a:t>Chef Intermediate</a:t>
             </a:r>
-            <a:endParaRPr lang="en-US"/>
           </a:p>
         </p:txBody>
       </p:sp>
@@ -2868,7 +2850,7 @@
               <a:defRPr/>
             </a:pPr>
             <a:r>
-              <a:rPr lang="en-CA" smtClean="0"/>
+              <a:rPr lang="en-CA"/>
               <a:t>Chef Software, Inc.</a:t>
             </a:r>
             <a:endParaRPr lang="en-US" dirty="0"/>
@@ -2933,11 +2915,11 @@
           <a:lstStyle/>
           <a:p>
             <a:r>
-              <a:rPr lang="en-US" dirty="0" smtClean="0"/>
+              <a:rPr lang="en-US" dirty="0"/>
               <a:t>With</a:t>
             </a:r>
             <a:r>
-              <a:rPr lang="en-US" baseline="0" dirty="0" smtClean="0"/>
+              <a:rPr lang="en-US" baseline="0" dirty="0"/>
               <a:t> the test defined it is now time to execute the tests and see the failure.</a:t>
             </a:r>
             <a:endParaRPr lang="en-US" dirty="0"/>
@@ -2963,10 +2945,9 @@
               <a:defRPr/>
             </a:pPr>
             <a:r>
-              <a:rPr lang="en-US" smtClean="0"/>
+              <a:rPr lang="en-US"/>
               <a:t>Chef Intermediate</a:t>
             </a:r>
-            <a:endParaRPr lang="en-US"/>
           </a:p>
         </p:txBody>
       </p:sp>
@@ -2989,7 +2970,7 @@
               <a:defRPr/>
             </a:pPr>
             <a:r>
-              <a:rPr lang="en-CA" smtClean="0"/>
+              <a:rPr lang="en-CA"/>
               <a:t>Chef Software, Inc.</a:t>
             </a:r>
             <a:endParaRPr lang="en-US" dirty="0"/>
@@ -3054,11 +3035,11 @@
           <a:lstStyle/>
           <a:p>
             <a:r>
-              <a:rPr lang="en-US" dirty="0" smtClean="0"/>
+              <a:rPr lang="en-US" dirty="0"/>
               <a:t>To</a:t>
             </a:r>
             <a:r>
-              <a:rPr lang="en-US" baseline="0" dirty="0" smtClean="0"/>
+              <a:rPr lang="en-US" baseline="0" dirty="0"/>
               <a:t> execute our tests using the tool Test Kitchen we need to be within the directory of the cookbook.</a:t>
             </a:r>
             <a:endParaRPr lang="en-US" dirty="0"/>
@@ -3084,10 +3065,9 @@
               <a:defRPr/>
             </a:pPr>
             <a:r>
-              <a:rPr lang="en-US" smtClean="0"/>
+              <a:rPr lang="en-US"/>
               <a:t>Chef Intermediate</a:t>
             </a:r>
-            <a:endParaRPr lang="en-US"/>
           </a:p>
         </p:txBody>
       </p:sp>
@@ -3110,7 +3090,7 @@
               <a:defRPr/>
             </a:pPr>
             <a:r>
-              <a:rPr lang="en-CA" smtClean="0"/>
+              <a:rPr lang="en-CA"/>
               <a:t>Chef Software, Inc.</a:t>
             </a:r>
             <a:endParaRPr lang="en-US" dirty="0"/>
@@ -3175,19 +3155,19 @@
           <a:lstStyle/>
           <a:p>
             <a:r>
-              <a:rPr lang="en-US" dirty="0" smtClean="0"/>
+              <a:rPr lang="en-US" dirty="0"/>
               <a:t>Before we</a:t>
             </a:r>
             <a:r>
-              <a:rPr lang="en-US" baseline="0" dirty="0" smtClean="0"/>
+              <a:rPr lang="en-US" baseline="0" dirty="0"/>
               <a:t> employ Test Kitchen to execute the tests we need make changes to the existing Test Kitchen configuration file. The cookbook was automatically generated with a '.</a:t>
             </a:r>
             <a:r>
-              <a:rPr lang="en-US" baseline="0" dirty="0" err="1" smtClean="0"/>
+              <a:rPr lang="en-US" baseline="0" dirty="0" err="1"/>
               <a:t>kitchen.yml</a:t>
             </a:r>
             <a:r>
-              <a:rPr lang="en-US" baseline="0" dirty="0" smtClean="0"/>
+              <a:rPr lang="en-US" baseline="0" dirty="0"/>
               <a:t>'.</a:t>
             </a:r>
             <a:endParaRPr lang="en-US" dirty="0"/>
@@ -3213,10 +3193,9 @@
               <a:defRPr/>
             </a:pPr>
             <a:r>
-              <a:rPr lang="en-US" smtClean="0"/>
+              <a:rPr lang="en-US"/>
               <a:t>Chef Intermediate</a:t>
             </a:r>
-            <a:endParaRPr lang="en-US"/>
           </a:p>
         </p:txBody>
       </p:sp>
@@ -3239,7 +3218,7 @@
               <a:defRPr/>
             </a:pPr>
             <a:r>
-              <a:rPr lang="en-CA" smtClean="0"/>
+              <a:rPr lang="en-CA"/>
               <a:t>Chef Software, Inc.</a:t>
             </a:r>
             <a:endParaRPr lang="en-US" dirty="0"/>
@@ -3304,45 +3283,45 @@
           <a:lstStyle/>
           <a:p>
             <a:r>
-              <a:rPr lang="en-US" dirty="0" smtClean="0"/>
+              <a:rPr lang="en-US" dirty="0"/>
               <a:t>The first key is driver, which has a single key-value pair that specifies the name of the driver Kitchen will use when executed. </a:t>
             </a:r>
           </a:p>
           <a:p>
-            <a:endParaRPr lang="en-US" dirty="0" smtClean="0"/>
-          </a:p>
-          <a:p>
-            <a:r>
-              <a:rPr lang="en-US" dirty="0" smtClean="0"/>
+            <a:endParaRPr lang="en-US" dirty="0"/>
+          </a:p>
+          <a:p>
+            <a:r>
+              <a:rPr lang="en-US" dirty="0"/>
               <a:t>The driver is responsible for creating the instance that we will use to test our cookbook. There are lots of different drivers available--two very popular ones are the </a:t>
             </a:r>
             <a:r>
-              <a:rPr lang="en-US" dirty="0" err="1" smtClean="0"/>
+              <a:rPr lang="en-US" dirty="0" err="1"/>
               <a:t>docker</a:t>
             </a:r>
             <a:r>
-              <a:rPr lang="en-US" dirty="0" smtClean="0"/>
+              <a:rPr lang="en-US" dirty="0"/>
               <a:t> and vagrant driver.</a:t>
             </a:r>
           </a:p>
           <a:p>
-            <a:endParaRPr lang="en-US" dirty="0" smtClean="0"/>
-          </a:p>
-          <a:p>
-            <a:r>
-              <a:rPr lang="en-US" dirty="0" smtClean="0"/>
+            <a:endParaRPr lang="en-US" dirty="0"/>
+          </a:p>
+          <a:p>
+            <a:r>
+              <a:rPr lang="en-US" dirty="0"/>
               <a:t>Instructor Note: Testing</a:t>
             </a:r>
             <a:r>
-              <a:rPr lang="en-US" baseline="0" dirty="0" smtClean="0"/>
+              <a:rPr lang="en-US" baseline="0" dirty="0"/>
               <a:t> on this remote workstation requires that we use </a:t>
             </a:r>
             <a:r>
-              <a:rPr lang="en-US" baseline="0" dirty="0" err="1" smtClean="0"/>
+              <a:rPr lang="en-US" baseline="0" dirty="0" err="1"/>
               <a:t>Docker</a:t>
             </a:r>
             <a:r>
-              <a:rPr lang="en-US" baseline="0" dirty="0" smtClean="0"/>
+              <a:rPr lang="en-US" baseline="0" dirty="0"/>
               <a:t> because Vagrant does not work within a virtual environment. Vagrant is the standard choice when working on your local workstation.</a:t>
             </a:r>
             <a:endParaRPr lang="en-US" dirty="0"/>
@@ -3368,10 +3347,9 @@
               <a:defRPr/>
             </a:pPr>
             <a:r>
-              <a:rPr lang="en-US" smtClean="0"/>
+              <a:rPr lang="en-US"/>
               <a:t>Chef Intermediate</a:t>
             </a:r>
-            <a:endParaRPr lang="en-US"/>
           </a:p>
         </p:txBody>
       </p:sp>
@@ -3394,7 +3372,7 @@
               <a:defRPr/>
             </a:pPr>
             <a:r>
-              <a:rPr lang="en-CA" smtClean="0"/>
+              <a:rPr lang="en-CA"/>
               <a:t>Chef Software, Inc.</a:t>
             </a:r>
             <a:endParaRPr lang="en-US" dirty="0"/>
@@ -3459,42 +3437,41 @@
           <a:lstStyle/>
           <a:p>
             <a:r>
-              <a:rPr lang="en-US" dirty="0" smtClean="0"/>
+              <a:rPr lang="en-US" dirty="0"/>
               <a:t>The second key is </a:t>
             </a:r>
             <a:r>
-              <a:rPr lang="en-US" dirty="0" err="1" smtClean="0"/>
+              <a:rPr lang="en-US" dirty="0" err="1"/>
               <a:t>provisioner</a:t>
             </a:r>
             <a:r>
-              <a:rPr lang="en-US" dirty="0" smtClean="0"/>
+              <a:rPr lang="en-US" dirty="0"/>
               <a:t>, which also has a single key-value pair which is the name of the </a:t>
             </a:r>
             <a:r>
-              <a:rPr lang="en-US" dirty="0" err="1" smtClean="0"/>
+              <a:rPr lang="en-US" dirty="0" err="1"/>
               <a:t>provisioner</a:t>
             </a:r>
             <a:r>
-              <a:rPr lang="en-US" dirty="0" smtClean="0"/>
+              <a:rPr lang="en-US" dirty="0"/>
               <a:t> Kitchen will use when executed. This </a:t>
             </a:r>
             <a:r>
-              <a:rPr lang="en-US" dirty="0" err="1" smtClean="0"/>
+              <a:rPr lang="en-US" dirty="0" err="1"/>
               <a:t>provisioner</a:t>
             </a:r>
             <a:r>
-              <a:rPr lang="en-US" dirty="0" smtClean="0"/>
+              <a:rPr lang="en-US" dirty="0"/>
               <a:t> is responsible for how it applies code to the instance that the driver created. Here the default value is </a:t>
             </a:r>
             <a:r>
-              <a:rPr lang="en-US" dirty="0" err="1" smtClean="0"/>
+              <a:rPr lang="en-US" dirty="0" err="1"/>
               <a:t>chef_zero</a:t>
             </a:r>
             <a:r>
-              <a:rPr lang="en-US" dirty="0" smtClean="0"/>
+              <a:rPr lang="en-US" dirty="0"/>
               <a:t>.</a:t>
             </a:r>
-            <a:endParaRPr lang="en-US" dirty="0"/>
           </a:p>
         </p:txBody>
       </p:sp>
@@ -3517,10 +3494,9 @@
               <a:defRPr/>
             </a:pPr>
             <a:r>
-              <a:rPr lang="en-US" smtClean="0"/>
+              <a:rPr lang="en-US"/>
               <a:t>Chef Intermediate</a:t>
             </a:r>
-            <a:endParaRPr lang="en-US"/>
           </a:p>
         </p:txBody>
       </p:sp>
@@ -3543,7 +3519,7 @@
               <a:defRPr/>
             </a:pPr>
             <a:r>
-              <a:rPr lang="en-CA" smtClean="0"/>
+              <a:rPr lang="en-CA"/>
               <a:t>Chef Software, Inc.</a:t>
             </a:r>
             <a:endParaRPr lang="en-US" dirty="0"/>
@@ -3608,27 +3584,27 @@
           <a:lstStyle/>
           <a:p>
             <a:r>
-              <a:rPr lang="en-US" dirty="0" smtClean="0"/>
+              <a:rPr lang="en-US" dirty="0"/>
               <a:t>The third key is the verifier.</a:t>
             </a:r>
             <a:r>
-              <a:rPr lang="en-US" baseline="0" dirty="0" smtClean="0"/>
+              <a:rPr lang="en-US" baseline="0" dirty="0"/>
               <a:t> This verifier by default is using </a:t>
             </a:r>
             <a:r>
-              <a:rPr lang="en-US" baseline="0" dirty="0" err="1" smtClean="0"/>
+              <a:rPr lang="en-US" baseline="0" dirty="0" err="1"/>
               <a:t>InSpec</a:t>
             </a:r>
             <a:r>
-              <a:rPr lang="en-US" baseline="0" dirty="0" smtClean="0"/>
+              <a:rPr lang="en-US" baseline="0" dirty="0"/>
               <a:t>. Test Kitchen has the ability to use several different verifiers. The default generated with the cookbook generator is </a:t>
             </a:r>
             <a:r>
-              <a:rPr lang="en-US" baseline="0" dirty="0" err="1" smtClean="0"/>
+              <a:rPr lang="en-US" baseline="0" dirty="0" err="1"/>
               <a:t>InSpec</a:t>
             </a:r>
             <a:r>
-              <a:rPr lang="en-US" baseline="0" dirty="0" smtClean="0"/>
+              <a:rPr lang="en-US" baseline="0" dirty="0"/>
               <a:t>.</a:t>
             </a:r>
             <a:endParaRPr lang="en-US" dirty="0"/>
@@ -3654,10 +3630,9 @@
               <a:defRPr/>
             </a:pPr>
             <a:r>
-              <a:rPr lang="en-US" smtClean="0"/>
+              <a:rPr lang="en-US"/>
               <a:t>Chef Intermediate</a:t>
             </a:r>
-            <a:endParaRPr lang="en-US"/>
           </a:p>
         </p:txBody>
       </p:sp>
@@ -3680,7 +3655,7 @@
               <a:defRPr/>
             </a:pPr>
             <a:r>
-              <a:rPr lang="en-CA" smtClean="0"/>
+              <a:rPr lang="en-CA"/>
               <a:t>Chef Software, Inc.</a:t>
             </a:r>
             <a:endParaRPr lang="en-US" dirty="0"/>
@@ -3745,10 +3720,9 @@
           <a:lstStyle/>
           <a:p>
             <a:r>
-              <a:rPr lang="en-US" dirty="0" smtClean="0"/>
+              <a:rPr lang="en-US" dirty="0"/>
               <a:t>The fourth key is platforms, which contains a list of all the platforms that Kitchen will test against when executed. This should be a list of all the platforms that you want your cookbook to support.</a:t>
             </a:r>
-            <a:endParaRPr lang="en-US" dirty="0"/>
           </a:p>
         </p:txBody>
       </p:sp>
@@ -3771,10 +3745,9 @@
               <a:defRPr/>
             </a:pPr>
             <a:r>
-              <a:rPr lang="en-US" smtClean="0"/>
+              <a:rPr lang="en-US"/>
               <a:t>Chef Intermediate</a:t>
             </a:r>
-            <a:endParaRPr lang="en-US"/>
           </a:p>
         </p:txBody>
       </p:sp>
@@ -3797,7 +3770,7 @@
               <a:defRPr/>
             </a:pPr>
             <a:r>
-              <a:rPr lang="en-CA" smtClean="0"/>
+              <a:rPr lang="en-CA"/>
               <a:t>Chef Software, Inc.</a:t>
             </a:r>
             <a:endParaRPr lang="en-US" dirty="0"/>
@@ -3879,7 +3852,7 @@
               <a:defRPr/>
             </a:pPr>
             <a:r>
-              <a:rPr lang="en-US" baseline="0" dirty="0" smtClean="0"/>
+              <a:rPr lang="en-US" baseline="0" dirty="0"/>
               <a:t>How you choose to express the requirements of that unit is the crux of Behavior Driven Development (BDD). Behavior-driven development specifies that tests of any unit of software should be specified in terms of the desired behavior of the unit. Expressing this desired behavior is often expressed in scenarios that are written in a Domain Specific Language (DSL).</a:t>
             </a:r>
           </a:p>
@@ -3901,7 +3874,7 @@
               <a:tabLst/>
               <a:defRPr/>
             </a:pPr>
-            <a:endParaRPr lang="en-US" baseline="0" dirty="0" smtClean="0"/>
+            <a:endParaRPr lang="en-US" baseline="0" dirty="0"/>
           </a:p>
           <a:p>
             <a:pPr marL="0" marR="0" indent="0" algn="l" defTabSz="1217613" rtl="0" eaLnBrk="1" fontAlgn="base" latinLnBrk="0" hangingPunct="1">
@@ -3922,7 +3895,7 @@
               <a:defRPr/>
             </a:pPr>
             <a:r>
-              <a:rPr lang="en-US" baseline="0" dirty="0" smtClean="0"/>
+              <a:rPr lang="en-US" baseline="0" dirty="0"/>
               <a:t>The cookbooks and recipes that you have written so far share quite a few similarities with BDD. In Chef, you express the desired state of the system through a DSL, resources, you define in recipes.</a:t>
             </a:r>
           </a:p>
@@ -3947,10 +3920,9 @@
               <a:defRPr/>
             </a:pPr>
             <a:r>
-              <a:rPr lang="en-US" smtClean="0"/>
+              <a:rPr lang="en-US"/>
               <a:t>Chef Intermediate</a:t>
             </a:r>
-            <a:endParaRPr lang="en-US"/>
           </a:p>
         </p:txBody>
       </p:sp>
@@ -3973,7 +3945,7 @@
               <a:defRPr/>
             </a:pPr>
             <a:r>
-              <a:rPr lang="en-CA" smtClean="0"/>
+              <a:rPr lang="en-CA"/>
               <a:t>Chef Software, Inc.</a:t>
             </a:r>
             <a:endParaRPr lang="en-US" dirty="0"/>
@@ -4038,19 +4010,18 @@
           <a:lstStyle/>
           <a:p>
             <a:r>
-              <a:rPr lang="en-US" dirty="0" smtClean="0"/>
+              <a:rPr lang="en-US" dirty="0"/>
               <a:t>The fifth key is suites, which contains a list of all the test suites that Kitchen will test against when executed. Each suite usually defines a unique combination of run lists that exercise all the recipes within a cookbook.</a:t>
             </a:r>
           </a:p>
           <a:p>
-            <a:endParaRPr lang="en-US" dirty="0" smtClean="0"/>
-          </a:p>
-          <a:p>
-            <a:r>
-              <a:rPr lang="en-US" dirty="0" smtClean="0"/>
+            <a:endParaRPr lang="en-US" dirty="0"/>
+          </a:p>
+          <a:p>
+            <a:r>
+              <a:rPr lang="en-US" dirty="0"/>
               <a:t>In this example, this suite is named 'default'.</a:t>
             </a:r>
-            <a:endParaRPr lang="en-US" dirty="0"/>
           </a:p>
         </p:txBody>
       </p:sp>
@@ -4073,10 +4044,9 @@
               <a:defRPr/>
             </a:pPr>
             <a:r>
-              <a:rPr lang="en-US" smtClean="0"/>
+              <a:rPr lang="en-US"/>
               <a:t>Chef Intermediate</a:t>
             </a:r>
-            <a:endParaRPr lang="en-US"/>
           </a:p>
         </p:txBody>
       </p:sp>
@@ -4099,7 +4069,7 @@
               <a:defRPr/>
             </a:pPr>
             <a:r>
-              <a:rPr lang="en-CA" smtClean="0"/>
+              <a:rPr lang="en-CA"/>
               <a:t>Chef Software, Inc.</a:t>
             </a:r>
             <a:endParaRPr lang="en-US" dirty="0"/>
@@ -4164,19 +4134,15 @@
           <a:lstStyle/>
           <a:p>
             <a:r>
-              <a:rPr lang="en-US" dirty="0" smtClean="0"/>
-              <a:t>This default suite will execute the run list containing: The </a:t>
-            </a:r>
-            <a:r>
-              <a:rPr lang="en-US" dirty="0" smtClean="0"/>
-              <a:t>apache</a:t>
-            </a:r>
-            <a:r>
-              <a:rPr lang="en-US" baseline="0" dirty="0" smtClean="0"/>
+              <a:rPr lang="en-US" dirty="0"/>
+              <a:t>This default suite will execute the run list containing: The apache</a:t>
+            </a:r>
+            <a:r>
+              <a:rPr lang="en-US" baseline="0" dirty="0"/>
               <a:t> </a:t>
             </a:r>
             <a:r>
-              <a:rPr lang="en-US" dirty="0" smtClean="0"/>
+              <a:rPr lang="en-US" dirty="0"/>
               <a:t>cookbook's default recipe.</a:t>
             </a:r>
           </a:p>
@@ -4201,10 +4167,9 @@
               <a:defRPr/>
             </a:pPr>
             <a:r>
-              <a:rPr lang="en-US" smtClean="0"/>
+              <a:rPr lang="en-US"/>
               <a:t>Chef Intermediate</a:t>
             </a:r>
-            <a:endParaRPr lang="en-US"/>
           </a:p>
         </p:txBody>
       </p:sp>
@@ -4227,7 +4192,7 @@
               <a:defRPr/>
             </a:pPr>
             <a:r>
-              <a:rPr lang="en-CA" smtClean="0"/>
+              <a:rPr lang="en-CA"/>
               <a:t>Chef Software, Inc.</a:t>
             </a:r>
             <a:endParaRPr lang="en-US" dirty="0"/>
@@ -4292,14 +4257,14 @@
           <a:lstStyle/>
           <a:p>
             <a:r>
-              <a:rPr lang="en-US" dirty="0" smtClean="0"/>
+              <a:rPr lang="en-US" dirty="0"/>
               <a:t>This is the location</a:t>
             </a:r>
             <a:r>
-              <a:rPr lang="en-US" baseline="0" dirty="0" smtClean="0"/>
+              <a:rPr lang="en-US" baseline="0" dirty="0"/>
               <a:t> where the tests can be found. This is the file that we viewed earlier and updated.</a:t>
             </a:r>
-            <a:endParaRPr lang="en-US" dirty="0" smtClean="0"/>
+            <a:endParaRPr lang="en-US" dirty="0"/>
           </a:p>
         </p:txBody>
       </p:sp>
@@ -4322,10 +4287,9 @@
               <a:defRPr/>
             </a:pPr>
             <a:r>
-              <a:rPr lang="en-US" smtClean="0"/>
+              <a:rPr lang="en-US"/>
               <a:t>Chef Intermediate</a:t>
             </a:r>
-            <a:endParaRPr lang="en-US"/>
           </a:p>
         </p:txBody>
       </p:sp>
@@ -4348,7 +4312,7 @@
               <a:defRPr/>
             </a:pPr>
             <a:r>
-              <a:rPr lang="en-CA" smtClean="0"/>
+              <a:rPr lang="en-CA"/>
               <a:t>Chef Software, Inc.</a:t>
             </a:r>
             <a:endParaRPr lang="en-US" dirty="0"/>
@@ -4413,11 +4377,11 @@
           <a:lstStyle/>
           <a:p>
             <a:r>
-              <a:rPr lang="en-US" dirty="0" smtClean="0"/>
+              <a:rPr lang="en-US" dirty="0"/>
               <a:t>The initial</a:t>
             </a:r>
             <a:r>
-              <a:rPr lang="en-US" baseline="0" dirty="0" smtClean="0"/>
+              <a:rPr lang="en-US" baseline="0" dirty="0"/>
               <a:t> Test Kitchen configuration is set up in way for local development on non-virtual machine. Because we are currently on a virtual machine we cannot use vagrant. We are also not interested in those following platforms.</a:t>
             </a:r>
             <a:endParaRPr lang="en-US" dirty="0"/>
@@ -4443,10 +4407,9 @@
               <a:defRPr/>
             </a:pPr>
             <a:r>
-              <a:rPr lang="en-US" smtClean="0"/>
+              <a:rPr lang="en-US"/>
               <a:t>Chef Intermediate</a:t>
             </a:r>
-            <a:endParaRPr lang="en-US"/>
           </a:p>
         </p:txBody>
       </p:sp>
@@ -4469,7 +4432,7 @@
               <a:defRPr/>
             </a:pPr>
             <a:r>
-              <a:rPr lang="en-CA" smtClean="0"/>
+              <a:rPr lang="en-CA"/>
               <a:t>Chef Software, Inc.</a:t>
             </a:r>
             <a:endParaRPr lang="en-US" dirty="0"/>
@@ -4534,28 +4497,28 @@
           <a:lstStyle/>
           <a:p>
             <a:r>
-              <a:rPr lang="en-US" dirty="0" smtClean="0"/>
+              <a:rPr lang="en-US" dirty="0"/>
               <a:t>There are</a:t>
             </a:r>
             <a:r>
-              <a:rPr lang="en-US" baseline="0" dirty="0" smtClean="0"/>
+              <a:rPr lang="en-US" baseline="0" dirty="0"/>
               <a:t> many different drivers that Test Kitchen supports. The </a:t>
             </a:r>
             <a:r>
-              <a:rPr lang="en-US" baseline="0" dirty="0" err="1" smtClean="0"/>
+              <a:rPr lang="en-US" baseline="0" dirty="0" err="1"/>
               <a:t>docker</a:t>
             </a:r>
             <a:r>
-              <a:rPr lang="en-US" baseline="0" dirty="0" smtClean="0"/>
+              <a:rPr lang="en-US" baseline="0" dirty="0"/>
               <a:t> driver is configured to work on this virtual machine. At this moment we are only interested in verifying that the cookbook we develop works on this current platform.</a:t>
             </a:r>
           </a:p>
           <a:p>
-            <a:endParaRPr lang="en-US" baseline="0" dirty="0" smtClean="0"/>
-          </a:p>
-          <a:p>
-            <a:r>
-              <a:rPr lang="en-US" baseline="0" dirty="0" smtClean="0"/>
+            <a:endParaRPr lang="en-US" baseline="0" dirty="0"/>
+          </a:p>
+          <a:p>
+            <a:r>
+              <a:rPr lang="en-US" baseline="0" dirty="0"/>
               <a:t>Later we will return to this configuration file and add an additional platform.</a:t>
             </a:r>
             <a:endParaRPr lang="en-US" dirty="0"/>
@@ -4581,10 +4544,9 @@
               <a:defRPr/>
             </a:pPr>
             <a:r>
-              <a:rPr lang="en-US" smtClean="0"/>
+              <a:rPr lang="en-US"/>
               <a:t>Chef Intermediate</a:t>
             </a:r>
-            <a:endParaRPr lang="en-US"/>
           </a:p>
         </p:txBody>
       </p:sp>
@@ -4607,7 +4569,7 @@
               <a:defRPr/>
             </a:pPr>
             <a:r>
-              <a:rPr lang="en-CA" smtClean="0"/>
+              <a:rPr lang="en-CA"/>
               <a:t>Chef Software, Inc.</a:t>
             </a:r>
             <a:endParaRPr lang="en-US" dirty="0"/>
@@ -4689,23 +4651,23 @@
               <a:defRPr/>
             </a:pPr>
             <a:r>
-              <a:rPr lang="en-US" dirty="0" smtClean="0"/>
+              <a:rPr lang="en-US" dirty="0"/>
               <a:t>It is important to recognize that within the .</a:t>
             </a:r>
             <a:r>
-              <a:rPr lang="en-US" dirty="0" err="1" smtClean="0"/>
+              <a:rPr lang="en-US" dirty="0" err="1"/>
               <a:t>kitchen.yml</a:t>
             </a:r>
             <a:r>
-              <a:rPr lang="en-US" dirty="0" smtClean="0"/>
+              <a:rPr lang="en-US" dirty="0"/>
               <a:t> file we defined two fields that create a test matrix;</a:t>
             </a:r>
             <a:r>
-              <a:rPr lang="en-US" baseline="0" dirty="0" smtClean="0"/>
+              <a:rPr lang="en-US" baseline="0" dirty="0"/>
               <a:t> t</a:t>
             </a:r>
             <a:r>
-              <a:rPr lang="en-US" dirty="0" smtClean="0"/>
+              <a:rPr lang="en-US" dirty="0"/>
               <a:t>he number of platforms we want to support multiplied by the number of test suites that we defined.</a:t>
             </a:r>
           </a:p>
@@ -4730,10 +4692,9 @@
               <a:defRPr/>
             </a:pPr>
             <a:r>
-              <a:rPr lang="en-US" smtClean="0"/>
+              <a:rPr lang="en-US"/>
               <a:t>Chef Intermediate</a:t>
             </a:r>
-            <a:endParaRPr lang="en-US"/>
           </a:p>
         </p:txBody>
       </p:sp>
@@ -4756,7 +4717,7 @@
               <a:defRPr/>
             </a:pPr>
             <a:r>
-              <a:rPr lang="en-CA" smtClean="0"/>
+              <a:rPr lang="en-CA"/>
               <a:t>Chef Software, Inc.</a:t>
             </a:r>
             <a:endParaRPr lang="en-US" dirty="0"/>
@@ -4821,58 +4782,58 @@
           <a:lstStyle/>
           <a:p>
             <a:r>
-              <a:rPr lang="en-US" dirty="0" smtClean="0"/>
+              <a:rPr lang="en-US" dirty="0"/>
               <a:t>We can visualize this test matrix by running the command `kitchen list`. </a:t>
             </a:r>
           </a:p>
           <a:p>
-            <a:endParaRPr lang="en-US" dirty="0" smtClean="0"/>
-          </a:p>
-          <a:p>
-            <a:r>
-              <a:rPr lang="en-US" dirty="0" smtClean="0"/>
+            <a:endParaRPr lang="en-US" dirty="0"/>
+          </a:p>
+          <a:p>
+            <a:r>
+              <a:rPr lang="en-US" dirty="0"/>
               <a:t>In the output you can see that an instance is created in the list for every test</a:t>
             </a:r>
             <a:r>
-              <a:rPr lang="en-US" baseline="0" dirty="0" smtClean="0"/>
+              <a:rPr lang="en-US" baseline="0" dirty="0"/>
               <a:t> </a:t>
             </a:r>
             <a:r>
-              <a:rPr lang="en-US" dirty="0" smtClean="0"/>
+              <a:rPr lang="en-US" dirty="0"/>
               <a:t>suite and every platform. In our current file we have one suite, named 'default'</a:t>
             </a:r>
             <a:r>
-              <a:rPr lang="en-US" baseline="0" dirty="0" smtClean="0"/>
+              <a:rPr lang="en-US" baseline="0" dirty="0"/>
               <a:t> and </a:t>
             </a:r>
             <a:r>
-              <a:rPr lang="en-US" dirty="0" smtClean="0"/>
+              <a:rPr lang="en-US" dirty="0"/>
               <a:t>one platform</a:t>
             </a:r>
             <a:r>
-              <a:rPr lang="en-US" baseline="0" dirty="0" smtClean="0"/>
+              <a:rPr lang="en-US" baseline="0" dirty="0"/>
               <a:t> </a:t>
             </a:r>
             <a:r>
-              <a:rPr lang="en-US" baseline="0" dirty="0" err="1" smtClean="0"/>
+              <a:rPr lang="en-US" baseline="0" dirty="0" err="1"/>
               <a:t>CentOS</a:t>
             </a:r>
             <a:r>
-              <a:rPr lang="en-US" baseline="0" dirty="0" smtClean="0"/>
+              <a:rPr lang="en-US" baseline="0" dirty="0"/>
               <a:t>.</a:t>
             </a:r>
-            <a:endParaRPr lang="en-US" dirty="0" smtClean="0"/>
-          </a:p>
-          <a:p>
-            <a:endParaRPr lang="en-US" dirty="0" smtClean="0"/>
-          </a:p>
-          <a:p>
-            <a:r>
-              <a:rPr lang="en-US" dirty="0" smtClean="0"/>
+            <a:endParaRPr lang="en-US" dirty="0"/>
+          </a:p>
+          <a:p>
+            <a:endParaRPr lang="en-US" dirty="0"/>
+          </a:p>
+          <a:p>
+            <a:r>
+              <a:rPr lang="en-US" dirty="0"/>
               <a:t>Run the</a:t>
             </a:r>
             <a:r>
-              <a:rPr lang="en-US" baseline="0" dirty="0" smtClean="0"/>
+              <a:rPr lang="en-US" baseline="0" dirty="0"/>
               <a:t> following command to verify that the Test Kitchen configuration file had been set up correctly.</a:t>
             </a:r>
           </a:p>
@@ -4897,10 +4858,9 @@
               <a:defRPr/>
             </a:pPr>
             <a:r>
-              <a:rPr lang="en-US" smtClean="0"/>
+              <a:rPr lang="en-US"/>
               <a:t>Chef Intermediate</a:t>
             </a:r>
-            <a:endParaRPr lang="en-US"/>
           </a:p>
         </p:txBody>
       </p:sp>
@@ -4923,7 +4883,7 @@
               <a:defRPr/>
             </a:pPr>
             <a:r>
-              <a:rPr lang="en-CA" smtClean="0"/>
+              <a:rPr lang="en-CA"/>
               <a:t>Chef Software, Inc.</a:t>
             </a:r>
             <a:endParaRPr lang="en-US" dirty="0"/>
@@ -4988,80 +4948,64 @@
           <a:lstStyle/>
           <a:p>
             <a:r>
-              <a:rPr lang="en-US" dirty="0" smtClean="0"/>
+              <a:rPr lang="en-US" dirty="0"/>
               <a:t>Create or turn on a</a:t>
             </a:r>
             <a:r>
-              <a:rPr lang="en-US" baseline="0" dirty="0" smtClean="0"/>
+              <a:rPr lang="en-US" baseline="0" dirty="0"/>
               <a:t> </a:t>
             </a:r>
             <a:r>
-              <a:rPr lang="en-US" dirty="0" smtClean="0"/>
+              <a:rPr lang="en-US" dirty="0"/>
               <a:t>virtual or cloud instance</a:t>
             </a:r>
             <a:r>
-              <a:rPr lang="en-US" baseline="0" dirty="0" smtClean="0"/>
+              <a:rPr lang="en-US" baseline="0" dirty="0"/>
               <a:t> </a:t>
             </a:r>
             <a:r>
-              <a:rPr lang="en-US" dirty="0" smtClean="0"/>
+              <a:rPr lang="en-US" dirty="0"/>
               <a:t>for the platforms specified in the kitchen configuration.</a:t>
             </a:r>
           </a:p>
           <a:p>
-            <a:endParaRPr lang="en-US" dirty="0" smtClean="0"/>
-          </a:p>
-          <a:p>
-            <a:r>
-              <a:rPr lang="en-US" dirty="0" smtClean="0"/>
-              <a:t>Running 'kitchen create default-centos-67' would create</a:t>
-            </a:r>
-            <a:r>
-              <a:rPr lang="en-US" baseline="0" dirty="0" smtClean="0"/>
+            <a:endParaRPr lang="en-US" dirty="0"/>
+          </a:p>
+          <a:p>
+            <a:r>
+              <a:rPr lang="en-US" dirty="0"/>
+              <a:t>Running 'kitchen create default-centos-69' would create</a:t>
+            </a:r>
+            <a:r>
+              <a:rPr lang="en-US" baseline="0" dirty="0"/>
               <a:t> the the one instance that uses the test suite on the platform we want.</a:t>
             </a:r>
           </a:p>
           <a:p>
-            <a:endParaRPr lang="en-US" baseline="0" dirty="0" smtClean="0"/>
-          </a:p>
-          <a:p>
-            <a:r>
-              <a:rPr lang="en-US" baseline="0" dirty="0" smtClean="0"/>
+            <a:endParaRPr lang="en-US" baseline="0" dirty="0"/>
+          </a:p>
+          <a:p>
+            <a:r>
+              <a:rPr lang="en-US" baseline="0" dirty="0"/>
               <a:t>Typing in that name would be tiring if you had a lot of instances. A shortcut can be used to target the same system 'kitchen create default' or 'kitchen create centos' or even 'kitchen create 67'. This is an example of using the Regular Expression (REGEXP) to specify an instance.</a:t>
             </a:r>
           </a:p>
           <a:p>
-            <a:endParaRPr lang="en-US" baseline="0" dirty="0" smtClean="0"/>
-          </a:p>
-          <a:p>
-            <a:r>
-              <a:rPr lang="en-US" baseline="0" dirty="0" smtClean="0"/>
+            <a:endParaRPr lang="en-US" baseline="0" dirty="0"/>
+          </a:p>
+          <a:p>
+            <a:r>
+              <a:rPr lang="en-US" baseline="0" dirty="0"/>
               <a:t>When you want to target all of the instances you can run 'kitchen create' without any parameters. This will create all instances. Seeing as how there is only one instance this will work well.</a:t>
             </a:r>
           </a:p>
           <a:p>
-            <a:endParaRPr lang="en-US" dirty="0" smtClean="0"/>
-          </a:p>
-          <a:p>
-            <a:r>
-              <a:rPr lang="en-US" dirty="0" smtClean="0"/>
-              <a:t>In our case, this command would use the </a:t>
-            </a:r>
-            <a:r>
-              <a:rPr lang="en-US" dirty="0" err="1" smtClean="0"/>
-              <a:t>Docker</a:t>
-            </a:r>
-            <a:r>
-              <a:rPr lang="en-US" dirty="0" smtClean="0"/>
-              <a:t> driver to create a </a:t>
-            </a:r>
-            <a:r>
-              <a:rPr lang="en-US" dirty="0" err="1" smtClean="0"/>
-              <a:t>docker</a:t>
-            </a:r>
-            <a:r>
-              <a:rPr lang="en-US" dirty="0" smtClean="0"/>
-              <a:t> image based on centos-6.7.</a:t>
+            <a:endParaRPr lang="en-US" dirty="0"/>
+          </a:p>
+          <a:p>
+            <a:r>
+              <a:rPr lang="en-US" dirty="0"/>
+              <a:t>In our case, this command would use the Docker driver to create a docker image based on centos-6.9.</a:t>
             </a:r>
           </a:p>
           <a:p>
@@ -5088,10 +5032,9 @@
               <a:defRPr/>
             </a:pPr>
             <a:r>
-              <a:rPr lang="en-US" smtClean="0"/>
+              <a:rPr lang="en-US"/>
               <a:t>Chef Intermediate</a:t>
             </a:r>
-            <a:endParaRPr lang="en-US"/>
           </a:p>
         </p:txBody>
       </p:sp>
@@ -5114,7 +5057,7 @@
               <a:defRPr/>
             </a:pPr>
             <a:r>
-              <a:rPr lang="en-CA" smtClean="0"/>
+              <a:rPr lang="en-CA"/>
               <a:t>Chef Software, Inc.</a:t>
             </a:r>
             <a:endParaRPr lang="en-US" dirty="0"/>
@@ -5179,62 +5122,58 @@
           <a:lstStyle/>
           <a:p>
             <a:r>
-              <a:rPr lang="en-US" dirty="0" smtClean="0"/>
+              <a:rPr lang="en-US" dirty="0"/>
               <a:t>Creating an image gives us a instance to test our cookbooks but it still would leave us with the work of installing chef and applying the cookbook defined in our .</a:t>
             </a:r>
             <a:r>
-              <a:rPr lang="en-US" dirty="0" err="1" smtClean="0"/>
+              <a:rPr lang="en-US" dirty="0" err="1"/>
               <a:t>kitchen.yml</a:t>
             </a:r>
             <a:r>
-              <a:rPr lang="en-US" dirty="0" smtClean="0"/>
+              <a:rPr lang="en-US" dirty="0"/>
               <a:t> run list.</a:t>
             </a:r>
           </a:p>
           <a:p>
-            <a:endParaRPr lang="en-US" dirty="0" smtClean="0"/>
-          </a:p>
-          <a:p>
-            <a:r>
-              <a:rPr lang="en-US" dirty="0" smtClean="0"/>
+            <a:endParaRPr lang="en-US" dirty="0"/>
+          </a:p>
+          <a:p>
+            <a:r>
+              <a:rPr lang="en-US" dirty="0"/>
               <a:t>So let's</a:t>
             </a:r>
             <a:r>
-              <a:rPr lang="en-US" baseline="0" dirty="0" smtClean="0"/>
+              <a:rPr lang="en-US" baseline="0" dirty="0"/>
               <a:t> </a:t>
             </a:r>
             <a:r>
-              <a:rPr lang="en-US" dirty="0" smtClean="0"/>
+              <a:rPr lang="en-US" dirty="0"/>
               <a:t>introduce you to the second kitchen command: 'kitchen converge'.</a:t>
             </a:r>
           </a:p>
           <a:p>
-            <a:endParaRPr lang="en-US" dirty="0" smtClean="0"/>
-          </a:p>
-          <a:p>
-            <a:r>
-              <a:rPr lang="en-US" dirty="0" smtClean="0"/>
+            <a:endParaRPr lang="en-US" dirty="0"/>
+          </a:p>
+          <a:p>
+            <a:r>
+              <a:rPr lang="en-US" dirty="0"/>
               <a:t>Converging an instance will create the instance if it has not already been created. Then it will install chef and apply that cookbook to that instance.</a:t>
             </a:r>
           </a:p>
           <a:p>
-            <a:endParaRPr lang="en-US" dirty="0" smtClean="0"/>
-          </a:p>
-          <a:p>
-            <a:r>
-              <a:rPr lang="en-US" dirty="0" smtClean="0"/>
-              <a:t>In our case, this command would take our image and install chef and apply the </a:t>
-            </a:r>
-            <a:r>
-              <a:rPr lang="en-US" dirty="0" smtClean="0"/>
-              <a:t>apache</a:t>
-            </a:r>
-            <a:r>
-              <a:rPr lang="en-US" baseline="0" dirty="0" smtClean="0"/>
+            <a:endParaRPr lang="en-US" dirty="0"/>
+          </a:p>
+          <a:p>
+            <a:r>
+              <a:rPr lang="en-US" dirty="0"/>
+              <a:t>In our case, this command would take our image and install chef and apply the apache</a:t>
+            </a:r>
+            <a:r>
+              <a:rPr lang="en-US" baseline="0" dirty="0"/>
               <a:t> </a:t>
             </a:r>
             <a:r>
-              <a:rPr lang="en-US" dirty="0" smtClean="0"/>
+              <a:rPr lang="en-US" dirty="0"/>
               <a:t>cookbook's default recipe.</a:t>
             </a:r>
           </a:p>
@@ -5262,10 +5201,9 @@
               <a:defRPr/>
             </a:pPr>
             <a:r>
-              <a:rPr lang="en-US" smtClean="0"/>
+              <a:rPr lang="en-US"/>
               <a:t>Chef Intermediate</a:t>
             </a:r>
-            <a:endParaRPr lang="en-US"/>
           </a:p>
         </p:txBody>
       </p:sp>
@@ -5288,7 +5226,7 @@
               <a:defRPr/>
             </a:pPr>
             <a:r>
-              <a:rPr lang="en-CA" smtClean="0"/>
+              <a:rPr lang="en-CA"/>
               <a:t>Chef Software, Inc.</a:t>
             </a:r>
             <a:endParaRPr lang="en-US" dirty="0"/>
@@ -5353,12 +5291,12 @@
           <a:lstStyle/>
           <a:p>
             <a:r>
-              <a:rPr lang="en-US" dirty="0" smtClean="0"/>
+              <a:rPr lang="en-US" dirty="0"/>
               <a:t>To verify an instance means to:</a:t>
             </a:r>
           </a:p>
           <a:p>
-            <a:endParaRPr lang="en-US" dirty="0" smtClean="0"/>
+            <a:endParaRPr lang="en-US" dirty="0"/>
           </a:p>
           <a:p>
             <a:pPr marL="171450" indent="-171450">
@@ -5366,7 +5304,7 @@
               <a:buChar char="•"/>
             </a:pPr>
             <a:r>
-              <a:rPr lang="en-US" dirty="0" smtClean="0"/>
+              <a:rPr lang="en-US" dirty="0"/>
               <a:t>Create a virtual or cloud instances, if needed</a:t>
             </a:r>
           </a:p>
@@ -5376,7 +5314,7 @@
               <a:buChar char="•"/>
             </a:pPr>
             <a:r>
-              <a:rPr lang="en-US" dirty="0" smtClean="0"/>
+              <a:rPr lang="en-US" dirty="0"/>
               <a:t>Converge the instance, if needed</a:t>
             </a:r>
           </a:p>
@@ -5386,7 +5324,7 @@
               <a:buChar char="•"/>
             </a:pPr>
             <a:r>
-              <a:rPr lang="en-US" dirty="0" smtClean="0"/>
+              <a:rPr lang="en-US" dirty="0"/>
               <a:t>And then execute a collection of defined tests against the instance</a:t>
             </a:r>
           </a:p>
@@ -5411,10 +5349,9 @@
               <a:defRPr/>
             </a:pPr>
             <a:r>
-              <a:rPr lang="en-US" smtClean="0"/>
+              <a:rPr lang="en-US"/>
               <a:t>Chef Intermediate</a:t>
             </a:r>
-            <a:endParaRPr lang="en-US"/>
           </a:p>
         </p:txBody>
       </p:sp>
@@ -5437,7 +5374,7 @@
               <a:defRPr/>
             </a:pPr>
             <a:r>
-              <a:rPr lang="en-CA" smtClean="0"/>
+              <a:rPr lang="en-CA"/>
               <a:t>Chef Software, Inc.</a:t>
             </a:r>
             <a:endParaRPr lang="en-US" dirty="0"/>
@@ -5502,19 +5439,18 @@
           <a:lstStyle/>
           <a:p>
             <a:r>
-              <a:rPr lang="en-US" dirty="0" smtClean="0"/>
+              <a:rPr lang="en-US" dirty="0"/>
               <a:t>TDD is a workflow process: Add a test; Run the test expecting failure; Add code; Run the test expecting success. Refactor.</a:t>
             </a:r>
           </a:p>
           <a:p>
-            <a:endParaRPr lang="en-US" dirty="0" smtClean="0"/>
-          </a:p>
-          <a:p>
-            <a:r>
-              <a:rPr lang="en-US" dirty="0" smtClean="0"/>
+            <a:endParaRPr lang="en-US" dirty="0"/>
+          </a:p>
+          <a:p>
+            <a:r>
+              <a:rPr lang="en-US" dirty="0"/>
               <a:t>BDD influences the language we use to write the tests and how we focus on tests that matter. The activities within this module focus on the process of taking requirements, expressing them as expectations, choosing one implementation to meet these expectations, and then verifying we have met these expectations.</a:t>
             </a:r>
-            <a:endParaRPr lang="en-US" dirty="0"/>
           </a:p>
         </p:txBody>
       </p:sp>
@@ -5537,10 +5473,9 @@
               <a:defRPr/>
             </a:pPr>
             <a:r>
-              <a:rPr lang="en-US" smtClean="0"/>
+              <a:rPr lang="en-US"/>
               <a:t>Chef Intermediate</a:t>
             </a:r>
-            <a:endParaRPr lang="en-US"/>
           </a:p>
         </p:txBody>
       </p:sp>
@@ -5563,7 +5498,7 @@
               <a:defRPr/>
             </a:pPr>
             <a:r>
-              <a:rPr lang="en-CA" smtClean="0"/>
+              <a:rPr lang="en-CA"/>
               <a:t>Chef Software, Inc.</a:t>
             </a:r>
             <a:endParaRPr lang="en-US" dirty="0"/>
@@ -5628,11 +5563,11 @@
           <a:lstStyle/>
           <a:p>
             <a:r>
-              <a:rPr lang="en-US" dirty="0" smtClean="0"/>
+              <a:rPr lang="en-US" dirty="0"/>
               <a:t>Create</a:t>
             </a:r>
             <a:r>
-              <a:rPr lang="en-US" baseline="0" dirty="0" smtClean="0"/>
+              <a:rPr lang="en-US" baseline="0" dirty="0"/>
               <a:t> the instance with the following command. Here Test Kitchen will ask the driver specified in the kitchen configuration file to provision an instance for us.</a:t>
             </a:r>
             <a:endParaRPr lang="en-US" dirty="0"/>
@@ -5658,10 +5593,9 @@
               <a:defRPr/>
             </a:pPr>
             <a:r>
-              <a:rPr lang="en-US" smtClean="0"/>
+              <a:rPr lang="en-US"/>
               <a:t>Chef Intermediate</a:t>
             </a:r>
-            <a:endParaRPr lang="en-US"/>
           </a:p>
         </p:txBody>
       </p:sp>
@@ -5684,7 +5618,7 @@
               <a:defRPr/>
             </a:pPr>
             <a:r>
-              <a:rPr lang="en-CA" smtClean="0"/>
+              <a:rPr lang="en-CA"/>
               <a:t>Chef Software, Inc.</a:t>
             </a:r>
             <a:endParaRPr lang="en-US" dirty="0"/>
@@ -5766,25 +5700,25 @@
               <a:defRPr/>
             </a:pPr>
             <a:r>
-              <a:rPr lang="en-US" dirty="0" smtClean="0"/>
+              <a:rPr lang="en-US" dirty="0"/>
               <a:t>You can</a:t>
             </a:r>
             <a:r>
-              <a:rPr lang="en-US" baseline="0" dirty="0" smtClean="0"/>
+              <a:rPr lang="en-US" baseline="0" dirty="0"/>
               <a:t> gain access to this virtual instance that we have created through the specified command. The login subcommand allows you to specify a parameter, which is the name of the instance that you want to log into. In your case, you only have one instance so Test Kitchen assumes you want to log into that one.</a:t>
             </a:r>
           </a:p>
           <a:p>
-            <a:endParaRPr lang="en-US" baseline="0" dirty="0" smtClean="0"/>
-          </a:p>
-          <a:p>
-            <a:r>
-              <a:rPr lang="en-US" baseline="0" dirty="0" smtClean="0"/>
+            <a:endParaRPr lang="en-US" baseline="0" dirty="0"/>
+          </a:p>
+          <a:p>
+            <a:r>
+              <a:rPr lang="en-US" baseline="0" dirty="0"/>
               <a:t>You are in now logged into a virtual instance on a virtual instance.</a:t>
             </a:r>
           </a:p>
           <a:p>
-            <a:endParaRPr lang="en-US" baseline="0" dirty="0" smtClean="0"/>
+            <a:endParaRPr lang="en-US" baseline="0" dirty="0"/>
           </a:p>
         </p:txBody>
       </p:sp>
@@ -5807,10 +5741,9 @@
               <a:defRPr/>
             </a:pPr>
             <a:r>
-              <a:rPr lang="en-US" smtClean="0"/>
+              <a:rPr lang="en-US"/>
               <a:t>Chef Intermediate</a:t>
             </a:r>
-            <a:endParaRPr lang="en-US"/>
           </a:p>
         </p:txBody>
       </p:sp>
@@ -5833,7 +5766,7 @@
               <a:defRPr/>
             </a:pPr>
             <a:r>
-              <a:rPr lang="en-CA" smtClean="0"/>
+              <a:rPr lang="en-CA"/>
               <a:t>Chef Software, Inc.</a:t>
             </a:r>
             <a:endParaRPr lang="en-US" dirty="0"/>
@@ -5898,11 +5831,11 @@
           <a:lstStyle/>
           <a:p>
             <a:r>
-              <a:rPr lang="en-US" dirty="0" smtClean="0"/>
+              <a:rPr lang="en-US" dirty="0"/>
               <a:t>Logging in to the virtual instance is useful to explore</a:t>
             </a:r>
             <a:r>
-              <a:rPr lang="en-US" baseline="0" dirty="0" smtClean="0"/>
+              <a:rPr lang="en-US" baseline="0" dirty="0"/>
               <a:t> the platform or assist with troubleshooting your recipes they fail in perplexing ways. Right now, we are interested in executing the tests so logout of the instance with the 'exit' command and we will return to the workstation.</a:t>
             </a:r>
             <a:endParaRPr lang="en-US" dirty="0"/>
@@ -5928,10 +5861,9 @@
               <a:defRPr/>
             </a:pPr>
             <a:r>
-              <a:rPr lang="en-US" smtClean="0"/>
+              <a:rPr lang="en-US"/>
               <a:t>Chef Intermediate</a:t>
             </a:r>
-            <a:endParaRPr lang="en-US"/>
           </a:p>
         </p:txBody>
       </p:sp>
@@ -5954,7 +5886,7 @@
               <a:defRPr/>
             </a:pPr>
             <a:r>
-              <a:rPr lang="en-CA" smtClean="0"/>
+              <a:rPr lang="en-CA"/>
               <a:t>Chef Software, Inc.</a:t>
             </a:r>
             <a:endParaRPr lang="en-US" dirty="0"/>
@@ -6019,29 +5951,21 @@
           <a:lstStyle/>
           <a:p>
             <a:r>
-              <a:rPr lang="en-US" dirty="0" smtClean="0"/>
+              <a:rPr lang="en-US" dirty="0"/>
               <a:t>Creating</a:t>
             </a:r>
             <a:r>
-              <a:rPr lang="en-US" baseline="0" dirty="0" smtClean="0"/>
+              <a:rPr lang="en-US" baseline="0" dirty="0"/>
               <a:t> the instance allows us to view the operating system but Chef is not installed and the cookbook recipe, defined in the run list of the default test suite, has not been applied to the system. To do that you need to run 'kitchen converge'. Converge will take care of all of that.</a:t>
             </a:r>
           </a:p>
           <a:p>
-            <a:endParaRPr lang="en-US" baseline="0" dirty="0" smtClean="0"/>
-          </a:p>
-          <a:p>
-            <a:r>
-              <a:rPr lang="en-US" baseline="0" dirty="0" smtClean="0"/>
-              <a:t>In this instance the default recipe of the </a:t>
-            </a:r>
-            <a:r>
-              <a:rPr lang="en-US" baseline="0" dirty="0" smtClean="0"/>
-              <a:t>apache </a:t>
-            </a:r>
-            <a:r>
-              <a:rPr lang="en-US" baseline="0" dirty="0" smtClean="0"/>
-              <a:t>cookbook contains no resources. You have not written a single resource that defines your desired state. Before we do that we want to ensure the instance is not already in a state that perhaps already meets the expectations that we defined.</a:t>
+            <a:endParaRPr lang="en-US" baseline="0" dirty="0"/>
+          </a:p>
+          <a:p>
+            <a:r>
+              <a:rPr lang="en-US" baseline="0" dirty="0"/>
+              <a:t>In this instance the default recipe of the apache cookbook contains no resources. You have not written a single resource that defines your desired state. Before we do that we want to ensure the instance is not already in a state that perhaps already meets the expectations that we defined.</a:t>
             </a:r>
           </a:p>
           <a:p>
@@ -6068,10 +5992,9 @@
               <a:defRPr/>
             </a:pPr>
             <a:r>
-              <a:rPr lang="en-US" smtClean="0"/>
+              <a:rPr lang="en-US"/>
               <a:t>Chef Intermediate</a:t>
             </a:r>
-            <a:endParaRPr lang="en-US"/>
           </a:p>
         </p:txBody>
       </p:sp>
@@ -6094,7 +6017,7 @@
               <a:defRPr/>
             </a:pPr>
             <a:r>
-              <a:rPr lang="en-CA" smtClean="0"/>
+              <a:rPr lang="en-CA"/>
               <a:t>Chef Software, Inc.</a:t>
             </a:r>
             <a:endParaRPr lang="en-US" dirty="0"/>
@@ -6159,20 +6082,20 @@
           <a:lstStyle/>
           <a:p>
             <a:r>
-              <a:rPr lang="en-US" dirty="0" smtClean="0"/>
+              <a:rPr lang="en-US" dirty="0"/>
               <a:t>To verify the state</a:t>
             </a:r>
             <a:r>
-              <a:rPr lang="en-US" baseline="0" dirty="0" smtClean="0"/>
+              <a:rPr lang="en-US" baseline="0" dirty="0"/>
               <a:t> of the instance with specification that we defined we use the 'kitchen verify' command. This command will install all the necessary testing tools, configure them, and then execute the test suite, and return to us the results.</a:t>
             </a:r>
           </a:p>
           <a:p>
-            <a:endParaRPr lang="en-US" baseline="0" dirty="0" smtClean="0"/>
-          </a:p>
-          <a:p>
-            <a:r>
-              <a:rPr lang="en-US" baseline="0" dirty="0" smtClean="0"/>
+            <a:endParaRPr lang="en-US" baseline="0" dirty="0"/>
+          </a:p>
+          <a:p>
+            <a:r>
+              <a:rPr lang="en-US" baseline="0" dirty="0"/>
               <a:t>Something that is important to mention is that we could have simply run this command from the start. When no previous instance exists, no instance has been created or converged, this command will automatically perform those two steps. When the instance is running, however, the verification step is only run.</a:t>
             </a:r>
             <a:endParaRPr lang="en-US" dirty="0"/>
@@ -6198,10 +6121,9 @@
               <a:defRPr/>
             </a:pPr>
             <a:r>
-              <a:rPr lang="en-US" smtClean="0"/>
+              <a:rPr lang="en-US"/>
               <a:t>Chef Intermediate</a:t>
             </a:r>
-            <a:endParaRPr lang="en-US"/>
           </a:p>
         </p:txBody>
       </p:sp>
@@ -6224,7 +6146,7 @@
               <a:defRPr/>
             </a:pPr>
             <a:r>
-              <a:rPr lang="en-CA" smtClean="0"/>
+              <a:rPr lang="en-CA"/>
               <a:t>Chef Software, Inc.</a:t>
             </a:r>
             <a:endParaRPr lang="en-US" dirty="0"/>
@@ -6289,11 +6211,11 @@
           <a:lstStyle/>
           <a:p>
             <a:r>
-              <a:rPr lang="en-US" dirty="0" smtClean="0"/>
+              <a:rPr lang="en-US" dirty="0"/>
               <a:t>Now,</a:t>
             </a:r>
             <a:r>
-              <a:rPr lang="en-US" baseline="0" dirty="0" smtClean="0"/>
+              <a:rPr lang="en-US" baseline="0" dirty="0"/>
               <a:t> let's read the results from the kitchen verification to ensure that our expectations failed to be met.</a:t>
             </a:r>
           </a:p>
@@ -6318,10 +6240,9 @@
               <a:defRPr/>
             </a:pPr>
             <a:r>
-              <a:rPr lang="en-US" smtClean="0"/>
+              <a:rPr lang="en-US"/>
               <a:t>Chef Intermediate</a:t>
             </a:r>
-            <a:endParaRPr lang="en-US"/>
           </a:p>
         </p:txBody>
       </p:sp>
@@ -6344,7 +6265,7 @@
               <a:defRPr/>
             </a:pPr>
             <a:r>
-              <a:rPr lang="en-CA" smtClean="0"/>
+              <a:rPr lang="en-CA"/>
               <a:t>Chef Software, Inc.</a:t>
             </a:r>
             <a:endParaRPr lang="en-US" dirty="0"/>
@@ -6409,20 +6330,20 @@
           <a:lstStyle/>
           <a:p>
             <a:r>
-              <a:rPr lang="en-US" dirty="0" smtClean="0"/>
+              <a:rPr lang="en-US" dirty="0"/>
               <a:t>Each</a:t>
             </a:r>
             <a:r>
-              <a:rPr lang="en-US" baseline="0" dirty="0" smtClean="0"/>
+              <a:rPr lang="en-US" baseline="0" dirty="0"/>
               <a:t> failure is displayed with a human-readable sentence about the defined resource, the expected results, and the result that was received (or 'got').</a:t>
             </a:r>
           </a:p>
           <a:p>
-            <a:endParaRPr lang="en-US" baseline="0" dirty="0" smtClean="0"/>
-          </a:p>
-          <a:p>
-            <a:r>
-              <a:rPr lang="en-US" baseline="0" dirty="0" smtClean="0"/>
+            <a:endParaRPr lang="en-US" baseline="0" dirty="0"/>
+          </a:p>
+          <a:p>
+            <a:r>
+              <a:rPr lang="en-US" baseline="0" dirty="0"/>
               <a:t>We see that we have two errors. The first is that port 80 is not listening when we expected to be listening. We also expected the command's standard out to return content to us and it did not; it returned nothing.</a:t>
             </a:r>
           </a:p>
@@ -6447,10 +6368,9 @@
               <a:defRPr/>
             </a:pPr>
             <a:r>
-              <a:rPr lang="en-US" smtClean="0"/>
+              <a:rPr lang="en-US"/>
               <a:t>Chef Intermediate</a:t>
             </a:r>
-            <a:endParaRPr lang="en-US"/>
           </a:p>
         </p:txBody>
       </p:sp>
@@ -6473,7 +6393,7 @@
               <a:defRPr/>
             </a:pPr>
             <a:r>
-              <a:rPr lang="en-CA" smtClean="0"/>
+              <a:rPr lang="en-CA"/>
               <a:t>Chef Software, Inc.</a:t>
             </a:r>
             <a:endParaRPr lang="en-US" dirty="0"/>
@@ -6538,11 +6458,11 @@
           <a:lstStyle/>
           <a:p>
             <a:r>
-              <a:rPr lang="en-US" dirty="0" smtClean="0"/>
+              <a:rPr lang="en-US" dirty="0"/>
               <a:t>After all the</a:t>
             </a:r>
             <a:r>
-              <a:rPr lang="en-US" baseline="0" dirty="0" smtClean="0"/>
+              <a:rPr lang="en-US" baseline="0" dirty="0"/>
               <a:t> failures a final summary of the results will be displayed which shows us that our test suite contains 2 examples and that 2 examples failed to meet expectations.</a:t>
             </a:r>
             <a:endParaRPr lang="en-US" dirty="0"/>
@@ -6568,10 +6488,9 @@
               <a:defRPr/>
             </a:pPr>
             <a:r>
-              <a:rPr lang="en-US" smtClean="0"/>
+              <a:rPr lang="en-US"/>
               <a:t>Chef Intermediate</a:t>
             </a:r>
-            <a:endParaRPr lang="en-US"/>
           </a:p>
         </p:txBody>
       </p:sp>
@@ -6594,7 +6513,7 @@
               <a:defRPr/>
             </a:pPr>
             <a:r>
-              <a:rPr lang="en-CA" smtClean="0"/>
+              <a:rPr lang="en-CA"/>
               <a:t>Chef Software, Inc.</a:t>
             </a:r>
             <a:endParaRPr lang="en-US" dirty="0"/>
@@ -6659,11 +6578,11 @@
           <a:lstStyle/>
           <a:p>
             <a:r>
-              <a:rPr lang="en-US" dirty="0" smtClean="0"/>
+              <a:rPr lang="en-US" dirty="0"/>
               <a:t>Now</a:t>
             </a:r>
             <a:r>
-              <a:rPr lang="en-US" baseline="0" dirty="0" smtClean="0"/>
+              <a:rPr lang="en-US" baseline="0" dirty="0"/>
               <a:t> we know for certain that the test instance is not in our desired state. When we write the resources now in the default recipe to bring the instance to the desired state we can be certain that we have done it in a way that meets the expectations that we have established.</a:t>
             </a:r>
             <a:endParaRPr lang="en-US" dirty="0"/>
@@ -6689,10 +6608,9 @@
               <a:defRPr/>
             </a:pPr>
             <a:r>
-              <a:rPr lang="en-US" smtClean="0"/>
+              <a:rPr lang="en-US"/>
               <a:t>Chef Intermediate</a:t>
             </a:r>
-            <a:endParaRPr lang="en-US"/>
           </a:p>
         </p:txBody>
       </p:sp>
@@ -6715,7 +6633,7 @@
               <a:defRPr/>
             </a:pPr>
             <a:r>
-              <a:rPr lang="en-CA" smtClean="0"/>
+              <a:rPr lang="en-CA"/>
               <a:t>Chef Software, Inc.</a:t>
             </a:r>
             <a:endParaRPr lang="en-US" dirty="0"/>
@@ -6780,20 +6698,20 @@
           <a:lstStyle/>
           <a:p>
             <a:r>
-              <a:rPr lang="en-US" dirty="0" smtClean="0"/>
+              <a:rPr lang="en-US" dirty="0"/>
               <a:t>The</a:t>
             </a:r>
             <a:r>
-              <a:rPr lang="en-US" baseline="0" dirty="0" smtClean="0"/>
+              <a:rPr lang="en-US" baseline="0" dirty="0"/>
               <a:t> following recipe defines three resources. These three resources express the desired state of an apache server that will serve up a simple page that contains the text 'Welcome Home!'.</a:t>
             </a:r>
           </a:p>
           <a:p>
-            <a:endParaRPr lang="en-US" baseline="0" dirty="0" smtClean="0"/>
-          </a:p>
-          <a:p>
-            <a:r>
-              <a:rPr lang="en-US" baseline="0" dirty="0" smtClean="0"/>
+            <a:endParaRPr lang="en-US" baseline="0" dirty="0"/>
+          </a:p>
+          <a:p>
+            <a:r>
+              <a:rPr lang="en-US" baseline="0" dirty="0"/>
               <a:t>The package will install all the necessary software on the operating system. The file will create an HTML file with the desired content at a location pre-defined by the web server. The service resource will start the web server and then ensure that if we reboot the system the web server will start up.</a:t>
             </a:r>
           </a:p>
@@ -6818,10 +6736,9 @@
               <a:defRPr/>
             </a:pPr>
             <a:r>
-              <a:rPr lang="en-US" smtClean="0"/>
+              <a:rPr lang="en-US"/>
               <a:t>Chef Intermediate</a:t>
             </a:r>
-            <a:endParaRPr lang="en-US"/>
           </a:p>
         </p:txBody>
       </p:sp>
@@ -6844,7 +6761,7 @@
               <a:defRPr/>
             </a:pPr>
             <a:r>
-              <a:rPr lang="en-CA" smtClean="0"/>
+              <a:rPr lang="en-CA"/>
               <a:t>Chef Software, Inc.</a:t>
             </a:r>
             <a:endParaRPr lang="en-US" dirty="0"/>
@@ -6926,7 +6843,7 @@
               <a:defRPr/>
             </a:pPr>
             <a:r>
-              <a:rPr lang="en-US" sz="1200" kern="1200" dirty="0" smtClean="0">
+              <a:rPr lang="en-US" sz="1200" kern="1200" dirty="0">
                 <a:solidFill>
                   <a:schemeClr val="tx1"/>
                 </a:solidFill>
@@ -6938,7 +6855,7 @@
               <a:t>In this module you will learn how to use chef</a:t>
             </a:r>
             <a:r>
-              <a:rPr lang="en-US" sz="1200" kern="1200" baseline="0" dirty="0" smtClean="0">
+              <a:rPr lang="en-US" sz="1200" kern="1200" baseline="0" dirty="0">
                 <a:solidFill>
                   <a:schemeClr val="tx1"/>
                 </a:solidFill>
@@ -6949,7 +6866,7 @@
               </a:rPr>
               <a:t> to generate a cookbook, write an integration test first, use Test Kitchen to execute that test, and then implement a solution to make that test pass.</a:t>
             </a:r>
-            <a:endParaRPr lang="en-US" sz="1200" kern="1200" dirty="0" smtClean="0">
+            <a:endParaRPr lang="en-US" sz="1200" kern="1200" dirty="0">
               <a:solidFill>
                 <a:schemeClr val="tx1"/>
               </a:solidFill>
@@ -6983,10 +6900,9 @@
               <a:defRPr/>
             </a:pPr>
             <a:r>
-              <a:rPr lang="en-US" smtClean="0"/>
+              <a:rPr lang="en-US"/>
               <a:t>Chef Intermediate</a:t>
             </a:r>
-            <a:endParaRPr lang="en-US"/>
           </a:p>
         </p:txBody>
       </p:sp>
@@ -7009,7 +6925,7 @@
               <a:defRPr/>
             </a:pPr>
             <a:r>
-              <a:rPr lang="en-CA" smtClean="0"/>
+              <a:rPr lang="en-CA"/>
               <a:t>Chef Software, Inc.</a:t>
             </a:r>
             <a:endParaRPr lang="en-US" dirty="0"/>
@@ -7074,20 +6990,20 @@
           <a:lstStyle/>
           <a:p>
             <a:r>
-              <a:rPr lang="en-US" dirty="0" smtClean="0"/>
+              <a:rPr lang="en-US" dirty="0"/>
               <a:t>Whenever you make</a:t>
             </a:r>
             <a:r>
-              <a:rPr lang="en-US" baseline="0" dirty="0" smtClean="0"/>
+              <a:rPr lang="en-US" baseline="0" dirty="0"/>
               <a:t> a change to the recipe it is important to run 'kitchen converge'. This command will apply the updated recipe to the state of the virtual instance. </a:t>
             </a:r>
           </a:p>
           <a:p>
-            <a:endParaRPr lang="en-US" baseline="0" dirty="0" smtClean="0"/>
-          </a:p>
-          <a:p>
-            <a:r>
-              <a:rPr lang="en-US" baseline="0" dirty="0" smtClean="0"/>
+            <a:endParaRPr lang="en-US" baseline="0" dirty="0"/>
+          </a:p>
+          <a:p>
+            <a:r>
+              <a:rPr lang="en-US" baseline="0" dirty="0"/>
               <a:t>In the output, you should see the resources that you defined being applied to the instance. The package, the file, and the actions of the service.</a:t>
             </a:r>
           </a:p>
@@ -7112,10 +7028,9 @@
               <a:defRPr/>
             </a:pPr>
             <a:r>
-              <a:rPr lang="en-US" smtClean="0"/>
+              <a:rPr lang="en-US"/>
               <a:t>Chef Intermediate</a:t>
             </a:r>
-            <a:endParaRPr lang="en-US"/>
           </a:p>
         </p:txBody>
       </p:sp>
@@ -7138,7 +7053,7 @@
               <a:defRPr/>
             </a:pPr>
             <a:r>
-              <a:rPr lang="en-CA" smtClean="0"/>
+              <a:rPr lang="en-CA"/>
               <a:t>Chef Software, Inc.</a:t>
             </a:r>
             <a:endParaRPr lang="en-US" dirty="0"/>
@@ -7203,11 +7118,11 @@
           <a:lstStyle/>
           <a:p>
             <a:r>
-              <a:rPr lang="en-US" dirty="0" smtClean="0"/>
+              <a:rPr lang="en-US" dirty="0"/>
               <a:t>Now with</a:t>
             </a:r>
             <a:r>
-              <a:rPr lang="en-US" baseline="0" dirty="0" smtClean="0"/>
+              <a:rPr lang="en-US" baseline="0" dirty="0"/>
               <a:t> the desired state expressed in the default recipe and applied to the virtual instance it is time to see if the test we wrote initially will now pass. If it does, that means we got everything right in the configuration we wrote in the recipe. We can declare victory!</a:t>
             </a:r>
             <a:endParaRPr lang="en-US" dirty="0"/>
@@ -7233,10 +7148,9 @@
               <a:defRPr/>
             </a:pPr>
             <a:r>
-              <a:rPr lang="en-US" smtClean="0"/>
+              <a:rPr lang="en-US"/>
               <a:t>Chef Intermediate</a:t>
             </a:r>
-            <a:endParaRPr lang="en-US"/>
           </a:p>
         </p:txBody>
       </p:sp>
@@ -7259,7 +7173,7 @@
               <a:defRPr/>
             </a:pPr>
             <a:r>
-              <a:rPr lang="en-CA" smtClean="0"/>
+              <a:rPr lang="en-CA"/>
               <a:t>Chef Software, Inc.</a:t>
             </a:r>
             <a:endParaRPr lang="en-US" dirty="0"/>
@@ -7324,16 +7238,16 @@
           <a:lstStyle/>
           <a:p>
             <a:r>
-              <a:rPr lang="en-US" baseline="0" dirty="0" smtClean="0"/>
+              <a:rPr lang="en-US" baseline="0" dirty="0"/>
               <a:t>To verify the state of the virtual instance you run the 'kitchen verify' command. In the summary you should find the failing expectation no longer fails.</a:t>
             </a:r>
           </a:p>
           <a:p>
-            <a:endParaRPr lang="en-US" baseline="0" dirty="0" smtClean="0"/>
-          </a:p>
-          <a:p>
-            <a:r>
-              <a:rPr lang="en-US" baseline="0" dirty="0" smtClean="0"/>
+            <a:endParaRPr lang="en-US" baseline="0" dirty="0"/>
+          </a:p>
+          <a:p>
+            <a:r>
+              <a:rPr lang="en-US" baseline="0" dirty="0"/>
               <a:t>If it does fail, it is time to review the code you wrote in the recipe file and the spec file. When it was failing did you get a different failure than the one that we walked through? That probably means there is an error in the spec file. Did the test instance actually converge successfully? Sometimes output will scroll by and we don't have time to read it. I get it. Scroll back up and see if there was an error message tucked into the 'kitchen converge' you ran.</a:t>
             </a:r>
             <a:endParaRPr lang="en-US" dirty="0"/>
@@ -7359,10 +7273,9 @@
               <a:defRPr/>
             </a:pPr>
             <a:r>
-              <a:rPr lang="en-US" smtClean="0"/>
+              <a:rPr lang="en-US"/>
               <a:t>Chef Intermediate</a:t>
             </a:r>
-            <a:endParaRPr lang="en-US"/>
           </a:p>
         </p:txBody>
       </p:sp>
@@ -7385,7 +7298,7 @@
               <a:defRPr/>
             </a:pPr>
             <a:r>
-              <a:rPr lang="en-CA" smtClean="0"/>
+              <a:rPr lang="en-CA"/>
               <a:t>Chef Software, Inc.</a:t>
             </a:r>
             <a:endParaRPr lang="en-US" dirty="0"/>
@@ -7450,28 +7363,28 @@
           <a:lstStyle/>
           <a:p>
             <a:r>
-              <a:rPr lang="en-US" dirty="0" smtClean="0"/>
+              <a:rPr lang="en-US" dirty="0"/>
               <a:t>So</a:t>
             </a:r>
             <a:r>
-              <a:rPr lang="en-US" baseline="0" dirty="0" smtClean="0"/>
+              <a:rPr lang="en-US" baseline="0" dirty="0"/>
               <a:t> you've done it. You have done Test Driven Development (TDD). Wrote a test. Saw it fail. Wrote a unit of code. Saw it pass.</a:t>
             </a:r>
           </a:p>
           <a:p>
-            <a:endParaRPr lang="en-US" baseline="0" dirty="0" smtClean="0"/>
-          </a:p>
-          <a:p>
-            <a:r>
-              <a:rPr lang="en-US" baseline="0" dirty="0" smtClean="0"/>
+            <a:endParaRPr lang="en-US" baseline="0" dirty="0"/>
+          </a:p>
+          <a:p>
+            <a:r>
+              <a:rPr lang="en-US" baseline="0" dirty="0"/>
               <a:t>You created a cookbook. Wrote </a:t>
             </a:r>
             <a:r>
-              <a:rPr lang="en-US" baseline="0" smtClean="0"/>
+              <a:rPr lang="en-US" baseline="0"/>
               <a:t>an expectation in </a:t>
             </a:r>
             <a:r>
-              <a:rPr lang="en-US" baseline="0" dirty="0" smtClean="0"/>
+              <a:rPr lang="en-US" baseline="0" dirty="0"/>
               <a:t>the spec file. Saw the test fail. Wrote a recipe. Applied the recipe. Ran the tests and saw them pass.</a:t>
             </a:r>
             <a:endParaRPr lang="en-US" dirty="0"/>
@@ -7497,10 +7410,9 @@
               <a:defRPr/>
             </a:pPr>
             <a:r>
-              <a:rPr lang="en-US" smtClean="0"/>
+              <a:rPr lang="en-US"/>
               <a:t>Chef Intermediate</a:t>
             </a:r>
-            <a:endParaRPr lang="en-US"/>
           </a:p>
         </p:txBody>
       </p:sp>
@@ -7523,7 +7435,7 @@
               <a:defRPr/>
             </a:pPr>
             <a:r>
-              <a:rPr lang="en-CA" smtClean="0"/>
+              <a:rPr lang="en-CA"/>
               <a:t>Chef Software, Inc.</a:t>
             </a:r>
             <a:endParaRPr lang="en-US" dirty="0"/>
@@ -7588,19 +7500,19 @@
           <a:lstStyle/>
           <a:p>
             <a:r>
-              <a:rPr lang="en-US" baseline="0" dirty="0" smtClean="0"/>
+              <a:rPr lang="en-US" baseline="0" dirty="0"/>
               <a:t>Now that you participated in writing a test and then the recipe let's have a discussion.</a:t>
             </a:r>
           </a:p>
           <a:p>
-            <a:endParaRPr lang="en-US" baseline="0" dirty="0" smtClean="0"/>
-          </a:p>
-          <a:p>
-            <a:r>
-              <a:rPr lang="en-US" baseline="0" dirty="0" smtClean="0"/>
+            <a:endParaRPr lang="en-US" baseline="0" dirty="0"/>
+          </a:p>
+          <a:p>
+            <a:r>
+              <a:rPr lang="en-US" baseline="0" dirty="0"/>
               <a:t>Instructor Note: With large groups I often find it better to have individuals turn to the individuals around them, form groups of whatever size they feel comfortable, and have them take turns asking and answering the questions. When all the groups are done I then open the discussion up to the entire group allowing each group or individuals to share their answers.</a:t>
             </a:r>
-            <a:endParaRPr lang="en-US" dirty="0" smtClean="0"/>
+            <a:endParaRPr lang="en-US" dirty="0"/>
           </a:p>
         </p:txBody>
       </p:sp>
@@ -7623,10 +7535,9 @@
               <a:defRPr/>
             </a:pPr>
             <a:r>
-              <a:rPr lang="en-US" smtClean="0"/>
+              <a:rPr lang="en-US"/>
               <a:t>Chef Intermediate</a:t>
             </a:r>
-            <a:endParaRPr lang="en-US"/>
           </a:p>
         </p:txBody>
       </p:sp>
@@ -7649,7 +7560,7 @@
               <a:defRPr/>
             </a:pPr>
             <a:r>
-              <a:rPr lang="en-CA" smtClean="0"/>
+              <a:rPr lang="en-CA"/>
               <a:t>Chef Software, Inc.</a:t>
             </a:r>
             <a:endParaRPr lang="en-US" dirty="0"/>
@@ -7731,14 +7642,14 @@
               <a:defRPr/>
             </a:pPr>
             <a:r>
-              <a:rPr lang="en-US" dirty="0" smtClean="0"/>
+              <a:rPr lang="en-US" dirty="0"/>
               <a:t>Before</a:t>
             </a:r>
             <a:r>
-              <a:rPr lang="en-US" baseline="0" dirty="0" smtClean="0"/>
+              <a:rPr lang="en-US" baseline="0" dirty="0"/>
               <a:t> we complete this section, let us pause for questions.</a:t>
             </a:r>
-            <a:endParaRPr lang="en-US" dirty="0" smtClean="0"/>
+            <a:endParaRPr lang="en-US" dirty="0"/>
           </a:p>
         </p:txBody>
       </p:sp>
@@ -7761,10 +7672,9 @@
               <a:defRPr/>
             </a:pPr>
             <a:r>
-              <a:rPr lang="en-US" smtClean="0"/>
+              <a:rPr lang="en-US"/>
               <a:t>Chef Intermediate</a:t>
             </a:r>
-            <a:endParaRPr lang="en-US"/>
           </a:p>
         </p:txBody>
       </p:sp>
@@ -7787,7 +7697,7 @@
               <a:defRPr/>
             </a:pPr>
             <a:r>
-              <a:rPr lang="en-CA" smtClean="0"/>
+              <a:rPr lang="en-CA"/>
               <a:t>Chef Software, Inc.</a:t>
             </a:r>
             <a:endParaRPr lang="en-US" dirty="0"/>
@@ -7869,11 +7779,11 @@
               <a:defRPr/>
             </a:pPr>
             <a:r>
-              <a:rPr lang="en-US" dirty="0" smtClean="0"/>
+              <a:rPr lang="en-US" dirty="0"/>
               <a:t>You</a:t>
             </a:r>
             <a:r>
-              <a:rPr lang="en-US" baseline="0" dirty="0" smtClean="0"/>
+              <a:rPr lang="en-US" baseline="0" dirty="0"/>
               <a:t> have performed almost all of the steps of TDD. Next we are going to use the tests to help us refactor the recipe we wrote. In a series of group exercises we will explore some of the important nuances of Test Kitchen's subcommands: converge and verify. And explore another subcommand named: test.</a:t>
             </a:r>
           </a:p>
@@ -7898,10 +7808,9 @@
               <a:defRPr/>
             </a:pPr>
             <a:r>
-              <a:rPr lang="en-US" smtClean="0"/>
+              <a:rPr lang="en-US"/>
               <a:t>Chef Intermediate</a:t>
             </a:r>
-            <a:endParaRPr lang="en-US"/>
           </a:p>
         </p:txBody>
       </p:sp>
@@ -7924,7 +7833,7 @@
               <a:defRPr/>
             </a:pPr>
             <a:r>
-              <a:rPr lang="en-CA" smtClean="0"/>
+              <a:rPr lang="en-CA"/>
               <a:t>Chef Software, Inc.</a:t>
             </a:r>
             <a:endParaRPr lang="en-US" dirty="0"/>
@@ -8011,7 +7920,7 @@
               <a:defRPr/>
             </a:pPr>
             <a:r>
-              <a:rPr lang="en-CA" smtClean="0"/>
+              <a:rPr lang="en-CA"/>
               <a:t>Chef Software, Inc.</a:t>
             </a:r>
             <a:endParaRPr lang="en-US" dirty="0"/>
@@ -8037,7 +7946,7 @@
               <a:defRPr/>
             </a:pPr>
             <a:r>
-              <a:rPr lang="en-US" smtClean="0"/>
+              <a:rPr lang="en-US"/>
               <a:t>Chef Intermediate</a:t>
             </a:r>
             <a:endParaRPr lang="en-US" dirty="0"/>
@@ -8102,28 +8011,27 @@
           <a:lstStyle/>
           <a:p>
             <a:r>
-              <a:rPr lang="en-US" dirty="0" smtClean="0"/>
+              <a:rPr lang="en-US" dirty="0"/>
               <a:t>To explore the concepts of Test Driven Development through Behavior Driven Design we are going to focus on creating a cookbook that starts with the goal that installs, configures, and starts a web server that hosts the your company's future home page.</a:t>
             </a:r>
           </a:p>
           <a:p>
-            <a:endParaRPr lang="en-US" dirty="0" smtClean="0"/>
-          </a:p>
-          <a:p>
-            <a:r>
-              <a:rPr lang="en-US" dirty="0" smtClean="0"/>
+            <a:endParaRPr lang="en-US" dirty="0"/>
+          </a:p>
+          <a:p>
+            <a:r>
+              <a:rPr lang="en-US" dirty="0"/>
               <a:t>This cookbook will start very straight-forward and over the course of these modules we will introduce new requirements that will increase its complexity.</a:t>
             </a:r>
           </a:p>
           <a:p>
-            <a:endParaRPr lang="en-US" dirty="0" smtClean="0"/>
-          </a:p>
-          <a:p>
-            <a:r>
-              <a:rPr lang="en-US" dirty="0" smtClean="0"/>
+            <a:endParaRPr lang="en-US" dirty="0"/>
+          </a:p>
+          <a:p>
+            <a:r>
+              <a:rPr lang="en-US" dirty="0"/>
               <a:t>The goal again is to focus on the TDD workflow and understanding how to apply BDD when defining these tests. We are not concerned about focusing on best practices for managing web servers or modeling a more initially complex cookbook.</a:t>
             </a:r>
-            <a:endParaRPr lang="en-US" dirty="0"/>
           </a:p>
         </p:txBody>
       </p:sp>
@@ -8146,10 +8054,9 @@
               <a:defRPr/>
             </a:pPr>
             <a:r>
-              <a:rPr lang="en-US" smtClean="0"/>
+              <a:rPr lang="en-US"/>
               <a:t>Chef Intermediate</a:t>
             </a:r>
-            <a:endParaRPr lang="en-US"/>
           </a:p>
         </p:txBody>
       </p:sp>
@@ -8172,7 +8079,7 @@
               <a:defRPr/>
             </a:pPr>
             <a:r>
-              <a:rPr lang="en-CA" smtClean="0"/>
+              <a:rPr lang="en-CA"/>
               <a:t>Chef Software, Inc.</a:t>
             </a:r>
             <a:endParaRPr lang="en-US" dirty="0"/>
@@ -8237,42 +8144,42 @@
           <a:lstStyle/>
           <a:p>
             <a:r>
-              <a:rPr lang="en-US" dirty="0" smtClean="0"/>
+              <a:rPr lang="en-US" dirty="0"/>
               <a:t>When requirements come to us it is rare that the product owners and customers ask us to deliver a particular technology or a software. In our case, I have asked you to setup a web page for your company. I did not specifically state a particular technology but to help limit the scope I have chosen that we are going to build this initial website with Apache.</a:t>
             </a:r>
           </a:p>
           <a:p>
-            <a:endParaRPr lang="en-US" dirty="0" smtClean="0"/>
-          </a:p>
-          <a:p>
-            <a:r>
-              <a:rPr lang="en-US" dirty="0" smtClean="0"/>
+            <a:endParaRPr lang="en-US" dirty="0"/>
+          </a:p>
+          <a:p>
+            <a:r>
+              <a:rPr lang="en-US" dirty="0"/>
               <a:t>Behavior driven design asks us to look at the work that we perform from the perspective of our users. Our first job is to develop the scenario that validates the work that we are about to accomplish.</a:t>
             </a:r>
           </a:p>
           <a:p>
-            <a:endParaRPr lang="en-US" dirty="0" smtClean="0"/>
-          </a:p>
-          <a:p>
-            <a:r>
-              <a:rPr lang="en-US" dirty="0" smtClean="0"/>
+            <a:endParaRPr lang="en-US" dirty="0"/>
+          </a:p>
+          <a:p>
+            <a:r>
+              <a:rPr lang="en-US" dirty="0"/>
               <a:t>These scenarios that we write are often written in the following format.</a:t>
             </a:r>
           </a:p>
           <a:p>
-            <a:endParaRPr lang="en-US" dirty="0" smtClean="0"/>
-          </a:p>
-          <a:p>
-            <a:r>
-              <a:rPr lang="en-US" dirty="0" smtClean="0"/>
+            <a:endParaRPr lang="en-US" dirty="0"/>
+          </a:p>
+          <a:p>
+            <a:r>
+              <a:rPr lang="en-US" dirty="0"/>
               <a:t>This very generically defines any scenario. What we need to do is apply this scenario format to our requirements.</a:t>
             </a:r>
           </a:p>
           <a:p>
-            <a:endParaRPr lang="en-US" dirty="0" smtClean="0"/>
-          </a:p>
-          <a:p>
-            <a:endParaRPr lang="en-US" dirty="0" smtClean="0"/>
+            <a:endParaRPr lang="en-US" dirty="0"/>
+          </a:p>
+          <a:p>
+            <a:endParaRPr lang="en-US" dirty="0"/>
           </a:p>
         </p:txBody>
       </p:sp>
@@ -8295,10 +8202,9 @@
               <a:defRPr/>
             </a:pPr>
             <a:r>
-              <a:rPr lang="en-US" smtClean="0"/>
+              <a:rPr lang="en-US"/>
               <a:t>Chef Intermediate</a:t>
             </a:r>
-            <a:endParaRPr lang="en-US"/>
           </a:p>
         </p:txBody>
       </p:sp>
@@ -8321,7 +8227,7 @@
               <a:defRPr/>
             </a:pPr>
             <a:r>
-              <a:rPr lang="en-CA" smtClean="0"/>
+              <a:rPr lang="en-CA"/>
               <a:t>Chef Software, Inc.</a:t>
             </a:r>
             <a:endParaRPr lang="en-US" dirty="0"/>
@@ -8386,24 +8292,24 @@
           <a:lstStyle/>
           <a:p>
             <a:r>
-              <a:rPr lang="en-US" dirty="0" smtClean="0"/>
+              <a:rPr lang="en-US" dirty="0"/>
               <a:t>If our goal is to setup a new webpage we need to start to ask ourselves the question: Why. Why do we need to setup a website? Asking this question will help us identify for who the website is for and what purpose does it serve for the actor in this scenario.</a:t>
             </a:r>
           </a:p>
           <a:p>
-            <a:endParaRPr lang="en-US" dirty="0" smtClean="0"/>
-          </a:p>
-          <a:p>
-            <a:r>
-              <a:rPr lang="en-US" dirty="0" smtClean="0"/>
+            <a:endParaRPr lang="en-US" dirty="0"/>
+          </a:p>
+          <a:p>
+            <a:r>
+              <a:rPr lang="en-US" dirty="0"/>
               <a:t>Often times the why will raise more questions which you continue to ask why. You should do that. Asking why enough times will lead you to the true reason why you are taking action. The interesting thing is that knowing the true reason why will</a:t>
             </a:r>
             <a:r>
-              <a:rPr lang="en-US" baseline="0" dirty="0" smtClean="0"/>
+              <a:rPr lang="en-US" baseline="0" dirty="0"/>
               <a:t> </a:t>
             </a:r>
             <a:r>
-              <a:rPr lang="en-US" dirty="0" smtClean="0"/>
+              <a:rPr lang="en-US" dirty="0"/>
               <a:t>help reinforce your course of action or maybe change it entirely.</a:t>
             </a:r>
           </a:p>
@@ -8428,10 +8334,9 @@
               <a:defRPr/>
             </a:pPr>
             <a:r>
-              <a:rPr lang="en-US" smtClean="0"/>
+              <a:rPr lang="en-US"/>
               <a:t>Chef Intermediate</a:t>
             </a:r>
-            <a:endParaRPr lang="en-US"/>
           </a:p>
         </p:txBody>
       </p:sp>
@@ -8454,7 +8359,7 @@
               <a:defRPr/>
             </a:pPr>
             <a:r>
-              <a:rPr lang="en-CA" smtClean="0"/>
+              <a:rPr lang="en-CA"/>
               <a:t>Chef Software, Inc.</a:t>
             </a:r>
             <a:endParaRPr lang="en-US" dirty="0"/>
@@ -8519,34 +8424,34 @@
           <a:lstStyle/>
           <a:p>
             <a:r>
-              <a:rPr lang="en-US" dirty="0" smtClean="0"/>
+              <a:rPr lang="en-US" dirty="0"/>
               <a:t>The typical reason for setting up a website is to allow customers, users, potential users to learn more about the company. The needs of the website may change in the future but the first minimum viable product (MVP) is to simply give our users the ability to find out more information.</a:t>
             </a:r>
           </a:p>
           <a:p>
-            <a:endParaRPr lang="en-US" dirty="0" smtClean="0"/>
-          </a:p>
-          <a:p>
-            <a:r>
-              <a:rPr lang="en-US" dirty="0" smtClean="0"/>
+            <a:endParaRPr lang="en-US" dirty="0"/>
+          </a:p>
+          <a:p>
+            <a:r>
+              <a:rPr lang="en-US" dirty="0"/>
               <a:t>Our goal now is to define a scenario with this understanding.</a:t>
             </a:r>
           </a:p>
           <a:p>
-            <a:endParaRPr lang="en-US" dirty="0" smtClean="0"/>
-          </a:p>
-          <a:p>
-            <a:r>
-              <a:rPr lang="en-US" dirty="0" smtClean="0"/>
+            <a:endParaRPr lang="en-US" dirty="0"/>
+          </a:p>
+          <a:p>
+            <a:r>
+              <a:rPr lang="en-US" dirty="0"/>
               <a:t>This first scenario is enough information to help us build this cookbook with a TDD approach. This practice of defining a scenario is a tactic that I employ to help focus me on the most valuable work that needs to be done.</a:t>
             </a:r>
           </a:p>
           <a:p>
-            <a:endParaRPr lang="en-US" dirty="0" smtClean="0"/>
-          </a:p>
-          <a:p>
-            <a:r>
-              <a:rPr lang="en-US" dirty="0" smtClean="0"/>
+            <a:endParaRPr lang="en-US" dirty="0"/>
+          </a:p>
+          <a:p>
+            <a:r>
+              <a:rPr lang="en-US" dirty="0"/>
               <a:t>Important things to notice in the following scenario is the distinct lack of technology or implementation. The scenario is not concerned about the services that are running or files that might be found on the file system.</a:t>
             </a:r>
           </a:p>
@@ -8571,10 +8476,9 @@
               <a:defRPr/>
             </a:pPr>
             <a:r>
-              <a:rPr lang="en-US" smtClean="0"/>
+              <a:rPr lang="en-US"/>
               <a:t>Chef Intermediate</a:t>
             </a:r>
-            <a:endParaRPr lang="en-US"/>
           </a:p>
         </p:txBody>
       </p:sp>
@@ -8597,7 +8501,7 @@
               <a:defRPr/>
             </a:pPr>
             <a:r>
-              <a:rPr lang="en-CA" smtClean="0"/>
+              <a:rPr lang="en-CA"/>
               <a:t>Chef Software, Inc.</a:t>
             </a:r>
             <a:endParaRPr lang="en-US" dirty="0"/>
@@ -8680,7 +8584,7 @@
           </a:lstStyle>
           <a:p>
             <a:r>
-              <a:rPr lang="en-US" smtClean="0"/>
+              <a:rPr lang="en-US"/>
               <a:t>Click to edit Master title style</a:t>
             </a:r>
             <a:endParaRPr lang="en-US" dirty="0"/>
@@ -8738,7 +8642,7 @@
           <a:p>
             <a:pPr lvl="0"/>
             <a:r>
-              <a:rPr lang="en-US" smtClean="0"/>
+              <a:rPr lang="en-US"/>
               <a:t>Click to edit Master text styles</a:t>
             </a:r>
           </a:p>
@@ -8820,7 +8724,7 @@
           </a:lstStyle>
           <a:p>
             <a:r>
-              <a:rPr lang="en-US" smtClean="0"/>
+              <a:rPr lang="en-US"/>
               <a:t>Click to edit Master title style</a:t>
             </a:r>
             <a:endParaRPr lang="en-US" dirty="0"/>
@@ -8878,7 +8782,7 @@
           <a:p>
             <a:pPr lvl="0"/>
             <a:r>
-              <a:rPr lang="en-US" dirty="0" smtClean="0"/>
+              <a:rPr lang="en-US" dirty="0"/>
               <a:t>source code</a:t>
             </a:r>
           </a:p>
@@ -8924,28 +8828,28 @@
           <a:p>
             <a:pPr lvl="0"/>
             <a:r>
-              <a:rPr lang="en-US" smtClean="0"/>
+              <a:rPr lang="en-US"/>
               <a:t>Click to edit Master text styles</a:t>
             </a:r>
           </a:p>
           <a:p>
             <a:pPr lvl="1"/>
             <a:r>
-              <a:rPr lang="en-US" smtClean="0"/>
+              <a:rPr lang="en-US"/>
               <a:t>Second level</a:t>
             </a:r>
           </a:p>
           <a:p>
             <a:pPr lvl="2"/>
             <a:r>
-              <a:rPr lang="en-US" smtClean="0"/>
+              <a:rPr lang="en-US"/>
               <a:t>Third level</a:t>
             </a:r>
           </a:p>
           <a:p>
             <a:pPr lvl="3"/>
             <a:r>
-              <a:rPr lang="en-US" smtClean="0"/>
+              <a:rPr lang="en-US"/>
               <a:t>Fourth level</a:t>
             </a:r>
           </a:p>
@@ -8989,7 +8893,7 @@
           <a:p>
             <a:pPr lvl="0"/>
             <a:r>
-              <a:rPr lang="en-US" dirty="0" smtClean="0"/>
+              <a:rPr lang="en-US" dirty="0"/>
               <a:t>-</a:t>
             </a:r>
           </a:p>
@@ -9033,7 +8937,7 @@
           <a:p>
             <a:pPr lvl="0"/>
             <a:r>
-              <a:rPr lang="en-US" dirty="0" smtClean="0"/>
+              <a:rPr lang="en-US" dirty="0"/>
               <a:t>+</a:t>
             </a:r>
           </a:p>
@@ -9182,14 +9086,14 @@
           </a:ln>
           <a:extLst>
             <a:ext uri="{909E8E84-426E-40dd-AFC4-6F175D3DCCD1}">
-              <a14:hiddenFill xmlns="" xmlns:a14="http://schemas.microsoft.com/office/drawing/2010/main">
+              <a14:hiddenFill xmlns:a14="http://schemas.microsoft.com/office/drawing/2010/main" xmlns="">
                 <a:solidFill>
                   <a:srgbClr val="FFFFFF"/>
                 </a:solidFill>
               </a14:hiddenFill>
             </a:ext>
             <a:ext uri="{91240B29-F687-4f45-9708-019B960494DF}">
-              <a14:hiddenLine xmlns="" xmlns:a14="http://schemas.microsoft.com/office/drawing/2010/main" w="9525">
+              <a14:hiddenLine xmlns:a14="http://schemas.microsoft.com/office/drawing/2010/main" xmlns="" w="9525">
                 <a:solidFill>
                   <a:srgbClr val="000000"/>
                 </a:solidFill>
@@ -9337,14 +9241,14 @@
           </a:ln>
           <a:extLst>
             <a:ext uri="{909E8E84-426E-40dd-AFC4-6F175D3DCCD1}">
-              <a14:hiddenFill xmlns="" xmlns:a14="http://schemas.microsoft.com/office/drawing/2010/main">
+              <a14:hiddenFill xmlns:a14="http://schemas.microsoft.com/office/drawing/2010/main" xmlns="">
                 <a:solidFill>
                   <a:srgbClr val="FFFFFF"/>
                 </a:solidFill>
               </a14:hiddenFill>
             </a:ext>
             <a:ext uri="{91240B29-F687-4f45-9708-019B960494DF}">
-              <a14:hiddenLine xmlns="" xmlns:a14="http://schemas.microsoft.com/office/drawing/2010/main" w="9525">
+              <a14:hiddenLine xmlns:a14="http://schemas.microsoft.com/office/drawing/2010/main" xmlns="" w="9525">
                 <a:solidFill>
                   <a:srgbClr val="000000"/>
                 </a:solidFill>
@@ -9572,21 +9476,21 @@
           <a:p>
             <a:pPr lvl="0"/>
             <a:r>
-              <a:rPr lang="en-US" smtClean="0"/>
+              <a:rPr lang="en-US"/>
               <a:t>Click to edit Master text styles</a:t>
             </a:r>
           </a:p>
           <a:p>
             <a:pPr lvl="1"/>
             <a:r>
-              <a:rPr lang="en-US" smtClean="0"/>
+              <a:rPr lang="en-US"/>
               <a:t>Second level</a:t>
             </a:r>
           </a:p>
           <a:p>
             <a:pPr lvl="2"/>
             <a:r>
-              <a:rPr lang="en-US" smtClean="0"/>
+              <a:rPr lang="en-US"/>
               <a:t>Third level</a:t>
             </a:r>
           </a:p>
@@ -9632,21 +9536,21 @@
           <a:p>
             <a:pPr lvl="0"/>
             <a:r>
-              <a:rPr lang="en-US" smtClean="0"/>
+              <a:rPr lang="en-US"/>
               <a:t>Click to edit Master text styles</a:t>
             </a:r>
           </a:p>
           <a:p>
             <a:pPr lvl="1"/>
             <a:r>
-              <a:rPr lang="en-US" smtClean="0"/>
+              <a:rPr lang="en-US"/>
               <a:t>Second level</a:t>
             </a:r>
           </a:p>
           <a:p>
             <a:pPr lvl="2"/>
             <a:r>
-              <a:rPr lang="en-US" smtClean="0"/>
+              <a:rPr lang="en-US"/>
               <a:t>Third level</a:t>
             </a:r>
           </a:p>
@@ -9686,7 +9590,7 @@
           <a:p>
             <a:pPr lvl="0"/>
             <a:r>
-              <a:rPr lang="en-US" dirty="0" smtClean="0"/>
+              <a:rPr lang="en-US" dirty="0"/>
               <a:t>A</a:t>
             </a:r>
           </a:p>
@@ -9726,7 +9630,7 @@
           <a:p>
             <a:pPr lvl="0"/>
             <a:r>
-              <a:rPr lang="en-US" dirty="0" smtClean="0"/>
+              <a:rPr lang="en-US" dirty="0"/>
               <a:t>B</a:t>
             </a:r>
           </a:p>
@@ -9835,14 +9739,14 @@
           </a:ln>
           <a:extLst>
             <a:ext uri="{909E8E84-426E-40dd-AFC4-6F175D3DCCD1}">
-              <a14:hiddenFill xmlns="" xmlns:a14="http://schemas.microsoft.com/office/drawing/2010/main">
+              <a14:hiddenFill xmlns:a14="http://schemas.microsoft.com/office/drawing/2010/main" xmlns="">
                 <a:solidFill>
                   <a:srgbClr val="FFFFFF"/>
                 </a:solidFill>
               </a14:hiddenFill>
             </a:ext>
             <a:ext uri="{91240B29-F687-4f45-9708-019B960494DF}">
-              <a14:hiddenLine xmlns="" xmlns:a14="http://schemas.microsoft.com/office/drawing/2010/main" w="9525">
+              <a14:hiddenLine xmlns:a14="http://schemas.microsoft.com/office/drawing/2010/main" xmlns="" w="9525">
                 <a:solidFill>
                   <a:srgbClr val="000000"/>
                 </a:solidFill>
@@ -10005,10 +9909,9 @@
           </a:lstStyle>
           <a:p>
             <a:r>
-              <a:rPr lang="en-US" dirty="0" smtClean="0"/>
+              <a:rPr lang="en-US" dirty="0"/>
               <a:t>Motivation</a:t>
             </a:r>
-            <a:endParaRPr lang="en-US" dirty="0"/>
           </a:p>
         </p:txBody>
       </p:sp>
@@ -10135,7 +10038,7 @@
           </a:lstStyle>
           <a:p>
             <a:r>
-              <a:rPr lang="en-US" dirty="0" smtClean="0"/>
+              <a:rPr lang="en-US" dirty="0"/>
               <a:t>Click to edit Master subtitle style</a:t>
             </a:r>
           </a:p>
@@ -10292,10 +10195,9 @@
           </a:lstStyle>
           <a:p>
             <a:r>
-              <a:rPr lang="en-US" dirty="0" smtClean="0"/>
+              <a:rPr lang="en-US" dirty="0"/>
               <a:t>Problem</a:t>
             </a:r>
-            <a:endParaRPr lang="en-US" dirty="0"/>
           </a:p>
         </p:txBody>
       </p:sp>
@@ -10422,7 +10324,7 @@
           </a:lstStyle>
           <a:p>
             <a:r>
-              <a:rPr lang="en-US" dirty="0" smtClean="0"/>
+              <a:rPr lang="en-US" dirty="0"/>
               <a:t>Click to edit Master subtitle style</a:t>
             </a:r>
           </a:p>
@@ -10495,7 +10397,7 @@
               <a:defRPr/>
             </a:pPr>
             <a:r>
-              <a:rPr lang="en-US" sz="16933" dirty="0" smtClean="0">
+              <a:rPr lang="en-US" sz="16933" dirty="0">
                 <a:ln w="18415" cmpd="sng">
                   <a:solidFill>
                     <a:srgbClr val="FFFFFF"/>
@@ -10514,23 +10416,6 @@
               </a:rPr>
               <a:t>REFERENCE</a:t>
             </a:r>
-            <a:endParaRPr lang="en-US" sz="16933" dirty="0">
-              <a:ln w="18415" cmpd="sng">
-                <a:solidFill>
-                  <a:srgbClr val="FFFFFF"/>
-                </a:solidFill>
-                <a:prstDash val="solid"/>
-              </a:ln>
-              <a:solidFill>
-                <a:schemeClr val="bg2">
-                  <a:lumMod val="95000"/>
-                  <a:alpha val="50000"/>
-                </a:schemeClr>
-              </a:solidFill>
-              <a:latin typeface="+mn-lt"/>
-              <a:ea typeface="+mn-ea"/>
-              <a:cs typeface="+mn-cs"/>
-            </a:endParaRPr>
           </a:p>
         </p:txBody>
       </p:sp>
@@ -10596,10 +10481,9 @@
           </a:lstStyle>
           <a:p>
             <a:r>
-              <a:rPr lang="en-US" dirty="0" smtClean="0"/>
+              <a:rPr lang="en-US" dirty="0"/>
               <a:t>Documentation</a:t>
             </a:r>
-            <a:endParaRPr lang="en-US" dirty="0"/>
           </a:p>
         </p:txBody>
       </p:sp>
@@ -10726,7 +10610,7 @@
           </a:lstStyle>
           <a:p>
             <a:r>
-              <a:rPr lang="en-US" dirty="0" smtClean="0"/>
+              <a:rPr lang="en-US" dirty="0"/>
               <a:t>Click to edit Master subtitle style</a:t>
             </a:r>
           </a:p>
@@ -10766,14 +10650,14 @@
           <a:p>
             <a:pPr lvl="0"/>
             <a:r>
-              <a:rPr lang="en-US" dirty="0" smtClean="0"/>
+              <a:rPr lang="en-US" dirty="0"/>
               <a:t>http://</a:t>
             </a:r>
             <a:r>
-              <a:rPr lang="en-US" dirty="0" err="1" smtClean="0"/>
+              <a:rPr lang="en-US" dirty="0" err="1"/>
               <a:t>docs.chef.io</a:t>
             </a:r>
-            <a:endParaRPr lang="en-US" dirty="0" smtClean="0"/>
+            <a:endParaRPr lang="en-US" dirty="0"/>
           </a:p>
         </p:txBody>
       </p:sp>
@@ -10928,10 +10812,9 @@
           </a:lstStyle>
           <a:p>
             <a:r>
-              <a:rPr lang="en-US" dirty="0" smtClean="0"/>
+              <a:rPr lang="en-US" dirty="0"/>
               <a:t>Concept</a:t>
             </a:r>
-            <a:endParaRPr lang="en-US" dirty="0"/>
           </a:p>
         </p:txBody>
       </p:sp>
@@ -11058,7 +10941,7 @@
           </a:lstStyle>
           <a:p>
             <a:r>
-              <a:rPr lang="en-US" dirty="0" smtClean="0"/>
+              <a:rPr lang="en-US" dirty="0"/>
               <a:t>Click to edit Master subtitle style</a:t>
             </a:r>
           </a:p>
@@ -11215,10 +11098,9 @@
           </a:lstStyle>
           <a:p>
             <a:r>
-              <a:rPr lang="en-US" dirty="0" smtClean="0"/>
+              <a:rPr lang="en-US" dirty="0"/>
               <a:t>Group Exercise</a:t>
             </a:r>
-            <a:endParaRPr lang="en-US" dirty="0"/>
           </a:p>
         </p:txBody>
       </p:sp>
@@ -11263,7 +11145,7 @@
           <a:p>
             <a:pPr lvl="0"/>
             <a:r>
-              <a:rPr lang="en-US" dirty="0" smtClean="0"/>
+              <a:rPr lang="en-US" dirty="0"/>
               <a:t>Click to edit Master text styles</a:t>
             </a:r>
           </a:p>
@@ -11291,14 +11173,14 @@
           </a:ln>
           <a:extLst>
             <a:ext uri="{909E8E84-426E-40dd-AFC4-6F175D3DCCD1}">
-              <a14:hiddenFill xmlns="" xmlns:a14="http://schemas.microsoft.com/office/drawing/2010/main">
+              <a14:hiddenFill xmlns:a14="http://schemas.microsoft.com/office/drawing/2010/main" xmlns="">
                 <a:solidFill>
                   <a:srgbClr val="FFFFFF"/>
                 </a:solidFill>
               </a14:hiddenFill>
             </a:ext>
             <a:ext uri="{91240B29-F687-4f45-9708-019B960494DF}">
-              <a14:hiddenLine xmlns="" xmlns:a14="http://schemas.microsoft.com/office/drawing/2010/main" w="9525">
+              <a14:hiddenLine xmlns:a14="http://schemas.microsoft.com/office/drawing/2010/main" xmlns="" w="9525">
                 <a:solidFill>
                   <a:srgbClr val="000000"/>
                 </a:solidFill>
@@ -11458,28 +11340,28 @@
           <a:p>
             <a:pPr lvl="0"/>
             <a:r>
-              <a:rPr lang="en-US" dirty="0" smtClean="0"/>
+              <a:rPr lang="en-US" dirty="0"/>
               <a:t>Click to edit Master text styles</a:t>
             </a:r>
           </a:p>
           <a:p>
             <a:pPr lvl="1"/>
             <a:r>
-              <a:rPr lang="en-US" dirty="0" smtClean="0"/>
+              <a:rPr lang="en-US" dirty="0"/>
               <a:t>Second level</a:t>
             </a:r>
           </a:p>
           <a:p>
             <a:pPr lvl="2"/>
             <a:r>
-              <a:rPr lang="en-US" dirty="0" smtClean="0"/>
+              <a:rPr lang="en-US" dirty="0"/>
               <a:t>Third level</a:t>
             </a:r>
           </a:p>
           <a:p>
             <a:pPr lvl="3"/>
             <a:r>
-              <a:rPr lang="en-US" dirty="0" smtClean="0"/>
+              <a:rPr lang="en-US" dirty="0"/>
               <a:t>Fourth level</a:t>
             </a:r>
           </a:p>
@@ -11636,10 +11518,9 @@
           </a:lstStyle>
           <a:p>
             <a:r>
-              <a:rPr lang="en-US" dirty="0" smtClean="0"/>
+              <a:rPr lang="en-US" dirty="0"/>
               <a:t>Lab</a:t>
             </a:r>
-            <a:endParaRPr lang="en-US" dirty="0"/>
           </a:p>
         </p:txBody>
       </p:sp>
@@ -11767,7 +11648,7 @@
           </a:lstStyle>
           <a:p>
             <a:r>
-              <a:rPr lang="en-US" dirty="0" smtClean="0"/>
+              <a:rPr lang="en-US" dirty="0"/>
               <a:t>Click to edit Master subtitle style</a:t>
             </a:r>
           </a:p>
@@ -11924,10 +11805,9 @@
           </a:lstStyle>
           <a:p>
             <a:r>
-              <a:rPr lang="en-US" dirty="0" smtClean="0"/>
+              <a:rPr lang="en-US" dirty="0"/>
               <a:t>Commit</a:t>
             </a:r>
-            <a:endParaRPr lang="en-US" dirty="0"/>
           </a:p>
         </p:txBody>
       </p:sp>
@@ -12056,30 +11936,30 @@
           </a:lstStyle>
           <a:p>
             <a:r>
-              <a:rPr lang="en-US" dirty="0" smtClean="0"/>
+              <a:rPr lang="en-US" dirty="0"/>
               <a:t>$ cd repo</a:t>
             </a:r>
           </a:p>
           <a:p>
             <a:r>
-              <a:rPr lang="en-US" dirty="0" smtClean="0"/>
+              <a:rPr lang="en-US" dirty="0"/>
               <a:t>$ git </a:t>
             </a:r>
             <a:r>
-              <a:rPr lang="en-US" dirty="0" err="1" smtClean="0"/>
+              <a:rPr lang="en-US" dirty="0" err="1"/>
               <a:t>init</a:t>
             </a:r>
-            <a:endParaRPr lang="en-US" dirty="0" smtClean="0"/>
-          </a:p>
-          <a:p>
-            <a:r>
-              <a:rPr lang="en-US" dirty="0" smtClean="0"/>
+            <a:endParaRPr lang="en-US" dirty="0"/>
+          </a:p>
+          <a:p>
+            <a:r>
+              <a:rPr lang="en-US" dirty="0"/>
               <a:t>$ git add .</a:t>
             </a:r>
           </a:p>
           <a:p>
             <a:r>
-              <a:rPr lang="en-US" dirty="0" smtClean="0"/>
+              <a:rPr lang="en-US" dirty="0"/>
               <a:t>$ git commit -m "Work Complete"</a:t>
             </a:r>
           </a:p>
@@ -12150,7 +12030,7 @@
           <a:lstStyle/>
           <a:p>
             <a:r>
-              <a:rPr lang="en-US" smtClean="0"/>
+              <a:rPr lang="en-US"/>
               <a:t>Click to edit Master title style</a:t>
             </a:r>
             <a:endParaRPr lang="en-US" dirty="0"/>
@@ -12242,21 +12122,21 @@
           <a:p>
             <a:pPr lvl="0"/>
             <a:r>
-              <a:rPr lang="en-US" smtClean="0"/>
+              <a:rPr lang="en-US"/>
               <a:t>Click to edit Master text styles</a:t>
             </a:r>
           </a:p>
           <a:p>
             <a:pPr lvl="1"/>
             <a:r>
-              <a:rPr lang="en-US" smtClean="0"/>
+              <a:rPr lang="en-US"/>
               <a:t>Second level</a:t>
             </a:r>
           </a:p>
           <a:p>
             <a:pPr lvl="2"/>
             <a:r>
-              <a:rPr lang="en-US" smtClean="0"/>
+              <a:rPr lang="en-US"/>
               <a:t>Third level</a:t>
             </a:r>
           </a:p>
@@ -12329,7 +12209,7 @@
               <a:defRPr/>
             </a:pPr>
             <a:r>
-              <a:rPr lang="en-US" sz="16933" dirty="0" smtClean="0">
+              <a:rPr lang="en-US" sz="16933" dirty="0">
                 <a:ln w="18415" cmpd="sng">
                   <a:solidFill>
                     <a:srgbClr val="FFFFFF"/>
@@ -12348,23 +12228,6 @@
               </a:rPr>
               <a:t>DISCUSSION</a:t>
             </a:r>
-            <a:endParaRPr lang="en-US" sz="16933" dirty="0">
-              <a:ln w="18415" cmpd="sng">
-                <a:solidFill>
-                  <a:srgbClr val="FFFFFF"/>
-                </a:solidFill>
-                <a:prstDash val="solid"/>
-              </a:ln>
-              <a:solidFill>
-                <a:schemeClr val="bg2">
-                  <a:lumMod val="95000"/>
-                  <a:alpha val="50000"/>
-                </a:schemeClr>
-              </a:solidFill>
-              <a:latin typeface="+mn-lt"/>
-              <a:ea typeface="+mn-ea"/>
-              <a:cs typeface="+mn-cs"/>
-            </a:endParaRPr>
           </a:p>
         </p:txBody>
       </p:sp>
@@ -12430,10 +12293,9 @@
           </a:lstStyle>
           <a:p>
             <a:r>
-              <a:rPr lang="en-US" dirty="0" smtClean="0"/>
+              <a:rPr lang="en-US" dirty="0"/>
               <a:t>Discussion</a:t>
             </a:r>
-            <a:endParaRPr lang="en-US" dirty="0"/>
           </a:p>
         </p:txBody>
       </p:sp>
@@ -12560,7 +12422,7 @@
           </a:lstStyle>
           <a:p>
             <a:r>
-              <a:rPr lang="en-US" dirty="0" smtClean="0"/>
+              <a:rPr lang="en-US" dirty="0"/>
               <a:t>Questions</a:t>
             </a:r>
           </a:p>
@@ -12652,14 +12514,14 @@
           </a:ln>
           <a:extLst>
             <a:ext uri="{909E8E84-426E-40dd-AFC4-6F175D3DCCD1}">
-              <a14:hiddenFill xmlns="" xmlns:a14="http://schemas.microsoft.com/office/drawing/2010/main">
+              <a14:hiddenFill xmlns:a14="http://schemas.microsoft.com/office/drawing/2010/main" xmlns="">
                 <a:solidFill>
                   <a:srgbClr val="FFFFFF"/>
                 </a:solidFill>
               </a14:hiddenFill>
             </a:ext>
             <a:ext uri="{91240B29-F687-4f45-9708-019B960494DF}">
-              <a14:hiddenLine xmlns="" xmlns:a14="http://schemas.microsoft.com/office/drawing/2010/main" w="9525">
+              <a14:hiddenLine xmlns:a14="http://schemas.microsoft.com/office/drawing/2010/main" xmlns="" w="9525">
                 <a:solidFill>
                   <a:srgbClr val="000000"/>
                 </a:solidFill>
@@ -12791,7 +12653,7 @@
           <a:p>
             <a:pPr lvl="0"/>
             <a:r>
-              <a:rPr lang="en-US" dirty="0" smtClean="0"/>
+              <a:rPr lang="en-US" dirty="0"/>
               <a:t>RESULT</a:t>
             </a:r>
           </a:p>
@@ -12838,7 +12700,7 @@
           <a:p>
             <a:pPr lvl="0"/>
             <a:r>
-              <a:rPr lang="en-US" dirty="0" smtClean="0"/>
+              <a:rPr lang="en-US" dirty="0"/>
               <a:t>&gt; command</a:t>
             </a:r>
           </a:p>
@@ -12890,7 +12752,7 @@
           <a:p>
             <a:pPr lvl="0"/>
             <a:r>
-              <a:rPr lang="en-US" dirty="0" smtClean="0"/>
+              <a:rPr lang="en-US" dirty="0"/>
               <a:t> </a:t>
             </a:r>
           </a:p>
@@ -12918,7 +12780,7 @@
           </a:lstStyle>
           <a:p>
             <a:r>
-              <a:rPr lang="en-US" smtClean="0"/>
+              <a:rPr lang="en-US"/>
               <a:t>Click to edit Master title style</a:t>
             </a:r>
             <a:endParaRPr lang="en-US" dirty="0"/>
@@ -13001,7 +12863,7 @@
           </a:lstStyle>
           <a:p>
             <a:r>
-              <a:rPr lang="en-US" smtClean="0"/>
+              <a:rPr lang="en-US"/>
               <a:t>Click to edit Master title style</a:t>
             </a:r>
             <a:endParaRPr lang="en-US" dirty="0"/>
@@ -13065,7 +12927,7 @@
           <a:p>
             <a:pPr lvl="0"/>
             <a:r>
-              <a:rPr lang="en-US" dirty="0" smtClean="0"/>
+              <a:rPr lang="en-US" dirty="0"/>
               <a:t>command or result</a:t>
             </a:r>
           </a:p>
@@ -13111,21 +12973,21 @@
           <a:p>
             <a:pPr lvl="0"/>
             <a:r>
-              <a:rPr lang="en-US" smtClean="0"/>
+              <a:rPr lang="en-US"/>
               <a:t>Click to edit Master text styles</a:t>
             </a:r>
           </a:p>
           <a:p>
             <a:pPr lvl="1"/>
             <a:r>
-              <a:rPr lang="en-US" smtClean="0"/>
+              <a:rPr lang="en-US"/>
               <a:t>Second level</a:t>
             </a:r>
           </a:p>
           <a:p>
             <a:pPr lvl="2"/>
             <a:r>
-              <a:rPr lang="en-US" smtClean="0"/>
+              <a:rPr lang="en-US"/>
               <a:t>Third level</a:t>
             </a:r>
           </a:p>
@@ -13217,14 +13079,14 @@
           </a:ln>
           <a:extLst>
             <a:ext uri="{909E8E84-426E-40dd-AFC4-6F175D3DCCD1}">
-              <a14:hiddenFill xmlns="" xmlns:a14="http://schemas.microsoft.com/office/drawing/2010/main">
+              <a14:hiddenFill xmlns:a14="http://schemas.microsoft.com/office/drawing/2010/main" xmlns="">
                 <a:solidFill>
                   <a:srgbClr val="FFFFFF"/>
                 </a:solidFill>
               </a14:hiddenFill>
             </a:ext>
             <a:ext uri="{91240B29-F687-4f45-9708-019B960494DF}">
-              <a14:hiddenLine xmlns="" xmlns:a14="http://schemas.microsoft.com/office/drawing/2010/main" w="9525">
+              <a14:hiddenLine xmlns:a14="http://schemas.microsoft.com/office/drawing/2010/main" xmlns="" w="9525">
                 <a:solidFill>
                   <a:srgbClr val="000000"/>
                 </a:solidFill>
@@ -13296,7 +13158,7 @@
           </a:lstStyle>
           <a:p>
             <a:r>
-              <a:rPr lang="en-US" smtClean="0"/>
+              <a:rPr lang="en-US"/>
               <a:t>Click to edit Master title style</a:t>
             </a:r>
             <a:endParaRPr lang="en-US" dirty="0"/>
@@ -13390,7 +13252,7 @@
           <a:p>
             <a:pPr lvl="0"/>
             <a:r>
-              <a:rPr lang="en-US" dirty="0" smtClean="0"/>
+              <a:rPr lang="en-US" dirty="0"/>
               <a:t>RESULT</a:t>
             </a:r>
           </a:p>
@@ -13439,7 +13301,7 @@
           <a:p>
             <a:pPr lvl="0"/>
             <a:r>
-              <a:rPr lang="en-US" dirty="0" smtClean="0"/>
+              <a:rPr lang="en-US" dirty="0"/>
               <a:t>&gt; command</a:t>
             </a:r>
           </a:p>
@@ -13491,7 +13353,7 @@
           <a:p>
             <a:pPr lvl="0"/>
             <a:r>
-              <a:rPr lang="en-US" dirty="0" smtClean="0"/>
+              <a:rPr lang="en-US" dirty="0"/>
               <a:t> </a:t>
             </a:r>
           </a:p>
@@ -13573,7 +13435,7 @@
           </a:lstStyle>
           <a:p>
             <a:r>
-              <a:rPr lang="en-US" smtClean="0"/>
+              <a:rPr lang="en-US"/>
               <a:t>Click to edit Master title style</a:t>
             </a:r>
             <a:endParaRPr lang="en-US" dirty="0"/>
@@ -13639,7 +13501,7 @@
           <a:p>
             <a:pPr lvl="0"/>
             <a:r>
-              <a:rPr lang="en-US" dirty="0" smtClean="0"/>
+              <a:rPr lang="en-US" dirty="0"/>
               <a:t>command or result</a:t>
             </a:r>
           </a:p>
@@ -13685,21 +13547,21 @@
           <a:p>
             <a:pPr lvl="0"/>
             <a:r>
-              <a:rPr lang="en-US" smtClean="0"/>
+              <a:rPr lang="en-US"/>
               <a:t>Click to edit Master text styles</a:t>
             </a:r>
           </a:p>
           <a:p>
             <a:pPr lvl="1"/>
             <a:r>
-              <a:rPr lang="en-US" smtClean="0"/>
+              <a:rPr lang="en-US"/>
               <a:t>Second level</a:t>
             </a:r>
           </a:p>
           <a:p>
             <a:pPr lvl="2"/>
             <a:r>
-              <a:rPr lang="en-US" smtClean="0"/>
+              <a:rPr lang="en-US"/>
               <a:t>Third level</a:t>
             </a:r>
           </a:p>
@@ -13791,14 +13653,14 @@
           </a:ln>
           <a:extLst>
             <a:ext uri="{909E8E84-426E-40dd-AFC4-6F175D3DCCD1}">
-              <a14:hiddenFill xmlns="" xmlns:a14="http://schemas.microsoft.com/office/drawing/2010/main">
+              <a14:hiddenFill xmlns:a14="http://schemas.microsoft.com/office/drawing/2010/main" xmlns="">
                 <a:solidFill>
                   <a:srgbClr val="FFFFFF"/>
                 </a:solidFill>
               </a14:hiddenFill>
             </a:ext>
             <a:ext uri="{91240B29-F687-4f45-9708-019B960494DF}">
-              <a14:hiddenLine xmlns="" xmlns:a14="http://schemas.microsoft.com/office/drawing/2010/main" w="9525">
+              <a14:hiddenLine xmlns:a14="http://schemas.microsoft.com/office/drawing/2010/main" xmlns="" w="9525">
                 <a:solidFill>
                   <a:srgbClr val="000000"/>
                 </a:solidFill>
@@ -13835,7 +13697,7 @@
           </a:lstStyle>
           <a:p>
             <a:r>
-              <a:rPr lang="en-US" smtClean="0"/>
+              <a:rPr lang="en-US"/>
               <a:t>Click to edit Master title style</a:t>
             </a:r>
             <a:endParaRPr lang="en-US" dirty="0"/>
@@ -13905,7 +13767,7 @@
           <a:p>
             <a:pPr lvl="0"/>
             <a:r>
-              <a:rPr lang="en-US" dirty="0" smtClean="0"/>
+              <a:rPr lang="en-US" dirty="0"/>
               <a:t>SOURCE</a:t>
             </a:r>
           </a:p>
@@ -13949,22 +13811,22 @@
           <a:p>
             <a:pPr lvl="0"/>
             <a:r>
-              <a:rPr lang="en-US" dirty="0" smtClean="0"/>
+              <a:rPr lang="en-US" dirty="0"/>
               <a:t>/</a:t>
             </a:r>
             <a:r>
-              <a:rPr lang="en-US" dirty="0" err="1" smtClean="0"/>
+              <a:rPr lang="en-US" dirty="0" err="1"/>
               <a:t>filepath</a:t>
             </a:r>
             <a:r>
-              <a:rPr lang="en-US" dirty="0" smtClean="0"/>
+              <a:rPr lang="en-US" dirty="0"/>
               <a:t>/</a:t>
             </a:r>
             <a:r>
-              <a:rPr lang="en-US" dirty="0" err="1" smtClean="0"/>
+              <a:rPr lang="en-US" dirty="0" err="1"/>
               <a:t>file.rb</a:t>
             </a:r>
-            <a:endParaRPr lang="en-US" dirty="0" smtClean="0"/>
+            <a:endParaRPr lang="en-US" dirty="0"/>
           </a:p>
         </p:txBody>
       </p:sp>
@@ -14006,7 +13868,7 @@
           <a:p>
             <a:pPr lvl="0"/>
             <a:r>
-              <a:rPr lang="en-US" dirty="0" smtClean="0"/>
+              <a:rPr lang="en-US" dirty="0"/>
               <a:t>-</a:t>
             </a:r>
           </a:p>
@@ -14050,7 +13912,7 @@
           <a:p>
             <a:pPr lvl="0"/>
             <a:r>
-              <a:rPr lang="en-US" dirty="0" smtClean="0"/>
+              <a:rPr lang="en-US" dirty="0"/>
               <a:t>+</a:t>
             </a:r>
           </a:p>
@@ -14132,7 +13994,7 @@
           </a:lstStyle>
           <a:p>
             <a:r>
-              <a:rPr lang="en-US" smtClean="0"/>
+              <a:rPr lang="en-US"/>
               <a:t>Click to edit Master title style</a:t>
             </a:r>
             <a:endParaRPr lang="en-US" dirty="0"/>
@@ -14190,7 +14052,7 @@
           <a:p>
             <a:pPr lvl="0"/>
             <a:r>
-              <a:rPr lang="en-US" dirty="0" smtClean="0"/>
+              <a:rPr lang="en-US" dirty="0"/>
               <a:t>source code without a file</a:t>
             </a:r>
           </a:p>
@@ -14234,7 +14096,7 @@
           <a:p>
             <a:pPr lvl="0"/>
             <a:r>
-              <a:rPr lang="en-US" dirty="0" smtClean="0"/>
+              <a:rPr lang="en-US" dirty="0"/>
               <a:t>-</a:t>
             </a:r>
           </a:p>
@@ -14278,7 +14140,7 @@
           <a:p>
             <a:pPr lvl="0"/>
             <a:r>
-              <a:rPr lang="en-US" dirty="0" smtClean="0"/>
+              <a:rPr lang="en-US" dirty="0"/>
               <a:t>+</a:t>
             </a:r>
           </a:p>
@@ -14360,7 +14222,7 @@
           </a:lstStyle>
           <a:p>
             <a:r>
-              <a:rPr lang="en-US" smtClean="0"/>
+              <a:rPr lang="en-US"/>
               <a:t>Click to edit Master title style</a:t>
             </a:r>
             <a:endParaRPr lang="en-US" dirty="0"/>
@@ -14418,7 +14280,7 @@
           <a:p>
             <a:pPr lvl="0"/>
             <a:r>
-              <a:rPr lang="en-US" dirty="0" smtClean="0"/>
+              <a:rPr lang="en-US" dirty="0"/>
               <a:t>source code</a:t>
             </a:r>
           </a:p>
@@ -14464,21 +14326,21 @@
           <a:p>
             <a:pPr lvl="0"/>
             <a:r>
-              <a:rPr lang="en-US" smtClean="0"/>
+              <a:rPr lang="en-US"/>
               <a:t>Click to edit Master text styles</a:t>
             </a:r>
           </a:p>
           <a:p>
             <a:pPr lvl="1"/>
             <a:r>
-              <a:rPr lang="en-US" smtClean="0"/>
+              <a:rPr lang="en-US"/>
               <a:t>Second level</a:t>
             </a:r>
           </a:p>
           <a:p>
             <a:pPr lvl="2"/>
             <a:r>
-              <a:rPr lang="en-US" smtClean="0"/>
+              <a:rPr lang="en-US"/>
               <a:t>Third level</a:t>
             </a:r>
           </a:p>
@@ -14522,7 +14384,7 @@
           <a:p>
             <a:pPr lvl="0"/>
             <a:r>
-              <a:rPr lang="en-US" dirty="0" smtClean="0"/>
+              <a:rPr lang="en-US" dirty="0"/>
               <a:t>-</a:t>
             </a:r>
           </a:p>
@@ -14566,7 +14428,7 @@
           <a:p>
             <a:pPr lvl="0"/>
             <a:r>
-              <a:rPr lang="en-US" dirty="0" smtClean="0"/>
+              <a:rPr lang="en-US" dirty="0"/>
               <a:t>+</a:t>
             </a:r>
           </a:p>
@@ -14649,7 +14511,7 @@
           <a:lstStyle/>
           <a:p>
             <a:r>
-              <a:rPr lang="en-CA" dirty="0" smtClean="0"/>
+              <a:rPr lang="en-CA" dirty="0"/>
               <a:t>Title Text</a:t>
             </a:r>
             <a:endParaRPr lang="en-US" dirty="0"/>
@@ -14683,21 +14545,21 @@
           <a:p>
             <a:pPr lvl="0"/>
             <a:r>
-              <a:rPr lang="en-US" dirty="0" smtClean="0"/>
+              <a:rPr lang="en-US" dirty="0"/>
               <a:t>Click to edit Master text styles</a:t>
             </a:r>
           </a:p>
           <a:p>
             <a:pPr lvl="1"/>
             <a:r>
-              <a:rPr lang="en-US" dirty="0" smtClean="0"/>
+              <a:rPr lang="en-US" dirty="0"/>
               <a:t>Second level</a:t>
             </a:r>
           </a:p>
           <a:p>
             <a:pPr lvl="2"/>
             <a:r>
-              <a:rPr lang="en-US" dirty="0" smtClean="0"/>
+              <a:rPr lang="en-US" dirty="0"/>
               <a:t>Third level</a:t>
             </a:r>
           </a:p>
@@ -14738,14 +14600,14 @@
           </a:ln>
           <a:extLst>
             <a:ext uri="{909E8E84-426E-40dd-AFC4-6F175D3DCCD1}">
-              <a14:hiddenFill xmlns="" xmlns:a14="http://schemas.microsoft.com/office/drawing/2010/main">
+              <a14:hiddenFill xmlns:a14="http://schemas.microsoft.com/office/drawing/2010/main" xmlns="">
                 <a:solidFill>
                   <a:srgbClr val="FFFFFF"/>
                 </a:solidFill>
               </a14:hiddenFill>
             </a:ext>
             <a:ext uri="{91240B29-F687-4f45-9708-019B960494DF}">
-              <a14:hiddenLine xmlns="" xmlns:a14="http://schemas.microsoft.com/office/drawing/2010/main" w="9525">
+              <a14:hiddenLine xmlns:a14="http://schemas.microsoft.com/office/drawing/2010/main" xmlns="" w="9525">
                 <a:solidFill>
                   <a:srgbClr val="000000"/>
                 </a:solidFill>
@@ -14825,7 +14687,7 @@
               <a:defRPr/>
             </a:pPr>
             <a:r>
-              <a:rPr lang="en-US" dirty="0" smtClean="0">
+              <a:rPr lang="en-US" dirty="0">
                 <a:solidFill>
                   <a:srgbClr val="7D868C"/>
                 </a:solidFill>
@@ -14836,7 +14698,7 @@
               <a:t>©</a:t>
             </a:r>
             <a:r>
-              <a:rPr lang="is-IS" dirty="0" smtClean="0">
+              <a:rPr lang="is-IS" dirty="0">
                 <a:solidFill>
                   <a:srgbClr val="7D868C"/>
                 </a:solidFill>
@@ -14847,7 +14709,7 @@
               <a:t>2017</a:t>
             </a:r>
             <a:r>
-              <a:rPr lang="en-US" dirty="0" smtClean="0">
+              <a:rPr lang="en-US" dirty="0">
                 <a:solidFill>
                   <a:srgbClr val="7D868C"/>
                 </a:solidFill>
@@ -14855,18 +14717,7 @@
                 <a:ea typeface="+mn-ea"/>
                 <a:cs typeface="+mn-cs"/>
               </a:rPr>
-              <a:t> </a:t>
-            </a:r>
-            <a:r>
-              <a:rPr lang="en-US" dirty="0">
-                <a:solidFill>
-                  <a:srgbClr val="7D868C"/>
-                </a:solidFill>
-                <a:latin typeface="+mn-lt"/>
-                <a:ea typeface="+mn-ea"/>
-                <a:cs typeface="+mn-cs"/>
-              </a:rPr>
-              <a:t>Chef Software Inc</a:t>
+              <a:t> Chef Software Inc</a:t>
             </a:r>
             <a:r>
               <a:rPr lang="en-US" dirty="0">
@@ -14934,18 +14785,7 @@
                 <a:ea typeface="+mn-ea"/>
                 <a:cs typeface="+mn-cs"/>
               </a:rPr>
-              <a:t>3</a:t>
-            </a:r>
-            <a:r>
-              <a:rPr lang="en-US" dirty="0" smtClean="0">
-                <a:solidFill>
-                  <a:srgbClr val="7F7F7F"/>
-                </a:solidFill>
-                <a:latin typeface="+mn-lt"/>
-                <a:ea typeface="+mn-ea"/>
-                <a:cs typeface="+mn-cs"/>
-              </a:rPr>
-              <a:t>-</a:t>
+              <a:t>3-</a:t>
             </a:r>
             <a:fld id="{F0B79B2F-E1DD-4D43-95B3-EA08C411D807}" type="slidenum">
               <a:rPr lang="en-US" smtClean="0">
@@ -14998,13 +14838,6 @@
   <p:transition spd="med">
     <p:fade/>
   </p:transition>
-  <p:timing>
-    <p:tnLst>
-      <p:par>
-        <p:cTn id="1" dur="indefinite" restart="never" nodeType="tmRoot"/>
-      </p:par>
-    </p:tnLst>
-  </p:timing>
   <p:hf hdr="0" dt="0"/>
   <p:txStyles>
     <p:titleStyle>
@@ -15487,7 +15320,7 @@
           <a:lstStyle/>
           <a:p>
             <a:r>
-              <a:rPr lang="en-CA" dirty="0" smtClean="0"/>
+              <a:rPr lang="en-CA" dirty="0"/>
               <a:t>Title Text</a:t>
             </a:r>
             <a:endParaRPr lang="en-US" dirty="0"/>
@@ -15529,14 +15362,14 @@
           </a:ln>
           <a:extLst>
             <a:ext uri="{909E8E84-426E-40dd-AFC4-6F175D3DCCD1}">
-              <a14:hiddenFill xmlns="" xmlns:a14="http://schemas.microsoft.com/office/drawing/2010/main">
+              <a14:hiddenFill xmlns:a14="http://schemas.microsoft.com/office/drawing/2010/main" xmlns="">
                 <a:solidFill>
                   <a:srgbClr val="FFFFFF"/>
                 </a:solidFill>
               </a14:hiddenFill>
             </a:ext>
             <a:ext uri="{91240B29-F687-4f45-9708-019B960494DF}">
-              <a14:hiddenLine xmlns="" xmlns:a14="http://schemas.microsoft.com/office/drawing/2010/main" w="9525">
+              <a14:hiddenLine xmlns:a14="http://schemas.microsoft.com/office/drawing/2010/main" xmlns="" w="9525">
                 <a:solidFill>
                   <a:srgbClr val="000000"/>
                 </a:solidFill>
@@ -15616,7 +15449,7 @@
               <a:defRPr/>
             </a:pPr>
             <a:r>
-              <a:rPr lang="en-US" dirty="0" smtClean="0">
+              <a:rPr lang="en-US" dirty="0">
                 <a:solidFill>
                   <a:srgbClr val="7D868C"/>
                 </a:solidFill>
@@ -15627,7 +15460,7 @@
               <a:t>©</a:t>
             </a:r>
             <a:r>
-              <a:rPr lang="is-IS" dirty="0" smtClean="0">
+              <a:rPr lang="is-IS" dirty="0">
                 <a:solidFill>
                   <a:srgbClr val="7D868C"/>
                 </a:solidFill>
@@ -15638,7 +15471,7 @@
               <a:t>2017</a:t>
             </a:r>
             <a:r>
-              <a:rPr lang="en-US" dirty="0" smtClean="0">
+              <a:rPr lang="en-US" dirty="0">
                 <a:solidFill>
                   <a:srgbClr val="7D868C"/>
                 </a:solidFill>
@@ -15646,18 +15479,7 @@
                 <a:ea typeface="+mn-ea"/>
                 <a:cs typeface="+mn-cs"/>
               </a:rPr>
-              <a:t> </a:t>
-            </a:r>
-            <a:r>
-              <a:rPr lang="en-US" dirty="0">
-                <a:solidFill>
-                  <a:srgbClr val="7D868C"/>
-                </a:solidFill>
-                <a:latin typeface="+mn-lt"/>
-                <a:ea typeface="+mn-ea"/>
-                <a:cs typeface="+mn-cs"/>
-              </a:rPr>
-              <a:t>Chef Software Inc</a:t>
+              <a:t> Chef Software Inc</a:t>
             </a:r>
             <a:r>
               <a:rPr lang="en-US" dirty="0">
@@ -15725,18 +15547,7 @@
                 <a:ea typeface="+mn-ea"/>
                 <a:cs typeface="+mn-cs"/>
               </a:rPr>
-              <a:t>3</a:t>
-            </a:r>
-            <a:r>
-              <a:rPr lang="en-US" dirty="0" smtClean="0">
-                <a:solidFill>
-                  <a:srgbClr val="7F7F7F"/>
-                </a:solidFill>
-                <a:latin typeface="+mn-lt"/>
-                <a:ea typeface="+mn-ea"/>
-                <a:cs typeface="+mn-cs"/>
-              </a:rPr>
-              <a:t>-</a:t>
+              <a:t>3-</a:t>
             </a:r>
             <a:fld id="{F0B79B2F-E1DD-4D43-95B3-EA08C411D807}" type="slidenum">
               <a:rPr lang="en-US" smtClean="0">
@@ -15860,13 +15671,6 @@
   <p:transition spd="med">
     <p:fade/>
   </p:transition>
-  <p:timing>
-    <p:tnLst>
-      <p:par>
-        <p:cTn id="1" dur="indefinite" restart="never" nodeType="tmRoot"/>
-      </p:par>
-    </p:tnLst>
-  </p:timing>
   <p:hf hdr="0" dt="0"/>
   <p:txStyles>
     <p:titleStyle>
@@ -16321,14 +16125,13 @@
           <a:lstStyle/>
           <a:p>
             <a:r>
-              <a:rPr lang="en-US" smtClean="0"/>
+              <a:rPr lang="en-US"/>
               <a:t>Writing </a:t>
             </a:r>
             <a:r>
-              <a:rPr lang="en-US" dirty="0" smtClean="0"/>
+              <a:rPr lang="en-US" dirty="0"/>
               <a:t>a Test First</a:t>
             </a:r>
-            <a:endParaRPr lang="en-US" dirty="0"/>
           </a:p>
         </p:txBody>
       </p:sp>
@@ -16364,13 +16167,6 @@
   <p:transition spd="med">
     <p:fade/>
   </p:transition>
-  <p:timing>
-    <p:tnLst>
-      <p:par>
-        <p:cTn id="1" dur="indefinite" restart="never" nodeType="tmRoot"/>
-      </p:par>
-    </p:tnLst>
-  </p:timing>
 </p:sld>
 </file>
 
@@ -16409,10 +16205,9 @@
           <a:lstStyle/>
           <a:p>
             <a:r>
-              <a:rPr lang="en-US" dirty="0" smtClean="0"/>
+              <a:rPr lang="en-US" dirty="0"/>
               <a:t>Build a Reliable Cookbook</a:t>
             </a:r>
-            <a:endParaRPr lang="en-US" dirty="0"/>
           </a:p>
         </p:txBody>
       </p:sp>
@@ -16432,10 +16227,9 @@
           <a:lstStyle/>
           <a:p>
             <a:r>
-              <a:rPr lang="en-US" dirty="0" smtClean="0"/>
+              <a:rPr lang="en-US" dirty="0"/>
               <a:t>This time it will be different.</a:t>
             </a:r>
-            <a:endParaRPr lang="en-US" dirty="0"/>
           </a:p>
         </p:txBody>
       </p:sp>
@@ -16459,7 +16253,7 @@
               <a:buChar char="q"/>
             </a:pPr>
             <a:r>
-              <a:rPr lang="en-US" dirty="0" smtClean="0"/>
+              <a:rPr lang="en-US" dirty="0"/>
               <a:t>Examine the cookbook</a:t>
             </a:r>
           </a:p>
@@ -16469,12 +16263,8 @@
               <a:buChar char="q"/>
             </a:pPr>
             <a:r>
-              <a:rPr lang="en-US" dirty="0" smtClean="0"/>
-              <a:t>Write </a:t>
-            </a:r>
-            <a:r>
-              <a:rPr lang="en-US" dirty="0" smtClean="0"/>
-              <a:t>tests that verifies the cookbook does what we want it to do</a:t>
+              <a:rPr lang="en-US" dirty="0"/>
+              <a:t>Write tests that verifies the cookbook does what we want it to do</a:t>
             </a:r>
           </a:p>
           <a:p>
@@ -16483,7 +16273,7 @@
               <a:buChar char="q"/>
             </a:pPr>
             <a:r>
-              <a:rPr lang="en-US" dirty="0" smtClean="0"/>
+              <a:rPr lang="en-US" dirty="0"/>
               <a:t>Execute the tests and see failure</a:t>
             </a:r>
           </a:p>
@@ -16493,7 +16283,7 @@
               <a:buChar char="q"/>
             </a:pPr>
             <a:r>
-              <a:rPr lang="en-US" dirty="0" smtClean="0"/>
+              <a:rPr lang="en-US" dirty="0"/>
               <a:t>Write the recipe to make the test pass</a:t>
             </a:r>
           </a:p>
@@ -16503,10 +16293,9 @@
               <a:buChar char="q"/>
             </a:pPr>
             <a:r>
-              <a:rPr lang="en-US" dirty="0" smtClean="0"/>
+              <a:rPr lang="en-US" dirty="0"/>
               <a:t>Execute the tests and see success</a:t>
             </a:r>
-            <a:endParaRPr lang="en-US" dirty="0"/>
           </a:p>
         </p:txBody>
       </p:sp>
@@ -16523,13 +16312,6 @@
   <p:transition spd="med">
     <p:fade/>
   </p:transition>
-  <p:timing>
-    <p:tnLst>
-      <p:par>
-        <p:cTn id="1" dur="indefinite" restart="never" nodeType="tmRoot"/>
-      </p:par>
-    </p:tnLst>
-  </p:timing>
 </p:sld>
 </file>
 
@@ -16585,10 +16367,9 @@
           <a:lstStyle/>
           <a:p>
             <a:r>
-              <a:rPr lang="en-US" dirty="0" smtClean="0"/>
+              <a:rPr lang="en-US" dirty="0"/>
               <a:t>&gt; cd ~</a:t>
             </a:r>
-            <a:endParaRPr lang="en-US" dirty="0"/>
           </a:p>
         </p:txBody>
       </p:sp>
@@ -16610,10 +16391,9 @@
           <a:lstStyle/>
           <a:p>
             <a:r>
-              <a:rPr lang="en-US" dirty="0" smtClean="0"/>
+              <a:rPr lang="en-US" dirty="0"/>
               <a:t>Let's Start this Journey in the Home Directory</a:t>
             </a:r>
-            <a:endParaRPr lang="en-US" dirty="0"/>
           </a:p>
         </p:txBody>
       </p:sp>
@@ -16630,13 +16410,6 @@
   <p:transition spd="med">
     <p:fade/>
   </p:transition>
-  <p:timing>
-    <p:tnLst>
-      <p:par>
-        <p:cTn id="1" dur="indefinite" restart="never" nodeType="tmRoot"/>
-      </p:par>
-    </p:tnLst>
-  </p:timing>
 </p:sld>
 </file>
 
@@ -16673,14 +16446,13 @@
           <a:lstStyle/>
           <a:p>
             <a:r>
-              <a:rPr lang="de-DE" dirty="0" err="1" smtClean="0"/>
+              <a:rPr lang="de-DE" dirty="0" err="1"/>
               <a:t>apache</a:t>
             </a:r>
             <a:r>
-              <a:rPr lang="de-DE" dirty="0" smtClean="0"/>
+              <a:rPr lang="de-DE" dirty="0"/>
               <a:t>/</a:t>
             </a:r>
-            <a:endParaRPr lang="de-DE" dirty="0"/>
           </a:p>
           <a:p>
             <a:r>
@@ -16761,13 +16533,13 @@
           </a:p>
           <a:p>
             <a:r>
-              <a:rPr lang="de-DE" dirty="0" smtClean="0"/>
+              <a:rPr lang="de-DE" dirty="0"/>
               <a:t>│   ...  </a:t>
             </a:r>
           </a:p>
           <a:p>
             <a:r>
-              <a:rPr lang="de-DE" dirty="0" smtClean="0"/>
+              <a:rPr lang="de-DE" dirty="0"/>
               <a:t>6 </a:t>
             </a:r>
             <a:r>
@@ -16802,14 +16574,9 @@
           <a:lstStyle/>
           <a:p>
             <a:r>
-              <a:rPr lang="en-US" dirty="0" smtClean="0"/>
-              <a:t>&gt; tree </a:t>
-            </a:r>
-            <a:r>
-              <a:rPr lang="en-US" dirty="0" smtClean="0"/>
-              <a:t>apache</a:t>
-            </a:r>
-            <a:endParaRPr lang="en-US" dirty="0"/>
+              <a:rPr lang="en-US" dirty="0"/>
+              <a:t>&gt; tree apache</a:t>
+            </a:r>
           </a:p>
         </p:txBody>
       </p:sp>
@@ -16831,10 +16598,9 @@
           <a:lstStyle/>
           <a:p>
             <a:r>
-              <a:rPr lang="en-US" sz="5400" dirty="0" smtClean="0"/>
+              <a:rPr lang="en-US" sz="5400" dirty="0"/>
               <a:t>View the Tests in the Generated Cookbook</a:t>
             </a:r>
-            <a:endParaRPr lang="en-US" sz="5400" dirty="0"/>
           </a:p>
         </p:txBody>
       </p:sp>
@@ -16851,13 +16617,6 @@
   <p:transition spd="med">
     <p:fade/>
   </p:transition>
-  <p:timing>
-    <p:tnLst>
-      <p:par>
-        <p:cTn id="1" dur="indefinite" restart="never" nodeType="tmRoot"/>
-      </p:par>
-    </p:tnLst>
-  </p:timing>
 </p:sld>
 </file>
 
@@ -16896,10 +16655,9 @@
           <a:lstStyle/>
           <a:p>
             <a:r>
-              <a:rPr lang="en-US" dirty="0" smtClean="0"/>
+              <a:rPr lang="en-US" dirty="0"/>
               <a:t>Build a Reliable Cookbook</a:t>
             </a:r>
-            <a:endParaRPr lang="en-US" dirty="0"/>
           </a:p>
         </p:txBody>
       </p:sp>
@@ -16919,10 +16677,9 @@
           <a:lstStyle/>
           <a:p>
             <a:r>
-              <a:rPr lang="en-US" dirty="0" smtClean="0"/>
+              <a:rPr lang="en-US" dirty="0"/>
               <a:t>This time it will be different.</a:t>
             </a:r>
-            <a:endParaRPr lang="en-US" dirty="0"/>
           </a:p>
         </p:txBody>
       </p:sp>
@@ -16946,10 +16703,9 @@
               <a:buChar char="ü"/>
             </a:pPr>
             <a:r>
-              <a:rPr lang="en-US" dirty="0" smtClean="0"/>
+              <a:rPr lang="en-US" dirty="0"/>
               <a:t>Examine the cookbook</a:t>
             </a:r>
-            <a:endParaRPr lang="en-US" dirty="0"/>
           </a:p>
           <a:p>
             <a:pPr marL="342900" indent="-342900">
@@ -17006,13 +16762,6 @@
   <p:transition spd="med">
     <p:fade/>
   </p:transition>
-  <p:timing>
-    <p:tnLst>
-      <p:par>
-        <p:cTn id="1" dur="indefinite" restart="never" nodeType="tmRoot"/>
-      </p:par>
-    </p:tnLst>
-  </p:timing>
 </p:sld>
 </file>
 
@@ -17051,11 +16800,11 @@
           <a:lstStyle/>
           <a:p>
             <a:r>
-              <a:rPr lang="en-US" dirty="0" smtClean="0"/>
+              <a:rPr lang="en-US" dirty="0"/>
               <a:t>RSpec and </a:t>
             </a:r>
             <a:r>
-              <a:rPr lang="en-US" dirty="0" err="1" smtClean="0"/>
+              <a:rPr lang="en-US" dirty="0" err="1"/>
               <a:t>InSpec</a:t>
             </a:r>
             <a:endParaRPr lang="en-US" dirty="0"/>
@@ -17083,7 +16832,7 @@
           <a:lstStyle/>
           <a:p>
             <a:r>
-              <a:rPr lang="en-US" dirty="0" smtClean="0"/>
+              <a:rPr lang="en-US" dirty="0"/>
               <a:t>RSpec is a Domain Specific Language (DSL) that allows you to express and execute expectations. These expectations are expressed in examples that are asserted in different example groups.</a:t>
             </a:r>
           </a:p>
@@ -17092,14 +16841,13 @@
           </a:p>
           <a:p>
             <a:r>
-              <a:rPr lang="en-US" dirty="0" err="1" smtClean="0"/>
+              <a:rPr lang="en-US" dirty="0" err="1"/>
               <a:t>InSpec</a:t>
             </a:r>
             <a:r>
-              <a:rPr lang="en-US" dirty="0" smtClean="0"/>
+              <a:rPr lang="en-US" dirty="0"/>
               <a:t> provides helpers and tools that allow you to express expectations about the state of infrastructure.</a:t>
             </a:r>
-            <a:endParaRPr lang="en-US" dirty="0"/>
           </a:p>
         </p:txBody>
       </p:sp>
@@ -17171,7 +16919,7 @@
             <a:p>
               <a:pPr algn="ctr" defTabSz="914099"/>
               <a:r>
-                <a:rPr lang="en-US" b="1" dirty="0" smtClean="0">
+                <a:rPr lang="en-US" b="1" dirty="0">
                   <a:gradFill>
                     <a:gsLst>
                       <a:gs pos="0">
@@ -17186,7 +16934,7 @@
                 </a:rPr>
                 <a:t>Ruby</a:t>
               </a:r>
-              <a:endParaRPr lang="en-US" sz="2400" b="1" dirty="0" smtClean="0">
+              <a:endParaRPr lang="en-US" sz="2400" b="1" dirty="0">
                 <a:gradFill>
                   <a:gsLst>
                     <a:gs pos="0">
@@ -17256,7 +17004,7 @@
             <a:p>
               <a:pPr algn="ctr" defTabSz="914099"/>
               <a:r>
-                <a:rPr lang="en-US" b="1" dirty="0" smtClean="0">
+                <a:rPr lang="en-US" b="1" dirty="0">
                   <a:gradFill>
                     <a:gsLst>
                       <a:gs pos="0">
@@ -17271,7 +17019,7 @@
                 </a:rPr>
                 <a:t>RSpec</a:t>
               </a:r>
-              <a:endParaRPr lang="en-US" sz="2400" b="1" dirty="0" smtClean="0">
+              <a:endParaRPr lang="en-US" sz="2400" b="1" dirty="0">
                 <a:gradFill>
                   <a:gsLst>
                     <a:gs pos="0">
@@ -17341,7 +17089,7 @@
             <a:p>
               <a:pPr algn="ctr" defTabSz="914099"/>
               <a:r>
-                <a:rPr lang="en-US" b="1" dirty="0" err="1" smtClean="0">
+                <a:rPr lang="en-US" b="1" dirty="0" err="1">
                   <a:gradFill>
                     <a:gsLst>
                       <a:gs pos="0">
@@ -17356,7 +17104,7 @@
                 </a:rPr>
                 <a:t>InSpec</a:t>
               </a:r>
-              <a:endParaRPr lang="en-US" sz="2400" b="1" dirty="0" smtClean="0">
+              <a:endParaRPr lang="en-US" sz="2400" b="1" dirty="0">
                 <a:gradFill>
                   <a:gsLst>
                     <a:gs pos="0">
@@ -17426,7 +17174,7 @@
             <a:p>
               <a:pPr algn="ctr" defTabSz="914099"/>
               <a:r>
-                <a:rPr lang="en-US" b="1" dirty="0" smtClean="0">
+                <a:rPr lang="en-US" b="1" dirty="0">
                   <a:gradFill>
                     <a:gsLst>
                       <a:gs pos="0">
@@ -17441,7 +17189,7 @@
                 </a:rPr>
                 <a:t>Chef</a:t>
               </a:r>
-              <a:endParaRPr lang="en-US" sz="2400" b="1" dirty="0" smtClean="0">
+              <a:endParaRPr lang="en-US" sz="2400" b="1" dirty="0">
                 <a:gradFill>
                   <a:gsLst>
                     <a:gs pos="0">
@@ -17471,13 +17219,6 @@
   <p:transition spd="med">
     <p:fade/>
   </p:transition>
-  <p:timing>
-    <p:tnLst>
-      <p:par>
-        <p:cTn id="1" dur="indefinite" restart="never" nodeType="tmRoot"/>
-      </p:par>
-    </p:tnLst>
-  </p:timing>
 </p:sld>
 </file>
 
@@ -17514,10 +17255,9 @@
           <a:lstStyle/>
           <a:p>
             <a:r>
-              <a:rPr lang="en-US" dirty="0" smtClean="0"/>
+              <a:rPr lang="en-US" dirty="0"/>
               <a:t>Auto-generated Spec File in Cookbook</a:t>
             </a:r>
-            <a:endParaRPr lang="en-US" dirty="0"/>
           </a:p>
         </p:txBody>
       </p:sp>
@@ -17538,9 +17278,6 @@
           </a:bodyPr>
           <a:lstStyle/>
           <a:p>
-            <a:endParaRPr lang="en-US" dirty="0"/>
-          </a:p>
-          <a:p>
             <a:r>
               <a:rPr lang="en-US" dirty="0"/>
               <a:t>unless </a:t>
@@ -17557,15 +17294,13 @@
           <a:p>
             <a:r>
               <a:rPr lang="en-US" dirty="0"/>
-              <a:t>  describe user('root</a:t>
-            </a:r>
-            <a:r>
-              <a:rPr lang="en-US" dirty="0" smtClean="0"/>
-              <a:t>'), :skip </a:t>
-            </a:r>
-            <a:r>
-              <a:rPr lang="en-US" dirty="0"/>
-              <a:t>do</a:t>
+              <a:t>  # This is an example test, replace with your own test.</a:t>
+            </a:r>
+          </a:p>
+          <a:p>
+            <a:r>
+              <a:rPr lang="en-US" dirty="0"/>
+              <a:t>  describe user('root'), :skip do</a:t>
             </a:r>
           </a:p>
           <a:p>
@@ -17576,32 +17311,29 @@
           </a:p>
           <a:p>
             <a:r>
-              <a:rPr lang="en-US" dirty="0" smtClean="0"/>
+              <a:rPr lang="en-US" dirty="0"/>
               <a:t>  end</a:t>
             </a:r>
+          </a:p>
+          <a:p>
+            <a:r>
+              <a:rPr lang="en-US" dirty="0"/>
+              <a:t>end</a:t>
+            </a:r>
+          </a:p>
+          <a:p>
             <a:endParaRPr lang="en-US" dirty="0"/>
           </a:p>
           <a:p>
             <a:r>
               <a:rPr lang="en-US" dirty="0"/>
-              <a:t>end</a:t>
-            </a:r>
-          </a:p>
-          <a:p>
-            <a:endParaRPr lang="en-US" dirty="0"/>
-          </a:p>
-          <a:p>
-            <a:r>
-              <a:rPr lang="en-US" dirty="0"/>
-              <a:t>describe port(80</a:t>
-            </a:r>
-            <a:r>
-              <a:rPr lang="en-US" dirty="0" smtClean="0"/>
-              <a:t>), :skip </a:t>
-            </a:r>
-            <a:r>
-              <a:rPr lang="en-US" dirty="0"/>
-              <a:t>do</a:t>
+              <a:t># This is an example test, replace it with your own test.</a:t>
+            </a:r>
+          </a:p>
+          <a:p>
+            <a:r>
+              <a:rPr lang="en-US" dirty="0"/>
+              <a:t>describe port(80), :skip do</a:t>
             </a:r>
           </a:p>
           <a:p>
@@ -17628,10 +17360,9 @@
           </a:p>
           <a:p>
             <a:r>
-              <a:rPr lang="en-US" dirty="0" smtClean="0"/>
+              <a:rPr lang="en-US" dirty="0"/>
               <a:t>end</a:t>
             </a:r>
-            <a:endParaRPr lang="en-US" b="1" dirty="0"/>
           </a:p>
         </p:txBody>
       </p:sp>
@@ -17651,11 +17382,11 @@
           <a:lstStyle/>
           <a:p>
             <a:r>
-              <a:rPr lang="en-US" dirty="0" smtClean="0"/>
+              <a:rPr lang="en-US" dirty="0"/>
               <a:t>~/apache/test/smoke/default/</a:t>
             </a:r>
             <a:r>
-              <a:rPr lang="en-US" dirty="0" err="1" smtClean="0"/>
+              <a:rPr lang="en-US" dirty="0" err="1"/>
               <a:t>default_test.rb</a:t>
             </a:r>
             <a:endParaRPr lang="en-US" dirty="0"/>
@@ -17675,13 +17406,6 @@
   <p:transition spd="med">
     <p:fade/>
   </p:transition>
-  <p:timing>
-    <p:tnLst>
-      <p:par>
-        <p:cTn id="1" dur="indefinite" restart="never" nodeType="tmRoot"/>
-      </p:par>
-    </p:tnLst>
-  </p:timing>
 </p:sld>
 </file>
 
@@ -17720,10 +17444,9 @@
           <a:lstStyle/>
           <a:p>
             <a:r>
-              <a:rPr lang="en-US" dirty="0" smtClean="0"/>
+              <a:rPr lang="en-US" dirty="0"/>
               <a:t>Where do Tests Live?</a:t>
             </a:r>
-            <a:endParaRPr lang="en-US" dirty="0"/>
           </a:p>
         </p:txBody>
       </p:sp>
@@ -17749,29 +17472,16 @@
           <a:p>
             <a:r>
               <a:rPr lang="en-US" dirty="0"/>
-              <a:t>Test Kitchen will look for tests to run under this directory</a:t>
-            </a:r>
-            <a:r>
-              <a:rPr lang="en-US" dirty="0" smtClean="0"/>
-              <a:t>. This </a:t>
-            </a:r>
-            <a:r>
-              <a:rPr lang="en-US" dirty="0"/>
-              <a:t>corresponds </a:t>
-            </a:r>
-            <a:r>
-              <a:rPr lang="en-US" dirty="0" smtClean="0"/>
-              <a:t>to the value specified in the Test Kitchen configuration file (.</a:t>
-            </a:r>
-            <a:r>
-              <a:rPr lang="en-US" dirty="0" err="1" smtClean="0"/>
+              <a:t>Test Kitchen will look for tests to run under this directory. This corresponds to the value specified in the Test Kitchen configuration file (.</a:t>
+            </a:r>
+            <a:r>
+              <a:rPr lang="en-US" dirty="0" err="1"/>
               <a:t>kitchen.yml</a:t>
             </a:r>
             <a:r>
-              <a:rPr lang="en-US" dirty="0" smtClean="0"/>
+              <a:rPr lang="en-US" dirty="0"/>
               <a:t>) in the suites section.</a:t>
             </a:r>
-            <a:endParaRPr lang="en-US" dirty="0"/>
           </a:p>
         </p:txBody>
       </p:sp>
@@ -17976,14 +17686,14 @@
           </a:lstStyle>
           <a:p>
             <a:r>
-              <a:rPr lang="en-US" sz="2667" b="1" dirty="0" smtClean="0">
+              <a:rPr lang="en-US" sz="2667" b="1" dirty="0">
                 <a:latin typeface="Courier New" panose="02070309020205020404" pitchFamily="49" charset="0"/>
                 <a:cs typeface="Courier New" panose="02070309020205020404" pitchFamily="49" charset="0"/>
               </a:rPr>
               <a:t>~/apache/test/smoke/default/</a:t>
             </a:r>
             <a:r>
-              <a:rPr lang="en-US" sz="2667" b="1" dirty="0" err="1" smtClean="0">
+              <a:rPr lang="en-US" sz="2667" b="1" dirty="0" err="1">
                 <a:latin typeface="Courier New" panose="02070309020205020404" pitchFamily="49" charset="0"/>
                 <a:cs typeface="Courier New" panose="02070309020205020404" pitchFamily="49" charset="0"/>
               </a:rPr>
@@ -18080,13 +17790,6 @@
   <p:transition spd="med">
     <p:fade/>
   </p:transition>
-  <p:timing>
-    <p:tnLst>
-      <p:par>
-        <p:cTn id="1" dur="indefinite" restart="never" nodeType="tmRoot"/>
-      </p:par>
-    </p:tnLst>
-  </p:timing>
 </p:sld>
 </file>
 
@@ -18125,10 +17828,9 @@
           <a:lstStyle/>
           <a:p>
             <a:r>
-              <a:rPr lang="en-US" dirty="0" smtClean="0"/>
+              <a:rPr lang="en-US" dirty="0"/>
               <a:t>Where do Tests Live?</a:t>
             </a:r>
-            <a:endParaRPr lang="en-US" dirty="0"/>
           </a:p>
         </p:txBody>
       </p:sp>
@@ -18153,18 +17855,17 @@
           <a:lstStyle/>
           <a:p>
             <a:r>
-              <a:rPr lang="en-US" dirty="0" smtClean="0"/>
+              <a:rPr lang="en-US" dirty="0"/>
               <a:t>The </a:t>
             </a:r>
             <a:r>
-              <a:rPr lang="en-US" dirty="0" err="1" smtClean="0"/>
+              <a:rPr lang="en-US" dirty="0" err="1"/>
               <a:t>default_test.rb</a:t>
             </a:r>
             <a:r>
-              <a:rPr lang="en-US" dirty="0" smtClean="0"/>
+              <a:rPr lang="en-US" dirty="0"/>
               <a:t> file is a Ruby file that contains the tests that we want to run when we spin up a test instance.</a:t>
             </a:r>
-            <a:endParaRPr lang="en-US" dirty="0"/>
           </a:p>
         </p:txBody>
       </p:sp>
@@ -18369,14 +18070,14 @@
           </a:lstStyle>
           <a:p>
             <a:r>
-              <a:rPr lang="en-US" sz="2667" b="1" dirty="0" smtClean="0">
+              <a:rPr lang="en-US" sz="2667" b="1" dirty="0">
                 <a:latin typeface="Courier New" panose="02070309020205020404" pitchFamily="49" charset="0"/>
                 <a:cs typeface="Courier New" panose="02070309020205020404" pitchFamily="49" charset="0"/>
               </a:rPr>
               <a:t>~/apache/test/smoke/default/</a:t>
             </a:r>
             <a:r>
-              <a:rPr lang="en-US" sz="2667" b="1" dirty="0" err="1" smtClean="0">
+              <a:rPr lang="en-US" sz="2667" b="1" dirty="0" err="1">
                 <a:latin typeface="Courier New" panose="02070309020205020404" pitchFamily="49" charset="0"/>
                 <a:cs typeface="Courier New" panose="02070309020205020404" pitchFamily="49" charset="0"/>
               </a:rPr>
@@ -18473,13 +18174,6 @@
   <p:transition spd="med">
     <p:fade/>
   </p:transition>
-  <p:timing>
-    <p:tnLst>
-      <p:par>
-        <p:cTn id="1" dur="indefinite" restart="never" nodeType="tmRoot"/>
-      </p:par>
-    </p:tnLst>
-  </p:timing>
 </p:sld>
 </file>
 
@@ -18516,18 +18210,17 @@
           <a:lstStyle/>
           <a:p>
             <a:r>
-              <a:rPr lang="en-US" dirty="0" smtClean="0"/>
+              <a:rPr lang="en-US" dirty="0"/>
               <a:t>Components of a </a:t>
             </a:r>
             <a:r>
-              <a:rPr lang="en-US" dirty="0" err="1" smtClean="0"/>
+              <a:rPr lang="en-US" dirty="0" err="1"/>
               <a:t>InSpec</a:t>
             </a:r>
             <a:r>
-              <a:rPr lang="en-US" dirty="0" smtClean="0"/>
+              <a:rPr lang="en-US" dirty="0"/>
               <a:t> Example</a:t>
             </a:r>
-            <a:endParaRPr lang="en-US" dirty="0"/>
           </a:p>
         </p:txBody>
       </p:sp>
@@ -18562,15 +18255,7 @@
           <a:p>
             <a:r>
               <a:rPr lang="en-US" dirty="0"/>
-              <a:t>  describe user('root</a:t>
-            </a:r>
-            <a:r>
-              <a:rPr lang="en-US" dirty="0" smtClean="0"/>
-              <a:t>'), :skip </a:t>
-            </a:r>
-            <a:r>
-              <a:rPr lang="en-US" dirty="0"/>
-              <a:t>do</a:t>
+              <a:t>  describe user('root'), :skip do</a:t>
             </a:r>
           </a:p>
           <a:p>
@@ -18581,10 +18266,9 @@
           </a:p>
           <a:p>
             <a:r>
-              <a:rPr lang="en-US" dirty="0" smtClean="0"/>
+              <a:rPr lang="en-US" dirty="0"/>
               <a:t>  end</a:t>
             </a:r>
-            <a:endParaRPr lang="en-US" dirty="0"/>
           </a:p>
           <a:p>
             <a:r>
@@ -18780,7 +18464,7 @@
           <a:p>
             <a:pPr algn="ctr"/>
             <a:r>
-              <a:rPr lang="en-US" dirty="0" err="1" smtClean="0">
+              <a:rPr lang="en-US" dirty="0" err="1">
                 <a:solidFill>
                   <a:schemeClr val="bg1"/>
                 </a:solidFill>
@@ -18788,7 +18472,7 @@
               <a:t>InSpec</a:t>
             </a:r>
             <a:r>
-              <a:rPr lang="en-US" dirty="0" smtClean="0">
+              <a:rPr lang="en-US" dirty="0">
                 <a:solidFill>
                   <a:schemeClr val="bg1"/>
                 </a:solidFill>
@@ -18987,7 +18671,7 @@
           <a:p>
             <a:pPr algn="ctr"/>
             <a:r>
-              <a:rPr lang="en-US" dirty="0" smtClean="0">
+              <a:rPr lang="en-US" dirty="0">
                 <a:solidFill>
                   <a:schemeClr val="bg1"/>
                 </a:solidFill>
@@ -19183,7 +18867,7 @@
           <a:p>
             <a:pPr algn="ctr"/>
             <a:r>
-              <a:rPr lang="en-US" sz="2800" dirty="0" smtClean="0">
+              <a:rPr lang="en-US" sz="2800" dirty="0">
                 <a:solidFill>
                   <a:schemeClr val="bg1"/>
                 </a:solidFill>
@@ -19425,10 +19109,9 @@
           <a:lstStyle/>
           <a:p>
             <a:r>
-              <a:rPr lang="en-US" dirty="0" smtClean="0"/>
+              <a:rPr lang="en-US" dirty="0"/>
               <a:t>When not on Windows, I expect the user named 'root', to exist.</a:t>
             </a:r>
-            <a:endParaRPr lang="en-US" dirty="0"/>
           </a:p>
         </p:txBody>
       </p:sp>
@@ -19445,13 +19128,6 @@
   <p:transition spd="med">
     <p:fade/>
   </p:transition>
-  <p:timing>
-    <p:tnLst>
-      <p:par>
-        <p:cTn id="1" dur="indefinite" restart="never" nodeType="tmRoot"/>
-      </p:par>
-    </p:tnLst>
-  </p:timing>
 </p:sld>
 </file>
 
@@ -19488,18 +19164,17 @@
           <a:lstStyle/>
           <a:p>
             <a:r>
-              <a:rPr lang="en-US" dirty="0" smtClean="0"/>
+              <a:rPr lang="en-US" dirty="0"/>
               <a:t>Components of a </a:t>
             </a:r>
             <a:r>
-              <a:rPr lang="en-US" dirty="0" err="1" smtClean="0"/>
+              <a:rPr lang="en-US" dirty="0" err="1"/>
               <a:t>InSpec</a:t>
             </a:r>
             <a:r>
-              <a:rPr lang="en-US" dirty="0" smtClean="0"/>
+              <a:rPr lang="en-US" dirty="0"/>
               <a:t> Example</a:t>
             </a:r>
-            <a:endParaRPr lang="en-US" dirty="0"/>
           </a:p>
         </p:txBody>
       </p:sp>
@@ -19547,10 +19222,9 @@
           </a:p>
           <a:p>
             <a:r>
-              <a:rPr lang="en-US" dirty="0" smtClean="0"/>
+              <a:rPr lang="en-US" dirty="0"/>
               <a:t>end</a:t>
             </a:r>
-            <a:endParaRPr lang="en-US" dirty="0"/>
           </a:p>
         </p:txBody>
       </p:sp>
@@ -19740,7 +19414,7 @@
           <a:p>
             <a:pPr algn="ctr"/>
             <a:r>
-              <a:rPr lang="en-US" dirty="0" err="1" smtClean="0">
+              <a:rPr lang="en-US" dirty="0" err="1">
                 <a:solidFill>
                   <a:schemeClr val="bg1"/>
                 </a:solidFill>
@@ -19748,7 +19422,7 @@
               <a:t>InSpec</a:t>
             </a:r>
             <a:r>
-              <a:rPr lang="en-US" dirty="0" smtClean="0">
+              <a:rPr lang="en-US" dirty="0">
                 <a:solidFill>
                   <a:schemeClr val="bg1"/>
                 </a:solidFill>
@@ -19916,18 +19590,17 @@
           <a:lstStyle/>
           <a:p>
             <a:r>
-              <a:rPr lang="en-US" dirty="0" smtClean="0"/>
+              <a:rPr lang="en-US" dirty="0"/>
               <a:t>When on any platform, I expect the port 80 </a:t>
             </a:r>
             <a:r>
-              <a:rPr lang="en-US" b="1" dirty="0" smtClean="0"/>
+              <a:rPr lang="en-US" b="1" dirty="0"/>
               <a:t>not</a:t>
             </a:r>
             <a:r>
-              <a:rPr lang="en-US" dirty="0" smtClean="0"/>
+              <a:rPr lang="en-US" dirty="0"/>
               <a:t> to be listening for incoming connections.</a:t>
             </a:r>
-            <a:endParaRPr lang="en-US" dirty="0"/>
           </a:p>
         </p:txBody>
       </p:sp>
@@ -20117,7 +19790,7 @@
           <a:p>
             <a:pPr algn="ctr"/>
             <a:r>
-              <a:rPr lang="en-US" sz="2800" dirty="0" smtClean="0">
+              <a:rPr lang="en-US" sz="2800" dirty="0">
                 <a:solidFill>
                   <a:schemeClr val="bg1"/>
                 </a:solidFill>
@@ -20140,13 +19813,6 @@
   <p:transition spd="med">
     <p:fade/>
   </p:transition>
-  <p:timing>
-    <p:tnLst>
-      <p:par>
-        <p:cTn id="1" dur="indefinite" restart="never" nodeType="tmRoot"/>
-      </p:par>
-    </p:tnLst>
-  </p:timing>
 </p:sld>
 </file>
 
@@ -20185,10 +19851,9 @@
           <a:lstStyle/>
           <a:p>
             <a:r>
-              <a:rPr lang="en-US" dirty="0" smtClean="0"/>
+              <a:rPr lang="en-US" dirty="0"/>
               <a:t>Test Driven Development</a:t>
             </a:r>
-            <a:endParaRPr lang="en-US" dirty="0"/>
           </a:p>
         </p:txBody>
       </p:sp>
@@ -20213,11 +19878,7 @@
             </a:pPr>
             <a:r>
               <a:rPr lang="en-US" dirty="0"/>
-              <a:t>D</a:t>
-            </a:r>
-            <a:r>
-              <a:rPr lang="en-US" dirty="0" smtClean="0"/>
-              <a:t>efine a test set for the unit first</a:t>
+              <a:t>Define a test set for the unit first</a:t>
             </a:r>
           </a:p>
           <a:p>
@@ -20227,11 +19888,7 @@
             </a:pPr>
             <a:r>
               <a:rPr lang="en-US" dirty="0"/>
-              <a:t>T</a:t>
-            </a:r>
-            <a:r>
-              <a:rPr lang="en-US" dirty="0" smtClean="0"/>
-              <a:t>hen implement the unit</a:t>
+              <a:t>Then implement the unit</a:t>
             </a:r>
           </a:p>
           <a:p>
@@ -20240,11 +19897,11 @@
               <a:buAutoNum type="arabicPeriod"/>
             </a:pPr>
             <a:r>
-              <a:rPr lang="en-US" dirty="0" smtClean="0"/>
+              <a:rPr lang="en-US" dirty="0"/>
               <a:t>Finally verify that the implementation of the unit makes the tests </a:t>
             </a:r>
             <a:r>
-              <a:rPr lang="en-US" smtClean="0"/>
+              <a:rPr lang="en-US"/>
               <a:t>succeed.</a:t>
             </a:r>
           </a:p>
@@ -20254,7 +19911,7 @@
               <a:buAutoNum type="arabicPeriod"/>
             </a:pPr>
             <a:r>
-              <a:rPr lang="en-US" smtClean="0"/>
+              <a:rPr lang="en-US"/>
               <a:t>Refactor</a:t>
             </a:r>
             <a:endParaRPr lang="en-US" dirty="0"/>
@@ -20274,13 +19931,6 @@
   <p:transition spd="med">
     <p:fade/>
   </p:transition>
-  <p:timing>
-    <p:tnLst>
-      <p:par>
-        <p:cTn id="1" dur="indefinite" restart="never" nodeType="tmRoot"/>
-      </p:par>
-    </p:tnLst>
-  </p:timing>
 </p:sld>
 </file>
 
@@ -20317,10 +19967,9 @@
           <a:lstStyle/>
           <a:p>
             <a:r>
-              <a:rPr lang="en-US" dirty="0" smtClean="0"/>
+              <a:rPr lang="en-US" dirty="0"/>
               <a:t>Remove the Test for the root User</a:t>
             </a:r>
-            <a:endParaRPr lang="en-US" dirty="0"/>
           </a:p>
         </p:txBody>
       </p:sp>
@@ -20355,15 +20004,13 @@
           <a:p>
             <a:r>
               <a:rPr lang="en-US" dirty="0"/>
-              <a:t>  describe user('root</a:t>
-            </a:r>
-            <a:r>
-              <a:rPr lang="en-US" dirty="0" smtClean="0"/>
-              <a:t>'), :skip </a:t>
-            </a:r>
-            <a:r>
-              <a:rPr lang="en-US" dirty="0"/>
-              <a:t>do</a:t>
+              <a:t>  # This is an example test, replace with your own test.</a:t>
+            </a:r>
+          </a:p>
+          <a:p>
+            <a:r>
+              <a:rPr lang="en-US" dirty="0"/>
+              <a:t>  describe user('root'), :skip do</a:t>
             </a:r>
           </a:p>
           <a:p>
@@ -20374,32 +20021,29 @@
           </a:p>
           <a:p>
             <a:r>
-              <a:rPr lang="en-US" dirty="0" smtClean="0"/>
+              <a:rPr lang="en-US" dirty="0"/>
               <a:t>  end</a:t>
             </a:r>
+          </a:p>
+          <a:p>
+            <a:r>
+              <a:rPr lang="en-US" dirty="0"/>
+              <a:t>end</a:t>
+            </a:r>
+          </a:p>
+          <a:p>
             <a:endParaRPr lang="en-US" dirty="0"/>
           </a:p>
           <a:p>
             <a:r>
-              <a:rPr lang="en-US" dirty="0" smtClean="0"/>
-              <a:t>end</a:t>
-            </a:r>
-          </a:p>
-          <a:p>
-            <a:endParaRPr lang="en-US" dirty="0"/>
-          </a:p>
-          <a:p>
-            <a:r>
-              <a:rPr lang="en-US" dirty="0"/>
-              <a:t>describe port(80</a:t>
-            </a:r>
-            <a:r>
-              <a:rPr lang="en-US" dirty="0" smtClean="0"/>
-              <a:t>), :skip </a:t>
-            </a:r>
-            <a:r>
-              <a:rPr lang="en-US" dirty="0"/>
-              <a:t>do</a:t>
+              <a:rPr lang="en-US" dirty="0"/>
+              <a:t># This is an example test, replace it with your own test.</a:t>
+            </a:r>
+          </a:p>
+          <a:p>
+            <a:r>
+              <a:rPr lang="en-US" dirty="0"/>
+              <a:t>describe port(80), :skip do</a:t>
             </a:r>
           </a:p>
           <a:p>
@@ -20426,13 +20070,9 @@
           </a:p>
           <a:p>
             <a:r>
-              <a:rPr lang="en-US" dirty="0" smtClean="0"/>
+              <a:rPr lang="en-US" dirty="0"/>
               <a:t>end</a:t>
             </a:r>
-            <a:endParaRPr lang="en-US" dirty="0"/>
-          </a:p>
-          <a:p>
-            <a:endParaRPr lang="en-US" dirty="0"/>
           </a:p>
         </p:txBody>
       </p:sp>
@@ -20452,11 +20092,11 @@
           <a:lstStyle/>
           <a:p>
             <a:r>
-              <a:rPr lang="en-US" dirty="0" smtClean="0"/>
+              <a:rPr lang="en-US" dirty="0"/>
               <a:t>~/apache/test/smoke/default/</a:t>
             </a:r>
             <a:r>
-              <a:rPr lang="en-US" dirty="0" err="1" smtClean="0"/>
+              <a:rPr lang="en-US" dirty="0" err="1"/>
               <a:t>default_test.rb</a:t>
             </a:r>
             <a:endParaRPr lang="en-US" dirty="0"/>
@@ -20484,10 +20124,9 @@
           <a:lstStyle/>
           <a:p>
             <a:r>
-              <a:rPr lang="en-US" dirty="0" smtClean="0"/>
+              <a:rPr lang="en-US" dirty="0"/>
               <a:t>-</a:t>
             </a:r>
-            <a:endParaRPr lang="en-US" dirty="0"/>
           </a:p>
         </p:txBody>
       </p:sp>
@@ -20504,13 +20143,6 @@
   <p:transition spd="med">
     <p:fade/>
   </p:transition>
-  <p:timing>
-    <p:tnLst>
-      <p:par>
-        <p:cTn id="1" dur="indefinite" restart="never" nodeType="tmRoot"/>
-      </p:par>
-    </p:tnLst>
-  </p:timing>
 </p:sld>
 </file>
 
@@ -20547,52 +20179,50 @@
           <a:lstStyle/>
           <a:p>
             <a:r>
-              <a:rPr lang="en-US" dirty="0" smtClean="0"/>
+              <a:rPr lang="en-US" dirty="0"/>
               <a:t>Update the Test for Port 80</a:t>
             </a:r>
+          </a:p>
+        </p:txBody>
+      </p:sp>
+      <p:sp>
+        <p:nvSpPr>
+          <p:cNvPr id="3" name="Content Placeholder 2"/>
+          <p:cNvSpPr>
+            <a:spLocks noGrp="1"/>
+          </p:cNvSpPr>
+          <p:nvPr>
+            <p:ph sz="quarter" idx="10"/>
+          </p:nvPr>
+        </p:nvSpPr>
+        <p:spPr>
+          <a:xfrm>
+            <a:off x="1121104" y="2113747"/>
+            <a:ext cx="14423693" cy="5951611"/>
+          </a:xfrm>
+        </p:spPr>
+        <p:txBody>
+          <a:bodyPr/>
+          <a:lstStyle/>
+          <a:p>
+            <a:r>
+              <a:rPr lang="en-US" dirty="0"/>
+              <a:t># ... FIRST EXAMPLE DELETED ...</a:t>
+            </a:r>
+          </a:p>
+          <a:p>
             <a:endParaRPr lang="en-US" dirty="0"/>
           </a:p>
-        </p:txBody>
-      </p:sp>
-      <p:sp>
-        <p:nvSpPr>
-          <p:cNvPr id="3" name="Content Placeholder 2"/>
-          <p:cNvSpPr>
-            <a:spLocks noGrp="1"/>
-          </p:cNvSpPr>
-          <p:nvPr>
-            <p:ph sz="quarter" idx="10"/>
-          </p:nvPr>
-        </p:nvSpPr>
-        <p:spPr/>
-        <p:txBody>
-          <a:bodyPr/>
-          <a:lstStyle/>
-          <a:p>
-            <a:r>
-              <a:rPr lang="en-US" dirty="0" smtClean="0"/>
-              <a:t># ... FIRST EXAMPLE DELETED ...</a:t>
-            </a:r>
-          </a:p>
-          <a:p>
-            <a:endParaRPr lang="en-US" dirty="0"/>
-          </a:p>
-          <a:p>
-            <a:r>
-              <a:rPr lang="en-US" dirty="0" smtClean="0"/>
-              <a:t>describe </a:t>
-            </a:r>
-            <a:r>
-              <a:rPr lang="en-US" dirty="0"/>
-              <a:t>port(80</a:t>
-            </a:r>
-            <a:r>
-              <a:rPr lang="en-US" dirty="0" smtClean="0"/>
-              <a:t>), :skip </a:t>
-            </a:r>
-            <a:r>
-              <a:rPr lang="en-US" dirty="0"/>
-              <a:t>do</a:t>
+          <a:p>
+            <a:r>
+              <a:rPr lang="en-US" dirty="0"/>
+              <a:t># This is an example test, replace it with your own test.</a:t>
+            </a:r>
+          </a:p>
+          <a:p>
+            <a:r>
+              <a:rPr lang="en-US" dirty="0"/>
+              <a:t>describe port(80), :skip do</a:t>
             </a:r>
           </a:p>
           <a:p>
@@ -20601,8 +20231,12 @@
               <a:t>  it { </a:t>
             </a:r>
             <a:r>
-              <a:rPr lang="en-US" dirty="0" smtClean="0"/>
-              <a:t>should </a:t>
+              <a:rPr lang="en-US" dirty="0" err="1"/>
+              <a:t>should_not</a:t>
+            </a:r>
+            <a:r>
+              <a:rPr lang="en-US" dirty="0"/>
+              <a:t> </a:t>
             </a:r>
             <a:r>
               <a:rPr lang="en-US" dirty="0" err="1"/>
@@ -20615,14 +20249,13 @@
           </a:p>
           <a:p>
             <a:r>
-              <a:rPr lang="en-US" dirty="0" smtClean="0"/>
+              <a:rPr lang="en-US" dirty="0"/>
               <a:t>end</a:t>
             </a:r>
+          </a:p>
+          <a:p>
             <a:endParaRPr lang="en-US" dirty="0"/>
           </a:p>
-          <a:p>
-            <a:endParaRPr lang="en-US" dirty="0"/>
-          </a:p>
         </p:txBody>
       </p:sp>
       <p:sp>
@@ -20641,11 +20274,11 @@
           <a:lstStyle/>
           <a:p>
             <a:r>
-              <a:rPr lang="en-US" dirty="0" smtClean="0"/>
+              <a:rPr lang="en-US" dirty="0"/>
               <a:t>~/apache/test/smoke/default/</a:t>
             </a:r>
             <a:r>
-              <a:rPr lang="en-US" dirty="0" err="1" smtClean="0"/>
+              <a:rPr lang="en-US" dirty="0" err="1"/>
               <a:t>default_test.rb</a:t>
             </a:r>
             <a:endParaRPr lang="en-US" dirty="0"/>
@@ -20664,7 +20297,7 @@
         </p:nvSpPr>
         <p:spPr>
           <a:xfrm>
-            <a:off x="1135042" y="3702188"/>
+            <a:off x="1139359" y="4213348"/>
             <a:ext cx="14404273" cy="536816"/>
           </a:xfrm>
         </p:spPr>
@@ -20688,7 +20321,7 @@
         </p:nvSpPr>
         <p:spPr>
           <a:xfrm>
-            <a:off x="4807528" y="3161723"/>
+            <a:off x="4854421" y="3672883"/>
             <a:ext cx="1565564" cy="540465"/>
           </a:xfrm>
         </p:spPr>
@@ -20697,6 +20330,77 @@
           <a:lstStyle/>
           <a:p>
             <a:endParaRPr lang="en-US" dirty="0"/>
+          </a:p>
+        </p:txBody>
+      </p:sp>
+      <p:sp>
+        <p:nvSpPr>
+          <p:cNvPr id="9" name="Rectangle 8">
+            <a:extLst>
+              <a:ext uri="{FF2B5EF4-FFF2-40B4-BE49-F238E27FC236}">
+                <a16:creationId xmlns:a16="http://schemas.microsoft.com/office/drawing/2014/main" id="{DA253EF1-A6B1-451B-AA17-64FE7C7B7D61}"/>
+              </a:ext>
+            </a:extLst>
+          </p:cNvPr>
+          <p:cNvSpPr/>
+          <p:nvPr/>
+        </p:nvSpPr>
+        <p:spPr bwMode="auto">
+          <a:xfrm>
+            <a:off x="1139359" y="3130594"/>
+            <a:ext cx="12271841" cy="540465"/>
+          </a:xfrm>
+          <a:prstGeom prst="rect">
+            <a:avLst/>
+          </a:prstGeom>
+          <a:solidFill>
+            <a:srgbClr val="FF0000">
+              <a:alpha val="25098"/>
+            </a:srgbClr>
+          </a:solidFill>
+          <a:ln>
+            <a:noFill/>
+            <a:headEnd type="none" w="med" len="med"/>
+            <a:tailEnd type="none" w="med" len="med"/>
+          </a:ln>
+          <a:effectLst/>
+        </p:spPr>
+        <p:style>
+          <a:lnRef idx="1">
+            <a:schemeClr val="accent4"/>
+          </a:lnRef>
+          <a:fillRef idx="3">
+            <a:schemeClr val="accent4"/>
+          </a:fillRef>
+          <a:effectRef idx="2">
+            <a:schemeClr val="accent4"/>
+          </a:effectRef>
+          <a:fontRef idx="minor">
+            <a:schemeClr val="lt1"/>
+          </a:fontRef>
+        </p:style>
+        <p:txBody>
+          <a:bodyPr vert="horz" wrap="square" lIns="91436" tIns="45718" rIns="91436" bIns="45718" numCol="1" rtlCol="0" anchor="ctr" anchorCtr="0" compatLnSpc="1">
+            <a:prstTxWarp prst="textNoShape">
+              <a:avLst/>
+            </a:prstTxWarp>
+          </a:bodyPr>
+          <a:lstStyle/>
+          <a:p>
+            <a:pPr algn="ctr" defTabSz="914099"/>
+            <a:endParaRPr lang="en-US" sz="2400" dirty="0" err="1">
+              <a:gradFill>
+                <a:gsLst>
+                  <a:gs pos="0">
+                    <a:srgbClr val="FFFFFF"/>
+                  </a:gs>
+                  <a:gs pos="100000">
+                    <a:srgbClr val="FFFFFF"/>
+                  </a:gs>
+                </a:gsLst>
+                <a:lin ang="5400000" scaled="0"/>
+              </a:gradFill>
+            </a:endParaRPr>
           </a:p>
         </p:txBody>
       </p:sp>
@@ -20713,13 +20417,6 @@
   <p:transition spd="med">
     <p:fade/>
   </p:transition>
-  <p:timing>
-    <p:tnLst>
-      <p:par>
-        <p:cTn id="1" dur="indefinite" restart="never" nodeType="tmRoot"/>
-      </p:par>
-    </p:tnLst>
-  </p:timing>
 </p:sld>
 </file>
 
@@ -20756,10 +20453,9 @@
           <a:lstStyle/>
           <a:p>
             <a:r>
-              <a:rPr lang="en-US" dirty="0" smtClean="0"/>
+              <a:rPr lang="en-US" dirty="0"/>
               <a:t>Add a Test to Validate a Working Website</a:t>
             </a:r>
-            <a:endParaRPr lang="en-US" dirty="0"/>
           </a:p>
         </p:txBody>
       </p:sp>
@@ -20799,30 +20495,17 @@
           </a:p>
           <a:p>
             <a:r>
-              <a:rPr lang="en-US" dirty="0" smtClean="0"/>
+              <a:rPr lang="en-US" dirty="0"/>
               <a:t>end</a:t>
             </a:r>
+          </a:p>
+          <a:p>
             <a:endParaRPr lang="en-US" dirty="0"/>
           </a:p>
           <a:p>
-            <a:endParaRPr lang="en-US" dirty="0" smtClean="0"/>
-          </a:p>
-          <a:p>
-            <a:r>
-              <a:rPr lang="en-US" dirty="0" smtClean="0"/>
-              <a:t>describe </a:t>
-            </a:r>
-            <a:r>
-              <a:rPr lang="en-US" dirty="0"/>
-              <a:t>command(</a:t>
-            </a:r>
-            <a:r>
-              <a:rPr lang="en-US" dirty="0" smtClean="0"/>
-              <a:t>'curl http</a:t>
-            </a:r>
-            <a:r>
-              <a:rPr lang="en-US" dirty="0"/>
-              <a:t>://</a:t>
+            <a:r>
+              <a:rPr lang="en-US" dirty="0"/>
+              <a:t>describe command('curl http://</a:t>
             </a:r>
             <a:r>
               <a:rPr lang="en-US" dirty="0" err="1"/>
@@ -20835,12 +20518,8 @@
           </a:p>
           <a:p>
             <a:r>
-              <a:rPr lang="en-US" dirty="0" smtClean="0"/>
-              <a:t>  </a:t>
-            </a:r>
-            <a:r>
-              <a:rPr lang="en-US" dirty="0"/>
-              <a:t>its(:</a:t>
+              <a:rPr lang="en-US" dirty="0"/>
+              <a:t>  its(:</a:t>
             </a:r>
             <a:r>
               <a:rPr lang="en-US" dirty="0" err="1"/>
@@ -20848,30 +20527,21 @@
             </a:r>
             <a:r>
               <a:rPr lang="en-US" dirty="0"/>
-              <a:t>) { should match</a:t>
-            </a:r>
-            <a:r>
-              <a:rPr lang="en-US" dirty="0" smtClean="0"/>
-              <a:t>(/Welcome Home/) </a:t>
-            </a:r>
-            <a:r>
-              <a:rPr lang="en-US" dirty="0"/>
-              <a:t>}</a:t>
-            </a:r>
-          </a:p>
-          <a:p>
-            <a:r>
-              <a:rPr lang="en-US" dirty="0" smtClean="0"/>
+              <a:t>) { should match(/Welcome Home/) }</a:t>
+            </a:r>
+          </a:p>
+          <a:p>
+            <a:r>
+              <a:rPr lang="en-US" dirty="0"/>
               <a:t>end</a:t>
             </a:r>
+          </a:p>
+          <a:p>
             <a:endParaRPr lang="en-US" dirty="0"/>
           </a:p>
           <a:p>
             <a:endParaRPr lang="en-US" dirty="0"/>
           </a:p>
-          <a:p>
-            <a:endParaRPr lang="en-US" dirty="0"/>
-          </a:p>
         </p:txBody>
       </p:sp>
       <p:sp>
@@ -20890,11 +20560,11 @@
           <a:lstStyle/>
           <a:p>
             <a:r>
-              <a:rPr lang="en-US" dirty="0" smtClean="0"/>
+              <a:rPr lang="en-US" dirty="0"/>
               <a:t>~/apache/test/smoke/default/</a:t>
             </a:r>
             <a:r>
-              <a:rPr lang="en-US" dirty="0" err="1" smtClean="0"/>
+              <a:rPr lang="en-US" dirty="0" err="1"/>
               <a:t>default_test.rb</a:t>
             </a:r>
             <a:endParaRPr lang="en-US" dirty="0"/>
@@ -20922,10 +20592,9 @@
           <a:lstStyle/>
           <a:p>
             <a:r>
-              <a:rPr lang="en-US" dirty="0" smtClean="0"/>
+              <a:rPr lang="en-US" dirty="0"/>
               <a:t>+</a:t>
             </a:r>
-            <a:endParaRPr lang="en-US" dirty="0"/>
           </a:p>
         </p:txBody>
       </p:sp>
@@ -20942,13 +20611,6 @@
   <p:transition spd="med">
     <p:fade/>
   </p:transition>
-  <p:timing>
-    <p:tnLst>
-      <p:par>
-        <p:cTn id="1" dur="indefinite" restart="never" nodeType="tmRoot"/>
-      </p:par>
-    </p:tnLst>
-  </p:timing>
 </p:sld>
 </file>
 
@@ -20987,10 +20649,9 @@
           <a:lstStyle/>
           <a:p>
             <a:r>
-              <a:rPr lang="en-US" dirty="0" smtClean="0"/>
+              <a:rPr lang="en-US" dirty="0"/>
               <a:t>Build a Reliable Cookbook</a:t>
             </a:r>
-            <a:endParaRPr lang="en-US" dirty="0"/>
           </a:p>
         </p:txBody>
       </p:sp>
@@ -21010,10 +20671,9 @@
           <a:lstStyle/>
           <a:p>
             <a:r>
-              <a:rPr lang="en-US" dirty="0" smtClean="0"/>
+              <a:rPr lang="en-US" dirty="0"/>
               <a:t>This time it will be different.</a:t>
             </a:r>
-            <a:endParaRPr lang="en-US" dirty="0"/>
           </a:p>
         </p:txBody>
       </p:sp>
@@ -21047,12 +20707,8 @@
               <a:buChar char="ü"/>
             </a:pPr>
             <a:r>
-              <a:rPr lang="en-US" dirty="0" smtClean="0"/>
-              <a:t>Write </a:t>
-            </a:r>
-            <a:r>
-              <a:rPr lang="en-US" dirty="0"/>
-              <a:t>tests that verifies the cookbook does what we want it to do</a:t>
+              <a:rPr lang="en-US" dirty="0"/>
+              <a:t>Write tests that verifies the cookbook does what we want it to do</a:t>
             </a:r>
           </a:p>
           <a:p>
@@ -21100,13 +20756,6 @@
   <p:transition spd="med">
     <p:fade/>
   </p:transition>
-  <p:timing>
-    <p:tnLst>
-      <p:par>
-        <p:cTn id="1" dur="indefinite" restart="never" nodeType="tmRoot"/>
-      </p:par>
-    </p:tnLst>
-  </p:timing>
 </p:sld>
 </file>
 
@@ -21162,14 +20811,9 @@
           <a:lstStyle/>
           <a:p>
             <a:r>
-              <a:rPr lang="en-US" dirty="0" smtClean="0"/>
-              <a:t>&gt; cd </a:t>
-            </a:r>
-            <a:r>
-              <a:rPr lang="en-US" dirty="0" smtClean="0"/>
-              <a:t>apache</a:t>
-            </a:r>
-            <a:endParaRPr lang="en-US" dirty="0"/>
+              <a:rPr lang="en-US" dirty="0"/>
+              <a:t>&gt; cd apache</a:t>
+            </a:r>
           </a:p>
         </p:txBody>
       </p:sp>
@@ -21189,10 +20833,9 @@
           <a:lstStyle/>
           <a:p>
             <a:r>
-              <a:rPr lang="en-US" dirty="0" smtClean="0"/>
+              <a:rPr lang="en-US" dirty="0"/>
               <a:t>Move into the Cookbook Directory</a:t>
             </a:r>
-            <a:endParaRPr lang="en-US" dirty="0"/>
           </a:p>
         </p:txBody>
       </p:sp>
@@ -21209,13 +20852,6 @@
   <p:transition spd="med">
     <p:fade/>
   </p:transition>
-  <p:timing>
-    <p:tnLst>
-      <p:par>
-        <p:cTn id="1" dur="indefinite" restart="never" nodeType="tmRoot"/>
-      </p:par>
-    </p:tnLst>
-  </p:timing>
 </p:sld>
 </file>
 
@@ -21295,25 +20931,13 @@
           <a:p>
             <a:r>
               <a:rPr lang="en-US" dirty="0"/>
-              <a:t>  # You may wish to disable always updating cookbooks in CI </a:t>
-            </a:r>
-            <a:r>
-              <a:rPr lang="en-US" dirty="0" smtClean="0"/>
-              <a:t>or...</a:t>
-            </a:r>
-          </a:p>
-          <a:p>
-            <a:r>
-              <a:rPr lang="en-US" dirty="0" smtClean="0"/>
-              <a:t>  # </a:t>
-            </a:r>
-            <a:r>
-              <a:rPr lang="en-US" dirty="0"/>
-              <a:t>For example</a:t>
-            </a:r>
-            <a:r>
-              <a:rPr lang="en-US" dirty="0" smtClean="0"/>
-              <a:t>:</a:t>
+              <a:t>  # You may wish to disable always updating cookbooks in CI or...</a:t>
+            </a:r>
+          </a:p>
+          <a:p>
+            <a:r>
+              <a:rPr lang="en-US" dirty="0"/>
+              <a:t>  # For example:</a:t>
             </a:r>
           </a:p>
           <a:p>
@@ -21327,11 +20951,7 @@
             </a:r>
             <a:r>
               <a:rPr lang="en-US" dirty="0"/>
-              <a:t>: &lt;%= !ENV['CI'] </a:t>
-            </a:r>
-            <a:r>
-              <a:rPr lang="en-US" dirty="0" smtClean="0"/>
-              <a:t>%&gt;</a:t>
+              <a:t>: &lt;%= !ENV['CI'] %&gt;</a:t>
             </a:r>
           </a:p>
           <a:p>
@@ -21345,13 +20965,8 @@
             </a:r>
             <a:r>
               <a:rPr lang="en-US" dirty="0"/>
-              <a:t>: </a:t>
-            </a:r>
-            <a:r>
-              <a:rPr lang="en-US" dirty="0" smtClean="0"/>
-              <a:t>true</a:t>
-            </a:r>
-            <a:endParaRPr lang="en-US" dirty="0"/>
+              <a:t>: true</a:t>
+            </a:r>
           </a:p>
         </p:txBody>
       </p:sp>
@@ -21371,11 +20986,11 @@
           <a:lstStyle/>
           <a:p>
             <a:r>
-              <a:rPr lang="en-US" dirty="0" smtClean="0"/>
+              <a:rPr lang="en-US" dirty="0"/>
               <a:t>&gt; cat .</a:t>
             </a:r>
             <a:r>
-              <a:rPr lang="en-US" dirty="0" err="1" smtClean="0"/>
+              <a:rPr lang="en-US" dirty="0" err="1"/>
               <a:t>kitchen.yml</a:t>
             </a:r>
             <a:endParaRPr lang="en-US" dirty="0"/>
@@ -21400,10 +21015,9 @@
           <a:lstStyle/>
           <a:p>
             <a:r>
-              <a:rPr lang="en-US" dirty="0" smtClean="0"/>
+              <a:rPr lang="en-US" dirty="0"/>
               <a:t>Review the Existing Kitchen Configuration</a:t>
             </a:r>
-            <a:endParaRPr lang="en-US" dirty="0"/>
           </a:p>
         </p:txBody>
       </p:sp>
@@ -21420,13 +21034,6 @@
   <p:transition spd="med">
     <p:fade/>
   </p:transition>
-  <p:timing>
-    <p:tnLst>
-      <p:par>
-        <p:cTn id="1" dur="indefinite" restart="never" nodeType="tmRoot"/>
-      </p:par>
-    </p:tnLst>
-  </p:timing>
 </p:sld>
 </file>
 
@@ -21463,10 +21070,9 @@
           <a:lstStyle/>
           <a:p>
             <a:r>
-              <a:rPr lang="en-US" dirty="0" smtClean="0"/>
+              <a:rPr lang="en-US" dirty="0"/>
               <a:t>The Kitchen Driver</a:t>
             </a:r>
-            <a:endParaRPr lang="en-US" dirty="0"/>
           </a:p>
         </p:txBody>
       </p:sp>
@@ -21566,13 +21172,8 @@
           <a:p>
             <a:r>
               <a:rPr lang="en-US" dirty="0"/>
-              <a:t>  - name: </a:t>
-            </a:r>
-            <a:r>
-              <a:rPr lang="en-US" dirty="0" smtClean="0"/>
-              <a:t>centos-7.3</a:t>
-            </a:r>
-            <a:endParaRPr lang="en-US" dirty="0"/>
+              <a:t>  - name: centos-7.3</a:t>
+            </a:r>
           </a:p>
         </p:txBody>
       </p:sp>
@@ -21643,7 +21244,7 @@
         <p:spPr bwMode="auto">
           <a:xfrm>
             <a:off x="609600" y="2329103"/>
-            <a:ext cx="7311251" cy="642784"/>
+            <a:ext cx="7311251" cy="484435"/>
           </a:xfrm>
           <a:prstGeom prst="rect">
             <a:avLst/>
@@ -21687,7 +21288,7 @@
           <a:lstStyle/>
           <a:p>
             <a:pPr algn="ctr" defTabSz="914099"/>
-            <a:endParaRPr lang="en-US" sz="2400" dirty="0" err="1" smtClean="0">
+            <a:endParaRPr lang="en-US" sz="2400" dirty="0" err="1">
               <a:gradFill>
                 <a:gsLst>
                   <a:gs pos="0">
@@ -21716,13 +21317,6 @@
   <p:transition spd="med">
     <p:fade/>
   </p:transition>
-  <p:timing>
-    <p:tnLst>
-      <p:par>
-        <p:cTn id="1" dur="indefinite" restart="never" nodeType="tmRoot"/>
-      </p:par>
-    </p:tnLst>
-  </p:timing>
 </p:sld>
 </file>
 
@@ -21759,11 +21353,11 @@
           <a:lstStyle/>
           <a:p>
             <a:r>
-              <a:rPr lang="en-US" dirty="0" smtClean="0"/>
+              <a:rPr lang="en-US" dirty="0"/>
               <a:t>The Kitchen </a:t>
             </a:r>
             <a:r>
-              <a:rPr lang="en-US" dirty="0" err="1" smtClean="0"/>
+              <a:rPr lang="en-US" dirty="0" err="1"/>
               <a:t>Provisioner</a:t>
             </a:r>
             <a:endParaRPr lang="en-US" dirty="0"/>
@@ -21788,87 +21382,86 @@
           <a:lstStyle/>
           <a:p>
             <a:r>
-              <a:rPr lang="en-US" dirty="0" smtClean="0"/>
+              <a:rPr lang="en-US" dirty="0"/>
               <a:t>---</a:t>
             </a:r>
           </a:p>
           <a:p>
             <a:r>
-              <a:rPr lang="en-US" dirty="0" smtClean="0"/>
+              <a:rPr lang="en-US" dirty="0"/>
               <a:t>driver:</a:t>
             </a:r>
           </a:p>
           <a:p>
             <a:r>
-              <a:rPr lang="en-US" dirty="0" smtClean="0"/>
+              <a:rPr lang="en-US" dirty="0"/>
               <a:t>  name: vagrant</a:t>
             </a:r>
           </a:p>
           <a:p>
-            <a:endParaRPr lang="en-US" dirty="0" smtClean="0"/>
-          </a:p>
-          <a:p>
-            <a:r>
-              <a:rPr lang="en-US" dirty="0" err="1" smtClean="0"/>
+            <a:endParaRPr lang="en-US" dirty="0"/>
+          </a:p>
+          <a:p>
+            <a:r>
+              <a:rPr lang="en-US" dirty="0" err="1"/>
               <a:t>provisioner</a:t>
             </a:r>
             <a:r>
-              <a:rPr lang="en-US" dirty="0" smtClean="0"/>
+              <a:rPr lang="en-US" dirty="0"/>
               <a:t>:</a:t>
             </a:r>
           </a:p>
           <a:p>
             <a:r>
-              <a:rPr lang="en-US" dirty="0" smtClean="0"/>
+              <a:rPr lang="en-US" dirty="0"/>
               <a:t>  name: </a:t>
             </a:r>
             <a:r>
-              <a:rPr lang="en-US" dirty="0" err="1" smtClean="0"/>
+              <a:rPr lang="en-US" dirty="0" err="1"/>
               <a:t>chef_zero</a:t>
             </a:r>
-            <a:endParaRPr lang="en-US" dirty="0" smtClean="0"/>
-          </a:p>
-          <a:p>
-            <a:endParaRPr lang="en-US" dirty="0" smtClean="0"/>
-          </a:p>
-          <a:p>
-            <a:r>
-              <a:rPr lang="en-US" dirty="0" smtClean="0"/>
+            <a:endParaRPr lang="en-US" dirty="0"/>
+          </a:p>
+          <a:p>
+            <a:endParaRPr lang="en-US" dirty="0"/>
+          </a:p>
+          <a:p>
+            <a:r>
+              <a:rPr lang="en-US" dirty="0"/>
               <a:t>verifier:</a:t>
             </a:r>
           </a:p>
           <a:p>
             <a:r>
-              <a:rPr lang="en-US" dirty="0" smtClean="0"/>
+              <a:rPr lang="en-US" dirty="0"/>
               <a:t>  name: </a:t>
             </a:r>
             <a:r>
-              <a:rPr lang="en-US" dirty="0" err="1" smtClean="0"/>
+              <a:rPr lang="en-US" dirty="0" err="1"/>
               <a:t>inspec</a:t>
             </a:r>
-            <a:endParaRPr lang="en-US" dirty="0" smtClean="0"/>
-          </a:p>
-          <a:p>
-            <a:endParaRPr lang="en-US" dirty="0" smtClean="0"/>
-          </a:p>
-          <a:p>
-            <a:r>
-              <a:rPr lang="en-US" dirty="0" smtClean="0"/>
+            <a:endParaRPr lang="en-US" dirty="0"/>
+          </a:p>
+          <a:p>
+            <a:endParaRPr lang="en-US" dirty="0"/>
+          </a:p>
+          <a:p>
+            <a:r>
+              <a:rPr lang="en-US" dirty="0"/>
               <a:t>platforms:</a:t>
             </a:r>
           </a:p>
           <a:p>
             <a:r>
-              <a:rPr lang="en-US" dirty="0" smtClean="0"/>
+              <a:rPr lang="en-US" dirty="0"/>
               <a:t>  - name: ubuntu-16.04</a:t>
             </a:r>
           </a:p>
           <a:p>
             <a:r>
-              <a:rPr lang="en-US" dirty="0" smtClean="0"/>
+              <a:rPr lang="en-US" dirty="0"/>
               <a:t>  - name: centos-7.3</a:t>
             </a:r>
-            <a:endParaRPr lang="en-US" dirty="0"/>
           </a:p>
         </p:txBody>
       </p:sp>
@@ -21925,7 +21518,7 @@
         <p:spPr bwMode="auto">
           <a:xfrm>
             <a:off x="609600" y="3767161"/>
-            <a:ext cx="7311251" cy="642784"/>
+            <a:ext cx="7311251" cy="546931"/>
           </a:xfrm>
           <a:prstGeom prst="rect">
             <a:avLst/>
@@ -21969,7 +21562,7 @@
           <a:lstStyle/>
           <a:p>
             <a:pPr algn="ctr" defTabSz="914099"/>
-            <a:endParaRPr lang="en-US" sz="2400" dirty="0" err="1" smtClean="0">
+            <a:endParaRPr lang="en-US" sz="2400" dirty="0" err="1">
               <a:gradFill>
                 <a:gsLst>
                   <a:gs pos="0">
@@ -21998,13 +21591,6 @@
   <p:transition spd="med">
     <p:fade/>
   </p:transition>
-  <p:timing>
-    <p:tnLst>
-      <p:par>
-        <p:cTn id="1" dur="indefinite" restart="never" nodeType="tmRoot"/>
-      </p:par>
-    </p:tnLst>
-  </p:timing>
 </p:sld>
 </file>
 
@@ -22041,10 +21627,9 @@
           <a:lstStyle/>
           <a:p>
             <a:r>
-              <a:rPr lang="en-US" dirty="0" smtClean="0"/>
+              <a:rPr lang="en-US" dirty="0"/>
               <a:t>The Kitchen Verifier</a:t>
             </a:r>
-            <a:endParaRPr lang="en-US" dirty="0"/>
           </a:p>
         </p:txBody>
       </p:sp>
@@ -22144,13 +21729,8 @@
           <a:p>
             <a:r>
               <a:rPr lang="en-US" dirty="0"/>
-              <a:t>  - name: </a:t>
-            </a:r>
-            <a:r>
-              <a:rPr lang="en-US" dirty="0" smtClean="0"/>
-              <a:t>centos-7.3</a:t>
-            </a:r>
-            <a:endParaRPr lang="en-US" dirty="0"/>
+              <a:t>  - name: centos-7.3</a:t>
+            </a:r>
           </a:p>
         </p:txBody>
       </p:sp>
@@ -22170,7 +21750,7 @@
           <a:lstStyle/>
           <a:p>
             <a:r>
-              <a:rPr lang="en-US" dirty="0" smtClean="0"/>
+              <a:rPr lang="en-US" dirty="0"/>
               <a:t>This is the framework that is used to verify the state of the system meets the expectations defined.</a:t>
             </a:r>
             <a:endParaRPr lang="en-US" dirty="0">
@@ -22189,7 +21769,7 @@
         <p:spPr bwMode="auto">
           <a:xfrm>
             <a:off x="609600" y="5191715"/>
-            <a:ext cx="7311251" cy="658824"/>
+            <a:ext cx="7311251" cy="552593"/>
           </a:xfrm>
           <a:prstGeom prst="rect">
             <a:avLst/>
@@ -22233,7 +21813,7 @@
           <a:lstStyle/>
           <a:p>
             <a:pPr algn="ctr" defTabSz="914099"/>
-            <a:endParaRPr lang="en-US" sz="2400" dirty="0" err="1" smtClean="0">
+            <a:endParaRPr lang="en-US" sz="2400" dirty="0" err="1">
               <a:gradFill>
                 <a:gsLst>
                   <a:gs pos="0">
@@ -22262,13 +21842,6 @@
   <p:transition spd="med">
     <p:fade/>
   </p:transition>
-  <p:timing>
-    <p:tnLst>
-      <p:par>
-        <p:cTn id="1" dur="indefinite" restart="never" nodeType="tmRoot"/>
-      </p:par>
-    </p:tnLst>
-  </p:timing>
 </p:sld>
 </file>
 
@@ -22305,10 +21878,9 @@
           <a:lstStyle/>
           <a:p>
             <a:r>
-              <a:rPr lang="en-US" dirty="0" smtClean="0"/>
+              <a:rPr lang="en-US" dirty="0"/>
               <a:t>The Kitchen Platforms</a:t>
             </a:r>
-            <a:endParaRPr lang="en-US" dirty="0"/>
           </a:p>
         </p:txBody>
       </p:sp>
@@ -22408,13 +21980,8 @@
           <a:p>
             <a:r>
               <a:rPr lang="en-US" dirty="0"/>
-              <a:t>  - name: </a:t>
-            </a:r>
-            <a:r>
-              <a:rPr lang="en-US" dirty="0" smtClean="0"/>
-              <a:t>centos-7.3</a:t>
-            </a:r>
-            <a:endParaRPr lang="en-US" dirty="0"/>
+              <a:t>  - name: centos-7.3</a:t>
+            </a:r>
           </a:p>
         </p:txBody>
       </p:sp>
@@ -22434,7 +22001,7 @@
           <a:lstStyle/>
           <a:p>
             <a:r>
-              <a:rPr lang="en-US" dirty="0" smtClean="0"/>
+              <a:rPr lang="en-US" dirty="0"/>
               <a:t>This is a list of platforms on which we want to apply our recipes.</a:t>
             </a:r>
             <a:endParaRPr lang="en-US" dirty="0">
@@ -22453,7 +22020,7 @@
         <p:spPr bwMode="auto">
           <a:xfrm>
             <a:off x="609600" y="6705018"/>
-            <a:ext cx="7311251" cy="1334406"/>
+            <a:ext cx="7311251" cy="1090705"/>
           </a:xfrm>
           <a:prstGeom prst="rect">
             <a:avLst/>
@@ -22497,7 +22064,7 @@
           <a:lstStyle/>
           <a:p>
             <a:pPr algn="ctr" defTabSz="914099"/>
-            <a:endParaRPr lang="en-US" sz="2400" dirty="0" err="1" smtClean="0">
+            <a:endParaRPr lang="en-US" sz="2400" dirty="0" err="1">
               <a:gradFill>
                 <a:gsLst>
                   <a:gs pos="0">
@@ -22526,13 +22093,6 @@
   <p:transition spd="med">
     <p:fade/>
   </p:transition>
-  <p:timing>
-    <p:tnLst>
-      <p:par>
-        <p:cTn id="1" dur="indefinite" restart="never" nodeType="tmRoot"/>
-      </p:par>
-    </p:tnLst>
-  </p:timing>
 </p:sld>
 </file>
 
@@ -22571,10 +22131,9 @@
           <a:lstStyle/>
           <a:p>
             <a:r>
-              <a:rPr lang="en-US" sz="5400" dirty="0" smtClean="0"/>
+              <a:rPr lang="en-US" sz="5400" dirty="0"/>
               <a:t>Behavior Driven Development (BDD)</a:t>
             </a:r>
-            <a:endParaRPr lang="en-US" sz="5400" dirty="0"/>
           </a:p>
         </p:txBody>
       </p:sp>
@@ -22600,33 +22159,17 @@
           <a:p>
             <a:r>
               <a:rPr lang="en-US" dirty="0"/>
-              <a:t>Behavior-driven </a:t>
-            </a:r>
-            <a:r>
-              <a:rPr lang="en-US" dirty="0" smtClean="0"/>
-              <a:t>development (BDD) </a:t>
-            </a:r>
-            <a:r>
-              <a:rPr lang="en-US" dirty="0"/>
-              <a:t>specifies that tests of any unit of software should be specified in terms of the desired behavior of the </a:t>
-            </a:r>
-            <a:r>
-              <a:rPr lang="en-US" dirty="0" smtClean="0"/>
-              <a:t>unit.</a:t>
-            </a:r>
-            <a:endParaRPr lang="en-US" baseline="30000" dirty="0" smtClean="0"/>
-          </a:p>
-          <a:p>
+              <a:t>Behavior-driven development (BDD) specifies that tests of any unit of software should be specified in terms of the desired behavior of the unit.</a:t>
+            </a:r>
             <a:endParaRPr lang="en-US" baseline="30000" dirty="0"/>
           </a:p>
           <a:p>
-            <a:r>
-              <a:rPr lang="en-US" dirty="0" smtClean="0"/>
-              <a:t>Borrowing </a:t>
-            </a:r>
-            <a:r>
-              <a:rPr lang="en-US" dirty="0"/>
-              <a:t>from </a:t>
+            <a:endParaRPr lang="en-US" baseline="30000" dirty="0"/>
+          </a:p>
+          <a:p>
+            <a:r>
+              <a:rPr lang="en-US" dirty="0"/>
+              <a:t>Borrowing from </a:t>
             </a:r>
             <a:r>
               <a:rPr lang="en-US" dirty="0">
@@ -22646,31 +22189,18 @@
             </a:r>
             <a:r>
               <a:rPr lang="en-US" dirty="0"/>
-              <a:t> for whatever entity commissioned the software unit under </a:t>
-            </a:r>
-            <a:r>
-              <a:rPr lang="en-US" dirty="0" smtClean="0"/>
-              <a:t>construction.</a:t>
+              <a:t> for whatever entity commissioned the software unit under construction.</a:t>
             </a:r>
             <a:endParaRPr lang="en-US" baseline="30000" dirty="0"/>
           </a:p>
           <a:p>
-            <a:endParaRPr lang="en-US" baseline="30000" dirty="0" smtClean="0"/>
-          </a:p>
-          <a:p>
-            <a:r>
-              <a:rPr lang="en-US" dirty="0" smtClean="0"/>
-              <a:t>Within </a:t>
-            </a:r>
-            <a:r>
-              <a:rPr lang="en-US" dirty="0"/>
-              <a:t>BDD practice, this is referred to as BDD being an "outside-in" activity</a:t>
-            </a:r>
-            <a:r>
-              <a:rPr lang="en-US" dirty="0" smtClean="0"/>
-              <a:t>.</a:t>
-            </a:r>
-            <a:endParaRPr lang="en-US" dirty="0"/>
+            <a:endParaRPr lang="en-US" baseline="30000" dirty="0"/>
+          </a:p>
+          <a:p>
+            <a:r>
+              <a:rPr lang="en-US" dirty="0"/>
+              <a:t>Within BDD practice, this is referred to as BDD being an "outside-in" activity.</a:t>
+            </a:r>
           </a:p>
         </p:txBody>
       </p:sp>
@@ -22687,13 +22217,6 @@
   <p:transition spd="med">
     <p:fade/>
   </p:transition>
-  <p:timing>
-    <p:tnLst>
-      <p:par>
-        <p:cTn id="1" dur="indefinite" restart="never" nodeType="tmRoot"/>
-      </p:par>
-    </p:tnLst>
-  </p:timing>
 </p:sld>
 </file>
 
@@ -22730,10 +22253,9 @@
           <a:lstStyle/>
           <a:p>
             <a:r>
-              <a:rPr lang="en-US" dirty="0" smtClean="0"/>
+              <a:rPr lang="en-US" dirty="0"/>
               <a:t>The Kitchen Suites</a:t>
             </a:r>
-            <a:endParaRPr lang="en-US" dirty="0"/>
           </a:p>
         </p:txBody>
       </p:sp>
@@ -22771,13 +22293,8 @@
           <a:p>
             <a:r>
               <a:rPr lang="en-US" dirty="0"/>
-              <a:t>  - name: </a:t>
-            </a:r>
-            <a:r>
-              <a:rPr lang="en-US" dirty="0" smtClean="0"/>
-              <a:t>centos-7.3</a:t>
-            </a:r>
-            <a:endParaRPr lang="en-US" dirty="0"/>
+              <a:t>  - name: centos-7.3</a:t>
+            </a:r>
           </a:p>
           <a:p>
             <a:endParaRPr lang="en-US" dirty="0"/>
@@ -22811,15 +22328,7 @@
           <a:p>
             <a:r>
               <a:rPr lang="en-US" dirty="0"/>
-              <a:t>      - </a:t>
-            </a:r>
-            <a:r>
-              <a:rPr lang="en-US" dirty="0" smtClean="0"/>
-              <a:t>recipe[apache::</a:t>
-            </a:r>
-            <a:r>
-              <a:rPr lang="en-US" dirty="0"/>
-              <a:t>default]</a:t>
+              <a:t>      - recipe[apache::default]</a:t>
             </a:r>
           </a:p>
           <a:p>
@@ -22845,13 +22354,8 @@
           <a:p>
             <a:r>
               <a:rPr lang="en-US" dirty="0"/>
-              <a:t>        - </a:t>
-            </a:r>
-            <a:r>
-              <a:rPr lang="en-US" dirty="0" smtClean="0"/>
-              <a:t>test/smoke/default</a:t>
-            </a:r>
-            <a:endParaRPr lang="en-US" dirty="0"/>
+              <a:t>        - test/smoke/default</a:t>
+            </a:r>
           </a:p>
           <a:p>
             <a:r>
@@ -22900,7 +22404,7 @@
         </p:nvSpPr>
         <p:spPr bwMode="auto">
           <a:xfrm>
-            <a:off x="609600" y="4264278"/>
+            <a:off x="609600" y="4187560"/>
             <a:ext cx="7311251" cy="593710"/>
           </a:xfrm>
           <a:prstGeom prst="rect">
@@ -22945,7 +22449,7 @@
           <a:lstStyle/>
           <a:p>
             <a:pPr algn="ctr" defTabSz="914099"/>
-            <a:endParaRPr lang="en-US" sz="2400" dirty="0" err="1" smtClean="0">
+            <a:endParaRPr lang="en-US" sz="2400" dirty="0" err="1">
               <a:gradFill>
                 <a:gsLst>
                   <a:gs pos="0">
@@ -22974,13 +22478,6 @@
   <p:transition spd="med">
     <p:fade/>
   </p:transition>
-  <p:timing>
-    <p:tnLst>
-      <p:par>
-        <p:cTn id="1" dur="indefinite" restart="never" nodeType="tmRoot"/>
-      </p:par>
-    </p:tnLst>
-  </p:timing>
 </p:sld>
 </file>
 
@@ -23017,10 +22514,9 @@
           <a:lstStyle/>
           <a:p>
             <a:r>
-              <a:rPr lang="en-US" dirty="0" smtClean="0"/>
+              <a:rPr lang="en-US" dirty="0"/>
               <a:t>The Kitchen Suites' Run List</a:t>
             </a:r>
-            <a:endParaRPr lang="en-US" dirty="0"/>
           </a:p>
         </p:txBody>
       </p:sp>
@@ -23058,13 +22554,8 @@
           <a:p>
             <a:r>
               <a:rPr lang="en-US" dirty="0"/>
-              <a:t>  - name: </a:t>
-            </a:r>
-            <a:r>
-              <a:rPr lang="en-US" dirty="0" smtClean="0"/>
-              <a:t>centos-7.3</a:t>
-            </a:r>
-            <a:endParaRPr lang="en-US" dirty="0"/>
+              <a:t>  - name: centos-7.3</a:t>
+            </a:r>
           </a:p>
           <a:p>
             <a:endParaRPr lang="en-US" dirty="0"/>
@@ -23098,15 +22589,7 @@
           <a:p>
             <a:r>
               <a:rPr lang="en-US" dirty="0"/>
-              <a:t>      - </a:t>
-            </a:r>
-            <a:r>
-              <a:rPr lang="en-US" dirty="0" smtClean="0"/>
-              <a:t>recipe[apache::</a:t>
-            </a:r>
-            <a:r>
-              <a:rPr lang="en-US" dirty="0"/>
-              <a:t>default]</a:t>
+              <a:t>      - recipe[apache::default]</a:t>
             </a:r>
           </a:p>
           <a:p>
@@ -23132,13 +22615,8 @@
           <a:p>
             <a:r>
               <a:rPr lang="en-US" dirty="0"/>
-              <a:t>        - </a:t>
-            </a:r>
-            <a:r>
-              <a:rPr lang="en-US" dirty="0" smtClean="0"/>
-              <a:t>test/smoke/default</a:t>
-            </a:r>
-            <a:endParaRPr lang="en-US" dirty="0"/>
+              <a:t>        - test/smoke/default</a:t>
+            </a:r>
           </a:p>
           <a:p>
             <a:r>
@@ -23195,18 +22673,14 @@
               <a:t>Run the </a:t>
             </a:r>
             <a:r>
-              <a:rPr lang="en-US" dirty="0" smtClean="0">
+              <a:rPr lang="en-US" dirty="0">
                 <a:cs typeface="Courier New" panose="02070309020205020404" pitchFamily="49" charset="0"/>
               </a:rPr>
               <a:t>"apache"</a:t>
             </a:r>
             <a:r>
-              <a:rPr lang="en-US" dirty="0" smtClean="0"/>
-              <a:t> </a:t>
-            </a:r>
-            <a:r>
-              <a:rPr lang="en-US" dirty="0"/>
-              <a:t>cookbook's </a:t>
+              <a:rPr lang="en-US" dirty="0"/>
+              <a:t> cookbook's </a:t>
             </a:r>
             <a:r>
               <a:rPr lang="en-US" dirty="0">
@@ -23232,7 +22706,7 @@
         </p:nvSpPr>
         <p:spPr bwMode="auto">
           <a:xfrm>
-            <a:off x="609600" y="5199375"/>
+            <a:off x="609600" y="5175929"/>
             <a:ext cx="7311251" cy="593710"/>
           </a:xfrm>
           <a:prstGeom prst="rect">
@@ -23277,7 +22751,7 @@
           <a:lstStyle/>
           <a:p>
             <a:pPr algn="ctr" defTabSz="914099"/>
-            <a:endParaRPr lang="en-US" sz="2400" dirty="0" err="1" smtClean="0">
+            <a:endParaRPr lang="en-US" sz="2400" dirty="0" err="1">
               <a:gradFill>
                 <a:gsLst>
                   <a:gs pos="0">
@@ -23306,13 +22780,6 @@
   <p:transition spd="med">
     <p:fade/>
   </p:transition>
-  <p:timing>
-    <p:tnLst>
-      <p:par>
-        <p:cTn id="1" dur="indefinite" restart="never" nodeType="tmRoot"/>
-      </p:par>
-    </p:tnLst>
-  </p:timing>
 </p:sld>
 </file>
 
@@ -23349,10 +22816,9 @@
           <a:lstStyle/>
           <a:p>
             <a:r>
-              <a:rPr lang="en-US" dirty="0" smtClean="0"/>
+              <a:rPr lang="en-US" dirty="0"/>
               <a:t>The Kitchen Suites' Tests</a:t>
             </a:r>
-            <a:endParaRPr lang="en-US" dirty="0"/>
           </a:p>
         </p:txBody>
       </p:sp>
@@ -23390,13 +22856,8 @@
           <a:p>
             <a:r>
               <a:rPr lang="en-US" dirty="0"/>
-              <a:t>  - name: </a:t>
-            </a:r>
-            <a:r>
-              <a:rPr lang="en-US" dirty="0" smtClean="0"/>
-              <a:t>centos-7.3</a:t>
-            </a:r>
-            <a:endParaRPr lang="en-US" dirty="0"/>
+              <a:t>  - name: centos-7.3</a:t>
+            </a:r>
           </a:p>
           <a:p>
             <a:endParaRPr lang="en-US" dirty="0"/>
@@ -23430,15 +22891,7 @@
           <a:p>
             <a:r>
               <a:rPr lang="en-US" dirty="0"/>
-              <a:t>      - </a:t>
-            </a:r>
-            <a:r>
-              <a:rPr lang="en-US" dirty="0" smtClean="0"/>
-              <a:t>recipe[apache::</a:t>
-            </a:r>
-            <a:r>
-              <a:rPr lang="en-US" dirty="0"/>
-              <a:t>default]</a:t>
+              <a:t>      - recipe[apache::default]</a:t>
             </a:r>
           </a:p>
           <a:p>
@@ -23464,13 +22917,8 @@
           <a:p>
             <a:r>
               <a:rPr lang="en-US" dirty="0"/>
-              <a:t>        - </a:t>
-            </a:r>
-            <a:r>
-              <a:rPr lang="en-US" dirty="0" smtClean="0"/>
-              <a:t>test/smoke/default</a:t>
-            </a:r>
-            <a:endParaRPr lang="en-US" dirty="0"/>
+              <a:t>        - test/smoke/default</a:t>
+            </a:r>
           </a:p>
           <a:p>
             <a:r>
@@ -23496,18 +22944,17 @@
           <a:lstStyle/>
           <a:p>
             <a:r>
-              <a:rPr lang="en-US" dirty="0" smtClean="0"/>
+              <a:rPr lang="en-US" dirty="0"/>
               <a:t>This is the path where the </a:t>
             </a:r>
             <a:r>
-              <a:rPr lang="en-US" dirty="0" err="1" smtClean="0"/>
+              <a:rPr lang="en-US" dirty="0" err="1"/>
               <a:t>InSpec</a:t>
             </a:r>
             <a:r>
-              <a:rPr lang="en-US" dirty="0" smtClean="0"/>
+              <a:rPr lang="en-US" dirty="0"/>
               <a:t> tests can be found.</a:t>
             </a:r>
-            <a:endParaRPr lang="en-US" dirty="0"/>
           </a:p>
         </p:txBody>
       </p:sp>
@@ -23564,7 +23011,7 @@
           <a:lstStyle/>
           <a:p>
             <a:pPr algn="ctr" defTabSz="914099"/>
-            <a:endParaRPr lang="en-US" sz="2400" dirty="0" err="1" smtClean="0">
+            <a:endParaRPr lang="en-US" sz="2400" dirty="0" err="1">
               <a:gradFill>
                 <a:gsLst>
                   <a:gs pos="0">
@@ -23593,13 +23040,6 @@
   <p:transition spd="med">
     <p:fade/>
   </p:transition>
-  <p:timing>
-    <p:tnLst>
-      <p:par>
-        <p:cTn id="1" dur="indefinite" restart="never" nodeType="tmRoot"/>
-      </p:par>
-    </p:tnLst>
-  </p:timing>
 </p:sld>
 </file>
 
@@ -23638,10 +23078,9 @@
           <a:lstStyle/>
           <a:p>
             <a:r>
-              <a:rPr lang="en-US" sz="4800" dirty="0" smtClean="0"/>
+              <a:rPr lang="en-US" sz="4800" dirty="0"/>
               <a:t>Remove Settings from the Kitchen Configuration</a:t>
             </a:r>
-            <a:endParaRPr lang="en-US" sz="4800" dirty="0"/>
           </a:p>
         </p:txBody>
       </p:sp>
@@ -23741,13 +23180,8 @@
           <a:p>
             <a:r>
               <a:rPr lang="en-US" dirty="0"/>
-              <a:t>  - name: </a:t>
-            </a:r>
-            <a:r>
-              <a:rPr lang="en-US" dirty="0" smtClean="0"/>
-              <a:t>centos-7.3</a:t>
-            </a:r>
-            <a:endParaRPr lang="en-US" dirty="0"/>
+              <a:t>  - name: centos-7.3</a:t>
+            </a:r>
           </a:p>
         </p:txBody>
       </p:sp>
@@ -23767,11 +23201,11 @@
           <a:lstStyle/>
           <a:p>
             <a:r>
-              <a:rPr lang="en-US" dirty="0" smtClean="0"/>
+              <a:rPr lang="en-US" dirty="0"/>
               <a:t>~/apache/.</a:t>
             </a:r>
             <a:r>
-              <a:rPr lang="en-US" dirty="0" err="1" smtClean="0"/>
+              <a:rPr lang="en-US" dirty="0" err="1"/>
               <a:t>kitchen.yml</a:t>
             </a:r>
             <a:endParaRPr lang="en-US" dirty="0"/>
@@ -23799,10 +23233,9 @@
           <a:lstStyle/>
           <a:p>
             <a:r>
-              <a:rPr lang="en-US" dirty="0" smtClean="0"/>
+              <a:rPr lang="en-US" dirty="0"/>
               <a:t>-</a:t>
             </a:r>
-            <a:endParaRPr lang="en-US" dirty="0"/>
           </a:p>
         </p:txBody>
       </p:sp>
@@ -23856,7 +23289,7 @@
           <a:p>
             <a:pPr algn="r" defTabSz="914099"/>
             <a:r>
-              <a:rPr lang="en-US" sz="4720" dirty="0" smtClean="0">
+              <a:rPr lang="en-US" sz="4720" dirty="0">
                 <a:solidFill>
                   <a:schemeClr val="tx2"/>
                 </a:solidFill>
@@ -23881,13 +23314,6 @@
   <p:transition spd="med">
     <p:fade/>
   </p:transition>
-  <p:timing>
-    <p:tnLst>
-      <p:par>
-        <p:cTn id="1" dur="indefinite" restart="never" nodeType="tmRoot"/>
-      </p:par>
-    </p:tnLst>
-  </p:timing>
 </p:sld>
 </file>
 
@@ -23924,10 +23350,9 @@
           <a:lstStyle/>
           <a:p>
             <a:r>
-              <a:rPr lang="en-US" dirty="0" smtClean="0"/>
+              <a:rPr lang="en-US" dirty="0"/>
               <a:t>Add Settings to the Kitchen Configuration</a:t>
             </a:r>
-            <a:endParaRPr lang="en-US" dirty="0"/>
           </a:p>
         </p:txBody>
       </p:sp>
@@ -23965,7 +23390,7 @@
               <a:t>  name: </a:t>
             </a:r>
             <a:r>
-              <a:rPr lang="en-US" dirty="0" err="1" smtClean="0"/>
+              <a:rPr lang="en-US" dirty="0" err="1"/>
               <a:t>docker</a:t>
             </a:r>
             <a:endParaRPr lang="en-US" dirty="0"/>
@@ -24026,13 +23451,8 @@
           <a:p>
             <a:r>
               <a:rPr lang="en-US" dirty="0"/>
-              <a:t>  - name: </a:t>
-            </a:r>
-            <a:r>
-              <a:rPr lang="en-US" dirty="0" smtClean="0"/>
-              <a:t>centos-6.7</a:t>
-            </a:r>
-            <a:endParaRPr lang="en-US" dirty="0"/>
+              <a:t>  - name: centos-6.9</a:t>
+            </a:r>
           </a:p>
         </p:txBody>
       </p:sp>
@@ -24052,11 +23472,11 @@
           <a:lstStyle/>
           <a:p>
             <a:r>
-              <a:rPr lang="en-US" dirty="0" smtClean="0"/>
+              <a:rPr lang="en-US" dirty="0"/>
               <a:t>~/apache/.</a:t>
             </a:r>
             <a:r>
-              <a:rPr lang="en-US" dirty="0" err="1" smtClean="0"/>
+              <a:rPr lang="en-US" dirty="0" err="1"/>
               <a:t>kitchen.yml</a:t>
             </a:r>
             <a:endParaRPr lang="en-US" dirty="0"/>
@@ -24136,7 +23556,7 @@
           <a:lstStyle/>
           <a:p>
             <a:pPr algn="ctr" defTabSz="914099"/>
-            <a:endParaRPr lang="en-US" sz="2400" dirty="0" err="1" smtClean="0">
+            <a:endParaRPr lang="en-US" sz="2400" dirty="0" err="1">
               <a:gradFill>
                 <a:gsLst>
                   <a:gs pos="0">
@@ -24165,13 +23585,6 @@
   <p:transition spd="med">
     <p:fade/>
   </p:transition>
-  <p:timing>
-    <p:tnLst>
-      <p:par>
-        <p:cTn id="1" dur="indefinite" restart="never" nodeType="tmRoot"/>
-      </p:par>
-    </p:tnLst>
-  </p:timing>
 </p:sld>
 </file>
 
@@ -24210,10 +23623,9 @@
           <a:lstStyle/>
           <a:p>
             <a:r>
-              <a:rPr lang="en-US" dirty="0" smtClean="0"/>
+              <a:rPr lang="en-US" dirty="0"/>
               <a:t>Kitchen List</a:t>
             </a:r>
-            <a:endParaRPr lang="en-US" dirty="0"/>
           </a:p>
         </p:txBody>
       </p:sp>
@@ -24238,23 +23650,23 @@
           <a:lstStyle/>
           <a:p>
             <a:r>
-              <a:rPr lang="en-US" dirty="0" smtClean="0"/>
+              <a:rPr lang="en-US" dirty="0"/>
               <a:t>Kitchen defines a list of instances, or test matrix, based on the </a:t>
             </a:r>
             <a:r>
-              <a:rPr lang="en-US" b="1" dirty="0" smtClean="0"/>
+              <a:rPr lang="en-US" b="1" dirty="0"/>
               <a:t>platforms</a:t>
             </a:r>
             <a:r>
-              <a:rPr lang="en-US" dirty="0" smtClean="0"/>
+              <a:rPr lang="en-US" dirty="0"/>
               <a:t> multiplied by the </a:t>
             </a:r>
             <a:r>
-              <a:rPr lang="en-US" b="1" dirty="0" smtClean="0"/>
+              <a:rPr lang="en-US" b="1" dirty="0"/>
               <a:t>suites</a:t>
             </a:r>
             <a:r>
-              <a:rPr lang="en-US" dirty="0" smtClean="0"/>
+              <a:rPr lang="en-US" dirty="0"/>
               <a:t>.</a:t>
             </a:r>
           </a:p>
@@ -24318,13 +23730,6 @@
   <p:transition spd="med">
     <p:fade/>
   </p:transition>
-  <p:timing>
-    <p:tnLst>
-      <p:par>
-        <p:cTn id="1" dur="indefinite" restart="never" nodeType="tmRoot"/>
-      </p:par>
-    </p:tnLst>
-  </p:timing>
 </p:sld>
 </file>
 
@@ -24376,15 +23781,7 @@
           <a:p>
             <a:r>
               <a:rPr lang="en-US" sz="2400" dirty="0"/>
-              <a:t>default-centos-67  </a:t>
-            </a:r>
-            <a:r>
-              <a:rPr lang="en-US" sz="2400" dirty="0" err="1"/>
-              <a:t>Docker</a:t>
-            </a:r>
-            <a:r>
-              <a:rPr lang="en-US" sz="2400" dirty="0"/>
-              <a:t>  </a:t>
+              <a:t>default-centos-69  Docker  </a:t>
             </a:r>
             <a:r>
               <a:rPr lang="en-US" sz="2400" dirty="0" err="1"/>
@@ -24395,11 +23792,11 @@
               <a:t>     </a:t>
             </a:r>
             <a:r>
-              <a:rPr lang="en-US" sz="2400" dirty="0" err="1" smtClean="0"/>
+              <a:rPr lang="en-US" sz="2400" dirty="0" err="1"/>
               <a:t>InSpec</a:t>
             </a:r>
             <a:r>
-              <a:rPr lang="en-US" sz="2400" dirty="0" smtClean="0"/>
+              <a:rPr lang="en-US" sz="2400" dirty="0"/>
               <a:t>    </a:t>
             </a:r>
             <a:r>
@@ -24429,10 +23826,9 @@
           <a:lstStyle/>
           <a:p>
             <a:r>
-              <a:rPr lang="en-US" dirty="0" smtClean="0"/>
+              <a:rPr lang="en-US" dirty="0"/>
               <a:t>&gt; kitchen list</a:t>
             </a:r>
-            <a:endParaRPr lang="en-US" dirty="0"/>
           </a:p>
         </p:txBody>
       </p:sp>
@@ -24476,10 +23872,9 @@
           <a:lstStyle/>
           <a:p>
             <a:r>
-              <a:rPr lang="en-US" dirty="0" smtClean="0"/>
+              <a:rPr lang="en-US" dirty="0"/>
               <a:t>View the Test Matrix for Test Kitchen</a:t>
             </a:r>
-            <a:endParaRPr lang="en-US" dirty="0"/>
           </a:p>
         </p:txBody>
       </p:sp>
@@ -24496,13 +23891,6 @@
   <p:transition spd="med">
     <p:fade/>
   </p:transition>
-  <p:timing>
-    <p:tnLst>
-      <p:par>
-        <p:cTn id="1" dur="indefinite" restart="never" nodeType="tmRoot"/>
-      </p:par>
-    </p:tnLst>
-  </p:timing>
 </p:sld>
 </file>
 
@@ -24541,10 +23929,9 @@
           <a:lstStyle/>
           <a:p>
             <a:r>
-              <a:rPr lang="en-US" dirty="0" smtClean="0"/>
+              <a:rPr lang="en-US" dirty="0"/>
               <a:t>Kitchen Create</a:t>
             </a:r>
-            <a:endParaRPr lang="en-US" dirty="0"/>
           </a:p>
         </p:txBody>
       </p:sp>
@@ -24592,7 +23979,7 @@
               <a:t>INSTANCE|REGEXP|all</a:t>
             </a:r>
             <a:r>
-              <a:rPr lang="en-US" b="1" dirty="0" smtClean="0">
+              <a:rPr lang="en-US" b="1" dirty="0">
                 <a:solidFill>
                   <a:schemeClr val="bg1"/>
                 </a:solidFill>
@@ -24601,13 +23988,6 @@
               </a:rPr>
               <a:t>]</a:t>
             </a:r>
-            <a:endParaRPr lang="en-US" b="1" dirty="0">
-              <a:solidFill>
-                <a:schemeClr val="bg1"/>
-              </a:solidFill>
-              <a:latin typeface="Courier New" panose="02070309020205020404" pitchFamily="49" charset="0"/>
-              <a:cs typeface="Courier New" panose="02070309020205020404" pitchFamily="49" charset="0"/>
-            </a:endParaRPr>
           </a:p>
         </p:txBody>
       </p:sp>
@@ -24693,7 +24073,7 @@
           <a:p>
             <a:pPr algn="ctr" defTabSz="914099"/>
             <a:r>
-              <a:rPr lang="en-US" b="1" dirty="0" smtClean="0">
+              <a:rPr lang="en-US" b="1" dirty="0">
                 <a:gradFill>
                   <a:gsLst>
                     <a:gs pos="0">
@@ -24709,7 +24089,7 @@
               <a:t>Create </a:t>
             </a:r>
             <a:r>
-              <a:rPr lang="en-US" b="1" dirty="0" err="1" smtClean="0">
+              <a:rPr lang="en-US" b="1" dirty="0" err="1">
                 <a:gradFill>
                   <a:gsLst>
                     <a:gs pos="0">
@@ -24725,7 +24105,7 @@
               <a:t>CentOS</a:t>
             </a:r>
             <a:r>
-              <a:rPr lang="en-US" b="1" dirty="0" smtClean="0">
+              <a:rPr lang="en-US" b="1" dirty="0">
                 <a:gradFill>
                   <a:gsLst>
                     <a:gs pos="0">
@@ -24740,7 +24120,7 @@
               </a:rPr>
               <a:t> Instance</a:t>
             </a:r>
-            <a:endParaRPr lang="en-US" sz="2400" b="1" dirty="0" smtClean="0">
+            <a:endParaRPr lang="en-US" sz="2400" b="1" dirty="0">
               <a:gradFill>
                 <a:gsLst>
                   <a:gs pos="0">
@@ -24957,18 +24337,11 @@
           </a:lstStyle>
           <a:p>
             <a:r>
-              <a:rPr lang="en-US" b="1" dirty="0" smtClean="0">
-                <a:latin typeface="Courier New" panose="02070309020205020404" pitchFamily="49" charset="0"/>
-                <a:cs typeface="Courier New" panose="02070309020205020404" pitchFamily="49" charset="0"/>
-              </a:rPr>
-              <a:t>Create </a:t>
-            </a:r>
-            <a:r>
               <a:rPr lang="en-US" b="1" dirty="0">
                 <a:latin typeface="Courier New" panose="02070309020205020404" pitchFamily="49" charset="0"/>
                 <a:cs typeface="Courier New" panose="02070309020205020404" pitchFamily="49" charset="0"/>
               </a:rPr>
-              <a:t>one or more instances.</a:t>
+              <a:t>Create one or more instances.</a:t>
             </a:r>
           </a:p>
         </p:txBody>
@@ -24986,13 +24359,6 @@
   <p:transition spd="med">
     <p:fade/>
   </p:transition>
-  <p:timing>
-    <p:tnLst>
-      <p:par>
-        <p:cTn id="1" dur="indefinite" restart="never" nodeType="tmRoot"/>
-      </p:par>
-    </p:tnLst>
-  </p:timing>
 </p:sld>
 </file>
 
@@ -25031,10 +24397,9 @@
           <a:lstStyle/>
           <a:p>
             <a:r>
-              <a:rPr lang="en-US" dirty="0" smtClean="0"/>
+              <a:rPr lang="en-US" dirty="0"/>
               <a:t>Kitchen Converge</a:t>
             </a:r>
-            <a:endParaRPr lang="en-US" dirty="0"/>
           </a:p>
         </p:txBody>
       </p:sp>
@@ -25395,7 +24760,7 @@
           <a:p>
             <a:pPr algn="ctr" defTabSz="914099"/>
             <a:r>
-              <a:rPr lang="en-US" b="1" dirty="0" smtClean="0">
+              <a:rPr lang="en-US" b="1" dirty="0">
                 <a:gradFill>
                   <a:gsLst>
                     <a:gs pos="0">
@@ -25411,7 +24776,7 @@
               <a:t>Create </a:t>
             </a:r>
             <a:r>
-              <a:rPr lang="en-US" b="1" dirty="0" err="1" smtClean="0">
+              <a:rPr lang="en-US" b="1" dirty="0" err="1">
                 <a:gradFill>
                   <a:gsLst>
                     <a:gs pos="0">
@@ -25427,7 +24792,7 @@
               <a:t>CentOS</a:t>
             </a:r>
             <a:r>
-              <a:rPr lang="en-US" b="1" dirty="0" smtClean="0">
+              <a:rPr lang="en-US" b="1" dirty="0">
                 <a:gradFill>
                   <a:gsLst>
                     <a:gs pos="0">
@@ -25442,7 +24807,7 @@
               </a:rPr>
               <a:t> Instance</a:t>
             </a:r>
-            <a:endParaRPr lang="en-US" sz="2400" b="1" dirty="0" smtClean="0">
+            <a:endParaRPr lang="en-US" sz="2400" b="1" dirty="0">
               <a:gradFill>
                 <a:gsLst>
                   <a:gs pos="0">
@@ -25512,7 +24877,7 @@
           <a:p>
             <a:pPr algn="ctr" defTabSz="914099"/>
             <a:r>
-              <a:rPr lang="en-US" b="1" dirty="0" smtClean="0">
+              <a:rPr lang="en-US" b="1" dirty="0">
                 <a:gradFill>
                   <a:gsLst>
                     <a:gs pos="0">
@@ -25527,7 +24892,7 @@
               </a:rPr>
               <a:t>Install Chef</a:t>
             </a:r>
-            <a:endParaRPr lang="en-US" sz="2400" b="1" dirty="0" smtClean="0">
+            <a:endParaRPr lang="en-US" sz="2400" b="1" dirty="0">
               <a:gradFill>
                 <a:gsLst>
                   <a:gs pos="0">
@@ -25597,7 +24962,7 @@
           <a:p>
             <a:pPr algn="ctr" defTabSz="914099"/>
             <a:r>
-              <a:rPr lang="en-US" b="1" dirty="0" smtClean="0">
+              <a:rPr lang="en-US" b="1" dirty="0">
                 <a:gradFill>
                   <a:gsLst>
                     <a:gs pos="0">
@@ -25612,7 +24977,7 @@
               </a:rPr>
               <a:t>Apply the Run List</a:t>
             </a:r>
-            <a:endParaRPr lang="en-US" sz="2400" b="1" dirty="0" smtClean="0">
+            <a:endParaRPr lang="en-US" sz="2400" b="1" dirty="0">
               <a:gradFill>
                 <a:gsLst>
                   <a:gs pos="0">
@@ -25685,7 +25050,7 @@
           <a:lstStyle/>
           <a:p>
             <a:pPr algn="ctr" defTabSz="914099"/>
-            <a:endParaRPr lang="en-US" sz="2400" dirty="0" err="1" smtClean="0">
+            <a:endParaRPr lang="en-US" sz="2400" dirty="0" err="1">
               <a:gradFill>
                 <a:gsLst>
                   <a:gs pos="0">
@@ -25758,7 +25123,7 @@
           <a:lstStyle/>
           <a:p>
             <a:pPr algn="ctr" defTabSz="914099"/>
-            <a:endParaRPr lang="en-US" sz="2400" dirty="0" err="1" smtClean="0">
+            <a:endParaRPr lang="en-US" sz="2400" dirty="0" err="1">
               <a:gradFill>
                 <a:gsLst>
                   <a:gs pos="0">
@@ -25787,13 +25152,6 @@
   <p:transition spd="med">
     <p:fade/>
   </p:transition>
-  <p:timing>
-    <p:tnLst>
-      <p:par>
-        <p:cTn id="1" dur="indefinite" restart="never" nodeType="tmRoot"/>
-      </p:par>
-    </p:tnLst>
-  </p:timing>
 </p:sld>
 </file>
 
@@ -25832,10 +25190,9 @@
           <a:lstStyle/>
           <a:p>
             <a:r>
-              <a:rPr lang="en-US" dirty="0" smtClean="0"/>
+              <a:rPr lang="en-US" dirty="0"/>
               <a:t>Kitchen Verify</a:t>
             </a:r>
-            <a:endParaRPr lang="en-US" dirty="0"/>
           </a:p>
         </p:txBody>
       </p:sp>
@@ -25870,20 +25227,10 @@
                 <a:latin typeface="Courier New" panose="02070309020205020404" pitchFamily="49" charset="0"/>
                 <a:cs typeface="Courier New" panose="02070309020205020404" pitchFamily="49" charset="0"/>
               </a:rPr>
-              <a:t>$ kitchen </a:t>
-            </a:r>
-            <a:r>
-              <a:rPr lang="en-US" b="1" dirty="0" smtClean="0">
-                <a:solidFill>
-                  <a:schemeClr val="bg1"/>
-                </a:solidFill>
-                <a:latin typeface="Courier New" panose="02070309020205020404" pitchFamily="49" charset="0"/>
-                <a:cs typeface="Courier New" panose="02070309020205020404" pitchFamily="49" charset="0"/>
-              </a:rPr>
-              <a:t>verify [</a:t>
-            </a:r>
-            <a:r>
-              <a:rPr lang="en-US" b="1" dirty="0" err="1" smtClean="0">
+              <a:t>$ kitchen verify [</a:t>
+            </a:r>
+            <a:r>
+              <a:rPr lang="en-US" b="1" dirty="0" err="1">
                 <a:solidFill>
                   <a:schemeClr val="bg1"/>
                 </a:solidFill>
@@ -25987,7 +25334,7 @@
           <a:p>
             <a:pPr algn="ctr" defTabSz="914099"/>
             <a:r>
-              <a:rPr lang="en-US" b="1" dirty="0" smtClean="0">
+              <a:rPr lang="en-US" b="1" dirty="0">
                 <a:gradFill>
                   <a:gsLst>
                     <a:gs pos="0">
@@ -26003,7 +25350,7 @@
               <a:t>Create </a:t>
             </a:r>
             <a:r>
-              <a:rPr lang="en-US" b="1" dirty="0" err="1" smtClean="0">
+              <a:rPr lang="en-US" b="1" dirty="0" err="1">
                 <a:gradFill>
                   <a:gsLst>
                     <a:gs pos="0">
@@ -26019,7 +25366,7 @@
               <a:t>CentOS</a:t>
             </a:r>
             <a:r>
-              <a:rPr lang="en-US" b="1" dirty="0" smtClean="0">
+              <a:rPr lang="en-US" b="1" dirty="0">
                 <a:gradFill>
                   <a:gsLst>
                     <a:gs pos="0">
@@ -26034,7 +25381,7 @@
               </a:rPr>
               <a:t> Instance</a:t>
             </a:r>
-            <a:endParaRPr lang="en-US" sz="2400" b="1" dirty="0" smtClean="0">
+            <a:endParaRPr lang="en-US" sz="2400" b="1" dirty="0">
               <a:gradFill>
                 <a:gsLst>
                   <a:gs pos="0">
@@ -26323,7 +25670,7 @@
           <a:p>
             <a:pPr algn="ctr" defTabSz="914099"/>
             <a:r>
-              <a:rPr lang="en-US" b="1" dirty="0" smtClean="0">
+              <a:rPr lang="en-US" b="1" dirty="0">
                 <a:gradFill>
                   <a:gsLst>
                     <a:gs pos="0">
@@ -26338,7 +25685,7 @@
               </a:rPr>
               <a:t>Install Chef</a:t>
             </a:r>
-            <a:endParaRPr lang="en-US" sz="2400" b="1" dirty="0" smtClean="0">
+            <a:endParaRPr lang="en-US" sz="2400" b="1" dirty="0">
               <a:gradFill>
                 <a:gsLst>
                   <a:gs pos="0">
@@ -26408,7 +25755,7 @@
           <a:p>
             <a:pPr algn="ctr" defTabSz="914099"/>
             <a:r>
-              <a:rPr lang="en-US" b="1" dirty="0" smtClean="0">
+              <a:rPr lang="en-US" b="1" dirty="0">
                 <a:gradFill>
                   <a:gsLst>
                     <a:gs pos="0">
@@ -26423,7 +25770,7 @@
               </a:rPr>
               <a:t>Apply the Run List</a:t>
             </a:r>
-            <a:endParaRPr lang="en-US" sz="2400" b="1" dirty="0" smtClean="0">
+            <a:endParaRPr lang="en-US" sz="2400" b="1" dirty="0">
               <a:gradFill>
                 <a:gsLst>
                   <a:gs pos="0">
@@ -26493,7 +25840,7 @@
           <a:p>
             <a:pPr algn="ctr" defTabSz="914099"/>
             <a:r>
-              <a:rPr lang="en-US" b="1" smtClean="0">
+              <a:rPr lang="en-US" b="1">
                 <a:gradFill>
                   <a:gsLst>
                     <a:gs pos="0">
@@ -26508,7 +25855,7 @@
               </a:rPr>
               <a:t>Execute Tests</a:t>
             </a:r>
-            <a:endParaRPr lang="en-US" sz="2400" b="1" dirty="0" smtClean="0">
+            <a:endParaRPr lang="en-US" sz="2400" b="1" dirty="0">
               <a:gradFill>
                 <a:gsLst>
                   <a:gs pos="0">
@@ -26581,7 +25928,7 @@
           <a:lstStyle/>
           <a:p>
             <a:pPr algn="ctr" defTabSz="914099"/>
-            <a:endParaRPr lang="en-US" sz="2400" dirty="0" err="1" smtClean="0">
+            <a:endParaRPr lang="en-US" sz="2400" dirty="0" err="1">
               <a:gradFill>
                 <a:gsLst>
                   <a:gs pos="0">
@@ -26654,7 +26001,7 @@
           <a:lstStyle/>
           <a:p>
             <a:pPr algn="ctr" defTabSz="914099"/>
-            <a:endParaRPr lang="en-US" sz="2400" dirty="0" err="1" smtClean="0">
+            <a:endParaRPr lang="en-US" sz="2400" dirty="0" err="1">
               <a:gradFill>
                 <a:gsLst>
                   <a:gs pos="0">
@@ -26727,7 +26074,7 @@
           <a:lstStyle/>
           <a:p>
             <a:pPr algn="ctr" defTabSz="914099"/>
-            <a:endParaRPr lang="en-US" sz="2400" dirty="0" err="1" smtClean="0">
+            <a:endParaRPr lang="en-US" sz="2400" dirty="0" err="1">
               <a:gradFill>
                 <a:gsLst>
                   <a:gs pos="0">
@@ -26756,13 +26103,6 @@
   <p:transition spd="med">
     <p:fade/>
   </p:transition>
-  <p:timing>
-    <p:tnLst>
-      <p:par>
-        <p:cTn id="1" dur="indefinite" restart="never" nodeType="tmRoot"/>
-      </p:par>
-    </p:tnLst>
-  </p:timing>
 </p:sld>
 </file>
 
@@ -26801,10 +26141,9 @@
           <a:lstStyle/>
           <a:p>
             <a:r>
-              <a:rPr lang="en-US" dirty="0" smtClean="0"/>
+              <a:rPr lang="en-US" dirty="0"/>
               <a:t>TDD and BDD</a:t>
             </a:r>
-            <a:endParaRPr lang="en-US" dirty="0"/>
           </a:p>
         </p:txBody>
       </p:sp>
@@ -26860,13 +26199,6 @@
   <p:transition spd="med">
     <p:fade/>
   </p:transition>
-  <p:timing>
-    <p:tnLst>
-      <p:par>
-        <p:cTn id="1" dur="indefinite" restart="never" nodeType="tmRoot"/>
-      </p:par>
-    </p:tnLst>
-  </p:timing>
 </p:sld>
 </file>
 
@@ -26904,17 +26236,13 @@
           <a:p>
             <a:r>
               <a:rPr lang="en-US" dirty="0"/>
-              <a:t>-----&gt; Starting Kitchen (v1.11.1</a:t>
-            </a:r>
-            <a:r>
-              <a:rPr lang="en-US" dirty="0" smtClean="0"/>
-              <a:t>)</a:t>
-            </a:r>
-          </a:p>
-          <a:p>
-            <a:r>
-              <a:rPr lang="en-US" dirty="0"/>
-              <a:t>-----&gt; Creating &lt;default-centos-67&gt;...</a:t>
+              <a:t>-----&gt; Starting Kitchen (v1.11.1)</a:t>
+            </a:r>
+          </a:p>
+          <a:p>
+            <a:r>
+              <a:rPr lang="en-US" dirty="0"/>
+              <a:t>-----&gt; Creating &lt;default-centos-69&gt;...</a:t>
             </a:r>
           </a:p>
           <a:p>
@@ -26987,21 +26315,13 @@
             </a:r>
             <a:r>
               <a:rPr lang="en-US" dirty="0"/>
-              <a:t> </a:t>
-            </a:r>
-            <a:r>
-              <a:rPr lang="en-US" dirty="0" smtClean="0"/>
-              <a:t>layer</a:t>
-            </a:r>
-          </a:p>
-          <a:p>
-            <a:r>
-              <a:rPr lang="en-US" dirty="0" smtClean="0"/>
-              <a:t>       334af8693ca8</a:t>
-            </a:r>
-            <a:r>
-              <a:rPr lang="en-US" dirty="0"/>
-              <a:t>: Verifying Checksum</a:t>
+              <a:t> layer</a:t>
+            </a:r>
+          </a:p>
+          <a:p>
+            <a:r>
+              <a:rPr lang="en-US" dirty="0"/>
+              <a:t>       334af8693ca8: Verifying Checksum</a:t>
             </a:r>
           </a:p>
           <a:p>
@@ -27013,13 +26333,8 @@
           <a:p>
             <a:r>
               <a:rPr lang="en-US" dirty="0"/>
-              <a:t>       273a1eca2d3a: Verifying </a:t>
-            </a:r>
-            <a:r>
-              <a:rPr lang="en-US" dirty="0" smtClean="0"/>
-              <a:t>Checksum</a:t>
-            </a:r>
-            <a:endParaRPr lang="en-US" dirty="0"/>
+              <a:t>       273a1eca2d3a: Verifying Checksum</a:t>
+            </a:r>
           </a:p>
         </p:txBody>
       </p:sp>
@@ -27039,10 +26354,9 @@
           <a:lstStyle/>
           <a:p>
             <a:r>
-              <a:rPr lang="en-US" dirty="0" smtClean="0"/>
+              <a:rPr lang="en-US" dirty="0"/>
               <a:t>&gt; kitchen create</a:t>
             </a:r>
-            <a:endParaRPr lang="en-US" dirty="0"/>
           </a:p>
         </p:txBody>
       </p:sp>
@@ -27086,10 +26400,9 @@
           <a:lstStyle/>
           <a:p>
             <a:r>
-              <a:rPr lang="en-US" dirty="0" smtClean="0"/>
+              <a:rPr lang="en-US" dirty="0"/>
               <a:t>Create the Virtual Instance</a:t>
             </a:r>
-            <a:endParaRPr lang="en-US" dirty="0"/>
           </a:p>
         </p:txBody>
       </p:sp>
@@ -27106,13 +26419,6 @@
   <p:transition spd="med">
     <p:fade/>
   </p:transition>
-  <p:timing>
-    <p:tnLst>
-      <p:par>
-        <p:cTn id="1" dur="indefinite" restart="never" nodeType="tmRoot"/>
-      </p:par>
-    </p:tnLst>
-  </p:timing>
 </p:sld>
 </file>
 
@@ -27149,12 +26455,8 @@
           <a:lstStyle/>
           <a:p>
             <a:r>
-              <a:rPr lang="en-US" dirty="0" smtClean="0"/>
-              <a:t>$$$$$$ Running legacy login </a:t>
-            </a:r>
-            <a:r>
-              <a:rPr lang="en-US" dirty="0"/>
-              <a:t>for '</a:t>
+              <a:rPr lang="en-US" dirty="0"/>
+              <a:t>$$$$$$ Running legacy login for '</a:t>
             </a:r>
             <a:r>
               <a:rPr lang="en-US" dirty="0" err="1"/>
@@ -27162,39 +26464,27 @@
             </a:r>
             <a:r>
               <a:rPr lang="en-US" dirty="0"/>
-              <a:t>' </a:t>
-            </a:r>
-            <a:r>
-              <a:rPr lang="en-US" dirty="0" smtClean="0"/>
-              <a:t>Driver</a:t>
-            </a:r>
-          </a:p>
-          <a:p>
-            <a:r>
-              <a:rPr lang="en-US" dirty="0" smtClean="0"/>
-              <a:t>Last </a:t>
-            </a:r>
-            <a:r>
-              <a:rPr lang="en-US" dirty="0"/>
-              <a:t>login: Thu Feb 18 21:21:39 </a:t>
-            </a:r>
-            <a:r>
-              <a:rPr lang="is-IS" dirty="0" smtClean="0"/>
+              <a:t>' Driver</a:t>
+            </a:r>
+          </a:p>
+          <a:p>
+            <a:r>
+              <a:rPr lang="en-US" dirty="0"/>
+              <a:t>Last login: Thu Feb 18 21:21:39 </a:t>
+            </a:r>
+            <a:r>
+              <a:rPr lang="is-IS" dirty="0"/>
               <a:t>2017</a:t>
             </a:r>
             <a:r>
-              <a:rPr lang="en-US" dirty="0" smtClean="0"/>
+              <a:rPr lang="en-US" dirty="0"/>
               <a:t> from 172.17.42.1</a:t>
             </a:r>
           </a:p>
           <a:p>
             <a:r>
-              <a:rPr lang="en-US" dirty="0" smtClean="0"/>
-              <a:t>[kitchen@4eae2dd9e741 </a:t>
-            </a:r>
-            <a:r>
-              <a:rPr lang="en-US" dirty="0"/>
-              <a:t>~]$</a:t>
+              <a:rPr lang="en-US" dirty="0"/>
+              <a:t>[kitchen@4eae2dd9e741 ~]$</a:t>
             </a:r>
           </a:p>
         </p:txBody>
@@ -27215,10 +26505,9 @@
           <a:lstStyle/>
           <a:p>
             <a:r>
-              <a:rPr lang="en-US" dirty="0" smtClean="0"/>
+              <a:rPr lang="en-US" dirty="0"/>
               <a:t>&gt; kitchen login</a:t>
             </a:r>
-            <a:endParaRPr lang="en-US" dirty="0"/>
           </a:p>
         </p:txBody>
       </p:sp>
@@ -27262,10 +26551,9 @@
           <a:lstStyle/>
           <a:p>
             <a:r>
-              <a:rPr lang="en-US" dirty="0" smtClean="0"/>
+              <a:rPr lang="en-US" dirty="0"/>
               <a:t>Inspect the Virtual Instance</a:t>
             </a:r>
-            <a:endParaRPr lang="en-US" dirty="0"/>
           </a:p>
         </p:txBody>
       </p:sp>
@@ -27282,13 +26570,6 @@
   <p:transition spd="med">
     <p:fade/>
   </p:transition>
-  <p:timing>
-    <p:tnLst>
-      <p:par>
-        <p:cTn id="1" dur="indefinite" restart="never" nodeType="tmRoot"/>
-      </p:par>
-    </p:tnLst>
-  </p:timing>
 </p:sld>
 </file>
 
@@ -27325,34 +26606,29 @@
           <a:lstStyle/>
           <a:p>
             <a:r>
-              <a:rPr lang="en-US" dirty="0" smtClean="0"/>
+              <a:rPr lang="en-US" dirty="0"/>
               <a:t>logout</a:t>
             </a:r>
           </a:p>
           <a:p>
             <a:r>
-              <a:rPr lang="en-US" dirty="0" smtClean="0"/>
+              <a:rPr lang="en-US" dirty="0"/>
               <a:t>Connection to </a:t>
             </a:r>
             <a:r>
-              <a:rPr lang="en-US" dirty="0" err="1" smtClean="0"/>
+              <a:rPr lang="en-US" dirty="0" err="1"/>
               <a:t>localhost</a:t>
             </a:r>
             <a:r>
-              <a:rPr lang="en-US" dirty="0" smtClean="0"/>
+              <a:rPr lang="en-US" dirty="0"/>
               <a:t> closed.</a:t>
             </a:r>
           </a:p>
           <a:p>
             <a:r>
               <a:rPr lang="en-US" dirty="0"/>
-              <a:t>[chef@ip-172-31-14-170 </a:t>
-            </a:r>
-            <a:r>
-              <a:rPr lang="en-US" dirty="0" smtClean="0"/>
-              <a:t>apache]$</a:t>
-            </a:r>
-            <a:endParaRPr lang="en-US" dirty="0"/>
+              <a:t>[chef@ip-172-31-14-170 apache]$</a:t>
+            </a:r>
           </a:p>
         </p:txBody>
       </p:sp>
@@ -27373,13 +26649,8 @@
           <a:p>
             <a:r>
               <a:rPr lang="en-US" dirty="0"/>
-              <a:t>[kitchen@4eae2dd9e741 </a:t>
-            </a:r>
-            <a:r>
-              <a:rPr lang="en-US" dirty="0" smtClean="0"/>
-              <a:t>~]$ exit</a:t>
-            </a:r>
-            <a:endParaRPr lang="en-US" dirty="0"/>
+              <a:t>[kitchen@4eae2dd9e741 ~]$ exit</a:t>
+            </a:r>
           </a:p>
         </p:txBody>
       </p:sp>
@@ -27423,10 +26694,9 @@
           <a:lstStyle/>
           <a:p>
             <a:r>
-              <a:rPr lang="en-US" dirty="0" smtClean="0"/>
+              <a:rPr lang="en-US" dirty="0"/>
               <a:t>Exit the Virtual Instance</a:t>
             </a:r>
-            <a:endParaRPr lang="en-US" dirty="0"/>
           </a:p>
         </p:txBody>
       </p:sp>
@@ -27443,13 +26713,6 @@
   <p:transition spd="med">
     <p:fade/>
   </p:transition>
-  <p:timing>
-    <p:tnLst>
-      <p:par>
-        <p:cTn id="1" dur="indefinite" restart="never" nodeType="tmRoot"/>
-      </p:par>
-    </p:tnLst>
-  </p:timing>
 </p:sld>
 </file>
 
@@ -27487,18 +26750,13 @@
           <a:p>
             <a:r>
               <a:rPr lang="en-US" dirty="0"/>
-              <a:t>----&gt; Starting Kitchen (</a:t>
-            </a:r>
-            <a:r>
-              <a:rPr lang="en-US" dirty="0" smtClean="0"/>
-              <a:t>v1.11.1)</a:t>
-            </a:r>
-            <a:endParaRPr lang="en-US" dirty="0"/>
-          </a:p>
-          <a:p>
-            <a:r>
-              <a:rPr lang="en-US" dirty="0"/>
-              <a:t>-----&gt; Converging &lt;default-centos-67&gt;...</a:t>
+              <a:t>----&gt; Starting Kitchen (v1.11.1)</a:t>
+            </a:r>
+          </a:p>
+          <a:p>
+            <a:r>
+              <a:rPr lang="en-US" dirty="0"/>
+              <a:t>-----&gt; Converging &lt;default-centos-69&gt;...</a:t>
             </a:r>
           </a:p>
           <a:p>
@@ -27517,32 +26775,20 @@
           </a:p>
           <a:p>
             <a:r>
-              <a:rPr lang="en-US" dirty="0" smtClean="0"/>
+              <a:rPr lang="en-US" dirty="0"/>
               <a:t>       ...</a:t>
             </a:r>
           </a:p>
           <a:p>
             <a:r>
-              <a:rPr lang="en-US" dirty="0" smtClean="0"/>
-              <a:t>-</a:t>
-            </a:r>
-            <a:r>
-              <a:rPr lang="en-US" dirty="0"/>
-              <a:t>----&gt; Installing Chef Omnibus (install only if missing</a:t>
-            </a:r>
-            <a:r>
-              <a:rPr lang="en-US" dirty="0" smtClean="0"/>
-              <a:t>)</a:t>
-            </a:r>
-          </a:p>
-          <a:p>
-            <a:r>
-              <a:rPr lang="en-US" dirty="0" smtClean="0"/>
-              <a:t>       Downloading </a:t>
-            </a:r>
-            <a:r>
-              <a:rPr lang="en-US" dirty="0"/>
-              <a:t>https://</a:t>
+              <a:rPr lang="en-US" dirty="0"/>
+              <a:t>-----&gt; Installing Chef Omnibus (install only if missing)</a:t>
+            </a:r>
+          </a:p>
+          <a:p>
+            <a:r>
+              <a:rPr lang="en-US" dirty="0"/>
+              <a:t>       Downloading https://</a:t>
             </a:r>
             <a:r>
               <a:rPr lang="en-US" dirty="0" err="1"/>
@@ -27558,50 +26804,25 @@
             </a:r>
             <a:r>
               <a:rPr lang="en-US" dirty="0"/>
-              <a:t> to </a:t>
-            </a:r>
-            <a:r>
-              <a:rPr lang="en-US" dirty="0" smtClean="0"/>
-              <a:t>file...</a:t>
-            </a:r>
-            <a:endParaRPr lang="en-US" dirty="0"/>
-          </a:p>
-          <a:p>
-            <a:r>
-              <a:rPr lang="en-US" dirty="0" smtClean="0"/>
-              <a:t>       </a:t>
-            </a:r>
-            <a:r>
-              <a:rPr lang="en-US" dirty="0"/>
-              <a:t>resolving cookbooks for run list: </a:t>
-            </a:r>
-            <a:r>
-              <a:rPr lang="en-US" dirty="0" smtClean="0"/>
-              <a:t>["apache::</a:t>
-            </a:r>
-            <a:r>
-              <a:rPr lang="en-US" dirty="0"/>
-              <a:t>default"</a:t>
-            </a:r>
-            <a:r>
-              <a:rPr lang="en-US" dirty="0" smtClean="0"/>
-              <a:t>] </a:t>
-            </a:r>
-          </a:p>
-          <a:p>
-            <a:r>
-              <a:rPr lang="en-US" dirty="0" smtClean="0"/>
+              <a:t> to file...</a:t>
+            </a:r>
+          </a:p>
+          <a:p>
+            <a:r>
+              <a:rPr lang="en-US" dirty="0"/>
+              <a:t>       resolving cookbooks for run list: ["apache::default"] </a:t>
+            </a:r>
+          </a:p>
+          <a:p>
+            <a:r>
+              <a:rPr lang="en-US" dirty="0"/>
               <a:t>       ...     </a:t>
             </a:r>
           </a:p>
           <a:p>
             <a:r>
-              <a:rPr lang="en-US" dirty="0" smtClean="0"/>
-              <a:t>       Finished </a:t>
-            </a:r>
-            <a:r>
-              <a:rPr lang="en-US" dirty="0"/>
-              <a:t>converging &lt;default-centos-67&gt; (0m27.64s).</a:t>
+              <a:rPr lang="en-US" dirty="0"/>
+              <a:t>       Finished converging &lt;default-centos-69&gt; (0m27.64s).</a:t>
             </a:r>
           </a:p>
           <a:p>
@@ -27628,10 +26849,9 @@
           <a:lstStyle/>
           <a:p>
             <a:r>
-              <a:rPr lang="en-US" dirty="0" smtClean="0"/>
+              <a:rPr lang="en-US" dirty="0"/>
               <a:t>&gt; kitchen converge</a:t>
             </a:r>
-            <a:endParaRPr lang="en-US" dirty="0"/>
           </a:p>
         </p:txBody>
       </p:sp>
@@ -27675,10 +26895,9 @@
           <a:lstStyle/>
           <a:p>
             <a:r>
-              <a:rPr lang="en-US" dirty="0" smtClean="0"/>
+              <a:rPr lang="en-US" dirty="0"/>
               <a:t>Converge the Virtual Instance</a:t>
             </a:r>
-            <a:endParaRPr lang="en-US" dirty="0"/>
           </a:p>
         </p:txBody>
       </p:sp>
@@ -27735,7 +26954,7 @@
           <a:lstStyle/>
           <a:p>
             <a:pPr algn="ctr" defTabSz="914099"/>
-            <a:endParaRPr lang="en-US" sz="2400" dirty="0" err="1" smtClean="0">
+            <a:endParaRPr lang="en-US" sz="2400" dirty="0" err="1">
               <a:gradFill>
                 <a:gsLst>
                   <a:gs pos="0">
@@ -27804,7 +27023,7 @@
           <a:lstStyle/>
           <a:p>
             <a:pPr algn="ctr" defTabSz="914099"/>
-            <a:endParaRPr lang="en-US" sz="2400" dirty="0" err="1" smtClean="0">
+            <a:endParaRPr lang="en-US" sz="2400" dirty="0" err="1">
               <a:gradFill>
                 <a:gsLst>
                   <a:gs pos="0">
@@ -27833,13 +27052,6 @@
   <p:transition spd="med">
     <p:fade/>
   </p:transition>
-  <p:timing>
-    <p:tnLst>
-      <p:par>
-        <p:cTn id="1" dur="indefinite" restart="never" nodeType="tmRoot"/>
-      </p:par>
-    </p:tnLst>
-  </p:timing>
 </p:sld>
 </file>
 
@@ -27877,50 +27089,25 @@
           <a:p>
             <a:r>
               <a:rPr lang="en-US" dirty="0"/>
-              <a:t>-----&gt; Starting Kitchen (</a:t>
-            </a:r>
-            <a:r>
-              <a:rPr lang="en-US" dirty="0" smtClean="0"/>
-              <a:t>v1.11.1)</a:t>
-            </a:r>
-            <a:endParaRPr lang="en-US" dirty="0"/>
-          </a:p>
-          <a:p>
-            <a:r>
-              <a:rPr lang="en-US" dirty="0"/>
-              <a:t>-----&gt; Setting up &lt;default-centos-67&gt;...</a:t>
-            </a:r>
-          </a:p>
-          <a:p>
-            <a:r>
-              <a:rPr lang="en-US" dirty="0" smtClean="0"/>
-              <a:t>-----&gt; </a:t>
-            </a:r>
-            <a:r>
-              <a:rPr lang="en-US" dirty="0"/>
-              <a:t>Verifying &lt;default-centos-67&gt;..</a:t>
-            </a:r>
-            <a:r>
-              <a:rPr lang="en-US" dirty="0" smtClean="0"/>
-              <a:t>.</a:t>
-            </a:r>
-          </a:p>
-          <a:p>
-            <a:r>
-              <a:rPr lang="en-US" dirty="0" smtClean="0"/>
-              <a:t>       Use </a:t>
-            </a:r>
-            <a:r>
-              <a:rPr lang="en-US" dirty="0"/>
-              <a:t>`/</a:t>
-            </a:r>
-            <a:r>
-              <a:rPr lang="en-US" dirty="0" smtClean="0"/>
-              <a:t>home/chef/apache/test/smoke/default</a:t>
-            </a:r>
-            <a:r>
-              <a:rPr lang="en-US" dirty="0"/>
-              <a:t>` for testing</a:t>
+              <a:t>-----&gt; Starting Kitchen (v1.11.1)</a:t>
+            </a:r>
+          </a:p>
+          <a:p>
+            <a:r>
+              <a:rPr lang="en-US" dirty="0"/>
+              <a:t>-----&gt; Setting up &lt;default-centos-69&gt;...</a:t>
+            </a:r>
+          </a:p>
+          <a:p>
+            <a:r>
+              <a:rPr lang="en-US" dirty="0"/>
+              <a:t>-----&gt; Verifying &lt;default-centos-69&gt;...</a:t>
+            </a:r>
+          </a:p>
+          <a:p>
+            <a:r>
+              <a:rPr lang="en-US" dirty="0"/>
+              <a:t>       Use `/home/chef/apache/test/smoke/default` for testing</a:t>
             </a:r>
           </a:p>
           <a:p>
@@ -27946,13 +27133,8 @@
           <a:p>
             <a:r>
               <a:rPr lang="en-US" dirty="0"/>
-              <a:t>  ✖  Port 80 should be listening (expected `Port 80.listening</a:t>
-            </a:r>
-            <a:r>
-              <a:rPr lang="en-US" dirty="0" smtClean="0"/>
-              <a:t>?...</a:t>
-            </a:r>
-            <a:endParaRPr lang="en-US" dirty="0"/>
+              <a:t>  ✖  Port 80 should be listening (expected `Port 80.listening?...</a:t>
+            </a:r>
           </a:p>
           <a:p>
             <a:r>
@@ -27973,11 +27155,7 @@
             </a:r>
             <a:r>
               <a:rPr lang="en-US" dirty="0"/>
-              <a:t> should match /Hello, world</a:t>
-            </a:r>
-            <a:r>
-              <a:rPr lang="en-US" dirty="0" smtClean="0"/>
-              <a:t>/...</a:t>
+              <a:t> should match /Hello, world/...</a:t>
             </a:r>
           </a:p>
         </p:txBody>
@@ -27998,10 +27176,9 @@
           <a:lstStyle/>
           <a:p>
             <a:r>
-              <a:rPr lang="en-US" dirty="0" smtClean="0"/>
+              <a:rPr lang="en-US" dirty="0"/>
               <a:t>&gt; kitchen verify</a:t>
             </a:r>
-            <a:endParaRPr lang="en-US" dirty="0"/>
           </a:p>
         </p:txBody>
       </p:sp>
@@ -28047,10 +27224,9 @@
           <a:lstStyle/>
           <a:p>
             <a:r>
-              <a:rPr lang="en-US" dirty="0" smtClean="0"/>
+              <a:rPr lang="en-US" dirty="0"/>
               <a:t>Execute the Tests Against the Virtual Instance</a:t>
             </a:r>
-            <a:endParaRPr lang="en-US" dirty="0"/>
           </a:p>
         </p:txBody>
       </p:sp>
@@ -28067,13 +27243,6 @@
   <p:transition spd="med">
     <p:fade/>
   </p:transition>
-  <p:timing>
-    <p:tnLst>
-      <p:par>
-        <p:cTn id="1" dur="indefinite" restart="never" nodeType="tmRoot"/>
-      </p:par>
-    </p:tnLst>
-  </p:timing>
 </p:sld>
 </file>
 
@@ -28110,10 +27279,9 @@
           <a:lstStyle/>
           <a:p>
             <a:r>
-              <a:rPr lang="en-US" dirty="0" smtClean="0"/>
+              <a:rPr lang="en-US" dirty="0"/>
               <a:t>Understanding the Failure Message</a:t>
             </a:r>
-            <a:endParaRPr lang="en-US" dirty="0"/>
           </a:p>
         </p:txBody>
       </p:sp>
@@ -28380,10 +27548,10 @@
                   <a:srgbClr val="FF0000"/>
                 </a:solidFill>
               </a:rPr>
-              <a:t>&gt;&gt;&gt;&gt;&gt;&gt;     Verify failed on instance &lt;default-centos-67&gt;.  Please see .kitchen/logs/</a:t>
-            </a:r>
-            <a:r>
-              <a:rPr lang="en-US" sz="2000" dirty="0" err="1" smtClean="0">
+              <a:t>&gt;&gt;&gt;&gt;&gt;&gt;     Verify failed on instance &lt;default-centos-69&gt;.  Please see .kitchen/logs/</a:t>
+            </a:r>
+            <a:r>
+              <a:rPr lang="en-US" sz="2000" dirty="0" err="1">
                 <a:solidFill>
                   <a:srgbClr val="FF0000"/>
                 </a:solidFill>
@@ -28391,14 +27559,14 @@
               <a:t>defau</a:t>
             </a:r>
             <a:r>
-              <a:rPr lang="en-US" sz="2000" dirty="0" smtClean="0">
+              <a:rPr lang="en-US" sz="2000" dirty="0">
                 <a:solidFill>
                   <a:srgbClr val="FF0000"/>
                 </a:solidFill>
               </a:rPr>
               <a:t>...</a:t>
             </a:r>
-            <a:endParaRPr lang="en-US" sz="2000" b="1" dirty="0" smtClean="0"/>
+            <a:endParaRPr lang="en-US" sz="2000" b="1" dirty="0"/>
           </a:p>
         </p:txBody>
       </p:sp>
@@ -28415,13 +27583,6 @@
   <p:transition spd="med">
     <p:fade/>
   </p:transition>
-  <p:timing>
-    <p:tnLst>
-      <p:par>
-        <p:cTn id="1" dur="indefinite" restart="never" nodeType="tmRoot"/>
-      </p:par>
-    </p:tnLst>
-  </p:timing>
 </p:sld>
 </file>
 
@@ -28482,10 +27643,9 @@
           <a:lstStyle/>
           <a:p>
             <a:r>
-              <a:rPr lang="en-US" dirty="0" smtClean="0"/>
+              <a:rPr lang="en-US" dirty="0"/>
               <a:t>Examine Failure #1</a:t>
             </a:r>
-            <a:endParaRPr lang="en-US" dirty="0"/>
           </a:p>
         </p:txBody>
       </p:sp>
@@ -28517,23 +27677,7 @@
                   <a:srgbClr val="FF0000"/>
                 </a:solidFill>
               </a:rPr>
-              <a:t> </a:t>
-            </a:r>
-            <a:r>
-              <a:rPr lang="en-US" dirty="0" smtClean="0">
-                <a:solidFill>
-                  <a:srgbClr val="FF0000"/>
-                </a:solidFill>
-              </a:rPr>
-              <a:t> ✖  </a:t>
-            </a:r>
-            <a:r>
-              <a:rPr lang="en-US" dirty="0">
-                <a:solidFill>
-                  <a:srgbClr val="FF0000"/>
-                </a:solidFill>
-              </a:rPr>
-              <a:t>Port 80 should be listening (expected `Port 80.listening?` to return true, got false)</a:t>
+              <a:t>  ✖  Port 80 should be listening (expected `Port 80.listening?` to return true, got false)</a:t>
             </a:r>
           </a:p>
           <a:p>
@@ -28842,7 +27986,7 @@
           <a:p>
             <a:pPr algn="ctr"/>
             <a:r>
-              <a:rPr lang="en-US" dirty="0" smtClean="0">
+              <a:rPr lang="en-US" dirty="0">
                 <a:solidFill>
                   <a:schemeClr val="bg1"/>
                 </a:solidFill>
@@ -29038,7 +28182,7 @@
           <a:p>
             <a:pPr algn="ctr"/>
             <a:r>
-              <a:rPr lang="en-US" dirty="0" smtClean="0">
+              <a:rPr lang="en-US" dirty="0">
                 <a:solidFill>
                   <a:schemeClr val="bg1"/>
                 </a:solidFill>
@@ -29286,13 +28430,6 @@
   <p:transition spd="med">
     <p:fade/>
   </p:transition>
-  <p:timing>
-    <p:tnLst>
-      <p:par>
-        <p:cTn id="1" dur="indefinite" restart="never" nodeType="tmRoot"/>
-      </p:par>
-    </p:tnLst>
-  </p:timing>
 </p:sld>
 </file>
 
@@ -29329,10 +28466,9 @@
           <a:lstStyle/>
           <a:p>
             <a:r>
-              <a:rPr lang="en-US" dirty="0" smtClean="0"/>
+              <a:rPr lang="en-US" dirty="0"/>
               <a:t>Examine the Test Summary</a:t>
             </a:r>
-            <a:endParaRPr lang="en-US" dirty="0"/>
           </a:p>
         </p:txBody>
       </p:sp>
@@ -29354,20 +28490,12 @@
           <a:lstStyle/>
           <a:p>
             <a:r>
-              <a:rPr lang="en-US" dirty="0" smtClean="0">
+              <a:rPr lang="en-US" dirty="0">
                 <a:solidFill>
                   <a:srgbClr val="FF0000"/>
                 </a:solidFill>
               </a:rPr>
-              <a:t>  </a:t>
-            </a:r>
-            <a:r>
-              <a:rPr lang="en-US" dirty="0">
-                <a:solidFill>
-                  <a:srgbClr val="FF0000"/>
-                </a:solidFill>
-              </a:rPr>
-              <a:t>✖  Port 80 should be listening (expected `Port 80.listening?` to return true, got false)</a:t>
+              <a:t>  ✖  Port 80 should be listening (expected `Port 80.listening?` to return true, got false)</a:t>
             </a:r>
           </a:p>
           <a:p>
@@ -29542,10 +28670,9 @@
           <a:lstStyle/>
           <a:p>
             <a:r>
-              <a:rPr lang="en-US" dirty="0" smtClean="0"/>
+              <a:rPr lang="en-US" dirty="0"/>
               <a:t>A final summary contains the length of execution time with the results shows that RSpec verified 2 examples and found 2 failures.</a:t>
             </a:r>
-            <a:endParaRPr lang="en-US" dirty="0"/>
           </a:p>
         </p:txBody>
       </p:sp>
@@ -29562,13 +28689,6 @@
   <p:transition spd="med">
     <p:fade/>
   </p:transition>
-  <p:timing>
-    <p:tnLst>
-      <p:par>
-        <p:cTn id="1" dur="indefinite" restart="never" nodeType="tmRoot"/>
-      </p:par>
-    </p:tnLst>
-  </p:timing>
 </p:sld>
 </file>
 
@@ -29607,10 +28727,9 @@
           <a:lstStyle/>
           <a:p>
             <a:r>
-              <a:rPr lang="en-US" dirty="0" smtClean="0"/>
+              <a:rPr lang="en-US" dirty="0"/>
               <a:t>Build a Reliable Cookbook</a:t>
             </a:r>
-            <a:endParaRPr lang="en-US" dirty="0"/>
           </a:p>
         </p:txBody>
       </p:sp>
@@ -29630,10 +28749,9 @@
           <a:lstStyle/>
           <a:p>
             <a:r>
-              <a:rPr lang="en-US" dirty="0" smtClean="0"/>
+              <a:rPr lang="en-US" dirty="0"/>
               <a:t>This time it will be different.</a:t>
             </a:r>
-            <a:endParaRPr lang="en-US" dirty="0"/>
           </a:p>
         </p:txBody>
       </p:sp>
@@ -29667,12 +28785,8 @@
               <a:buChar char="ü"/>
             </a:pPr>
             <a:r>
-              <a:rPr lang="en-US" dirty="0" smtClean="0"/>
-              <a:t>Write </a:t>
-            </a:r>
-            <a:r>
-              <a:rPr lang="en-US" dirty="0"/>
-              <a:t>tests that verifies the cookbook does what we want it to do</a:t>
+              <a:rPr lang="en-US" dirty="0"/>
+              <a:t>Write tests that verifies the cookbook does what we want it to do</a:t>
             </a:r>
           </a:p>
           <a:p>
@@ -29720,13 +28834,6 @@
   <p:transition spd="med">
     <p:fade/>
   </p:transition>
-  <p:timing>
-    <p:tnLst>
-      <p:par>
-        <p:cTn id="1" dur="indefinite" restart="never" nodeType="tmRoot"/>
-      </p:par>
-    </p:tnLst>
-  </p:timing>
 </p:sld>
 </file>
 
@@ -29763,10 +28870,9 @@
           <a:lstStyle/>
           <a:p>
             <a:r>
-              <a:rPr lang="en-US" dirty="0" smtClean="0"/>
+              <a:rPr lang="en-US" dirty="0"/>
               <a:t>Write the Default Recipe for the Cookbook</a:t>
             </a:r>
-            <a:endParaRPr lang="en-US" dirty="0"/>
           </a:p>
         </p:txBody>
       </p:sp>
@@ -29795,56 +28901,43 @@
           <a:p>
             <a:r>
               <a:rPr lang="en-US" dirty="0"/>
-              <a:t># Cookbook Name:: </a:t>
-            </a:r>
-            <a:r>
-              <a:rPr lang="en-US" dirty="0" smtClean="0"/>
-              <a:t>apache</a:t>
-            </a:r>
+              <a:t># Cookbook Name:: apache</a:t>
+            </a:r>
+          </a:p>
+          <a:p>
+            <a:r>
+              <a:rPr lang="en-US" dirty="0"/>
+              <a:t># Recipe:: default</a:t>
+            </a:r>
+          </a:p>
+          <a:p>
+            <a:r>
+              <a:rPr lang="en-US" dirty="0"/>
+              <a:t>#</a:t>
+            </a:r>
+          </a:p>
+          <a:p>
+            <a:r>
+              <a:rPr lang="en-US" dirty="0"/>
+              <a:t># Copyright (c) 2017 The Authors, All Rights Reserved.</a:t>
+            </a:r>
+          </a:p>
+          <a:p>
+            <a:r>
+              <a:rPr lang="en-US" dirty="0"/>
+              <a:t>package '</a:t>
+            </a:r>
+            <a:r>
+              <a:rPr lang="en-US" dirty="0" err="1"/>
+              <a:t>httpd</a:t>
+            </a:r>
+            <a:r>
+              <a:rPr lang="en-US" dirty="0"/>
+              <a:t>'</a:t>
+            </a:r>
+          </a:p>
+          <a:p>
             <a:endParaRPr lang="en-US" dirty="0"/>
-          </a:p>
-          <a:p>
-            <a:r>
-              <a:rPr lang="en-US" dirty="0"/>
-              <a:t># Recipe:: default</a:t>
-            </a:r>
-          </a:p>
-          <a:p>
-            <a:r>
-              <a:rPr lang="en-US" dirty="0"/>
-              <a:t>#</a:t>
-            </a:r>
-          </a:p>
-          <a:p>
-            <a:r>
-              <a:rPr lang="en-US" dirty="0"/>
-              <a:t># </a:t>
-            </a:r>
-            <a:r>
-              <a:rPr lang="en-US" dirty="0" smtClean="0"/>
-              <a:t>Copyright (c) 2017 </a:t>
-            </a:r>
-            <a:r>
-              <a:rPr lang="en-US" dirty="0"/>
-              <a:t>The Authors, All Rights Reserved.</a:t>
-            </a:r>
-          </a:p>
-          <a:p>
-            <a:r>
-              <a:rPr lang="en-US" dirty="0" smtClean="0"/>
-              <a:t>package '</a:t>
-            </a:r>
-            <a:r>
-              <a:rPr lang="en-US" dirty="0" err="1" smtClean="0"/>
-              <a:t>httpd</a:t>
-            </a:r>
-            <a:r>
-              <a:rPr lang="en-US" dirty="0" smtClean="0"/>
-              <a:t>'</a:t>
-            </a:r>
-          </a:p>
-          <a:p>
-            <a:endParaRPr lang="en-US" dirty="0" smtClean="0"/>
           </a:p>
           <a:p>
             <a:r>
@@ -29885,31 +28978,27 @@
           </a:p>
           <a:p>
             <a:r>
-              <a:rPr lang="en-US" dirty="0" smtClean="0"/>
+              <a:rPr lang="en-US" dirty="0"/>
               <a:t>service '</a:t>
             </a:r>
             <a:r>
-              <a:rPr lang="en-US" dirty="0" err="1" smtClean="0"/>
+              <a:rPr lang="en-US" dirty="0" err="1"/>
               <a:t>httpd</a:t>
             </a:r>
             <a:r>
-              <a:rPr lang="en-US" dirty="0" smtClean="0"/>
+              <a:rPr lang="en-US" dirty="0"/>
               <a:t>' do</a:t>
             </a:r>
           </a:p>
           <a:p>
             <a:r>
               <a:rPr lang="en-US" dirty="0"/>
-              <a:t> </a:t>
-            </a:r>
-            <a:r>
-              <a:rPr lang="en-US" dirty="0" smtClean="0"/>
-              <a:t> action [:enable, :start]</a:t>
-            </a:r>
-          </a:p>
-          <a:p>
-            <a:r>
-              <a:rPr lang="en-US" dirty="0" smtClean="0"/>
+              <a:t>  action [:enable, :start]</a:t>
+            </a:r>
+          </a:p>
+          <a:p>
+            <a:r>
+              <a:rPr lang="en-US" dirty="0"/>
               <a:t>end</a:t>
             </a:r>
           </a:p>
@@ -29934,11 +29023,11 @@
           <a:lstStyle/>
           <a:p>
             <a:r>
-              <a:rPr lang="en-US" dirty="0" smtClean="0"/>
+              <a:rPr lang="en-US" dirty="0"/>
               <a:t>~/apache/recipes/</a:t>
             </a:r>
             <a:r>
-              <a:rPr lang="en-US" dirty="0" err="1" smtClean="0"/>
+              <a:rPr lang="en-US" dirty="0" err="1"/>
               <a:t>default.rb</a:t>
             </a:r>
             <a:endParaRPr lang="en-US" dirty="0"/>
@@ -29982,13 +29071,6 @@
   <p:transition spd="med">
     <p:fade/>
   </p:transition>
-  <p:timing>
-    <p:tnLst>
-      <p:par>
-        <p:cTn id="1" dur="indefinite" restart="never" nodeType="tmRoot"/>
-      </p:par>
-    </p:tnLst>
-  </p:timing>
 </p:sld>
 </file>
 
@@ -30025,10 +29107,9 @@
           <a:lstStyle/>
           <a:p>
             <a:r>
-              <a:rPr lang="en-US" dirty="0" smtClean="0"/>
+              <a:rPr lang="en-US" dirty="0"/>
               <a:t>Objectives</a:t>
             </a:r>
-            <a:endParaRPr lang="en-US" dirty="0"/>
           </a:p>
         </p:txBody>
       </p:sp>
@@ -30048,7 +29129,7 @@
           <a:lstStyle/>
           <a:p>
             <a:r>
-              <a:rPr lang="en-US" dirty="0" smtClean="0"/>
+              <a:rPr lang="en-US" dirty="0"/>
               <a:t>After completing this module, you should be able to:</a:t>
             </a:r>
           </a:p>
@@ -30061,12 +29142,8 @@
               <a:buChar char="Ø"/>
             </a:pPr>
             <a:r>
-              <a:rPr lang="en-US" dirty="0" smtClean="0"/>
-              <a:t>Write </a:t>
-            </a:r>
-            <a:r>
-              <a:rPr lang="en-US" dirty="0" smtClean="0"/>
-              <a:t>an integration test</a:t>
+              <a:rPr lang="en-US" dirty="0"/>
+              <a:t>Write an integration test</a:t>
             </a:r>
           </a:p>
           <a:p>
@@ -30075,10 +29152,9 @@
               <a:buChar char="Ø"/>
             </a:pPr>
             <a:r>
-              <a:rPr lang="en-US" dirty="0" smtClean="0"/>
+              <a:rPr lang="en-US" dirty="0"/>
               <a:t>Use Test Kitchen to create, converge, and verify a recipe</a:t>
             </a:r>
-            <a:endParaRPr lang="en-US" dirty="0"/>
           </a:p>
           <a:p>
             <a:pPr marL="457200" indent="-457200">
@@ -30086,10 +29162,9 @@
               <a:buChar char="Ø"/>
             </a:pPr>
             <a:r>
-              <a:rPr lang="en-US" dirty="0" smtClean="0"/>
+              <a:rPr lang="en-US" dirty="0"/>
               <a:t>Develop a cookbook with a test-driven approach</a:t>
             </a:r>
-            <a:endParaRPr lang="en-US" dirty="0"/>
           </a:p>
         </p:txBody>
       </p:sp>
@@ -30106,13 +29181,6 @@
   <p:transition spd="med">
     <p:fade/>
   </p:transition>
-  <p:timing>
-    <p:tnLst>
-      <p:par>
-        <p:cTn id="1" dur="indefinite" restart="never" nodeType="tmRoot"/>
-      </p:par>
-    </p:tnLst>
-  </p:timing>
 </p:sld>
 </file>
 
@@ -30150,141 +29218,78 @@
           <a:p>
             <a:r>
               <a:rPr lang="en-US" dirty="0"/>
-              <a:t>-----&gt; Starting Kitchen (</a:t>
-            </a:r>
-            <a:r>
-              <a:rPr lang="en-US" dirty="0" smtClean="0"/>
-              <a:t>v1.11.1)</a:t>
-            </a:r>
-          </a:p>
-          <a:p>
-            <a:r>
-              <a:rPr lang="en-US" dirty="0" smtClean="0"/>
-              <a:t>       Converging </a:t>
-            </a:r>
-            <a:r>
-              <a:rPr lang="en-US" dirty="0"/>
-              <a:t>3</a:t>
-            </a:r>
-            <a:r>
-              <a:rPr lang="en-US" dirty="0" smtClean="0"/>
-              <a:t> </a:t>
-            </a:r>
-            <a:r>
-              <a:rPr lang="en-US" dirty="0"/>
-              <a:t>resources</a:t>
-            </a:r>
-          </a:p>
-          <a:p>
-            <a:r>
-              <a:rPr lang="en-US" dirty="0"/>
-              <a:t>       Recipe: </a:t>
-            </a:r>
-            <a:r>
-              <a:rPr lang="en-US" dirty="0" smtClean="0"/>
-              <a:t>apache::</a:t>
-            </a:r>
-            <a:r>
-              <a:rPr lang="en-US" dirty="0" smtClean="0"/>
-              <a:t>default</a:t>
-            </a:r>
-          </a:p>
-          <a:p>
-            <a:r>
-              <a:rPr lang="en-US" dirty="0"/>
-              <a:t> </a:t>
-            </a:r>
-            <a:r>
-              <a:rPr lang="en-US" dirty="0" smtClean="0"/>
-              <a:t>        * package[</a:t>
-            </a:r>
-            <a:r>
-              <a:rPr lang="en-US" dirty="0" err="1" smtClean="0"/>
-              <a:t>httpd</a:t>
-            </a:r>
-            <a:r>
-              <a:rPr lang="en-US" dirty="0" smtClean="0"/>
-              <a:t>] action install</a:t>
-            </a:r>
-            <a:endParaRPr lang="en-US" dirty="0"/>
-          </a:p>
-          <a:p>
-            <a:r>
-              <a:rPr lang="en-US" dirty="0"/>
-              <a:t>           - install version 2.2.15-47.el6.centos of package </a:t>
+              <a:t>-----&gt; Starting Kitchen (v1.11.1)</a:t>
+            </a:r>
+          </a:p>
+          <a:p>
+            <a:r>
+              <a:rPr lang="en-US" dirty="0"/>
+              <a:t>       Converging 3 resources</a:t>
+            </a:r>
+          </a:p>
+          <a:p>
+            <a:r>
+              <a:rPr lang="en-US" dirty="0"/>
+              <a:t>       Recipe: apache::default</a:t>
+            </a:r>
+          </a:p>
+          <a:p>
+            <a:r>
+              <a:rPr lang="en-US" dirty="0"/>
+              <a:t>         * package[</a:t>
             </a:r>
             <a:r>
               <a:rPr lang="en-US" dirty="0" err="1"/>
               <a:t>httpd</a:t>
             </a:r>
-            <a:endParaRPr lang="en-US" dirty="0"/>
-          </a:p>
-          <a:p>
-            <a:r>
-              <a:rPr lang="en-US" dirty="0" smtClean="0"/>
-              <a:t>         * file[/</a:t>
-            </a:r>
-            <a:r>
-              <a:rPr lang="en-US" dirty="0" err="1" smtClean="0"/>
-              <a:t>var</a:t>
-            </a:r>
-            <a:r>
-              <a:rPr lang="en-US" dirty="0" smtClean="0"/>
-              <a:t>/www/html/</a:t>
-            </a:r>
-            <a:r>
-              <a:rPr lang="en-US" dirty="0" err="1" smtClean="0"/>
-              <a:t>index.html</a:t>
-            </a:r>
-            <a:r>
-              <a:rPr lang="en-US" dirty="0" smtClean="0"/>
-              <a:t>] </a:t>
-            </a:r>
-            <a:r>
-              <a:rPr lang="en-US" dirty="0"/>
-              <a:t>action </a:t>
-            </a:r>
-            <a:r>
-              <a:rPr lang="en-US" dirty="0" smtClean="0"/>
-              <a:t>create</a:t>
-            </a:r>
-          </a:p>
-          <a:p>
-            <a:r>
-              <a:rPr lang="en-US" dirty="0"/>
-              <a:t> </a:t>
-            </a:r>
-            <a:r>
-              <a:rPr lang="en-US" dirty="0" smtClean="0"/>
-              <a:t>          - ...</a:t>
-            </a:r>
-          </a:p>
-          <a:p>
-            <a:r>
-              <a:rPr lang="en-US" dirty="0"/>
-              <a:t> </a:t>
-            </a:r>
-            <a:r>
-              <a:rPr lang="en-US" dirty="0" smtClean="0"/>
-              <a:t>        * </a:t>
-            </a:r>
-            <a:r>
-              <a:rPr lang="en-US" dirty="0"/>
-              <a:t>service[</a:t>
+            <a:r>
+              <a:rPr lang="en-US" dirty="0"/>
+              <a:t>] action install</a:t>
+            </a:r>
+          </a:p>
+          <a:p>
+            <a:r>
+              <a:rPr lang="en-US" dirty="0"/>
+              <a:t>           - install version 2.2.15-47.el6.centos of package </a:t>
             </a:r>
             <a:r>
               <a:rPr lang="en-US" dirty="0" err="1"/>
               <a:t>httpd</a:t>
             </a:r>
-            <a:r>
-              <a:rPr lang="en-US" dirty="0"/>
-              <a:t>] action enable</a:t>
-            </a:r>
-          </a:p>
-          <a:p>
-            <a:r>
-              <a:rPr lang="en-US" dirty="0"/>
-              <a:t>           - enable service service[</a:t>
+            <a:endParaRPr lang="en-US" dirty="0"/>
+          </a:p>
+          <a:p>
+            <a:r>
+              <a:rPr lang="en-US" dirty="0"/>
+              <a:t>         * file[/</a:t>
+            </a:r>
+            <a:r>
+              <a:rPr lang="en-US" dirty="0" err="1"/>
+              <a:t>var</a:t>
+            </a:r>
+            <a:r>
+              <a:rPr lang="en-US" dirty="0"/>
+              <a:t>/www/html/</a:t>
+            </a:r>
+            <a:r>
+              <a:rPr lang="en-US" dirty="0" err="1"/>
+              <a:t>index.html</a:t>
+            </a:r>
+            <a:r>
+              <a:rPr lang="en-US" dirty="0"/>
+              <a:t>] action create</a:t>
+            </a:r>
+          </a:p>
+          <a:p>
+            <a:r>
+              <a:rPr lang="en-US" dirty="0"/>
+              <a:t>           - ...</a:t>
+            </a:r>
+          </a:p>
+          <a:p>
+            <a:r>
+              <a:rPr lang="en-US" dirty="0"/>
+              <a:t>         * service[</a:t>
             </a:r>
             <a:r>
               <a:rPr lang="en-US" dirty="0" err="1"/>
@@ -30292,13 +29297,13 @@
             </a:r>
             <a:r>
               <a:rPr lang="en-US" dirty="0"/>
-              <a:t>]</a:t>
-            </a:r>
-          </a:p>
-          <a:p>
-            <a:r>
-              <a:rPr lang="en-US" dirty="0"/>
-              <a:t>         * service[</a:t>
+              <a:t>] action enable</a:t>
+            </a:r>
+          </a:p>
+          <a:p>
+            <a:r>
+              <a:rPr lang="en-US" dirty="0"/>
+              <a:t>           - enable service service[</a:t>
             </a:r>
             <a:r>
               <a:rPr lang="en-US" dirty="0" err="1"/>
@@ -30306,13 +29311,13 @@
             </a:r>
             <a:r>
               <a:rPr lang="en-US" dirty="0"/>
-              <a:t>] action start</a:t>
-            </a:r>
-          </a:p>
-          <a:p>
-            <a:r>
-              <a:rPr lang="en-US" dirty="0"/>
-              <a:t>           - start service service[</a:t>
+              <a:t>]</a:t>
+            </a:r>
+          </a:p>
+          <a:p>
+            <a:r>
+              <a:rPr lang="en-US" dirty="0"/>
+              <a:t>         * service[</a:t>
             </a:r>
             <a:r>
               <a:rPr lang="en-US" dirty="0" err="1"/>
@@ -30320,6 +29325,20 @@
             </a:r>
             <a:r>
               <a:rPr lang="en-US" dirty="0"/>
+              <a:t>] action start</a:t>
+            </a:r>
+          </a:p>
+          <a:p>
+            <a:r>
+              <a:rPr lang="en-US" dirty="0"/>
+              <a:t>           - start service service[</a:t>
+            </a:r>
+            <a:r>
+              <a:rPr lang="en-US" dirty="0" err="1"/>
+              <a:t>httpd</a:t>
+            </a:r>
+            <a:r>
+              <a:rPr lang="en-US" dirty="0"/>
               <a:t>]</a:t>
             </a:r>
           </a:p>
@@ -30341,10 +29360,9 @@
           <a:lstStyle/>
           <a:p>
             <a:r>
-              <a:rPr lang="en-US" dirty="0" smtClean="0"/>
+              <a:rPr lang="en-US" dirty="0"/>
               <a:t>&gt; kitchen converge</a:t>
             </a:r>
-            <a:endParaRPr lang="en-US" dirty="0"/>
           </a:p>
         </p:txBody>
       </p:sp>
@@ -30388,10 +29406,9 @@
           <a:lstStyle/>
           <a:p>
             <a:r>
-              <a:rPr lang="en-US" dirty="0" smtClean="0"/>
+              <a:rPr lang="en-US" dirty="0"/>
               <a:t>Re-Converge the Virtual Instance</a:t>
             </a:r>
-            <a:endParaRPr lang="en-US" dirty="0"/>
           </a:p>
         </p:txBody>
       </p:sp>
@@ -30408,13 +29425,6 @@
   <p:transition spd="med">
     <p:fade/>
   </p:transition>
-  <p:timing>
-    <p:tnLst>
-      <p:par>
-        <p:cTn id="1" dur="indefinite" restart="never" nodeType="tmRoot"/>
-      </p:par>
-    </p:tnLst>
-  </p:timing>
 </p:sld>
 </file>
 
@@ -30453,10 +29463,9 @@
           <a:lstStyle/>
           <a:p>
             <a:r>
-              <a:rPr lang="en-US" dirty="0" smtClean="0"/>
+              <a:rPr lang="en-US" dirty="0"/>
               <a:t>Build a Reliable Cookbook</a:t>
             </a:r>
-            <a:endParaRPr lang="en-US" dirty="0"/>
           </a:p>
         </p:txBody>
       </p:sp>
@@ -30476,10 +29485,9 @@
           <a:lstStyle/>
           <a:p>
             <a:r>
-              <a:rPr lang="en-US" dirty="0" smtClean="0"/>
+              <a:rPr lang="en-US" dirty="0"/>
               <a:t>This time it will be different.</a:t>
             </a:r>
-            <a:endParaRPr lang="en-US" dirty="0"/>
           </a:p>
         </p:txBody>
       </p:sp>
@@ -30503,7 +29511,7 @@
               <a:buChar char="ü"/>
             </a:pPr>
             <a:r>
-              <a:rPr lang="en-US" dirty="0" smtClean="0"/>
+              <a:rPr lang="en-US" dirty="0"/>
               <a:t>Examine the cookbook</a:t>
             </a:r>
           </a:p>
@@ -30513,12 +29521,8 @@
               <a:buChar char="ü"/>
             </a:pPr>
             <a:r>
-              <a:rPr lang="en-US" dirty="0" smtClean="0"/>
-              <a:t>Write </a:t>
-            </a:r>
-            <a:r>
-              <a:rPr lang="en-US" dirty="0"/>
-              <a:t>tests that verifies the cookbook does what we want it to do</a:t>
+              <a:rPr lang="en-US" dirty="0"/>
+              <a:t>Write tests that verifies the cookbook does what we want it to do</a:t>
             </a:r>
           </a:p>
           <a:p>
@@ -30566,13 +29570,6 @@
   <p:transition spd="med">
     <p:fade/>
   </p:transition>
-  <p:timing>
-    <p:tnLst>
-      <p:par>
-        <p:cTn id="1" dur="indefinite" restart="never" nodeType="tmRoot"/>
-      </p:par>
-    </p:tnLst>
-  </p:timing>
 </p:sld>
 </file>
 
@@ -30620,7 +29617,7 @@
                   <a:schemeClr val="accent5"/>
                 </a:solidFill>
               </a:rPr>
-              <a:t>-----&gt; Verifying &lt;default-centos-67&gt;...</a:t>
+              <a:t>-----&gt; Verifying &lt;default-centos-69&gt;...</a:t>
             </a:r>
           </a:p>
           <a:p>
@@ -30630,23 +29627,7 @@
                   <a:schemeClr val="accent5"/>
                 </a:solidFill>
               </a:rPr>
-              <a:t>       Use `/</a:t>
-            </a:r>
-            <a:r>
-              <a:rPr lang="en-US" dirty="0" smtClean="0">
-                <a:solidFill>
-                  <a:schemeClr val="accent5"/>
-                </a:solidFill>
-              </a:rPr>
-              <a:t>home/chef/apache/test/smoke/default</a:t>
-            </a:r>
-            <a:r>
-              <a:rPr lang="en-US" dirty="0">
-                <a:solidFill>
-                  <a:schemeClr val="accent5"/>
-                </a:solidFill>
-              </a:rPr>
-              <a:t>` for testing</a:t>
+              <a:t>       Use `/home/chef/apache/test/smoke/default` for testing</a:t>
             </a:r>
           </a:p>
           <a:p>
@@ -30765,25 +29746,8 @@
                   </a:schemeClr>
                 </a:solidFill>
               </a:rPr>
-              <a:t>0 </a:t>
-            </a:r>
-            <a:r>
-              <a:rPr lang="en-US" dirty="0" smtClean="0">
-                <a:solidFill>
-                  <a:schemeClr val="bg1">
-                    <a:lumMod val="50000"/>
-                  </a:schemeClr>
-                </a:solidFill>
-              </a:rPr>
-              <a:t>skipped</a:t>
-            </a:r>
-            <a:endParaRPr lang="en-US" dirty="0">
-              <a:solidFill>
-                <a:schemeClr val="bg1">
-                  <a:lumMod val="50000"/>
-                </a:schemeClr>
-              </a:solidFill>
-            </a:endParaRPr>
+              <a:t>0 skipped</a:t>
+            </a:r>
           </a:p>
         </p:txBody>
       </p:sp>
@@ -30803,10 +29767,9 @@
           <a:lstStyle/>
           <a:p>
             <a:r>
-              <a:rPr lang="en-US" dirty="0" smtClean="0"/>
+              <a:rPr lang="en-US" dirty="0"/>
               <a:t>&gt; kitchen verify</a:t>
             </a:r>
-            <a:endParaRPr lang="en-US" dirty="0"/>
           </a:p>
         </p:txBody>
       </p:sp>
@@ -30850,11 +29813,11 @@
           <a:lstStyle/>
           <a:p>
             <a:r>
-              <a:rPr lang="en-US" dirty="0" smtClean="0"/>
+              <a:rPr lang="en-US" dirty="0"/>
               <a:t>Re-Verify the </a:t>
             </a:r>
             <a:r>
-              <a:rPr lang="en-US" smtClean="0"/>
+              <a:rPr lang="en-US"/>
               <a:t>Virtual Instance</a:t>
             </a:r>
             <a:endParaRPr lang="en-US" dirty="0"/>
@@ -30874,13 +29837,6 @@
   <p:transition spd="med">
     <p:fade/>
   </p:transition>
-  <p:timing>
-    <p:tnLst>
-      <p:par>
-        <p:cTn id="1" dur="indefinite" restart="never" nodeType="tmRoot"/>
-      </p:par>
-    </p:tnLst>
-  </p:timing>
 </p:sld>
 </file>
 
@@ -30919,10 +29875,9 @@
           <a:lstStyle/>
           <a:p>
             <a:r>
-              <a:rPr lang="en-US" dirty="0" smtClean="0"/>
+              <a:rPr lang="en-US" dirty="0"/>
               <a:t>Build a Reliable Cookbook</a:t>
             </a:r>
-            <a:endParaRPr lang="en-US" dirty="0"/>
           </a:p>
         </p:txBody>
       </p:sp>
@@ -30942,10 +29897,9 @@
           <a:lstStyle/>
           <a:p>
             <a:r>
-              <a:rPr lang="en-US" dirty="0" smtClean="0"/>
+              <a:rPr lang="en-US" dirty="0"/>
               <a:t>This time it will be different.</a:t>
             </a:r>
-            <a:endParaRPr lang="en-US" dirty="0"/>
           </a:p>
         </p:txBody>
       </p:sp>
@@ -30969,10 +29923,9 @@
               <a:buChar char="ü"/>
             </a:pPr>
             <a:r>
-              <a:rPr lang="en-US" dirty="0" smtClean="0"/>
+              <a:rPr lang="en-US" dirty="0"/>
               <a:t>Examine the cookbook</a:t>
             </a:r>
-            <a:endParaRPr lang="en-US" dirty="0"/>
           </a:p>
           <a:p>
             <a:pPr marL="342900" indent="-342900">
@@ -31029,13 +29982,6 @@
   <p:transition spd="med">
     <p:fade/>
   </p:transition>
-  <p:timing>
-    <p:tnLst>
-      <p:par>
-        <p:cTn id="1" dur="indefinite" restart="never" nodeType="tmRoot"/>
-      </p:par>
-    </p:tnLst>
-  </p:timing>
 </p:sld>
 </file>
 
@@ -31074,39 +30020,38 @@
           <a:lstStyle/>
           <a:p>
             <a:r>
-              <a:rPr lang="en-US" dirty="0" smtClean="0"/>
+              <a:rPr lang="en-US" dirty="0"/>
               <a:t>Discussion</a:t>
             </a:r>
+          </a:p>
+        </p:txBody>
+      </p:sp>
+      <p:sp>
+        <p:nvSpPr>
+          <p:cNvPr id="3" name="Subtitle 2"/>
+          <p:cNvSpPr>
+            <a:spLocks noGrp="1"/>
+          </p:cNvSpPr>
+          <p:nvPr>
+            <p:ph type="subTitle" idx="1"/>
+          </p:nvPr>
+        </p:nvSpPr>
+        <p:spPr/>
+        <p:txBody>
+          <a:bodyPr/>
+          <a:lstStyle/>
+          <a:p>
+            <a:r>
+              <a:rPr lang="en-US" dirty="0"/>
+              <a:t>What value is there is writing the tests before writing the recipes?</a:t>
+            </a:r>
+          </a:p>
+          <a:p>
             <a:endParaRPr lang="en-US" dirty="0"/>
           </a:p>
-        </p:txBody>
-      </p:sp>
-      <p:sp>
-        <p:nvSpPr>
-          <p:cNvPr id="3" name="Subtitle 2"/>
-          <p:cNvSpPr>
-            <a:spLocks noGrp="1"/>
-          </p:cNvSpPr>
-          <p:nvPr>
-            <p:ph type="subTitle" idx="1"/>
-          </p:nvPr>
-        </p:nvSpPr>
-        <p:spPr/>
-        <p:txBody>
-          <a:bodyPr/>
-          <a:lstStyle/>
-          <a:p>
-            <a:r>
-              <a:rPr lang="en-US" dirty="0" smtClean="0"/>
-              <a:t>What value is there is writing the tests before writing the recipes?</a:t>
-            </a:r>
-          </a:p>
-          <a:p>
-            <a:endParaRPr lang="en-US" dirty="0" smtClean="0"/>
-          </a:p>
-          <a:p>
-            <a:r>
-              <a:rPr lang="en-US" dirty="0" smtClean="0"/>
+          <a:p>
+            <a:r>
+              <a:rPr lang="en-US" dirty="0"/>
               <a:t>Why is it hard to write the tests before you write the recipe?</a:t>
             </a:r>
           </a:p>
@@ -31114,7 +30059,7 @@
             <a:endParaRPr lang="en-US" dirty="0"/>
           </a:p>
           <a:p>
-            <a:endParaRPr lang="en-US" dirty="0" smtClean="0"/>
+            <a:endParaRPr lang="en-US" dirty="0"/>
           </a:p>
           <a:p>
             <a:endParaRPr lang="en-US" dirty="0"/>
@@ -31134,13 +30079,6 @@
   <p:transition spd="med">
     <p:fade/>
   </p:transition>
-  <p:timing>
-    <p:tnLst>
-      <p:par>
-        <p:cTn id="1" dur="indefinite" restart="never" nodeType="tmRoot"/>
-      </p:par>
-    </p:tnLst>
-  </p:timing>
 </p:sld>
 </file>
 
@@ -31179,10 +30117,9 @@
           <a:lstStyle/>
           <a:p>
             <a:r>
-              <a:rPr lang="en-US" dirty="0" smtClean="0"/>
+              <a:rPr lang="en-US" dirty="0"/>
               <a:t>Q&amp;A</a:t>
             </a:r>
-            <a:endParaRPr lang="en-US" dirty="0"/>
           </a:p>
         </p:txBody>
       </p:sp>
@@ -31202,10 +30139,9 @@
           <a:lstStyle/>
           <a:p>
             <a:r>
-              <a:rPr lang="en-US" dirty="0" smtClean="0"/>
+              <a:rPr lang="en-US" dirty="0"/>
               <a:t>What questions can we answer for you?</a:t>
             </a:r>
-            <a:endParaRPr lang="en-US" dirty="0"/>
           </a:p>
         </p:txBody>
       </p:sp>
@@ -31222,13 +30158,6 @@
   <p:transition spd="med">
     <p:fade/>
   </p:transition>
-  <p:timing>
-    <p:tnLst>
-      <p:par>
-        <p:cTn id="1" dur="indefinite" restart="never" nodeType="tmRoot"/>
-      </p:par>
-    </p:tnLst>
-  </p:timing>
 </p:sld>
 </file>
 
@@ -31265,38 +30194,30 @@
           <a:lstStyle/>
           <a:p>
             <a:r>
-              <a:rPr lang="en-US" dirty="0" smtClean="0"/>
+              <a:rPr lang="en-US" dirty="0"/>
               <a:t>Introduction</a:t>
             </a:r>
           </a:p>
           <a:p>
             <a:r>
-              <a:rPr lang="en-US" dirty="0" smtClean="0"/>
-              <a:t>Why </a:t>
-            </a:r>
-            <a:r>
-              <a:rPr lang="en-US" dirty="0"/>
-              <a:t>W</a:t>
-            </a:r>
-            <a:r>
-              <a:rPr lang="en-US" dirty="0" smtClean="0"/>
-              <a:t>rite Tests? Why is that Hard?</a:t>
-            </a:r>
-          </a:p>
-          <a:p>
-            <a:r>
-              <a:rPr lang="en-US" dirty="0" smtClean="0"/>
+              <a:rPr lang="en-US" dirty="0"/>
+              <a:t>Why Write Tests? Why is that Hard?</a:t>
+            </a:r>
+          </a:p>
+          <a:p>
+            <a:r>
+              <a:rPr lang="en-US" dirty="0"/>
               <a:t>Writing a Test First</a:t>
             </a:r>
           </a:p>
           <a:p>
             <a:r>
-              <a:rPr lang="en-US" b="1" dirty="0" smtClean="0"/>
+              <a:rPr lang="en-US" b="1" dirty="0"/>
               <a:t>Refactoring Cookbooks with Tests</a:t>
             </a:r>
           </a:p>
           <a:p>
-            <a:endParaRPr lang="en-US" dirty="0" smtClean="0"/>
+            <a:endParaRPr lang="en-US" dirty="0"/>
           </a:p>
         </p:txBody>
       </p:sp>
@@ -31316,28 +30237,27 @@
           <a:lstStyle/>
           <a:p>
             <a:r>
-              <a:rPr lang="en-US" dirty="0" smtClean="0"/>
+              <a:rPr lang="en-US" dirty="0"/>
               <a:t>Faster Feedback with Unit Testing</a:t>
             </a:r>
           </a:p>
           <a:p>
             <a:r>
-              <a:rPr lang="en-US" dirty="0" smtClean="0"/>
+              <a:rPr lang="en-US" dirty="0"/>
               <a:t>Testing Resources in Recipes</a:t>
             </a:r>
           </a:p>
           <a:p>
             <a:r>
-              <a:rPr lang="en-US" dirty="0" smtClean="0"/>
+              <a:rPr lang="en-US" dirty="0"/>
               <a:t>Refactoring to Attributes</a:t>
             </a:r>
           </a:p>
           <a:p>
             <a:r>
-              <a:rPr lang="en-US" dirty="0" smtClean="0"/>
+              <a:rPr lang="en-US" dirty="0"/>
               <a:t>Refactoring to Multiple Platforms</a:t>
             </a:r>
-            <a:endParaRPr lang="en-US" dirty="0"/>
           </a:p>
         </p:txBody>
       </p:sp>
@@ -31357,10 +30277,9 @@
           <a:lstStyle/>
           <a:p>
             <a:r>
-              <a:rPr lang="en-US" dirty="0" smtClean="0"/>
+              <a:rPr lang="en-US" dirty="0"/>
               <a:t>Morning</a:t>
             </a:r>
-            <a:endParaRPr lang="en-US" dirty="0"/>
           </a:p>
         </p:txBody>
       </p:sp>
@@ -31380,10 +30299,9 @@
           <a:lstStyle/>
           <a:p>
             <a:r>
-              <a:rPr lang="en-US" dirty="0" smtClean="0"/>
+              <a:rPr lang="en-US" dirty="0"/>
               <a:t>Afternoon</a:t>
             </a:r>
-            <a:endParaRPr lang="en-US" dirty="0"/>
           </a:p>
         </p:txBody>
       </p:sp>
@@ -31400,13 +30318,6 @@
   <p:transition spd="med">
     <p:fade/>
   </p:transition>
-  <p:timing>
-    <p:tnLst>
-      <p:par>
-        <p:cTn id="1" dur="indefinite" restart="never" nodeType="tmRoot"/>
-      </p:par>
-    </p:tnLst>
-  </p:timing>
 </p:sld>
 </file>
 
@@ -31440,13 +30351,6 @@
   <p:transition spd="med">
     <p:fade/>
   </p:transition>
-  <p:timing>
-    <p:tnLst>
-      <p:par>
-        <p:cTn id="1" dur="indefinite" restart="never" nodeType="tmRoot"/>
-      </p:par>
-    </p:tnLst>
-  </p:timing>
 </p:sld>
 </file>
 
@@ -31483,10 +30387,9 @@
           <a:lstStyle/>
           <a:p>
             <a:r>
-              <a:rPr lang="en-US" dirty="0" smtClean="0"/>
+              <a:rPr lang="en-US" dirty="0"/>
               <a:t>Building a Web Server</a:t>
             </a:r>
-            <a:endParaRPr lang="en-US" dirty="0"/>
           </a:p>
         </p:txBody>
       </p:sp>
@@ -31510,15 +30413,15 @@
               <a:buAutoNum type="arabicPeriod"/>
             </a:pPr>
             <a:r>
-              <a:rPr lang="en-US" sz="4800" dirty="0" smtClean="0"/>
+              <a:rPr lang="en-US" sz="4800" dirty="0"/>
               <a:t>Install the </a:t>
             </a:r>
             <a:r>
-              <a:rPr lang="en-US" sz="4800" dirty="0" err="1" smtClean="0"/>
+              <a:rPr lang="en-US" sz="4800" dirty="0" err="1"/>
               <a:t>httpd</a:t>
             </a:r>
             <a:r>
-              <a:rPr lang="en-US" sz="4800" dirty="0" smtClean="0"/>
+              <a:rPr lang="en-US" sz="4800" dirty="0"/>
               <a:t> package</a:t>
             </a:r>
           </a:p>
@@ -31528,7 +30431,7 @@
               <a:buAutoNum type="arabicPeriod"/>
             </a:pPr>
             <a:r>
-              <a:rPr lang="en-US" sz="4800" dirty="0" smtClean="0"/>
+              <a:rPr lang="en-US" sz="4800" dirty="0"/>
               <a:t>Write out a test page</a:t>
             </a:r>
           </a:p>
@@ -31538,15 +30441,15 @@
               <a:buAutoNum type="arabicPeriod"/>
             </a:pPr>
             <a:r>
-              <a:rPr lang="en-US" sz="4800" dirty="0" smtClean="0"/>
+              <a:rPr lang="en-US" sz="4800" dirty="0"/>
               <a:t>Start and enable the </a:t>
             </a:r>
             <a:r>
-              <a:rPr lang="en-US" sz="4800" dirty="0" err="1" smtClean="0"/>
+              <a:rPr lang="en-US" sz="4800" dirty="0" err="1"/>
               <a:t>httpd</a:t>
             </a:r>
             <a:r>
-              <a:rPr lang="en-US" sz="4800" dirty="0" smtClean="0"/>
+              <a:rPr lang="en-US" sz="4800" dirty="0"/>
               <a:t> service</a:t>
             </a:r>
           </a:p>
@@ -31555,7 +30458,7 @@
               <a:buFont typeface="+mj-lt"/>
               <a:buAutoNum type="arabicPeriod"/>
             </a:pPr>
-            <a:endParaRPr lang="en-US" sz="4800" dirty="0" smtClean="0"/>
+            <a:endParaRPr lang="en-US" sz="4800" dirty="0"/>
           </a:p>
         </p:txBody>
       </p:sp>
@@ -31572,13 +30475,6 @@
   <p:transition spd="med">
     <p:fade/>
   </p:transition>
-  <p:timing>
-    <p:tnLst>
-      <p:par>
-        <p:cTn id="1" dur="indefinite" restart="never" nodeType="tmRoot"/>
-      </p:par>
-    </p:tnLst>
-  </p:timing>
 </p:sld>
 </file>
 
@@ -31615,10 +30511,9 @@
           <a:lstStyle/>
           <a:p>
             <a:r>
-              <a:rPr lang="en-US" dirty="0" smtClean="0"/>
+              <a:rPr lang="en-US" dirty="0"/>
               <a:t>Defining Scenarios</a:t>
             </a:r>
-            <a:endParaRPr lang="en-US" dirty="0"/>
           </a:p>
         </p:txBody>
       </p:sp>
@@ -31638,34 +30533,33 @@
           <a:lstStyle/>
           <a:p>
             <a:r>
-              <a:rPr lang="en-US" sz="4800" b="1" dirty="0" smtClean="0"/>
+              <a:rPr lang="en-US" sz="4800" b="1" dirty="0"/>
               <a:t>Given </a:t>
             </a:r>
             <a:r>
-              <a:rPr lang="en-US" sz="4800" dirty="0" smtClean="0"/>
+              <a:rPr lang="en-US" sz="4800" dirty="0"/>
               <a:t>SOME CONDITIONS</a:t>
             </a:r>
           </a:p>
           <a:p>
             <a:r>
-              <a:rPr lang="en-US" sz="4800" b="1" dirty="0" smtClean="0"/>
+              <a:rPr lang="en-US" sz="4800" b="1" dirty="0"/>
               <a:t>When an </a:t>
             </a:r>
             <a:r>
-              <a:rPr lang="en-US" sz="4800" dirty="0" smtClean="0"/>
+              <a:rPr lang="en-US" sz="4800" dirty="0"/>
               <a:t>EVENT OCCURS</a:t>
             </a:r>
           </a:p>
           <a:p>
             <a:r>
-              <a:rPr lang="en-US" sz="4800" b="1" dirty="0" smtClean="0"/>
+              <a:rPr lang="en-US" sz="4800" b="1" dirty="0"/>
               <a:t>Then I should </a:t>
             </a:r>
             <a:r>
-              <a:rPr lang="en-US" sz="4800" dirty="0" smtClean="0"/>
+              <a:rPr lang="en-US" sz="4800" dirty="0"/>
               <a:t>EXPECT THIS RESULT</a:t>
             </a:r>
-            <a:endParaRPr lang="en-US" sz="4800" dirty="0"/>
           </a:p>
         </p:txBody>
       </p:sp>
@@ -31682,13 +30576,6 @@
   <p:transition spd="med">
     <p:fade/>
   </p:transition>
-  <p:timing>
-    <p:tnLst>
-      <p:par>
-        <p:cTn id="1" dur="indefinite" restart="never" nodeType="tmRoot"/>
-      </p:par>
-    </p:tnLst>
-  </p:timing>
 </p:sld>
 </file>
 
@@ -31725,10 +30612,9 @@
           <a:lstStyle/>
           <a:p>
             <a:r>
-              <a:rPr lang="en-US" dirty="0" smtClean="0"/>
+              <a:rPr lang="en-US" dirty="0"/>
               <a:t>The Why Stack?</a:t>
             </a:r>
-            <a:endParaRPr lang="en-US" dirty="0"/>
           </a:p>
         </p:txBody>
       </p:sp>
@@ -31794,35 +30680,15 @@
           </a:p>
           <a:p>
             <a:r>
-              <a:rPr lang="en-US" dirty="0" smtClean="0"/>
-              <a:t>If </a:t>
-            </a:r>
-            <a:r>
-              <a:rPr lang="en-US" dirty="0"/>
-              <a:t>you’re about to implement a feature that doesn’t support one of those values, chances are you’re about to implement a non-valuable feature. Consider tossing it altogether or pushing it down in your backlog</a:t>
-            </a:r>
-            <a:r>
-              <a:rPr lang="en-US" dirty="0" smtClean="0"/>
-              <a:t>.</a:t>
+              <a:rPr lang="en-US" dirty="0"/>
+              <a:t>If you’re about to implement a feature that doesn’t support one of those values, chances are you’re about to implement a non-valuable feature. Consider tossing it altogether or pushing it down in your backlog.</a:t>
             </a:r>
           </a:p>
           <a:p>
             <a:pPr algn="r"/>
             <a:r>
-              <a:rPr lang="en-US" dirty="0" smtClean="0"/>
-              <a:t>-</a:t>
-            </a:r>
-            <a:r>
-              <a:rPr lang="en-US" dirty="0"/>
-              <a:t> Aslak Hellesøy, creator of </a:t>
-            </a:r>
-            <a:r>
-              <a:rPr lang="en-US" dirty="0" smtClean="0"/>
-              <a:t>Cucumbe</a:t>
-            </a:r>
-            <a:r>
-              <a:rPr lang="en-US" dirty="0"/>
-              <a:t>r</a:t>
+              <a:rPr lang="en-US" dirty="0"/>
+              <a:t>- Aslak Hellesøy, creator of Cucumber</a:t>
             </a:r>
           </a:p>
         </p:txBody>
@@ -31840,13 +30706,6 @@
   <p:transition spd="med">
     <p:fade/>
   </p:transition>
-  <p:timing>
-    <p:tnLst>
-      <p:par>
-        <p:cTn id="1" dur="indefinite" restart="never" nodeType="tmRoot"/>
-      </p:par>
-    </p:tnLst>
-  </p:timing>
 </p:sld>
 </file>
 
@@ -31883,11 +30742,11 @@
           <a:lstStyle/>
           <a:p>
             <a:r>
-              <a:rPr lang="en-US" dirty="0" smtClean="0"/>
+              <a:rPr lang="en-US" dirty="0"/>
               <a:t>Scenario: Potential User </a:t>
             </a:r>
             <a:r>
-              <a:rPr lang="en-US" smtClean="0"/>
+              <a:rPr lang="en-US"/>
               <a:t>Visits Website</a:t>
             </a:r>
             <a:endParaRPr lang="en-US" dirty="0"/>
@@ -31915,41 +30774,28 @@
             </a:r>
             <a:r>
               <a:rPr lang="en-US" sz="4800" b="1" dirty="0"/>
-              <a:t>I am a potential </a:t>
-            </a:r>
-            <a:r>
-              <a:rPr lang="en-US" sz="4800" b="1" dirty="0" smtClean="0"/>
-              <a:t>user</a:t>
-            </a:r>
-          </a:p>
-          <a:p>
-            <a:r>
-              <a:rPr lang="en-US" sz="4800" dirty="0" smtClean="0"/>
+              <a:t>I am a potential user</a:t>
+            </a:r>
+          </a:p>
+          <a:p>
+            <a:r>
+              <a:rPr lang="en-US" sz="4800" dirty="0"/>
               <a:t>When </a:t>
             </a:r>
             <a:r>
               <a:rPr lang="en-US" sz="4800" b="1" dirty="0"/>
-              <a:t>I visit the company website in my </a:t>
-            </a:r>
-            <a:r>
-              <a:rPr lang="en-US" sz="4800" b="1" dirty="0" smtClean="0"/>
-              <a:t>browser</a:t>
-            </a:r>
-          </a:p>
-          <a:p>
-            <a:r>
-              <a:rPr lang="en-US" sz="4800" dirty="0" smtClean="0"/>
-              <a:t>Then </a:t>
-            </a:r>
+              <a:t>I visit the company website in my browser</a:t>
+            </a:r>
+          </a:p>
+          <a:p>
             <a:r>
               <a:rPr lang="en-US" sz="4800" dirty="0"/>
-              <a:t>I should </a:t>
-            </a:r>
-            <a:r>
-              <a:rPr lang="en-US" sz="4800" b="1" dirty="0" smtClean="0"/>
+              <a:t>Then I should </a:t>
+            </a:r>
+            <a:r>
+              <a:rPr lang="en-US" sz="4800" b="1" dirty="0"/>
               <a:t>see a welcome message</a:t>
             </a:r>
-            <a:endParaRPr lang="en-US" sz="4800" b="1" dirty="0"/>
           </a:p>
         </p:txBody>
       </p:sp>
@@ -31966,13 +30812,6 @@
   <p:transition spd="med">
     <p:fade/>
   </p:transition>
-  <p:timing>
-    <p:tnLst>
-      <p:par>
-        <p:cTn id="1" dur="indefinite" restart="never" nodeType="tmRoot"/>
-      </p:par>
-    </p:tnLst>
-  </p:timing>
 </p:sld>
 </file>
 
@@ -33307,15 +32146,6 @@
 </file>
 
 <file path=customXml/item1.xml><?xml version="1.0" encoding="utf-8"?>
-<?mso-contentType ?>
-<FormTemplates xmlns="http://schemas.microsoft.com/sharepoint/v3/contenttype/forms">
-  <Display>DocumentLibraryForm</Display>
-  <Edit>DocumentLibraryForm</Edit>
-  <New>DocumentLibraryForm</New>
-</FormTemplates>
-</file>
-
-<file path=customXml/item2.xml><?xml version="1.0" encoding="utf-8"?>
 <ct:contentTypeSchema xmlns:ct="http://schemas.microsoft.com/office/2006/metadata/contentType" xmlns:ma="http://schemas.microsoft.com/office/2006/metadata/properties/metaAttributes" ct:_="" ma:_="" ma:contentTypeName="Document" ma:contentTypeID="0x0101000812F700BE7F874999720E88173FE491" ma:contentTypeVersion="0" ma:contentTypeDescription="Create a new document." ma:contentTypeScope="" ma:versionID="3f79f408e2ca720b7aba6e0e32464d0c">
   <xsd:schema xmlns:xsd="http://www.w3.org/2001/XMLSchema" xmlns:xs="http://www.w3.org/2001/XMLSchema" xmlns:p="http://schemas.microsoft.com/office/2006/metadata/properties" xmlns:ns2="7bb5d761-a2ea-4873-95f7-7a6658fb3ef0" targetNamespace="http://schemas.microsoft.com/office/2006/metadata/properties" ma:root="true" ma:fieldsID="1e062cd38ba31e406bfc4340fbc7f87a" ns2:_="">
     <xsd:import namespace="7bb5d761-a2ea-4873-95f7-7a6658fb3ef0"/>
@@ -33460,19 +32290,16 @@
 </ct:contentTypeSchema>
 </file>
 
-<file path=customXml/item3.xml><?xml version="1.0" encoding="utf-8"?>
-<p:properties xmlns:p="http://schemas.microsoft.com/office/2006/metadata/properties" xmlns:xsi="http://www.w3.org/2001/XMLSchema-instance" xmlns:pc="http://schemas.microsoft.com/office/infopath/2007/PartnerControls">
-  <documentManagement>
-    <_dlc_DocId xmlns="7bb5d761-a2ea-4873-95f7-7a6658fb3ef0">M4CWTKMW727E-592-73</_dlc_DocId>
-    <_dlc_DocIdUrl xmlns="7bb5d761-a2ea-4873-95f7-7a6658fb3ef0">
-      <Url>https://kms.vci.local/marketing/team/_layouts/DocIdRedir.aspx?ID=M4CWTKMW727E-592-73</Url>
-      <Description>M4CWTKMW727E-592-73</Description>
-    </_dlc_DocIdUrl>
-  </documentManagement>
-</p:properties>
+<file path=customXml/item2.xml><?xml version="1.0" encoding="utf-8"?>
+<?mso-contentType ?>
+<FormTemplates xmlns="http://schemas.microsoft.com/sharepoint/v3/contenttype/forms">
+  <Display>DocumentLibraryForm</Display>
+  <Edit>DocumentLibraryForm</Edit>
+  <New>DocumentLibraryForm</New>
+</FormTemplates>
 </file>
 
-<file path=customXml/item4.xml><?xml version="1.0" encoding="utf-8"?>
+<file path=customXml/item3.xml><?xml version="1.0" encoding="utf-8"?>
 <?mso-contentType ?>
 <spe:Receivers xmlns:spe="http://schemas.microsoft.com/sharepoint/events">
   <Receiver>
@@ -33518,15 +32345,19 @@
 </spe:Receivers>
 </file>
 
-<file path=customXml/itemProps1.xml><?xml version="1.0" encoding="utf-8"?>
-<ds:datastoreItem xmlns:ds="http://schemas.openxmlformats.org/officeDocument/2006/customXml" ds:itemID="{5CDEB364-43EC-4510-9881-539C2A3FCE9E}">
-  <ds:schemaRefs>
-    <ds:schemaRef ds:uri="http://schemas.microsoft.com/sharepoint/v3/contenttype/forms"/>
-  </ds:schemaRefs>
-</ds:datastoreItem>
+<file path=customXml/item4.xml><?xml version="1.0" encoding="utf-8"?>
+<p:properties xmlns:p="http://schemas.microsoft.com/office/2006/metadata/properties" xmlns:xsi="http://www.w3.org/2001/XMLSchema-instance" xmlns:pc="http://schemas.microsoft.com/office/infopath/2007/PartnerControls">
+  <documentManagement>
+    <_dlc_DocId xmlns="7bb5d761-a2ea-4873-95f7-7a6658fb3ef0">M4CWTKMW727E-592-73</_dlc_DocId>
+    <_dlc_DocIdUrl xmlns="7bb5d761-a2ea-4873-95f7-7a6658fb3ef0">
+      <Url>https://kms.vci.local/marketing/team/_layouts/DocIdRedir.aspx?ID=M4CWTKMW727E-592-73</Url>
+      <Description>M4CWTKMW727E-592-73</Description>
+    </_dlc_DocIdUrl>
+  </documentManagement>
+</p:properties>
 </file>
 
-<file path=customXml/itemProps2.xml><?xml version="1.0" encoding="utf-8"?>
+<file path=customXml/itemProps1.xml><?xml version="1.0" encoding="utf-8"?>
 <ds:datastoreItem xmlns:ds="http://schemas.openxmlformats.org/officeDocument/2006/customXml" ds:itemID="{164479E5-0B02-49AC-B79E-EC1D6164DDD3}">
   <ds:schemaRefs>
     <ds:schemaRef ds:uri="http://schemas.microsoft.com/office/2006/metadata/contentType"/>
@@ -33544,7 +32375,23 @@
 </ds:datastoreItem>
 </file>
 
+<file path=customXml/itemProps2.xml><?xml version="1.0" encoding="utf-8"?>
+<ds:datastoreItem xmlns:ds="http://schemas.openxmlformats.org/officeDocument/2006/customXml" ds:itemID="{5CDEB364-43EC-4510-9881-539C2A3FCE9E}">
+  <ds:schemaRefs>
+    <ds:schemaRef ds:uri="http://schemas.microsoft.com/sharepoint/v3/contenttype/forms"/>
+  </ds:schemaRefs>
+</ds:datastoreItem>
+</file>
+
 <file path=customXml/itemProps3.xml><?xml version="1.0" encoding="utf-8"?>
+<ds:datastoreItem xmlns:ds="http://schemas.openxmlformats.org/officeDocument/2006/customXml" ds:itemID="{B13EBC30-FE27-4C6A-B723-23FC2188F7DC}">
+  <ds:schemaRefs>
+    <ds:schemaRef ds:uri="http://schemas.microsoft.com/sharepoint/events"/>
+  </ds:schemaRefs>
+</ds:datastoreItem>
+</file>
+
+<file path=customXml/itemProps4.xml><?xml version="1.0" encoding="utf-8"?>
 <ds:datastoreItem xmlns:ds="http://schemas.openxmlformats.org/officeDocument/2006/customXml" ds:itemID="{6921749B-AEB7-461B-845F-603CABD25259}">
   <ds:schemaRefs>
     <ds:schemaRef ds:uri="7bb5d761-a2ea-4873-95f7-7a6658fb3ef0"/>
@@ -33558,12 +32405,4 @@
     <ds:schemaRef ds:uri="http://www.w3.org/XML/1998/namespace"/>
   </ds:schemaRefs>
 </ds:datastoreItem>
-</file>
-
-<file path=customXml/itemProps4.xml><?xml version="1.0" encoding="utf-8"?>
-<ds:datastoreItem xmlns:ds="http://schemas.openxmlformats.org/officeDocument/2006/customXml" ds:itemID="{B13EBC30-FE27-4C6A-B723-23FC2188F7DC}">
-  <ds:schemaRefs>
-    <ds:schemaRef ds:uri="http://schemas.microsoft.com/sharepoint/events"/>
-  </ds:schemaRefs>
-</ds:datastoreItem>
 </file>
--- a/03-writing_a_test_first.pptx
+++ b/03-writing_a_test_first.pptx
@@ -333,7 +333,7 @@
               <a:pPr>
                 <a:defRPr/>
               </a:pPr>
-              <a:t>2018-03-12</a:t>
+              <a:t>2018-03-23</a:t>
             </a:fld>
             <a:endParaRPr lang="en-US" dirty="0"/>
           </a:p>
@@ -9086,14 +9086,14 @@
           </a:ln>
           <a:extLst>
             <a:ext uri="{909E8E84-426E-40dd-AFC4-6F175D3DCCD1}">
-              <a14:hiddenFill xmlns:a14="http://schemas.microsoft.com/office/drawing/2010/main" xmlns="">
+              <a14:hiddenFill xmlns="" xmlns:a14="http://schemas.microsoft.com/office/drawing/2010/main">
                 <a:solidFill>
                   <a:srgbClr val="FFFFFF"/>
                 </a:solidFill>
               </a14:hiddenFill>
             </a:ext>
             <a:ext uri="{91240B29-F687-4f45-9708-019B960494DF}">
-              <a14:hiddenLine xmlns:a14="http://schemas.microsoft.com/office/drawing/2010/main" xmlns="" w="9525">
+              <a14:hiddenLine xmlns="" xmlns:a14="http://schemas.microsoft.com/office/drawing/2010/main" w="9525">
                 <a:solidFill>
                   <a:srgbClr val="000000"/>
                 </a:solidFill>
@@ -9241,14 +9241,14 @@
           </a:ln>
           <a:extLst>
             <a:ext uri="{909E8E84-426E-40dd-AFC4-6F175D3DCCD1}">
-              <a14:hiddenFill xmlns:a14="http://schemas.microsoft.com/office/drawing/2010/main" xmlns="">
+              <a14:hiddenFill xmlns="" xmlns:a14="http://schemas.microsoft.com/office/drawing/2010/main">
                 <a:solidFill>
                   <a:srgbClr val="FFFFFF"/>
                 </a:solidFill>
               </a14:hiddenFill>
             </a:ext>
             <a:ext uri="{91240B29-F687-4f45-9708-019B960494DF}">
-              <a14:hiddenLine xmlns:a14="http://schemas.microsoft.com/office/drawing/2010/main" xmlns="" w="9525">
+              <a14:hiddenLine xmlns="" xmlns:a14="http://schemas.microsoft.com/office/drawing/2010/main" w="9525">
                 <a:solidFill>
                   <a:srgbClr val="000000"/>
                 </a:solidFill>
@@ -9739,14 +9739,14 @@
           </a:ln>
           <a:extLst>
             <a:ext uri="{909E8E84-426E-40dd-AFC4-6F175D3DCCD1}">
-              <a14:hiddenFill xmlns:a14="http://schemas.microsoft.com/office/drawing/2010/main" xmlns="">
+              <a14:hiddenFill xmlns="" xmlns:a14="http://schemas.microsoft.com/office/drawing/2010/main">
                 <a:solidFill>
                   <a:srgbClr val="FFFFFF"/>
                 </a:solidFill>
               </a14:hiddenFill>
             </a:ext>
             <a:ext uri="{91240B29-F687-4f45-9708-019B960494DF}">
-              <a14:hiddenLine xmlns:a14="http://schemas.microsoft.com/office/drawing/2010/main" xmlns="" w="9525">
+              <a14:hiddenLine xmlns="" xmlns:a14="http://schemas.microsoft.com/office/drawing/2010/main" w="9525">
                 <a:solidFill>
                   <a:srgbClr val="000000"/>
                 </a:solidFill>
@@ -11173,14 +11173,14 @@
           </a:ln>
           <a:extLst>
             <a:ext uri="{909E8E84-426E-40dd-AFC4-6F175D3DCCD1}">
-              <a14:hiddenFill xmlns:a14="http://schemas.microsoft.com/office/drawing/2010/main" xmlns="">
+              <a14:hiddenFill xmlns="" xmlns:a14="http://schemas.microsoft.com/office/drawing/2010/main">
                 <a:solidFill>
                   <a:srgbClr val="FFFFFF"/>
                 </a:solidFill>
               </a14:hiddenFill>
             </a:ext>
             <a:ext uri="{91240B29-F687-4f45-9708-019B960494DF}">
-              <a14:hiddenLine xmlns:a14="http://schemas.microsoft.com/office/drawing/2010/main" xmlns="" w="9525">
+              <a14:hiddenLine xmlns="" xmlns:a14="http://schemas.microsoft.com/office/drawing/2010/main" w="9525">
                 <a:solidFill>
                   <a:srgbClr val="000000"/>
                 </a:solidFill>
@@ -12514,14 +12514,14 @@
           </a:ln>
           <a:extLst>
             <a:ext uri="{909E8E84-426E-40dd-AFC4-6F175D3DCCD1}">
-              <a14:hiddenFill xmlns:a14="http://schemas.microsoft.com/office/drawing/2010/main" xmlns="">
+              <a14:hiddenFill xmlns="" xmlns:a14="http://schemas.microsoft.com/office/drawing/2010/main">
                 <a:solidFill>
                   <a:srgbClr val="FFFFFF"/>
                 </a:solidFill>
               </a14:hiddenFill>
             </a:ext>
             <a:ext uri="{91240B29-F687-4f45-9708-019B960494DF}">
-              <a14:hiddenLine xmlns:a14="http://schemas.microsoft.com/office/drawing/2010/main" xmlns="" w="9525">
+              <a14:hiddenLine xmlns="" xmlns:a14="http://schemas.microsoft.com/office/drawing/2010/main" w="9525">
                 <a:solidFill>
                   <a:srgbClr val="000000"/>
                 </a:solidFill>
@@ -13079,14 +13079,14 @@
           </a:ln>
           <a:extLst>
             <a:ext uri="{909E8E84-426E-40dd-AFC4-6F175D3DCCD1}">
-              <a14:hiddenFill xmlns:a14="http://schemas.microsoft.com/office/drawing/2010/main" xmlns="">
+              <a14:hiddenFill xmlns="" xmlns:a14="http://schemas.microsoft.com/office/drawing/2010/main">
                 <a:solidFill>
                   <a:srgbClr val="FFFFFF"/>
                 </a:solidFill>
               </a14:hiddenFill>
             </a:ext>
             <a:ext uri="{91240B29-F687-4f45-9708-019B960494DF}">
-              <a14:hiddenLine xmlns:a14="http://schemas.microsoft.com/office/drawing/2010/main" xmlns="" w="9525">
+              <a14:hiddenLine xmlns="" xmlns:a14="http://schemas.microsoft.com/office/drawing/2010/main" w="9525">
                 <a:solidFill>
                   <a:srgbClr val="000000"/>
                 </a:solidFill>
@@ -13653,14 +13653,14 @@
           </a:ln>
           <a:extLst>
             <a:ext uri="{909E8E84-426E-40dd-AFC4-6F175D3DCCD1}">
-              <a14:hiddenFill xmlns:a14="http://schemas.microsoft.com/office/drawing/2010/main" xmlns="">
+              <a14:hiddenFill xmlns="" xmlns:a14="http://schemas.microsoft.com/office/drawing/2010/main">
                 <a:solidFill>
                   <a:srgbClr val="FFFFFF"/>
                 </a:solidFill>
               </a14:hiddenFill>
             </a:ext>
             <a:ext uri="{91240B29-F687-4f45-9708-019B960494DF}">
-              <a14:hiddenLine xmlns:a14="http://schemas.microsoft.com/office/drawing/2010/main" xmlns="" w="9525">
+              <a14:hiddenLine xmlns="" xmlns:a14="http://schemas.microsoft.com/office/drawing/2010/main" w="9525">
                 <a:solidFill>
                   <a:srgbClr val="000000"/>
                 </a:solidFill>
@@ -14600,14 +14600,14 @@
           </a:ln>
           <a:extLst>
             <a:ext uri="{909E8E84-426E-40dd-AFC4-6F175D3DCCD1}">
-              <a14:hiddenFill xmlns:a14="http://schemas.microsoft.com/office/drawing/2010/main" xmlns="">
+              <a14:hiddenFill xmlns="" xmlns:a14="http://schemas.microsoft.com/office/drawing/2010/main">
                 <a:solidFill>
                   <a:srgbClr val="FFFFFF"/>
                 </a:solidFill>
               </a14:hiddenFill>
             </a:ext>
             <a:ext uri="{91240B29-F687-4f45-9708-019B960494DF}">
-              <a14:hiddenLine xmlns:a14="http://schemas.microsoft.com/office/drawing/2010/main" xmlns="" w="9525">
+              <a14:hiddenLine xmlns="" xmlns:a14="http://schemas.microsoft.com/office/drawing/2010/main" w="9525">
                 <a:solidFill>
                   <a:srgbClr val="000000"/>
                 </a:solidFill>
@@ -15362,14 +15362,14 @@
           </a:ln>
           <a:extLst>
             <a:ext uri="{909E8E84-426E-40dd-AFC4-6F175D3DCCD1}">
-              <a14:hiddenFill xmlns:a14="http://schemas.microsoft.com/office/drawing/2010/main" xmlns="">
+              <a14:hiddenFill xmlns="" xmlns:a14="http://schemas.microsoft.com/office/drawing/2010/main">
                 <a:solidFill>
                   <a:srgbClr val="FFFFFF"/>
                 </a:solidFill>
               </a14:hiddenFill>
             </a:ext>
             <a:ext uri="{91240B29-F687-4f45-9708-019B960494DF}">
-              <a14:hiddenLine xmlns:a14="http://schemas.microsoft.com/office/drawing/2010/main" xmlns="" w="9525">
+              <a14:hiddenLine xmlns="" xmlns:a14="http://schemas.microsoft.com/office/drawing/2010/main" w="9525">
                 <a:solidFill>
                   <a:srgbClr val="000000"/>
                 </a:solidFill>
@@ -20322,7 +20322,7 @@
         <p:spPr>
           <a:xfrm>
             <a:off x="4854421" y="3672883"/>
-            <a:ext cx="1565564" cy="540465"/>
+            <a:ext cx="1565564" cy="536817"/>
           </a:xfrm>
         </p:spPr>
         <p:txBody>
@@ -21980,7 +21980,7 @@
           <a:p>
             <a:r>
               <a:rPr lang="en-US" dirty="0"/>
-              <a:t>  - name: centos-7.3</a:t>
+              <a:t>  - name: centos-7</a:t>
             </a:r>
           </a:p>
         </p:txBody>
@@ -23180,7 +23180,7 @@
           <a:p>
             <a:r>
               <a:rPr lang="en-US" dirty="0"/>
-              <a:t>  - name: centos-7.3</a:t>
+              <a:t>  - name: centos-7</a:t>
             </a:r>
           </a:p>
         </p:txBody>
@@ -26456,35 +26456,13 @@
           <a:p>
             <a:r>
               <a:rPr lang="en-US" dirty="0"/>
-              <a:t>$$$$$$ Running legacy login for '</a:t>
-            </a:r>
-            <a:r>
-              <a:rPr lang="en-US" dirty="0" err="1"/>
-              <a:t>Docker</a:t>
-            </a:r>
-            <a:r>
-              <a:rPr lang="en-US" dirty="0"/>
-              <a:t>' Driver</a:t>
-            </a:r>
-          </a:p>
-          <a:p>
-            <a:r>
-              <a:rPr lang="en-US" dirty="0"/>
-              <a:t>Last login: Thu Feb 18 21:21:39 </a:t>
-            </a:r>
-            <a:r>
-              <a:rPr lang="is-IS" dirty="0"/>
-              <a:t>2017</a:t>
-            </a:r>
-            <a:r>
-              <a:rPr lang="en-US" dirty="0"/>
-              <a:t> from 172.17.42.1</a:t>
-            </a:r>
-          </a:p>
-          <a:p>
-            <a:r>
-              <a:rPr lang="en-US" dirty="0"/>
-              <a:t>[kitchen@4eae2dd9e741 ~]$</a:t>
+              <a:t>Last login: Fri Mar 23 15:48:26 2018 from 172.17.42.1</a:t>
+            </a:r>
+          </a:p>
+          <a:p>
+            <a:r>
+              <a:rPr lang="en-US" dirty="0"/>
+              <a:t>[kitchen@bc530336220c ~]$</a:t>
             </a:r>
           </a:p>
         </p:txBody>
@@ -26523,8 +26501,8 @@
         </p:nvSpPr>
         <p:spPr>
           <a:xfrm>
-            <a:off x="1127883" y="3318455"/>
-            <a:ext cx="14420850" cy="557213"/>
+            <a:off x="1122782" y="2842591"/>
+            <a:ext cx="14420850" cy="576470"/>
           </a:xfrm>
         </p:spPr>
         <p:txBody>
@@ -32146,6 +32124,15 @@
 </file>
 
 <file path=customXml/item1.xml><?xml version="1.0" encoding="utf-8"?>
+<?mso-contentType ?>
+<FormTemplates xmlns="http://schemas.microsoft.com/sharepoint/v3/contenttype/forms">
+  <Display>DocumentLibraryForm</Display>
+  <Edit>DocumentLibraryForm</Edit>
+  <New>DocumentLibraryForm</New>
+</FormTemplates>
+</file>
+
+<file path=customXml/item2.xml><?xml version="1.0" encoding="utf-8"?>
 <ct:contentTypeSchema xmlns:ct="http://schemas.microsoft.com/office/2006/metadata/contentType" xmlns:ma="http://schemas.microsoft.com/office/2006/metadata/properties/metaAttributes" ct:_="" ma:_="" ma:contentTypeName="Document" ma:contentTypeID="0x0101000812F700BE7F874999720E88173FE491" ma:contentTypeVersion="0" ma:contentTypeDescription="Create a new document." ma:contentTypeScope="" ma:versionID="3f79f408e2ca720b7aba6e0e32464d0c">
   <xsd:schema xmlns:xsd="http://www.w3.org/2001/XMLSchema" xmlns:xs="http://www.w3.org/2001/XMLSchema" xmlns:p="http://schemas.microsoft.com/office/2006/metadata/properties" xmlns:ns2="7bb5d761-a2ea-4873-95f7-7a6658fb3ef0" targetNamespace="http://schemas.microsoft.com/office/2006/metadata/properties" ma:root="true" ma:fieldsID="1e062cd38ba31e406bfc4340fbc7f87a" ns2:_="">
     <xsd:import namespace="7bb5d761-a2ea-4873-95f7-7a6658fb3ef0"/>
@@ -32290,16 +32277,19 @@
 </ct:contentTypeSchema>
 </file>
 
-<file path=customXml/item2.xml><?xml version="1.0" encoding="utf-8"?>
-<?mso-contentType ?>
-<FormTemplates xmlns="http://schemas.microsoft.com/sharepoint/v3/contenttype/forms">
-  <Display>DocumentLibraryForm</Display>
-  <Edit>DocumentLibraryForm</Edit>
-  <New>DocumentLibraryForm</New>
-</FormTemplates>
+<file path=customXml/item3.xml><?xml version="1.0" encoding="utf-8"?>
+<p:properties xmlns:p="http://schemas.microsoft.com/office/2006/metadata/properties" xmlns:xsi="http://www.w3.org/2001/XMLSchema-instance" xmlns:pc="http://schemas.microsoft.com/office/infopath/2007/PartnerControls">
+  <documentManagement>
+    <_dlc_DocId xmlns="7bb5d761-a2ea-4873-95f7-7a6658fb3ef0">M4CWTKMW727E-592-73</_dlc_DocId>
+    <_dlc_DocIdUrl xmlns="7bb5d761-a2ea-4873-95f7-7a6658fb3ef0">
+      <Url>https://kms.vci.local/marketing/team/_layouts/DocIdRedir.aspx?ID=M4CWTKMW727E-592-73</Url>
+      <Description>M4CWTKMW727E-592-73</Description>
+    </_dlc_DocIdUrl>
+  </documentManagement>
+</p:properties>
 </file>
 
-<file path=customXml/item3.xml><?xml version="1.0" encoding="utf-8"?>
+<file path=customXml/item4.xml><?xml version="1.0" encoding="utf-8"?>
 <?mso-contentType ?>
 <spe:Receivers xmlns:spe="http://schemas.microsoft.com/sharepoint/events">
   <Receiver>
@@ -32345,19 +32335,15 @@
 </spe:Receivers>
 </file>
 
-<file path=customXml/item4.xml><?xml version="1.0" encoding="utf-8"?>
-<p:properties xmlns:p="http://schemas.microsoft.com/office/2006/metadata/properties" xmlns:xsi="http://www.w3.org/2001/XMLSchema-instance" xmlns:pc="http://schemas.microsoft.com/office/infopath/2007/PartnerControls">
-  <documentManagement>
-    <_dlc_DocId xmlns="7bb5d761-a2ea-4873-95f7-7a6658fb3ef0">M4CWTKMW727E-592-73</_dlc_DocId>
-    <_dlc_DocIdUrl xmlns="7bb5d761-a2ea-4873-95f7-7a6658fb3ef0">
-      <Url>https://kms.vci.local/marketing/team/_layouts/DocIdRedir.aspx?ID=M4CWTKMW727E-592-73</Url>
-      <Description>M4CWTKMW727E-592-73</Description>
-    </_dlc_DocIdUrl>
-  </documentManagement>
-</p:properties>
+<file path=customXml/itemProps1.xml><?xml version="1.0" encoding="utf-8"?>
+<ds:datastoreItem xmlns:ds="http://schemas.openxmlformats.org/officeDocument/2006/customXml" ds:itemID="{5CDEB364-43EC-4510-9881-539C2A3FCE9E}">
+  <ds:schemaRefs>
+    <ds:schemaRef ds:uri="http://schemas.microsoft.com/sharepoint/v3/contenttype/forms"/>
+  </ds:schemaRefs>
+</ds:datastoreItem>
 </file>
 
-<file path=customXml/itemProps1.xml><?xml version="1.0" encoding="utf-8"?>
+<file path=customXml/itemProps2.xml><?xml version="1.0" encoding="utf-8"?>
 <ds:datastoreItem xmlns:ds="http://schemas.openxmlformats.org/officeDocument/2006/customXml" ds:itemID="{164479E5-0B02-49AC-B79E-EC1D6164DDD3}">
   <ds:schemaRefs>
     <ds:schemaRef ds:uri="http://schemas.microsoft.com/office/2006/metadata/contentType"/>
@@ -32375,23 +32361,7 @@
 </ds:datastoreItem>
 </file>
 
-<file path=customXml/itemProps2.xml><?xml version="1.0" encoding="utf-8"?>
-<ds:datastoreItem xmlns:ds="http://schemas.openxmlformats.org/officeDocument/2006/customXml" ds:itemID="{5CDEB364-43EC-4510-9881-539C2A3FCE9E}">
-  <ds:schemaRefs>
-    <ds:schemaRef ds:uri="http://schemas.microsoft.com/sharepoint/v3/contenttype/forms"/>
-  </ds:schemaRefs>
-</ds:datastoreItem>
-</file>
-
 <file path=customXml/itemProps3.xml><?xml version="1.0" encoding="utf-8"?>
-<ds:datastoreItem xmlns:ds="http://schemas.openxmlformats.org/officeDocument/2006/customXml" ds:itemID="{B13EBC30-FE27-4C6A-B723-23FC2188F7DC}">
-  <ds:schemaRefs>
-    <ds:schemaRef ds:uri="http://schemas.microsoft.com/sharepoint/events"/>
-  </ds:schemaRefs>
-</ds:datastoreItem>
-</file>
-
-<file path=customXml/itemProps4.xml><?xml version="1.0" encoding="utf-8"?>
 <ds:datastoreItem xmlns:ds="http://schemas.openxmlformats.org/officeDocument/2006/customXml" ds:itemID="{6921749B-AEB7-461B-845F-603CABD25259}">
   <ds:schemaRefs>
     <ds:schemaRef ds:uri="7bb5d761-a2ea-4873-95f7-7a6658fb3ef0"/>
@@ -32405,4 +32375,12 @@
     <ds:schemaRef ds:uri="http://www.w3.org/XML/1998/namespace"/>
   </ds:schemaRefs>
 </ds:datastoreItem>
+</file>
+
+<file path=customXml/itemProps4.xml><?xml version="1.0" encoding="utf-8"?>
+<ds:datastoreItem xmlns:ds="http://schemas.openxmlformats.org/officeDocument/2006/customXml" ds:itemID="{B13EBC30-FE27-4C6A-B723-23FC2188F7DC}">
+  <ds:schemaRefs>
+    <ds:schemaRef ds:uri="http://schemas.microsoft.com/sharepoint/events"/>
+  </ds:schemaRefs>
+</ds:datastoreItem>
 </file>
--- a/03-writing_a_test_first.pptx
+++ b/03-writing_a_test_first.pptx
@@ -13,10 +13,10 @@
   </p:handoutMasterIdLst>
   <p:sldIdLst>
     <p:sldId id="256" r:id="rId7"/>
-    <p:sldId id="296" r:id="rId8"/>
-    <p:sldId id="297" r:id="rId9"/>
-    <p:sldId id="299" r:id="rId10"/>
-    <p:sldId id="257" r:id="rId11"/>
+    <p:sldId id="257" r:id="rId8"/>
+    <p:sldId id="296" r:id="rId9"/>
+    <p:sldId id="297" r:id="rId10"/>
+    <p:sldId id="299" r:id="rId11"/>
     <p:sldId id="294" r:id="rId12"/>
     <p:sldId id="295" r:id="rId13"/>
     <p:sldId id="300" r:id="rId14"/>
@@ -333,7 +333,7 @@
               <a:pPr>
                 <a:defRPr/>
               </a:pPr>
-              <a:t>2018-03-23</a:t>
+              <a:t>2018-04-25</a:t>
             </a:fld>
             <a:endParaRPr lang="en-US" dirty="0"/>
           </a:p>
@@ -2338,95 +2338,41 @@
               <a:defRPr/>
             </a:pPr>
             <a:r>
-              <a:rPr lang="en-US" baseline="0" dirty="0"/>
-              <a:t>Test Driven Development (TDD) is a workflow that asks you to perform that act continually and repeatedly as you satisfy the requirements of the work you have chosen to perform.</a:t>
-            </a:r>
-          </a:p>
-          <a:p>
-            <a:pPr marL="0" marR="0" indent="0" algn="l" defTabSz="1217613" rtl="0" eaLnBrk="1" fontAlgn="base" latinLnBrk="0" hangingPunct="1">
-              <a:lnSpc>
-                <a:spcPct val="90000"/>
-              </a:lnSpc>
-              <a:spcBef>
-                <a:spcPct val="30000"/>
-              </a:spcBef>
-              <a:spcAft>
-                <a:spcPts val="450"/>
-              </a:spcAft>
-              <a:buClrTx/>
-              <a:buSzTx/>
-              <a:buFontTx/>
-              <a:buNone/>
-              <a:tabLst/>
-              <a:defRPr/>
-            </a:pPr>
-            <a:endParaRPr lang="en-US" baseline="0" dirty="0"/>
-          </a:p>
-          <a:p>
-            <a:pPr marL="0" marR="0" indent="0" algn="l" defTabSz="1217613" rtl="0" eaLnBrk="1" fontAlgn="base" latinLnBrk="0" hangingPunct="1">
-              <a:lnSpc>
-                <a:spcPct val="90000"/>
-              </a:lnSpc>
-              <a:spcBef>
-                <a:spcPct val="30000"/>
-              </a:spcBef>
-              <a:spcAft>
-                <a:spcPts val="450"/>
-              </a:spcAft>
-              <a:buClrTx/>
-              <a:buSzTx/>
-              <a:buFontTx/>
-              <a:buNone/>
-              <a:tabLst/>
-              <a:defRPr/>
-            </a:pPr>
-            <a:r>
-              <a:rPr lang="en-US" baseline="0" dirty="0"/>
-              <a:t>TDD generically focuses on the unit of software any level. It is the process of writing the test first, implementing the unit, and then verifying the implementation with the test that was written.</a:t>
-            </a:r>
-          </a:p>
-          <a:p>
-            <a:pPr marL="0" marR="0" indent="0" algn="l" defTabSz="1217613" rtl="0" eaLnBrk="1" fontAlgn="base" latinLnBrk="0" hangingPunct="1">
-              <a:lnSpc>
-                <a:spcPct val="90000"/>
-              </a:lnSpc>
-              <a:spcBef>
-                <a:spcPct val="30000"/>
-              </a:spcBef>
-              <a:spcAft>
-                <a:spcPts val="450"/>
-              </a:spcAft>
-              <a:buClrTx/>
-              <a:buSzTx/>
-              <a:buFontTx/>
-              <a:buNone/>
-              <a:tabLst/>
-              <a:defRPr/>
-            </a:pPr>
-            <a:endParaRPr lang="en-US" baseline="0" dirty="0"/>
-          </a:p>
-          <a:p>
-            <a:pPr marL="0" marR="0" indent="0" algn="l" defTabSz="1217613" rtl="0" eaLnBrk="1" fontAlgn="base" latinLnBrk="0" hangingPunct="1">
-              <a:lnSpc>
-                <a:spcPct val="90000"/>
-              </a:lnSpc>
-              <a:spcBef>
-                <a:spcPct val="30000"/>
-              </a:spcBef>
-              <a:spcAft>
-                <a:spcPts val="450"/>
-              </a:spcAft>
-              <a:buClrTx/>
-              <a:buSzTx/>
-              <a:buFontTx/>
-              <a:buNone/>
-              <a:tabLst/>
-              <a:defRPr/>
-            </a:pPr>
-            <a:r>
-              <a:rPr lang="en-US" baseline="0" dirty="0"/>
-              <a:t>A 'unit' of software is purposefully vague. This 'unit' is definable by the individuals developing the software. So the size of a 'unit of software' likely has different meanings to different individuals based on our backgrounds and experiences.</a:t>
-            </a:r>
+              <a:rPr lang="en-US" sz="1200" kern="1200" dirty="0">
+                <a:solidFill>
+                  <a:schemeClr val="tx1"/>
+                </a:solidFill>
+                <a:effectLst/>
+                <a:latin typeface="Arial" panose="020B0604020202020204" pitchFamily="34" charset="0"/>
+                <a:ea typeface="ＭＳ Ｐゴシック" charset="0"/>
+                <a:cs typeface="Arial" panose="020B0604020202020204" pitchFamily="34" charset="0"/>
+              </a:rPr>
+              <a:t>In this module you will learn how to use chef</a:t>
+            </a:r>
+            <a:r>
+              <a:rPr lang="en-US" sz="1200" kern="1200" baseline="0" dirty="0">
+                <a:solidFill>
+                  <a:schemeClr val="tx1"/>
+                </a:solidFill>
+                <a:effectLst/>
+                <a:latin typeface="Arial" panose="020B0604020202020204" pitchFamily="34" charset="0"/>
+                <a:ea typeface="ＭＳ Ｐゴシック" charset="0"/>
+                <a:cs typeface="Arial" panose="020B0604020202020204" pitchFamily="34" charset="0"/>
+              </a:rPr>
+              <a:t> to generate a cookbook, write an integration test first, use Test Kitchen to execute that test, and then implement a solution to make that test pass.</a:t>
+            </a:r>
+            <a:endParaRPr lang="en-US" sz="1200" kern="1200" dirty="0">
+              <a:solidFill>
+                <a:schemeClr val="tx1"/>
+              </a:solidFill>
+              <a:effectLst/>
+              <a:latin typeface="Arial" panose="020B0604020202020204" pitchFamily="34" charset="0"/>
+              <a:ea typeface="ＭＳ Ｐゴシック" charset="0"/>
+              <a:cs typeface="Arial" panose="020B0604020202020204" pitchFamily="34" charset="0"/>
+            </a:endParaRPr>
+          </a:p>
+          <a:p>
+            <a:endParaRPr lang="en-US" dirty="0"/>
           </a:p>
         </p:txBody>
       </p:sp>
@@ -2484,7 +2430,7 @@
     </p:spTree>
     <p:extLst>
       <p:ext uri="{BB962C8B-B14F-4D97-AF65-F5344CB8AC3E}">
-        <p14:creationId xmlns:p14="http://schemas.microsoft.com/office/powerpoint/2010/main" val="560814404"/>
+        <p14:creationId xmlns:p14="http://schemas.microsoft.com/office/powerpoint/2010/main" val="1276400645"/>
       </p:ext>
     </p:extLst>
   </p:cSld>
@@ -3853,7 +3799,7 @@
             </a:pPr>
             <a:r>
               <a:rPr lang="en-US" baseline="0" dirty="0"/>
-              <a:t>How you choose to express the requirements of that unit is the crux of Behavior Driven Development (BDD). Behavior-driven development specifies that tests of any unit of software should be specified in terms of the desired behavior of the unit. Expressing this desired behavior is often expressed in scenarios that are written in a Domain Specific Language (DSL).</a:t>
+              <a:t>Test Driven Development (TDD) is a workflow that asks you to perform that act continually and repeatedly as you satisfy the requirements of the work you have chosen to perform.</a:t>
             </a:r>
           </a:p>
           <a:p>
@@ -3896,7 +3842,50 @@
             </a:pPr>
             <a:r>
               <a:rPr lang="en-US" baseline="0" dirty="0"/>
-              <a:t>The cookbooks and recipes that you have written so far share quite a few similarities with BDD. In Chef, you express the desired state of the system through a DSL, resources, you define in recipes.</a:t>
+              <a:t>TDD generically focuses on the unit of software any level. It is the process of writing the test first, implementing the unit, and then verifying the implementation with the test that was written.</a:t>
+            </a:r>
+          </a:p>
+          <a:p>
+            <a:pPr marL="0" marR="0" indent="0" algn="l" defTabSz="1217613" rtl="0" eaLnBrk="1" fontAlgn="base" latinLnBrk="0" hangingPunct="1">
+              <a:lnSpc>
+                <a:spcPct val="90000"/>
+              </a:lnSpc>
+              <a:spcBef>
+                <a:spcPct val="30000"/>
+              </a:spcBef>
+              <a:spcAft>
+                <a:spcPts val="450"/>
+              </a:spcAft>
+              <a:buClrTx/>
+              <a:buSzTx/>
+              <a:buFontTx/>
+              <a:buNone/>
+              <a:tabLst/>
+              <a:defRPr/>
+            </a:pPr>
+            <a:endParaRPr lang="en-US" baseline="0" dirty="0"/>
+          </a:p>
+          <a:p>
+            <a:pPr marL="0" marR="0" indent="0" algn="l" defTabSz="1217613" rtl="0" eaLnBrk="1" fontAlgn="base" latinLnBrk="0" hangingPunct="1">
+              <a:lnSpc>
+                <a:spcPct val="90000"/>
+              </a:lnSpc>
+              <a:spcBef>
+                <a:spcPct val="30000"/>
+              </a:spcBef>
+              <a:spcAft>
+                <a:spcPts val="450"/>
+              </a:spcAft>
+              <a:buClrTx/>
+              <a:buSzTx/>
+              <a:buFontTx/>
+              <a:buNone/>
+              <a:tabLst/>
+              <a:defRPr/>
+            </a:pPr>
+            <a:r>
+              <a:rPr lang="en-US" baseline="0" dirty="0"/>
+              <a:t>A 'unit' of software is purposefully vague. This 'unit' is definable by the individuals developing the software. So the size of a 'unit of software' likely has different meanings to different individuals based on our backgrounds and experiences.</a:t>
             </a:r>
           </a:p>
         </p:txBody>
@@ -3955,7 +3944,7 @@
     </p:spTree>
     <p:extLst>
       <p:ext uri="{BB962C8B-B14F-4D97-AF65-F5344CB8AC3E}">
-        <p14:creationId xmlns:p14="http://schemas.microsoft.com/office/powerpoint/2010/main" val="1073903232"/>
+        <p14:creationId xmlns:p14="http://schemas.microsoft.com/office/powerpoint/2010/main" val="560814404"/>
       </p:ext>
     </p:extLst>
   </p:cSld>
@@ -5438,18 +5427,69 @@
           <a:bodyPr/>
           <a:lstStyle/>
           <a:p>
-            <a:r>
-              <a:rPr lang="en-US" dirty="0"/>
-              <a:t>TDD is a workflow process: Add a test; Run the test expecting failure; Add code; Run the test expecting success. Refactor.</a:t>
-            </a:r>
-          </a:p>
-          <a:p>
-            <a:endParaRPr lang="en-US" dirty="0"/>
-          </a:p>
-          <a:p>
-            <a:r>
-              <a:rPr lang="en-US" dirty="0"/>
-              <a:t>BDD influences the language we use to write the tests and how we focus on tests that matter. The activities within this module focus on the process of taking requirements, expressing them as expectations, choosing one implementation to meet these expectations, and then verifying we have met these expectations.</a:t>
+            <a:pPr marL="0" marR="0" indent="0" algn="l" defTabSz="1217613" rtl="0" eaLnBrk="1" fontAlgn="base" latinLnBrk="0" hangingPunct="1">
+              <a:lnSpc>
+                <a:spcPct val="90000"/>
+              </a:lnSpc>
+              <a:spcBef>
+                <a:spcPct val="30000"/>
+              </a:spcBef>
+              <a:spcAft>
+                <a:spcPts val="450"/>
+              </a:spcAft>
+              <a:buClrTx/>
+              <a:buSzTx/>
+              <a:buFontTx/>
+              <a:buNone/>
+              <a:tabLst/>
+              <a:defRPr/>
+            </a:pPr>
+            <a:r>
+              <a:rPr lang="en-US" baseline="0" dirty="0"/>
+              <a:t>How you choose to express the requirements of that unit is the crux of Behavior Driven Development (BDD). Behavior-driven development specifies that tests of any unit of software should be specified in terms of the desired behavior of the unit. Expressing this desired behavior is often expressed in scenarios that are written in a Domain Specific Language (DSL).</a:t>
+            </a:r>
+          </a:p>
+          <a:p>
+            <a:pPr marL="0" marR="0" indent="0" algn="l" defTabSz="1217613" rtl="0" eaLnBrk="1" fontAlgn="base" latinLnBrk="0" hangingPunct="1">
+              <a:lnSpc>
+                <a:spcPct val="90000"/>
+              </a:lnSpc>
+              <a:spcBef>
+                <a:spcPct val="30000"/>
+              </a:spcBef>
+              <a:spcAft>
+                <a:spcPts val="450"/>
+              </a:spcAft>
+              <a:buClrTx/>
+              <a:buSzTx/>
+              <a:buFontTx/>
+              <a:buNone/>
+              <a:tabLst/>
+              <a:defRPr/>
+            </a:pPr>
+            <a:endParaRPr lang="en-US" baseline="0" dirty="0"/>
+          </a:p>
+          <a:p>
+            <a:pPr marL="0" marR="0" indent="0" algn="l" defTabSz="1217613" rtl="0" eaLnBrk="1" fontAlgn="base" latinLnBrk="0" hangingPunct="1">
+              <a:lnSpc>
+                <a:spcPct val="90000"/>
+              </a:lnSpc>
+              <a:spcBef>
+                <a:spcPct val="30000"/>
+              </a:spcBef>
+              <a:spcAft>
+                <a:spcPts val="450"/>
+              </a:spcAft>
+              <a:buClrTx/>
+              <a:buSzTx/>
+              <a:buFontTx/>
+              <a:buNone/>
+              <a:tabLst/>
+              <a:defRPr/>
+            </a:pPr>
+            <a:r>
+              <a:rPr lang="en-US" baseline="0" dirty="0"/>
+              <a:t>The cookbooks and recipes that you have written so far share quite a few similarities with BDD. In Chef, you express the desired state of the system through a DSL, resources, you define in recipes.</a:t>
             </a:r>
           </a:p>
         </p:txBody>
@@ -5508,7 +5548,7 @@
     </p:spTree>
     <p:extLst>
       <p:ext uri="{BB962C8B-B14F-4D97-AF65-F5344CB8AC3E}">
-        <p14:creationId xmlns:p14="http://schemas.microsoft.com/office/powerpoint/2010/main" val="1289573995"/>
+        <p14:creationId xmlns:p14="http://schemas.microsoft.com/office/powerpoint/2010/main" val="1073903232"/>
       </p:ext>
     </p:extLst>
   </p:cSld>
@@ -6825,59 +6865,19 @@
           <a:bodyPr/>
           <a:lstStyle/>
           <a:p>
-            <a:pPr marL="0" marR="0" indent="0" algn="l" defTabSz="1217613" rtl="0" eaLnBrk="1" fontAlgn="base" latinLnBrk="0" hangingPunct="1">
-              <a:lnSpc>
-                <a:spcPct val="90000"/>
-              </a:lnSpc>
-              <a:spcBef>
-                <a:spcPct val="30000"/>
-              </a:spcBef>
-              <a:spcAft>
-                <a:spcPts val="450"/>
-              </a:spcAft>
-              <a:buClrTx/>
-              <a:buSzTx/>
-              <a:buFontTx/>
-              <a:buNone/>
-              <a:tabLst/>
-              <a:defRPr/>
-            </a:pPr>
-            <a:r>
-              <a:rPr lang="en-US" sz="1200" kern="1200" dirty="0">
-                <a:solidFill>
-                  <a:schemeClr val="tx1"/>
-                </a:solidFill>
-                <a:effectLst/>
-                <a:latin typeface="Arial" panose="020B0604020202020204" pitchFamily="34" charset="0"/>
-                <a:ea typeface="ＭＳ Ｐゴシック" charset="0"/>
-                <a:cs typeface="Arial" panose="020B0604020202020204" pitchFamily="34" charset="0"/>
-              </a:rPr>
-              <a:t>In this module you will learn how to use chef</a:t>
-            </a:r>
-            <a:r>
-              <a:rPr lang="en-US" sz="1200" kern="1200" baseline="0" dirty="0">
-                <a:solidFill>
-                  <a:schemeClr val="tx1"/>
-                </a:solidFill>
-                <a:effectLst/>
-                <a:latin typeface="Arial" panose="020B0604020202020204" pitchFamily="34" charset="0"/>
-                <a:ea typeface="ＭＳ Ｐゴシック" charset="0"/>
-                <a:cs typeface="Arial" panose="020B0604020202020204" pitchFamily="34" charset="0"/>
-              </a:rPr>
-              <a:t> to generate a cookbook, write an integration test first, use Test Kitchen to execute that test, and then implement a solution to make that test pass.</a:t>
-            </a:r>
-            <a:endParaRPr lang="en-US" sz="1200" kern="1200" dirty="0">
-              <a:solidFill>
-                <a:schemeClr val="tx1"/>
-              </a:solidFill>
-              <a:effectLst/>
-              <a:latin typeface="Arial" panose="020B0604020202020204" pitchFamily="34" charset="0"/>
-              <a:ea typeface="ＭＳ Ｐゴシック" charset="0"/>
-              <a:cs typeface="Arial" panose="020B0604020202020204" pitchFamily="34" charset="0"/>
-            </a:endParaRPr>
+            <a:r>
+              <a:rPr lang="en-US" dirty="0"/>
+              <a:t>TDD is a workflow process: Add a test; Run the test expecting failure; Add code; Run the test expecting success. Refactor.</a:t>
+            </a:r>
           </a:p>
           <a:p>
             <a:endParaRPr lang="en-US" dirty="0"/>
+          </a:p>
+          <a:p>
+            <a:r>
+              <a:rPr lang="en-US" dirty="0"/>
+              <a:t>BDD influences the language we use to write the tests and how we focus on tests that matter. The activities within this module focus on the process of taking requirements, expressing them as expectations, choosing one implementation to meet these expectations, and then verifying we have met these expectations.</a:t>
+            </a:r>
           </a:p>
         </p:txBody>
       </p:sp>
@@ -6935,7 +6935,7 @@
     </p:spTree>
     <p:extLst>
       <p:ext uri="{BB962C8B-B14F-4D97-AF65-F5344CB8AC3E}">
-        <p14:creationId xmlns:p14="http://schemas.microsoft.com/office/powerpoint/2010/main" val="1276400645"/>
+        <p14:creationId xmlns:p14="http://schemas.microsoft.com/office/powerpoint/2010/main" val="1289573995"/>
       </p:ext>
     </p:extLst>
   </p:cSld>
@@ -9086,14 +9086,14 @@
           </a:ln>
           <a:extLst>
             <a:ext uri="{909E8E84-426E-40dd-AFC4-6F175D3DCCD1}">
-              <a14:hiddenFill xmlns="" xmlns:a14="http://schemas.microsoft.com/office/drawing/2010/main">
+              <a14:hiddenFill xmlns:a14="http://schemas.microsoft.com/office/drawing/2010/main" xmlns="">
                 <a:solidFill>
                   <a:srgbClr val="FFFFFF"/>
                 </a:solidFill>
               </a14:hiddenFill>
             </a:ext>
             <a:ext uri="{91240B29-F687-4f45-9708-019B960494DF}">
-              <a14:hiddenLine xmlns="" xmlns:a14="http://schemas.microsoft.com/office/drawing/2010/main" w="9525">
+              <a14:hiddenLine xmlns:a14="http://schemas.microsoft.com/office/drawing/2010/main" xmlns="" w="9525">
                 <a:solidFill>
                   <a:srgbClr val="000000"/>
                 </a:solidFill>
@@ -9241,14 +9241,14 @@
           </a:ln>
           <a:extLst>
             <a:ext uri="{909E8E84-426E-40dd-AFC4-6F175D3DCCD1}">
-              <a14:hiddenFill xmlns="" xmlns:a14="http://schemas.microsoft.com/office/drawing/2010/main">
+              <a14:hiddenFill xmlns:a14="http://schemas.microsoft.com/office/drawing/2010/main" xmlns="">
                 <a:solidFill>
                   <a:srgbClr val="FFFFFF"/>
                 </a:solidFill>
               </a14:hiddenFill>
             </a:ext>
             <a:ext uri="{91240B29-F687-4f45-9708-019B960494DF}">
-              <a14:hiddenLine xmlns="" xmlns:a14="http://schemas.microsoft.com/office/drawing/2010/main" w="9525">
+              <a14:hiddenLine xmlns:a14="http://schemas.microsoft.com/office/drawing/2010/main" xmlns="" w="9525">
                 <a:solidFill>
                   <a:srgbClr val="000000"/>
                 </a:solidFill>
@@ -9739,14 +9739,14 @@
           </a:ln>
           <a:extLst>
             <a:ext uri="{909E8E84-426E-40dd-AFC4-6F175D3DCCD1}">
-              <a14:hiddenFill xmlns="" xmlns:a14="http://schemas.microsoft.com/office/drawing/2010/main">
+              <a14:hiddenFill xmlns:a14="http://schemas.microsoft.com/office/drawing/2010/main" xmlns="">
                 <a:solidFill>
                   <a:srgbClr val="FFFFFF"/>
                 </a:solidFill>
               </a14:hiddenFill>
             </a:ext>
             <a:ext uri="{91240B29-F687-4f45-9708-019B960494DF}">
-              <a14:hiddenLine xmlns="" xmlns:a14="http://schemas.microsoft.com/office/drawing/2010/main" w="9525">
+              <a14:hiddenLine xmlns:a14="http://schemas.microsoft.com/office/drawing/2010/main" xmlns="" w="9525">
                 <a:solidFill>
                   <a:srgbClr val="000000"/>
                 </a:solidFill>
@@ -11173,14 +11173,14 @@
           </a:ln>
           <a:extLst>
             <a:ext uri="{909E8E84-426E-40dd-AFC4-6F175D3DCCD1}">
-              <a14:hiddenFill xmlns="" xmlns:a14="http://schemas.microsoft.com/office/drawing/2010/main">
+              <a14:hiddenFill xmlns:a14="http://schemas.microsoft.com/office/drawing/2010/main" xmlns="">
                 <a:solidFill>
                   <a:srgbClr val="FFFFFF"/>
                 </a:solidFill>
               </a14:hiddenFill>
             </a:ext>
             <a:ext uri="{91240B29-F687-4f45-9708-019B960494DF}">
-              <a14:hiddenLine xmlns="" xmlns:a14="http://schemas.microsoft.com/office/drawing/2010/main" w="9525">
+              <a14:hiddenLine xmlns:a14="http://schemas.microsoft.com/office/drawing/2010/main" xmlns="" w="9525">
                 <a:solidFill>
                   <a:srgbClr val="000000"/>
                 </a:solidFill>
@@ -12514,14 +12514,14 @@
           </a:ln>
           <a:extLst>
             <a:ext uri="{909E8E84-426E-40dd-AFC4-6F175D3DCCD1}">
-              <a14:hiddenFill xmlns="" xmlns:a14="http://schemas.microsoft.com/office/drawing/2010/main">
+              <a14:hiddenFill xmlns:a14="http://schemas.microsoft.com/office/drawing/2010/main" xmlns="">
                 <a:solidFill>
                   <a:srgbClr val="FFFFFF"/>
                 </a:solidFill>
               </a14:hiddenFill>
             </a:ext>
             <a:ext uri="{91240B29-F687-4f45-9708-019B960494DF}">
-              <a14:hiddenLine xmlns="" xmlns:a14="http://schemas.microsoft.com/office/drawing/2010/main" w="9525">
+              <a14:hiddenLine xmlns:a14="http://schemas.microsoft.com/office/drawing/2010/main" xmlns="" w="9525">
                 <a:solidFill>
                   <a:srgbClr val="000000"/>
                 </a:solidFill>
@@ -13079,14 +13079,14 @@
           </a:ln>
           <a:extLst>
             <a:ext uri="{909E8E84-426E-40dd-AFC4-6F175D3DCCD1}">
-              <a14:hiddenFill xmlns="" xmlns:a14="http://schemas.microsoft.com/office/drawing/2010/main">
+              <a14:hiddenFill xmlns:a14="http://schemas.microsoft.com/office/drawing/2010/main" xmlns="">
                 <a:solidFill>
                   <a:srgbClr val="FFFFFF"/>
                 </a:solidFill>
               </a14:hiddenFill>
             </a:ext>
             <a:ext uri="{91240B29-F687-4f45-9708-019B960494DF}">
-              <a14:hiddenLine xmlns="" xmlns:a14="http://schemas.microsoft.com/office/drawing/2010/main" w="9525">
+              <a14:hiddenLine xmlns:a14="http://schemas.microsoft.com/office/drawing/2010/main" xmlns="" w="9525">
                 <a:solidFill>
                   <a:srgbClr val="000000"/>
                 </a:solidFill>
@@ -13653,14 +13653,14 @@
           </a:ln>
           <a:extLst>
             <a:ext uri="{909E8E84-426E-40dd-AFC4-6F175D3DCCD1}">
-              <a14:hiddenFill xmlns="" xmlns:a14="http://schemas.microsoft.com/office/drawing/2010/main">
+              <a14:hiddenFill xmlns:a14="http://schemas.microsoft.com/office/drawing/2010/main" xmlns="">
                 <a:solidFill>
                   <a:srgbClr val="FFFFFF"/>
                 </a:solidFill>
               </a14:hiddenFill>
             </a:ext>
             <a:ext uri="{91240B29-F687-4f45-9708-019B960494DF}">
-              <a14:hiddenLine xmlns="" xmlns:a14="http://schemas.microsoft.com/office/drawing/2010/main" w="9525">
+              <a14:hiddenLine xmlns:a14="http://schemas.microsoft.com/office/drawing/2010/main" xmlns="" w="9525">
                 <a:solidFill>
                   <a:srgbClr val="000000"/>
                 </a:solidFill>
@@ -14600,14 +14600,14 @@
           </a:ln>
           <a:extLst>
             <a:ext uri="{909E8E84-426E-40dd-AFC4-6F175D3DCCD1}">
-              <a14:hiddenFill xmlns="" xmlns:a14="http://schemas.microsoft.com/office/drawing/2010/main">
+              <a14:hiddenFill xmlns:a14="http://schemas.microsoft.com/office/drawing/2010/main" xmlns="">
                 <a:solidFill>
                   <a:srgbClr val="FFFFFF"/>
                 </a:solidFill>
               </a14:hiddenFill>
             </a:ext>
             <a:ext uri="{91240B29-F687-4f45-9708-019B960494DF}">
-              <a14:hiddenLine xmlns="" xmlns:a14="http://schemas.microsoft.com/office/drawing/2010/main" w="9525">
+              <a14:hiddenLine xmlns:a14="http://schemas.microsoft.com/office/drawing/2010/main" xmlns="" w="9525">
                 <a:solidFill>
                   <a:srgbClr val="000000"/>
                 </a:solidFill>
@@ -15362,14 +15362,14 @@
           </a:ln>
           <a:extLst>
             <a:ext uri="{909E8E84-426E-40dd-AFC4-6F175D3DCCD1}">
-              <a14:hiddenFill xmlns="" xmlns:a14="http://schemas.microsoft.com/office/drawing/2010/main">
+              <a14:hiddenFill xmlns:a14="http://schemas.microsoft.com/office/drawing/2010/main" xmlns="">
                 <a:solidFill>
                   <a:srgbClr val="FFFFFF"/>
                 </a:solidFill>
               </a14:hiddenFill>
             </a:ext>
             <a:ext uri="{91240B29-F687-4f45-9708-019B960494DF}">
-              <a14:hiddenLine xmlns="" xmlns:a14="http://schemas.microsoft.com/office/drawing/2010/main" w="9525">
+              <a14:hiddenLine xmlns:a14="http://schemas.microsoft.com/office/drawing/2010/main" xmlns="" w="9525">
                 <a:solidFill>
                   <a:srgbClr val="000000"/>
                 </a:solidFill>
@@ -19835,36 +19835,12 @@
       </p:grpSpPr>
       <p:sp>
         <p:nvSpPr>
-          <p:cNvPr id="4" name="Title 3"/>
-          <p:cNvSpPr>
-            <a:spLocks noGrp="1"/>
-          </p:cNvSpPr>
-          <p:nvPr>
-            <p:ph type="ctrTitle"/>
-          </p:nvPr>
-        </p:nvSpPr>
-        <p:spPr/>
-        <p:txBody>
-          <a:bodyPr>
-            <a:normAutofit fontScale="90000"/>
-          </a:bodyPr>
-          <a:lstStyle/>
-          <a:p>
-            <a:r>
-              <a:rPr lang="en-US" dirty="0"/>
-              <a:t>Test Driven Development</a:t>
-            </a:r>
-          </a:p>
-        </p:txBody>
-      </p:sp>
-      <p:sp>
-        <p:nvSpPr>
-          <p:cNvPr id="5" name="Subtitle 4"/>
-          <p:cNvSpPr>
-            <a:spLocks noGrp="1"/>
-          </p:cNvSpPr>
-          <p:nvPr>
-            <p:ph type="subTitle" idx="1"/>
+          <p:cNvPr id="2" name="Title 1"/>
+          <p:cNvSpPr>
+            <a:spLocks noGrp="1"/>
+          </p:cNvSpPr>
+          <p:nvPr>
+            <p:ph type="title"/>
           </p:nvPr>
         </p:nvSpPr>
         <p:spPr/>
@@ -19872,56 +19848,72 @@
           <a:bodyPr/>
           <a:lstStyle/>
           <a:p>
-            <a:pPr marL="514350" indent="-514350">
-              <a:buFont typeface="+mj-lt"/>
-              <a:buAutoNum type="arabicPeriod"/>
+            <a:r>
+              <a:rPr lang="en-US" dirty="0"/>
+              <a:t>Objectives</a:t>
+            </a:r>
+          </a:p>
+        </p:txBody>
+      </p:sp>
+      <p:sp>
+        <p:nvSpPr>
+          <p:cNvPr id="3" name="Text Placeholder 2"/>
+          <p:cNvSpPr>
+            <a:spLocks noGrp="1"/>
+          </p:cNvSpPr>
+          <p:nvPr>
+            <p:ph type="body" sz="quarter" idx="12"/>
+          </p:nvPr>
+        </p:nvSpPr>
+        <p:spPr/>
+        <p:txBody>
+          <a:bodyPr/>
+          <a:lstStyle/>
+          <a:p>
+            <a:r>
+              <a:rPr lang="en-US" dirty="0"/>
+              <a:t>After completing this module, you should be able to:</a:t>
+            </a:r>
+          </a:p>
+          <a:p>
+            <a:endParaRPr lang="en-US" dirty="0"/>
+          </a:p>
+          <a:p>
+            <a:pPr marL="457200" indent="-457200">
+              <a:buFont typeface="Wingdings" charset="2"/>
+              <a:buChar char="Ø"/>
             </a:pPr>
             <a:r>
               <a:rPr lang="en-US" dirty="0"/>
-              <a:t>Define a test set for the unit first</a:t>
-            </a:r>
-          </a:p>
-          <a:p>
-            <a:pPr marL="514350" indent="-514350">
-              <a:buFont typeface="+mj-lt"/>
-              <a:buAutoNum type="arabicPeriod"/>
+              <a:t>Write an integration test</a:t>
+            </a:r>
+          </a:p>
+          <a:p>
+            <a:pPr marL="457200" indent="-457200">
+              <a:buFont typeface="Wingdings" charset="2"/>
+              <a:buChar char="Ø"/>
             </a:pPr>
             <a:r>
               <a:rPr lang="en-US" dirty="0"/>
-              <a:t>Then implement the unit</a:t>
-            </a:r>
-          </a:p>
-          <a:p>
-            <a:pPr marL="514350" indent="-514350">
-              <a:buFont typeface="+mj-lt"/>
-              <a:buAutoNum type="arabicPeriod"/>
+              <a:t>Use Test Kitchen to create, converge, and verify a recipe</a:t>
+            </a:r>
+          </a:p>
+          <a:p>
+            <a:pPr marL="457200" indent="-457200">
+              <a:buFont typeface="Wingdings" charset="2"/>
+              <a:buChar char="Ø"/>
             </a:pPr>
             <a:r>
               <a:rPr lang="en-US" dirty="0"/>
-              <a:t>Finally verify that the implementation of the unit makes the tests </a:t>
-            </a:r>
-            <a:r>
-              <a:rPr lang="en-US"/>
-              <a:t>succeed.</a:t>
-            </a:r>
-          </a:p>
-          <a:p>
-            <a:pPr marL="514350" indent="-514350">
-              <a:buFont typeface="+mj-lt"/>
-              <a:buAutoNum type="arabicPeriod"/>
-            </a:pPr>
-            <a:r>
-              <a:rPr lang="en-US"/>
-              <a:t>Refactor</a:t>
-            </a:r>
-            <a:endParaRPr lang="en-US" dirty="0"/>
+              <a:t>Develop a cookbook with a test-driven approach</a:t>
+            </a:r>
           </a:p>
         </p:txBody>
       </p:sp>
     </p:spTree>
     <p:extLst>
       <p:ext uri="{BB962C8B-B14F-4D97-AF65-F5344CB8AC3E}">
-        <p14:creationId xmlns:p14="http://schemas.microsoft.com/office/powerpoint/2010/main" val="1229887400"/>
+        <p14:creationId xmlns:p14="http://schemas.microsoft.com/office/powerpoint/2010/main" val="3816834146"/>
       </p:ext>
     </p:extLst>
   </p:cSld>
@@ -22115,7 +22107,7 @@
       </p:grpSpPr>
       <p:sp>
         <p:nvSpPr>
-          <p:cNvPr id="2" name="Title 1"/>
+          <p:cNvPr id="4" name="Title 3"/>
           <p:cNvSpPr>
             <a:spLocks noGrp="1"/>
           </p:cNvSpPr>
@@ -22126,20 +22118,20 @@
         <p:spPr/>
         <p:txBody>
           <a:bodyPr>
-            <a:noAutofit/>
+            <a:normAutofit fontScale="90000"/>
           </a:bodyPr>
           <a:lstStyle/>
           <a:p>
             <a:r>
-              <a:rPr lang="en-US" sz="5400" dirty="0"/>
-              <a:t>Behavior Driven Development (BDD)</a:t>
-            </a:r>
-          </a:p>
-        </p:txBody>
-      </p:sp>
-      <p:sp>
-        <p:nvSpPr>
-          <p:cNvPr id="3" name="Subtitle 2"/>
+              <a:rPr lang="en-US" dirty="0"/>
+              <a:t>Test Driven Development</a:t>
+            </a:r>
+          </a:p>
+        </p:txBody>
+      </p:sp>
+      <p:sp>
+        <p:nvSpPr>
+          <p:cNvPr id="5" name="Subtitle 4"/>
           <p:cNvSpPr>
             <a:spLocks noGrp="1"/>
           </p:cNvSpPr>
@@ -22147,67 +22139,61 @@
             <p:ph type="subTitle" idx="1"/>
           </p:nvPr>
         </p:nvSpPr>
-        <p:spPr>
-          <a:xfrm>
-            <a:off x="1671638" y="3271839"/>
-            <a:ext cx="12319000" cy="3919376"/>
-          </a:xfrm>
-        </p:spPr>
+        <p:spPr/>
         <p:txBody>
           <a:bodyPr/>
           <a:lstStyle/>
           <a:p>
-            <a:r>
-              <a:rPr lang="en-US" dirty="0"/>
-              <a:t>Behavior-driven development (BDD) specifies that tests of any unit of software should be specified in terms of the desired behavior of the unit.</a:t>
-            </a:r>
-            <a:endParaRPr lang="en-US" baseline="30000" dirty="0"/>
-          </a:p>
-          <a:p>
-            <a:endParaRPr lang="en-US" baseline="30000" dirty="0"/>
-          </a:p>
-          <a:p>
-            <a:r>
-              <a:rPr lang="en-US" dirty="0"/>
-              <a:t>Borrowing from </a:t>
-            </a:r>
-            <a:r>
-              <a:rPr lang="en-US" dirty="0">
-                <a:hlinkClick r:id="rId3" tooltip="Agile software development"/>
-              </a:rPr>
-              <a:t>agile software development</a:t>
-            </a:r>
-            <a:r>
-              <a:rPr lang="en-US" dirty="0"/>
-              <a:t> the "desired behavior" in this case consists of the requirements set by the business — that is, the desired behavior that has </a:t>
-            </a:r>
-            <a:r>
-              <a:rPr lang="en-US" dirty="0">
-                <a:hlinkClick r:id="rId4" tooltip="Business value"/>
-              </a:rPr>
-              <a:t>business value</a:t>
-            </a:r>
-            <a:r>
-              <a:rPr lang="en-US" dirty="0"/>
-              <a:t> for whatever entity commissioned the software unit under construction.</a:t>
-            </a:r>
-            <a:endParaRPr lang="en-US" baseline="30000" dirty="0"/>
-          </a:p>
-          <a:p>
-            <a:endParaRPr lang="en-US" baseline="30000" dirty="0"/>
-          </a:p>
-          <a:p>
-            <a:r>
-              <a:rPr lang="en-US" dirty="0"/>
-              <a:t>Within BDD practice, this is referred to as BDD being an "outside-in" activity.</a:t>
-            </a:r>
+            <a:pPr marL="514350" indent="-514350">
+              <a:buFont typeface="+mj-lt"/>
+              <a:buAutoNum type="arabicPeriod"/>
+            </a:pPr>
+            <a:r>
+              <a:rPr lang="en-US" dirty="0"/>
+              <a:t>Define a test set for the unit first</a:t>
+            </a:r>
+          </a:p>
+          <a:p>
+            <a:pPr marL="514350" indent="-514350">
+              <a:buFont typeface="+mj-lt"/>
+              <a:buAutoNum type="arabicPeriod"/>
+            </a:pPr>
+            <a:r>
+              <a:rPr lang="en-US" dirty="0"/>
+              <a:t>Then implement the unit</a:t>
+            </a:r>
+          </a:p>
+          <a:p>
+            <a:pPr marL="514350" indent="-514350">
+              <a:buFont typeface="+mj-lt"/>
+              <a:buAutoNum type="arabicPeriod"/>
+            </a:pPr>
+            <a:r>
+              <a:rPr lang="en-US" dirty="0"/>
+              <a:t>Finally verify that the implementation of the unit makes the tests </a:t>
+            </a:r>
+            <a:r>
+              <a:rPr lang="en-US"/>
+              <a:t>succeed.</a:t>
+            </a:r>
+          </a:p>
+          <a:p>
+            <a:pPr marL="514350" indent="-514350">
+              <a:buFont typeface="+mj-lt"/>
+              <a:buAutoNum type="arabicPeriod"/>
+            </a:pPr>
+            <a:r>
+              <a:rPr lang="en-US"/>
+              <a:t>Refactor</a:t>
+            </a:r>
+            <a:endParaRPr lang="en-US" dirty="0"/>
           </a:p>
         </p:txBody>
       </p:sp>
     </p:spTree>
     <p:extLst>
       <p:ext uri="{BB962C8B-B14F-4D97-AF65-F5344CB8AC3E}">
-        <p14:creationId xmlns:p14="http://schemas.microsoft.com/office/powerpoint/2010/main" val="532097225"/>
+        <p14:creationId xmlns:p14="http://schemas.microsoft.com/office/powerpoint/2010/main" val="1229887400"/>
       </p:ext>
     </p:extLst>
   </p:cSld>
@@ -23097,7 +23083,7 @@
         <p:spPr/>
         <p:txBody>
           <a:bodyPr>
-            <a:normAutofit fontScale="92500" lnSpcReduction="10000"/>
+            <a:normAutofit fontScale="92500" lnSpcReduction="20000"/>
           </a:bodyPr>
           <a:lstStyle/>
           <a:p>
@@ -26136,13 +26122,13 @@
         <p:spPr/>
         <p:txBody>
           <a:bodyPr>
-            <a:normAutofit fontScale="90000"/>
+            <a:noAutofit/>
           </a:bodyPr>
           <a:lstStyle/>
           <a:p>
             <a:r>
-              <a:rPr lang="en-US" dirty="0"/>
-              <a:t>TDD and BDD</a:t>
+              <a:rPr lang="en-US" sz="5400" dirty="0"/>
+              <a:t>Behavior Driven Development (BDD)</a:t>
             </a:r>
           </a:p>
         </p:txBody>
@@ -26157,31 +26143,59 @@
             <p:ph type="subTitle" idx="1"/>
           </p:nvPr>
         </p:nvSpPr>
-        <p:spPr/>
+        <p:spPr>
+          <a:xfrm>
+            <a:off x="1671638" y="3271839"/>
+            <a:ext cx="12319000" cy="3919376"/>
+          </a:xfrm>
+        </p:spPr>
         <p:txBody>
           <a:bodyPr/>
           <a:lstStyle/>
           <a:p>
             <a:r>
-              <a:rPr lang="en-US" sz="3200" b="1" dirty="0"/>
-              <a:t>TDD </a:t>
-            </a:r>
-            <a:r>
-              <a:rPr lang="en-US" sz="3200" dirty="0"/>
-              <a:t>is a workflow process.</a:t>
-            </a:r>
-          </a:p>
-          <a:p>
-            <a:endParaRPr lang="en-US" sz="3200" b="1" dirty="0"/>
-          </a:p>
-          <a:p>
-            <a:r>
-              <a:rPr lang="en-US" sz="3200" b="1" dirty="0"/>
-              <a:t>BDD </a:t>
-            </a:r>
-            <a:r>
-              <a:rPr lang="en-US" sz="3200" dirty="0"/>
-              <a:t>influences the language we use to write tests and how we focus on the tests that matter.</a:t>
+              <a:rPr lang="en-US" dirty="0"/>
+              <a:t>Behavior-driven development (BDD) specifies that tests of any unit of software should be specified in terms of the desired behavior of the unit.</a:t>
+            </a:r>
+            <a:endParaRPr lang="en-US" baseline="30000" dirty="0"/>
+          </a:p>
+          <a:p>
+            <a:endParaRPr lang="en-US" baseline="30000" dirty="0"/>
+          </a:p>
+          <a:p>
+            <a:r>
+              <a:rPr lang="en-US" dirty="0"/>
+              <a:t>Borrowing from </a:t>
+            </a:r>
+            <a:r>
+              <a:rPr lang="en-US" dirty="0">
+                <a:hlinkClick r:id="rId3" tooltip="Agile software development"/>
+              </a:rPr>
+              <a:t>agile software development</a:t>
+            </a:r>
+            <a:r>
+              <a:rPr lang="en-US" dirty="0"/>
+              <a:t> the "desired behavior" in this case consists of the requirements set by the business — that is, the desired behavior that has </a:t>
+            </a:r>
+            <a:r>
+              <a:rPr lang="en-US" dirty="0">
+                <a:hlinkClick r:id="rId4" tooltip="Business value"/>
+              </a:rPr>
+              <a:t>business value</a:t>
+            </a:r>
+            <a:r>
+              <a:rPr lang="en-US" dirty="0"/>
+              <a:t> for whatever entity commissioned the software unit under construction.</a:t>
+            </a:r>
+            <a:endParaRPr lang="en-US" baseline="30000" dirty="0"/>
+          </a:p>
+          <a:p>
+            <a:endParaRPr lang="en-US" baseline="30000" dirty="0"/>
+          </a:p>
+          <a:p>
+            <a:r>
+              <a:rPr lang="en-US" dirty="0"/>
+              <a:t>Within BDD practice, this is referred to as BDD being an "outside-in" activity.</a:t>
             </a:r>
           </a:p>
         </p:txBody>
@@ -26189,7 +26203,7 @@
     </p:spTree>
     <p:extLst>
       <p:ext uri="{BB962C8B-B14F-4D97-AF65-F5344CB8AC3E}">
-        <p14:creationId xmlns:p14="http://schemas.microsoft.com/office/powerpoint/2010/main" val="337108220"/>
+        <p14:creationId xmlns:p14="http://schemas.microsoft.com/office/powerpoint/2010/main" val="532097225"/>
       </p:ext>
     </p:extLst>
   </p:cSld>
@@ -27622,7 +27636,7 @@
           <a:p>
             <a:r>
               <a:rPr lang="en-US" dirty="0"/>
-              <a:t>Examine Failure #1</a:t>
+              <a:t>Examine Failure</a:t>
             </a:r>
           </a:p>
         </p:txBody>
@@ -29076,7 +29090,31 @@
             <a:spLocks noGrp="1"/>
           </p:cNvSpPr>
           <p:nvPr>
-            <p:ph type="title"/>
+            <p:ph type="ctrTitle"/>
+          </p:nvPr>
+        </p:nvSpPr>
+        <p:spPr/>
+        <p:txBody>
+          <a:bodyPr>
+            <a:normAutofit fontScale="90000"/>
+          </a:bodyPr>
+          <a:lstStyle/>
+          <a:p>
+            <a:r>
+              <a:rPr lang="en-US" dirty="0"/>
+              <a:t>TDD and BDD</a:t>
+            </a:r>
+          </a:p>
+        </p:txBody>
+      </p:sp>
+      <p:sp>
+        <p:nvSpPr>
+          <p:cNvPr id="3" name="Subtitle 2"/>
+          <p:cNvSpPr>
+            <a:spLocks noGrp="1"/>
+          </p:cNvSpPr>
+          <p:nvPr>
+            <p:ph type="subTitle" idx="1"/>
           </p:nvPr>
         </p:nvSpPr>
         <p:spPr/>
@@ -29085,63 +29123,25 @@
           <a:lstStyle/>
           <a:p>
             <a:r>
-              <a:rPr lang="en-US" dirty="0"/>
-              <a:t>Objectives</a:t>
-            </a:r>
-          </a:p>
-        </p:txBody>
-      </p:sp>
-      <p:sp>
-        <p:nvSpPr>
-          <p:cNvPr id="3" name="Text Placeholder 2"/>
-          <p:cNvSpPr>
-            <a:spLocks noGrp="1"/>
-          </p:cNvSpPr>
-          <p:nvPr>
-            <p:ph type="body" sz="quarter" idx="12"/>
-          </p:nvPr>
-        </p:nvSpPr>
-        <p:spPr/>
-        <p:txBody>
-          <a:bodyPr/>
-          <a:lstStyle/>
-          <a:p>
-            <a:r>
-              <a:rPr lang="en-US" dirty="0"/>
-              <a:t>After completing this module, you should be able to:</a:t>
-            </a:r>
-          </a:p>
-          <a:p>
-            <a:endParaRPr lang="en-US" dirty="0"/>
-          </a:p>
-          <a:p>
-            <a:pPr marL="457200" indent="-457200">
-              <a:buFont typeface="Wingdings" charset="2"/>
-              <a:buChar char="Ø"/>
-            </a:pPr>
-            <a:r>
-              <a:rPr lang="en-US" dirty="0"/>
-              <a:t>Write an integration test</a:t>
-            </a:r>
-          </a:p>
-          <a:p>
-            <a:pPr marL="457200" indent="-457200">
-              <a:buFont typeface="Wingdings" charset="2"/>
-              <a:buChar char="Ø"/>
-            </a:pPr>
-            <a:r>
-              <a:rPr lang="en-US" dirty="0"/>
-              <a:t>Use Test Kitchen to create, converge, and verify a recipe</a:t>
-            </a:r>
-          </a:p>
-          <a:p>
-            <a:pPr marL="457200" indent="-457200">
-              <a:buFont typeface="Wingdings" charset="2"/>
-              <a:buChar char="Ø"/>
-            </a:pPr>
-            <a:r>
-              <a:rPr lang="en-US" dirty="0"/>
-              <a:t>Develop a cookbook with a test-driven approach</a:t>
+              <a:rPr lang="en-US" sz="3200" b="1" dirty="0"/>
+              <a:t>TDD </a:t>
+            </a:r>
+            <a:r>
+              <a:rPr lang="en-US" sz="3200" dirty="0"/>
+              <a:t>is a workflow process.</a:t>
+            </a:r>
+          </a:p>
+          <a:p>
+            <a:endParaRPr lang="en-US" sz="3200" b="1" dirty="0"/>
+          </a:p>
+          <a:p>
+            <a:r>
+              <a:rPr lang="en-US" sz="3200" b="1" dirty="0"/>
+              <a:t>BDD </a:t>
+            </a:r>
+            <a:r>
+              <a:rPr lang="en-US" sz="3200" dirty="0"/>
+              <a:t>influences the language we use to write tests and how we focus on the tests that matter.</a:t>
             </a:r>
           </a:p>
         </p:txBody>
@@ -29149,7 +29149,7 @@
     </p:spTree>
     <p:extLst>
       <p:ext uri="{BB962C8B-B14F-4D97-AF65-F5344CB8AC3E}">
-        <p14:creationId xmlns:p14="http://schemas.microsoft.com/office/powerpoint/2010/main" val="3816834146"/>
+        <p14:creationId xmlns:p14="http://schemas.microsoft.com/office/powerpoint/2010/main" val="337108220"/>
       </p:ext>
     </p:extLst>
   </p:cSld>
@@ -32124,15 +32124,6 @@
 </file>
 
 <file path=customXml/item1.xml><?xml version="1.0" encoding="utf-8"?>
-<?mso-contentType ?>
-<FormTemplates xmlns="http://schemas.microsoft.com/sharepoint/v3/contenttype/forms">
-  <Display>DocumentLibraryForm</Display>
-  <Edit>DocumentLibraryForm</Edit>
-  <New>DocumentLibraryForm</New>
-</FormTemplates>
-</file>
-
-<file path=customXml/item2.xml><?xml version="1.0" encoding="utf-8"?>
 <ct:contentTypeSchema xmlns:ct="http://schemas.microsoft.com/office/2006/metadata/contentType" xmlns:ma="http://schemas.microsoft.com/office/2006/metadata/properties/metaAttributes" ct:_="" ma:_="" ma:contentTypeName="Document" ma:contentTypeID="0x0101000812F700BE7F874999720E88173FE491" ma:contentTypeVersion="0" ma:contentTypeDescription="Create a new document." ma:contentTypeScope="" ma:versionID="3f79f408e2ca720b7aba6e0e32464d0c">
   <xsd:schema xmlns:xsd="http://www.w3.org/2001/XMLSchema" xmlns:xs="http://www.w3.org/2001/XMLSchema" xmlns:p="http://schemas.microsoft.com/office/2006/metadata/properties" xmlns:ns2="7bb5d761-a2ea-4873-95f7-7a6658fb3ef0" targetNamespace="http://schemas.microsoft.com/office/2006/metadata/properties" ma:root="true" ma:fieldsID="1e062cd38ba31e406bfc4340fbc7f87a" ns2:_="">
     <xsd:import namespace="7bb5d761-a2ea-4873-95f7-7a6658fb3ef0"/>
@@ -32277,19 +32268,16 @@
 </ct:contentTypeSchema>
 </file>
 
-<file path=customXml/item3.xml><?xml version="1.0" encoding="utf-8"?>
-<p:properties xmlns:p="http://schemas.microsoft.com/office/2006/metadata/properties" xmlns:xsi="http://www.w3.org/2001/XMLSchema-instance" xmlns:pc="http://schemas.microsoft.com/office/infopath/2007/PartnerControls">
-  <documentManagement>
-    <_dlc_DocId xmlns="7bb5d761-a2ea-4873-95f7-7a6658fb3ef0">M4CWTKMW727E-592-73</_dlc_DocId>
-    <_dlc_DocIdUrl xmlns="7bb5d761-a2ea-4873-95f7-7a6658fb3ef0">
-      <Url>https://kms.vci.local/marketing/team/_layouts/DocIdRedir.aspx?ID=M4CWTKMW727E-592-73</Url>
-      <Description>M4CWTKMW727E-592-73</Description>
-    </_dlc_DocIdUrl>
-  </documentManagement>
-</p:properties>
+<file path=customXml/item2.xml><?xml version="1.0" encoding="utf-8"?>
+<?mso-contentType ?>
+<FormTemplates xmlns="http://schemas.microsoft.com/sharepoint/v3/contenttype/forms">
+  <Display>DocumentLibraryForm</Display>
+  <Edit>DocumentLibraryForm</Edit>
+  <New>DocumentLibraryForm</New>
+</FormTemplates>
 </file>
 
-<file path=customXml/item4.xml><?xml version="1.0" encoding="utf-8"?>
+<file path=customXml/item3.xml><?xml version="1.0" encoding="utf-8"?>
 <?mso-contentType ?>
 <spe:Receivers xmlns:spe="http://schemas.microsoft.com/sharepoint/events">
   <Receiver>
@@ -32335,15 +32323,19 @@
 </spe:Receivers>
 </file>
 
-<file path=customXml/itemProps1.xml><?xml version="1.0" encoding="utf-8"?>
-<ds:datastoreItem xmlns:ds="http://schemas.openxmlformats.org/officeDocument/2006/customXml" ds:itemID="{5CDEB364-43EC-4510-9881-539C2A3FCE9E}">
-  <ds:schemaRefs>
-    <ds:schemaRef ds:uri="http://schemas.microsoft.com/sharepoint/v3/contenttype/forms"/>
-  </ds:schemaRefs>
-</ds:datastoreItem>
+<file path=customXml/item4.xml><?xml version="1.0" encoding="utf-8"?>
+<p:properties xmlns:p="http://schemas.microsoft.com/office/2006/metadata/properties" xmlns:xsi="http://www.w3.org/2001/XMLSchema-instance" xmlns:pc="http://schemas.microsoft.com/office/infopath/2007/PartnerControls">
+  <documentManagement>
+    <_dlc_DocId xmlns="7bb5d761-a2ea-4873-95f7-7a6658fb3ef0">M4CWTKMW727E-592-73</_dlc_DocId>
+    <_dlc_DocIdUrl xmlns="7bb5d761-a2ea-4873-95f7-7a6658fb3ef0">
+      <Url>https://kms.vci.local/marketing/team/_layouts/DocIdRedir.aspx?ID=M4CWTKMW727E-592-73</Url>
+      <Description>M4CWTKMW727E-592-73</Description>
+    </_dlc_DocIdUrl>
+  </documentManagement>
+</p:properties>
 </file>
 
-<file path=customXml/itemProps2.xml><?xml version="1.0" encoding="utf-8"?>
+<file path=customXml/itemProps1.xml><?xml version="1.0" encoding="utf-8"?>
 <ds:datastoreItem xmlns:ds="http://schemas.openxmlformats.org/officeDocument/2006/customXml" ds:itemID="{164479E5-0B02-49AC-B79E-EC1D6164DDD3}">
   <ds:schemaRefs>
     <ds:schemaRef ds:uri="http://schemas.microsoft.com/office/2006/metadata/contentType"/>
@@ -32361,7 +32353,23 @@
 </ds:datastoreItem>
 </file>
 
+<file path=customXml/itemProps2.xml><?xml version="1.0" encoding="utf-8"?>
+<ds:datastoreItem xmlns:ds="http://schemas.openxmlformats.org/officeDocument/2006/customXml" ds:itemID="{5CDEB364-43EC-4510-9881-539C2A3FCE9E}">
+  <ds:schemaRefs>
+    <ds:schemaRef ds:uri="http://schemas.microsoft.com/sharepoint/v3/contenttype/forms"/>
+  </ds:schemaRefs>
+</ds:datastoreItem>
+</file>
+
 <file path=customXml/itemProps3.xml><?xml version="1.0" encoding="utf-8"?>
+<ds:datastoreItem xmlns:ds="http://schemas.openxmlformats.org/officeDocument/2006/customXml" ds:itemID="{B13EBC30-FE27-4C6A-B723-23FC2188F7DC}">
+  <ds:schemaRefs>
+    <ds:schemaRef ds:uri="http://schemas.microsoft.com/sharepoint/events"/>
+  </ds:schemaRefs>
+</ds:datastoreItem>
+</file>
+
+<file path=customXml/itemProps4.xml><?xml version="1.0" encoding="utf-8"?>
 <ds:datastoreItem xmlns:ds="http://schemas.openxmlformats.org/officeDocument/2006/customXml" ds:itemID="{6921749B-AEB7-461B-845F-603CABD25259}">
   <ds:schemaRefs>
     <ds:schemaRef ds:uri="7bb5d761-a2ea-4873-95f7-7a6658fb3ef0"/>
@@ -32375,12 +32383,4 @@
     <ds:schemaRef ds:uri="http://www.w3.org/XML/1998/namespace"/>
   </ds:schemaRefs>
 </ds:datastoreItem>
-</file>
-
-<file path=customXml/itemProps4.xml><?xml version="1.0" encoding="utf-8"?>
-<ds:datastoreItem xmlns:ds="http://schemas.openxmlformats.org/officeDocument/2006/customXml" ds:itemID="{B13EBC30-FE27-4C6A-B723-23FC2188F7DC}">
-  <ds:schemaRefs>
-    <ds:schemaRef ds:uri="http://schemas.microsoft.com/sharepoint/events"/>
-  </ds:schemaRefs>
-</ds:datastoreItem>
 </file>